--- a/Лукьянов.pptx
+++ b/Лукьянов.pptx
@@ -5,7 +5,7 @@
     <p:sldMasterId id="2147483719" r:id="rId1"/>
   </p:sldMasterIdLst>
   <p:notesMasterIdLst>
-    <p:notesMasterId r:id="rId9"/>
+    <p:notesMasterId r:id="rId11"/>
   </p:notesMasterIdLst>
   <p:sldIdLst>
     <p:sldId id="256" r:id="rId2"/>
@@ -15,6 +15,8 @@
     <p:sldId id="259" r:id="rId6"/>
     <p:sldId id="261" r:id="rId7"/>
     <p:sldId id="262" r:id="rId8"/>
+    <p:sldId id="263" r:id="rId9"/>
+    <p:sldId id="264" r:id="rId10"/>
   </p:sldIdLst>
   <p:sldSz cx="12192000" cy="6858000"/>
   <p:notesSz cx="6858000" cy="9144000"/>
@@ -2366,6 +2368,753 @@
 </file>
 
 <file path=ppt/diagrams/colors4.xml><?xml version="1.0" encoding="utf-8"?>
+<dgm:colorsDef xmlns:dgm="http://schemas.openxmlformats.org/drawingml/2006/diagram" xmlns:a="http://schemas.openxmlformats.org/drawingml/2006/main" uniqueId="urn:microsoft.com/office/officeart/2005/8/colors/accent1_2">
+  <dgm:title val=""/>
+  <dgm:desc val=""/>
+  <dgm:catLst>
+    <dgm:cat type="accent1" pri="11200"/>
+  </dgm:catLst>
+  <dgm:styleLbl name="node0">
+    <dgm:fillClrLst meth="repeat">
+      <a:schemeClr val="accent1"/>
+    </dgm:fillClrLst>
+    <dgm:linClrLst meth="repeat">
+      <a:schemeClr val="lt1"/>
+    </dgm:linClrLst>
+    <dgm:effectClrLst/>
+    <dgm:txLinClrLst/>
+    <dgm:txFillClrLst/>
+    <dgm:txEffectClrLst/>
+  </dgm:styleLbl>
+  <dgm:styleLbl name="alignNode1">
+    <dgm:fillClrLst meth="repeat">
+      <a:schemeClr val="accent1"/>
+    </dgm:fillClrLst>
+    <dgm:linClrLst meth="repeat">
+      <a:schemeClr val="accent1"/>
+    </dgm:linClrLst>
+    <dgm:effectClrLst/>
+    <dgm:txLinClrLst/>
+    <dgm:txFillClrLst/>
+    <dgm:txEffectClrLst/>
+  </dgm:styleLbl>
+  <dgm:styleLbl name="node1">
+    <dgm:fillClrLst meth="repeat">
+      <a:schemeClr val="accent1"/>
+    </dgm:fillClrLst>
+    <dgm:linClrLst meth="repeat">
+      <a:schemeClr val="lt1"/>
+    </dgm:linClrLst>
+    <dgm:effectClrLst/>
+    <dgm:txLinClrLst/>
+    <dgm:txFillClrLst/>
+    <dgm:txEffectClrLst/>
+  </dgm:styleLbl>
+  <dgm:styleLbl name="lnNode1">
+    <dgm:fillClrLst meth="repeat">
+      <a:schemeClr val="accent1"/>
+    </dgm:fillClrLst>
+    <dgm:linClrLst meth="repeat">
+      <a:schemeClr val="lt1"/>
+    </dgm:linClrLst>
+    <dgm:effectClrLst/>
+    <dgm:txLinClrLst/>
+    <dgm:txFillClrLst/>
+    <dgm:txEffectClrLst/>
+  </dgm:styleLbl>
+  <dgm:styleLbl name="vennNode1">
+    <dgm:fillClrLst meth="repeat">
+      <a:schemeClr val="accent1">
+        <a:alpha val="50000"/>
+      </a:schemeClr>
+    </dgm:fillClrLst>
+    <dgm:linClrLst meth="repeat">
+      <a:schemeClr val="lt1"/>
+    </dgm:linClrLst>
+    <dgm:effectClrLst/>
+    <dgm:txLinClrLst/>
+    <dgm:txFillClrLst/>
+    <dgm:txEffectClrLst/>
+  </dgm:styleLbl>
+  <dgm:styleLbl name="node2">
+    <dgm:fillClrLst meth="repeat">
+      <a:schemeClr val="accent1"/>
+    </dgm:fillClrLst>
+    <dgm:linClrLst meth="repeat">
+      <a:schemeClr val="lt1"/>
+    </dgm:linClrLst>
+    <dgm:effectClrLst/>
+    <dgm:txLinClrLst/>
+    <dgm:txFillClrLst/>
+    <dgm:txEffectClrLst/>
+  </dgm:styleLbl>
+  <dgm:styleLbl name="node3">
+    <dgm:fillClrLst meth="repeat">
+      <a:schemeClr val="accent1"/>
+    </dgm:fillClrLst>
+    <dgm:linClrLst meth="repeat">
+      <a:schemeClr val="lt1"/>
+    </dgm:linClrLst>
+    <dgm:effectClrLst/>
+    <dgm:txLinClrLst/>
+    <dgm:txFillClrLst/>
+    <dgm:txEffectClrLst/>
+  </dgm:styleLbl>
+  <dgm:styleLbl name="node4">
+    <dgm:fillClrLst meth="repeat">
+      <a:schemeClr val="accent1"/>
+    </dgm:fillClrLst>
+    <dgm:linClrLst meth="repeat">
+      <a:schemeClr val="lt1"/>
+    </dgm:linClrLst>
+    <dgm:effectClrLst/>
+    <dgm:txLinClrLst/>
+    <dgm:txFillClrLst/>
+    <dgm:txEffectClrLst/>
+  </dgm:styleLbl>
+  <dgm:styleLbl name="fgImgPlace1">
+    <dgm:fillClrLst meth="repeat">
+      <a:schemeClr val="accent1">
+        <a:tint val="50000"/>
+      </a:schemeClr>
+    </dgm:fillClrLst>
+    <dgm:linClrLst meth="repeat">
+      <a:schemeClr val="lt1"/>
+    </dgm:linClrLst>
+    <dgm:effectClrLst/>
+    <dgm:txLinClrLst/>
+    <dgm:txFillClrLst meth="repeat">
+      <a:schemeClr val="lt1"/>
+    </dgm:txFillClrLst>
+    <dgm:txEffectClrLst/>
+  </dgm:styleLbl>
+  <dgm:styleLbl name="alignImgPlace1">
+    <dgm:fillClrLst meth="repeat">
+      <a:schemeClr val="accent1">
+        <a:tint val="50000"/>
+      </a:schemeClr>
+    </dgm:fillClrLst>
+    <dgm:linClrLst meth="repeat">
+      <a:schemeClr val="lt1"/>
+    </dgm:linClrLst>
+    <dgm:effectClrLst/>
+    <dgm:txLinClrLst/>
+    <dgm:txFillClrLst meth="repeat">
+      <a:schemeClr val="lt1"/>
+    </dgm:txFillClrLst>
+    <dgm:txEffectClrLst/>
+  </dgm:styleLbl>
+  <dgm:styleLbl name="bgImgPlace1">
+    <dgm:fillClrLst meth="repeat">
+      <a:schemeClr val="accent1">
+        <a:tint val="50000"/>
+      </a:schemeClr>
+    </dgm:fillClrLst>
+    <dgm:linClrLst meth="repeat">
+      <a:schemeClr val="lt1"/>
+    </dgm:linClrLst>
+    <dgm:effectClrLst/>
+    <dgm:txLinClrLst/>
+    <dgm:txFillClrLst meth="repeat">
+      <a:schemeClr val="lt1"/>
+    </dgm:txFillClrLst>
+    <dgm:txEffectClrLst/>
+  </dgm:styleLbl>
+  <dgm:styleLbl name="sibTrans2D1">
+    <dgm:fillClrLst meth="repeat">
+      <a:schemeClr val="accent1">
+        <a:tint val="60000"/>
+      </a:schemeClr>
+    </dgm:fillClrLst>
+    <dgm:linClrLst meth="repeat">
+      <a:schemeClr val="accent1">
+        <a:tint val="60000"/>
+      </a:schemeClr>
+    </dgm:linClrLst>
+    <dgm:effectClrLst/>
+    <dgm:txLinClrLst/>
+    <dgm:txFillClrLst/>
+    <dgm:txEffectClrLst/>
+  </dgm:styleLbl>
+  <dgm:styleLbl name="fgSibTrans2D1">
+    <dgm:fillClrLst meth="repeat">
+      <a:schemeClr val="accent1">
+        <a:tint val="60000"/>
+      </a:schemeClr>
+    </dgm:fillClrLst>
+    <dgm:linClrLst meth="repeat">
+      <a:schemeClr val="accent1">
+        <a:tint val="60000"/>
+      </a:schemeClr>
+    </dgm:linClrLst>
+    <dgm:effectClrLst/>
+    <dgm:txLinClrLst/>
+    <dgm:txFillClrLst/>
+    <dgm:txEffectClrLst/>
+  </dgm:styleLbl>
+  <dgm:styleLbl name="bgSibTrans2D1">
+    <dgm:fillClrLst meth="repeat">
+      <a:schemeClr val="accent1">
+        <a:tint val="60000"/>
+      </a:schemeClr>
+    </dgm:fillClrLst>
+    <dgm:linClrLst meth="repeat">
+      <a:schemeClr val="accent1">
+        <a:tint val="60000"/>
+      </a:schemeClr>
+    </dgm:linClrLst>
+    <dgm:effectClrLst/>
+    <dgm:txLinClrLst/>
+    <dgm:txFillClrLst/>
+    <dgm:txEffectClrLst/>
+  </dgm:styleLbl>
+  <dgm:styleLbl name="sibTrans1D1">
+    <dgm:fillClrLst meth="repeat">
+      <a:schemeClr val="accent1"/>
+    </dgm:fillClrLst>
+    <dgm:linClrLst meth="repeat">
+      <a:schemeClr val="accent1"/>
+    </dgm:linClrLst>
+    <dgm:effectClrLst/>
+    <dgm:txLinClrLst/>
+    <dgm:txFillClrLst meth="repeat">
+      <a:schemeClr val="tx1"/>
+    </dgm:txFillClrLst>
+    <dgm:txEffectClrLst/>
+  </dgm:styleLbl>
+  <dgm:styleLbl name="callout">
+    <dgm:fillClrLst meth="repeat">
+      <a:schemeClr val="accent1"/>
+    </dgm:fillClrLst>
+    <dgm:linClrLst meth="repeat">
+      <a:schemeClr val="accent1">
+        <a:tint val="50000"/>
+      </a:schemeClr>
+    </dgm:linClrLst>
+    <dgm:effectClrLst/>
+    <dgm:txLinClrLst/>
+    <dgm:txFillClrLst meth="repeat">
+      <a:schemeClr val="tx1"/>
+    </dgm:txFillClrLst>
+    <dgm:txEffectClrLst/>
+  </dgm:styleLbl>
+  <dgm:styleLbl name="asst0">
+    <dgm:fillClrLst meth="repeat">
+      <a:schemeClr val="accent1"/>
+    </dgm:fillClrLst>
+    <dgm:linClrLst meth="repeat">
+      <a:schemeClr val="lt1"/>
+    </dgm:linClrLst>
+    <dgm:effectClrLst/>
+    <dgm:txLinClrLst/>
+    <dgm:txFillClrLst/>
+    <dgm:txEffectClrLst/>
+  </dgm:styleLbl>
+  <dgm:styleLbl name="asst1">
+    <dgm:fillClrLst meth="repeat">
+      <a:schemeClr val="accent1"/>
+    </dgm:fillClrLst>
+    <dgm:linClrLst meth="repeat">
+      <a:schemeClr val="lt1"/>
+    </dgm:linClrLst>
+    <dgm:effectClrLst/>
+    <dgm:txLinClrLst/>
+    <dgm:txFillClrLst/>
+    <dgm:txEffectClrLst/>
+  </dgm:styleLbl>
+  <dgm:styleLbl name="asst2">
+    <dgm:fillClrLst meth="repeat">
+      <a:schemeClr val="accent1"/>
+    </dgm:fillClrLst>
+    <dgm:linClrLst meth="repeat">
+      <a:schemeClr val="lt1"/>
+    </dgm:linClrLst>
+    <dgm:effectClrLst/>
+    <dgm:txLinClrLst/>
+    <dgm:txFillClrLst/>
+    <dgm:txEffectClrLst/>
+  </dgm:styleLbl>
+  <dgm:styleLbl name="asst3">
+    <dgm:fillClrLst meth="repeat">
+      <a:schemeClr val="accent1"/>
+    </dgm:fillClrLst>
+    <dgm:linClrLst meth="repeat">
+      <a:schemeClr val="lt1"/>
+    </dgm:linClrLst>
+    <dgm:effectClrLst/>
+    <dgm:txLinClrLst/>
+    <dgm:txFillClrLst/>
+    <dgm:txEffectClrLst/>
+  </dgm:styleLbl>
+  <dgm:styleLbl name="asst4">
+    <dgm:fillClrLst meth="repeat">
+      <a:schemeClr val="accent1"/>
+    </dgm:fillClrLst>
+    <dgm:linClrLst meth="repeat">
+      <a:schemeClr val="lt1"/>
+    </dgm:linClrLst>
+    <dgm:effectClrLst/>
+    <dgm:txLinClrLst/>
+    <dgm:txFillClrLst/>
+    <dgm:txEffectClrLst/>
+  </dgm:styleLbl>
+  <dgm:styleLbl name="parChTrans2D1">
+    <dgm:fillClrLst meth="repeat">
+      <a:schemeClr val="accent1">
+        <a:tint val="60000"/>
+      </a:schemeClr>
+    </dgm:fillClrLst>
+    <dgm:linClrLst meth="repeat">
+      <a:schemeClr val="accent1">
+        <a:tint val="60000"/>
+      </a:schemeClr>
+    </dgm:linClrLst>
+    <dgm:effectClrLst/>
+    <dgm:txLinClrLst/>
+    <dgm:txFillClrLst meth="repeat">
+      <a:schemeClr val="lt1"/>
+    </dgm:txFillClrLst>
+    <dgm:txEffectClrLst/>
+  </dgm:styleLbl>
+  <dgm:styleLbl name="parChTrans2D2">
+    <dgm:fillClrLst meth="repeat">
+      <a:schemeClr val="accent1"/>
+    </dgm:fillClrLst>
+    <dgm:linClrLst meth="repeat">
+      <a:schemeClr val="accent1"/>
+    </dgm:linClrLst>
+    <dgm:effectClrLst/>
+    <dgm:txLinClrLst/>
+    <dgm:txFillClrLst meth="repeat">
+      <a:schemeClr val="lt1"/>
+    </dgm:txFillClrLst>
+    <dgm:txEffectClrLst/>
+  </dgm:styleLbl>
+  <dgm:styleLbl name="parChTrans2D3">
+    <dgm:fillClrLst meth="repeat">
+      <a:schemeClr val="accent1"/>
+    </dgm:fillClrLst>
+    <dgm:linClrLst meth="repeat">
+      <a:schemeClr val="accent1"/>
+    </dgm:linClrLst>
+    <dgm:effectClrLst/>
+    <dgm:txLinClrLst/>
+    <dgm:txFillClrLst meth="repeat">
+      <a:schemeClr val="lt1"/>
+    </dgm:txFillClrLst>
+    <dgm:txEffectClrLst/>
+  </dgm:styleLbl>
+  <dgm:styleLbl name="parChTrans2D4">
+    <dgm:fillClrLst meth="repeat">
+      <a:schemeClr val="accent1"/>
+    </dgm:fillClrLst>
+    <dgm:linClrLst meth="repeat">
+      <a:schemeClr val="accent1"/>
+    </dgm:linClrLst>
+    <dgm:effectClrLst/>
+    <dgm:txLinClrLst/>
+    <dgm:txFillClrLst meth="repeat">
+      <a:schemeClr val="lt1"/>
+    </dgm:txFillClrLst>
+    <dgm:txEffectClrLst/>
+  </dgm:styleLbl>
+  <dgm:styleLbl name="parChTrans1D1">
+    <dgm:fillClrLst meth="repeat">
+      <a:schemeClr val="accent1"/>
+    </dgm:fillClrLst>
+    <dgm:linClrLst meth="repeat">
+      <a:schemeClr val="accent1">
+        <a:shade val="60000"/>
+      </a:schemeClr>
+    </dgm:linClrLst>
+    <dgm:effectClrLst/>
+    <dgm:txLinClrLst/>
+    <dgm:txFillClrLst meth="repeat">
+      <a:schemeClr val="tx1"/>
+    </dgm:txFillClrLst>
+    <dgm:txEffectClrLst/>
+  </dgm:styleLbl>
+  <dgm:styleLbl name="parChTrans1D2">
+    <dgm:fillClrLst meth="repeat">
+      <a:schemeClr val="accent1"/>
+    </dgm:fillClrLst>
+    <dgm:linClrLst meth="repeat">
+      <a:schemeClr val="accent1">
+        <a:shade val="60000"/>
+      </a:schemeClr>
+    </dgm:linClrLst>
+    <dgm:effectClrLst/>
+    <dgm:txLinClrLst/>
+    <dgm:txFillClrLst meth="repeat">
+      <a:schemeClr val="tx1"/>
+    </dgm:txFillClrLst>
+    <dgm:txEffectClrLst/>
+  </dgm:styleLbl>
+  <dgm:styleLbl name="parChTrans1D3">
+    <dgm:fillClrLst meth="repeat">
+      <a:schemeClr val="accent1"/>
+    </dgm:fillClrLst>
+    <dgm:linClrLst meth="repeat">
+      <a:schemeClr val="accent1">
+        <a:shade val="80000"/>
+      </a:schemeClr>
+    </dgm:linClrLst>
+    <dgm:effectClrLst/>
+    <dgm:txLinClrLst/>
+    <dgm:txFillClrLst meth="repeat">
+      <a:schemeClr val="tx1"/>
+    </dgm:txFillClrLst>
+    <dgm:txEffectClrLst/>
+  </dgm:styleLbl>
+  <dgm:styleLbl name="parChTrans1D4">
+    <dgm:fillClrLst meth="repeat">
+      <a:schemeClr val="accent1"/>
+    </dgm:fillClrLst>
+    <dgm:linClrLst meth="repeat">
+      <a:schemeClr val="accent1">
+        <a:shade val="80000"/>
+      </a:schemeClr>
+    </dgm:linClrLst>
+    <dgm:effectClrLst/>
+    <dgm:txLinClrLst/>
+    <dgm:txFillClrLst meth="repeat">
+      <a:schemeClr val="tx1"/>
+    </dgm:txFillClrLst>
+    <dgm:txEffectClrLst/>
+  </dgm:styleLbl>
+  <dgm:styleLbl name="fgAcc1">
+    <dgm:fillClrLst meth="repeat">
+      <a:schemeClr val="lt1">
+        <a:alpha val="90000"/>
+      </a:schemeClr>
+    </dgm:fillClrLst>
+    <dgm:linClrLst meth="repeat">
+      <a:schemeClr val="accent1"/>
+    </dgm:linClrLst>
+    <dgm:effectClrLst/>
+    <dgm:txLinClrLst/>
+    <dgm:txFillClrLst meth="repeat">
+      <a:schemeClr val="dk1"/>
+    </dgm:txFillClrLst>
+    <dgm:txEffectClrLst/>
+  </dgm:styleLbl>
+  <dgm:styleLbl name="conFgAcc1">
+    <dgm:fillClrLst meth="repeat">
+      <a:schemeClr val="lt1">
+        <a:alpha val="90000"/>
+      </a:schemeClr>
+    </dgm:fillClrLst>
+    <dgm:linClrLst meth="repeat">
+      <a:schemeClr val="accent1"/>
+    </dgm:linClrLst>
+    <dgm:effectClrLst/>
+    <dgm:txLinClrLst/>
+    <dgm:txFillClrLst meth="repeat">
+      <a:schemeClr val="dk1"/>
+    </dgm:txFillClrLst>
+    <dgm:txEffectClrLst/>
+  </dgm:styleLbl>
+  <dgm:styleLbl name="alignAcc1">
+    <dgm:fillClrLst meth="repeat">
+      <a:schemeClr val="lt1">
+        <a:alpha val="90000"/>
+      </a:schemeClr>
+    </dgm:fillClrLst>
+    <dgm:linClrLst meth="repeat">
+      <a:schemeClr val="accent1"/>
+    </dgm:linClrLst>
+    <dgm:effectClrLst/>
+    <dgm:txLinClrLst/>
+    <dgm:txFillClrLst meth="repeat">
+      <a:schemeClr val="dk1"/>
+    </dgm:txFillClrLst>
+    <dgm:txEffectClrLst/>
+  </dgm:styleLbl>
+  <dgm:styleLbl name="trAlignAcc1">
+    <dgm:fillClrLst meth="repeat">
+      <a:schemeClr val="lt1">
+        <a:alpha val="40000"/>
+      </a:schemeClr>
+    </dgm:fillClrLst>
+    <dgm:linClrLst meth="repeat">
+      <a:schemeClr val="accent1"/>
+    </dgm:linClrLst>
+    <dgm:effectClrLst/>
+    <dgm:txLinClrLst/>
+    <dgm:txFillClrLst meth="repeat">
+      <a:schemeClr val="dk1"/>
+    </dgm:txFillClrLst>
+    <dgm:txEffectClrLst/>
+  </dgm:styleLbl>
+  <dgm:styleLbl name="bgAcc1">
+    <dgm:fillClrLst meth="repeat">
+      <a:schemeClr val="lt1">
+        <a:alpha val="90000"/>
+      </a:schemeClr>
+    </dgm:fillClrLst>
+    <dgm:linClrLst meth="repeat">
+      <a:schemeClr val="accent1"/>
+    </dgm:linClrLst>
+    <dgm:effectClrLst/>
+    <dgm:txLinClrLst/>
+    <dgm:txFillClrLst meth="repeat">
+      <a:schemeClr val="dk1"/>
+    </dgm:txFillClrLst>
+    <dgm:txEffectClrLst/>
+  </dgm:styleLbl>
+  <dgm:styleLbl name="solidFgAcc1">
+    <dgm:fillClrLst meth="repeat">
+      <a:schemeClr val="lt1"/>
+    </dgm:fillClrLst>
+    <dgm:linClrLst meth="repeat">
+      <a:schemeClr val="accent1"/>
+    </dgm:linClrLst>
+    <dgm:effectClrLst/>
+    <dgm:txLinClrLst/>
+    <dgm:txFillClrLst meth="repeat">
+      <a:schemeClr val="dk1"/>
+    </dgm:txFillClrLst>
+    <dgm:txEffectClrLst/>
+  </dgm:styleLbl>
+  <dgm:styleLbl name="solidAlignAcc1">
+    <dgm:fillClrLst meth="repeat">
+      <a:schemeClr val="lt1"/>
+    </dgm:fillClrLst>
+    <dgm:linClrLst meth="repeat">
+      <a:schemeClr val="accent1"/>
+    </dgm:linClrLst>
+    <dgm:effectClrLst/>
+    <dgm:txLinClrLst/>
+    <dgm:txFillClrLst meth="repeat">
+      <a:schemeClr val="dk1"/>
+    </dgm:txFillClrLst>
+    <dgm:txEffectClrLst/>
+  </dgm:styleLbl>
+  <dgm:styleLbl name="solidBgAcc1">
+    <dgm:fillClrLst meth="repeat">
+      <a:schemeClr val="lt1"/>
+    </dgm:fillClrLst>
+    <dgm:linClrLst meth="repeat">
+      <a:schemeClr val="accent1"/>
+    </dgm:linClrLst>
+    <dgm:effectClrLst/>
+    <dgm:txLinClrLst/>
+    <dgm:txFillClrLst meth="repeat">
+      <a:schemeClr val="dk1"/>
+    </dgm:txFillClrLst>
+    <dgm:txEffectClrLst/>
+  </dgm:styleLbl>
+  <dgm:styleLbl name="fgAccFollowNode1">
+    <dgm:fillClrLst meth="repeat">
+      <a:schemeClr val="accent1">
+        <a:alpha val="90000"/>
+        <a:tint val="40000"/>
+      </a:schemeClr>
+    </dgm:fillClrLst>
+    <dgm:linClrLst meth="repeat">
+      <a:schemeClr val="accent1">
+        <a:alpha val="90000"/>
+        <a:tint val="40000"/>
+      </a:schemeClr>
+    </dgm:linClrLst>
+    <dgm:effectClrLst/>
+    <dgm:txLinClrLst/>
+    <dgm:txFillClrLst meth="repeat">
+      <a:schemeClr val="dk1"/>
+    </dgm:txFillClrLst>
+    <dgm:txEffectClrLst/>
+  </dgm:styleLbl>
+  <dgm:styleLbl name="alignAccFollowNode1">
+    <dgm:fillClrLst meth="repeat">
+      <a:schemeClr val="accent1">
+        <a:alpha val="90000"/>
+        <a:tint val="40000"/>
+      </a:schemeClr>
+    </dgm:fillClrLst>
+    <dgm:linClrLst meth="repeat">
+      <a:schemeClr val="accent1">
+        <a:alpha val="90000"/>
+        <a:tint val="40000"/>
+      </a:schemeClr>
+    </dgm:linClrLst>
+    <dgm:effectClrLst/>
+    <dgm:txLinClrLst/>
+    <dgm:txFillClrLst meth="repeat">
+      <a:schemeClr val="dk1"/>
+    </dgm:txFillClrLst>
+    <dgm:txEffectClrLst/>
+  </dgm:styleLbl>
+  <dgm:styleLbl name="bgAccFollowNode1">
+    <dgm:fillClrLst meth="repeat">
+      <a:schemeClr val="accent1">
+        <a:alpha val="90000"/>
+        <a:tint val="40000"/>
+      </a:schemeClr>
+    </dgm:fillClrLst>
+    <dgm:linClrLst meth="repeat">
+      <a:schemeClr val="accent1">
+        <a:alpha val="90000"/>
+        <a:tint val="40000"/>
+      </a:schemeClr>
+    </dgm:linClrLst>
+    <dgm:effectClrLst/>
+    <dgm:txLinClrLst/>
+    <dgm:txFillClrLst meth="repeat">
+      <a:schemeClr val="dk1"/>
+    </dgm:txFillClrLst>
+    <dgm:txEffectClrLst/>
+  </dgm:styleLbl>
+  <dgm:styleLbl name="fgAcc0">
+    <dgm:fillClrLst meth="repeat">
+      <a:schemeClr val="lt1">
+        <a:alpha val="90000"/>
+      </a:schemeClr>
+    </dgm:fillClrLst>
+    <dgm:linClrLst meth="repeat">
+      <a:schemeClr val="accent1"/>
+    </dgm:linClrLst>
+    <dgm:effectClrLst/>
+    <dgm:txLinClrLst/>
+    <dgm:txFillClrLst meth="repeat">
+      <a:schemeClr val="dk1"/>
+    </dgm:txFillClrLst>
+    <dgm:txEffectClrLst/>
+  </dgm:styleLbl>
+  <dgm:styleLbl name="fgAcc2">
+    <dgm:fillClrLst meth="repeat">
+      <a:schemeClr val="lt1">
+        <a:alpha val="90000"/>
+      </a:schemeClr>
+    </dgm:fillClrLst>
+    <dgm:linClrLst meth="repeat">
+      <a:schemeClr val="accent1"/>
+    </dgm:linClrLst>
+    <dgm:effectClrLst/>
+    <dgm:txLinClrLst/>
+    <dgm:txFillClrLst meth="repeat">
+      <a:schemeClr val="dk1"/>
+    </dgm:txFillClrLst>
+    <dgm:txEffectClrLst/>
+  </dgm:styleLbl>
+  <dgm:styleLbl name="fgAcc3">
+    <dgm:fillClrLst meth="repeat">
+      <a:schemeClr val="lt1">
+        <a:alpha val="90000"/>
+      </a:schemeClr>
+    </dgm:fillClrLst>
+    <dgm:linClrLst meth="repeat">
+      <a:schemeClr val="accent1"/>
+    </dgm:linClrLst>
+    <dgm:effectClrLst/>
+    <dgm:txLinClrLst/>
+    <dgm:txFillClrLst meth="repeat">
+      <a:schemeClr val="dk1"/>
+    </dgm:txFillClrLst>
+    <dgm:txEffectClrLst/>
+  </dgm:styleLbl>
+  <dgm:styleLbl name="fgAcc4">
+    <dgm:fillClrLst meth="repeat">
+      <a:schemeClr val="lt1">
+        <a:alpha val="90000"/>
+      </a:schemeClr>
+    </dgm:fillClrLst>
+    <dgm:linClrLst meth="repeat">
+      <a:schemeClr val="accent1"/>
+    </dgm:linClrLst>
+    <dgm:effectClrLst/>
+    <dgm:txLinClrLst/>
+    <dgm:txFillClrLst meth="repeat">
+      <a:schemeClr val="dk1"/>
+    </dgm:txFillClrLst>
+    <dgm:txEffectClrLst/>
+  </dgm:styleLbl>
+  <dgm:styleLbl name="bgShp">
+    <dgm:fillClrLst meth="repeat">
+      <a:schemeClr val="accent1">
+        <a:tint val="40000"/>
+      </a:schemeClr>
+    </dgm:fillClrLst>
+    <dgm:linClrLst meth="repeat">
+      <a:schemeClr val="accent1"/>
+    </dgm:linClrLst>
+    <dgm:effectClrLst/>
+    <dgm:txLinClrLst/>
+    <dgm:txFillClrLst meth="repeat">
+      <a:schemeClr val="dk1"/>
+    </dgm:txFillClrLst>
+    <dgm:txEffectClrLst/>
+  </dgm:styleLbl>
+  <dgm:styleLbl name="dkBgShp">
+    <dgm:fillClrLst meth="repeat">
+      <a:schemeClr val="accent1">
+        <a:shade val="80000"/>
+      </a:schemeClr>
+    </dgm:fillClrLst>
+    <dgm:linClrLst meth="repeat">
+      <a:schemeClr val="accent1"/>
+    </dgm:linClrLst>
+    <dgm:effectClrLst/>
+    <dgm:txLinClrLst/>
+    <dgm:txFillClrLst meth="repeat">
+      <a:schemeClr val="lt1"/>
+    </dgm:txFillClrLst>
+    <dgm:txEffectClrLst/>
+  </dgm:styleLbl>
+  <dgm:styleLbl name="trBgShp">
+    <dgm:fillClrLst meth="repeat">
+      <a:schemeClr val="accent1">
+        <a:tint val="50000"/>
+        <a:alpha val="40000"/>
+      </a:schemeClr>
+    </dgm:fillClrLst>
+    <dgm:linClrLst meth="repeat">
+      <a:schemeClr val="accent1"/>
+    </dgm:linClrLst>
+    <dgm:effectClrLst/>
+    <dgm:txLinClrLst/>
+    <dgm:txFillClrLst meth="repeat">
+      <a:schemeClr val="lt1"/>
+    </dgm:txFillClrLst>
+    <dgm:txEffectClrLst/>
+  </dgm:styleLbl>
+  <dgm:styleLbl name="fgShp">
+    <dgm:fillClrLst meth="repeat">
+      <a:schemeClr val="accent1">
+        <a:tint val="60000"/>
+      </a:schemeClr>
+    </dgm:fillClrLst>
+    <dgm:linClrLst meth="repeat">
+      <a:schemeClr val="lt1"/>
+    </dgm:linClrLst>
+    <dgm:effectClrLst/>
+    <dgm:txLinClrLst/>
+    <dgm:txFillClrLst meth="repeat">
+      <a:schemeClr val="dk1"/>
+    </dgm:txFillClrLst>
+    <dgm:txEffectClrLst/>
+  </dgm:styleLbl>
+  <dgm:styleLbl name="revTx">
+    <dgm:fillClrLst meth="repeat">
+      <a:schemeClr val="lt1">
+        <a:alpha val="0"/>
+      </a:schemeClr>
+    </dgm:fillClrLst>
+    <dgm:linClrLst meth="repeat">
+      <a:schemeClr val="dk1">
+        <a:alpha val="0"/>
+      </a:schemeClr>
+    </dgm:linClrLst>
+    <dgm:effectClrLst/>
+    <dgm:txLinClrLst/>
+    <dgm:txFillClrLst meth="repeat">
+      <a:schemeClr val="tx1"/>
+    </dgm:txFillClrLst>
+    <dgm:txEffectClrLst/>
+  </dgm:styleLbl>
+</dgm:colorsDef>
+</file>
+
+<file path=ppt/diagrams/colors5.xml><?xml version="1.0" encoding="utf-8"?>
 <dgm:colorsDef xmlns:dgm="http://schemas.openxmlformats.org/drawingml/2006/diagram" xmlns:a="http://schemas.openxmlformats.org/drawingml/2006/main" uniqueId="urn:microsoft.com/office/officeart/2005/8/colors/accent1_2">
   <dgm:title val=""/>
   <dgm:desc val=""/>
@@ -6918,13 +7667,16 @@
       </dgm:t>
     </dgm:pt>
     <dgm:pt modelId="{FAA7340D-FFE5-4D67-A932-D20871FF68C4}">
-      <dgm:prSet phldrT="[Текст]" phldr="1"/>
+      <dgm:prSet phldrT="[Текст]"/>
       <dgm:spPr/>
       <dgm:t>
         <a:bodyPr/>
         <a:lstStyle/>
         <a:p>
-          <a:endParaRPr lang="ru-RU" dirty="0"/>
+          <a:r>
+            <a:rPr lang="ru-RU" dirty="0"/>
+            <a:t>Сокращение некачественных и незаконных строек</a:t>
+          </a:r>
         </a:p>
       </dgm:t>
     </dgm:pt>
@@ -6957,6 +7709,10 @@
         <a:bodyPr/>
         <a:lstStyle/>
         <a:p>
+          <a:r>
+            <a:rPr lang="ru-RU" b="0" i="0" dirty="0"/>
+            <a:t>Выдача разрешений на строительство и разрешений на ввод в эксплуатацию объектов капитального строительства</a:t>
+          </a:r>
           <a:endParaRPr lang="ru-RU" dirty="0"/>
         </a:p>
       </dgm:t>
@@ -7026,7 +7782,18 @@
         <a:bodyPr/>
         <a:lstStyle/>
         <a:p>
-          <a:endParaRPr lang="ru-RU" dirty="0"/>
+          <a:r>
+            <a:rPr lang="ru-RU" dirty="0"/>
+            <a:t>Возможность недобросовестной оценки застройщика лицами</a:t>
+          </a:r>
+          <a:r>
+            <a:rPr lang="en-US" dirty="0"/>
+            <a:t>,</a:t>
+          </a:r>
+          <a:r>
+            <a:rPr lang="ru-RU" dirty="0"/>
+            <a:t> имеющими полномочия по выдаче разрешений на строительство и ввод в эксплуатацию </a:t>
+          </a:r>
         </a:p>
       </dgm:t>
     </dgm:pt>
@@ -7059,6 +7826,10 @@
         <a:bodyPr/>
         <a:lstStyle/>
         <a:p>
+          <a:r>
+            <a:rPr lang="ru-RU" b="0" i="0" dirty="0"/>
+            <a:t>Несоответствие объекта капитального строительства разрешенному использованию земельного участка и ограничениям, установленным в соответствии с земельным и иным законодательством Российской Федерации</a:t>
+          </a:r>
           <a:endParaRPr lang="ru-RU" dirty="0"/>
         </a:p>
       </dgm:t>
@@ -7128,7 +7899,574 @@
         <a:bodyPr/>
         <a:lstStyle/>
         <a:p>
+          <a:r>
+            <a:rPr lang="ru-RU" dirty="0"/>
+            <a:t>Проведение регулярных проверок всех ведущихся строительных проектов на соответствие законодательству</a:t>
+          </a:r>
+        </a:p>
+      </dgm:t>
+    </dgm:pt>
+    <dgm:pt modelId="{0ECAA0BD-D6BE-46B3-A72F-E49C75467A57}" type="parTrans" cxnId="{C56FBDA1-40B5-4666-A042-82A17B37CC7A}">
+      <dgm:prSet/>
+      <dgm:spPr/>
+      <dgm:t>
+        <a:bodyPr/>
+        <a:lstStyle/>
+        <a:p>
+          <a:endParaRPr lang="ru-RU"/>
+        </a:p>
+      </dgm:t>
+    </dgm:pt>
+    <dgm:pt modelId="{01A24306-DBA1-4667-8708-83825E789EC4}" type="sibTrans" cxnId="{C56FBDA1-40B5-4666-A042-82A17B37CC7A}">
+      <dgm:prSet/>
+      <dgm:spPr/>
+      <dgm:t>
+        <a:bodyPr/>
+        <a:lstStyle/>
+        <a:p>
+          <a:endParaRPr lang="ru-RU"/>
+        </a:p>
+      </dgm:t>
+    </dgm:pt>
+    <dgm:pt modelId="{53D583C6-2E04-422A-B2AA-4B99EC7CFD2E}">
+      <dgm:prSet/>
+      <dgm:spPr/>
+      <dgm:t>
+        <a:bodyPr/>
+        <a:lstStyle/>
+        <a:p>
+          <a:r>
+            <a:rPr lang="ru-RU" dirty="0"/>
+            <a:t>Положительные эффекты от реализации мероприятий</a:t>
+          </a:r>
+        </a:p>
+      </dgm:t>
+    </dgm:pt>
+    <dgm:pt modelId="{8E936410-0F1F-45F3-8994-B53D51CFD46A}" type="parTrans" cxnId="{4279D051-DD07-43B7-BD34-0AA87663CD8B}">
+      <dgm:prSet/>
+      <dgm:spPr/>
+      <dgm:t>
+        <a:bodyPr/>
+        <a:lstStyle/>
+        <a:p>
+          <a:endParaRPr lang="ru-RU"/>
+        </a:p>
+      </dgm:t>
+    </dgm:pt>
+    <dgm:pt modelId="{C0600DC0-F59D-419D-A116-6EAB24CBDFF4}" type="sibTrans" cxnId="{4279D051-DD07-43B7-BD34-0AA87663CD8B}">
+      <dgm:prSet/>
+      <dgm:spPr/>
+      <dgm:t>
+        <a:bodyPr/>
+        <a:lstStyle/>
+        <a:p>
+          <a:endParaRPr lang="ru-RU"/>
+        </a:p>
+      </dgm:t>
+    </dgm:pt>
+    <dgm:pt modelId="{69CEE700-723A-4EFD-A468-E186D33AD114}">
+      <dgm:prSet/>
+      <dgm:spPr/>
+      <dgm:t>
+        <a:bodyPr/>
+        <a:lstStyle/>
+        <a:p>
+          <a:r>
+            <a:rPr lang="ru-RU" dirty="0"/>
+            <a:t>Форма проявления коррупции</a:t>
+          </a:r>
+        </a:p>
+      </dgm:t>
+    </dgm:pt>
+    <dgm:pt modelId="{1D60FE72-B55C-4749-A0D0-925FA09602A4}" type="sibTrans" cxnId="{A91DCA4E-B26A-4475-B8B1-0C5DA84ECF14}">
+      <dgm:prSet/>
+      <dgm:spPr/>
+      <dgm:t>
+        <a:bodyPr/>
+        <a:lstStyle/>
+        <a:p>
+          <a:endParaRPr lang="ru-RU"/>
+        </a:p>
+      </dgm:t>
+    </dgm:pt>
+    <dgm:pt modelId="{2F3A5C45-FD47-4EC8-90D2-FB2A609346F4}" type="parTrans" cxnId="{A91DCA4E-B26A-4475-B8B1-0C5DA84ECF14}">
+      <dgm:prSet/>
+      <dgm:spPr/>
+      <dgm:t>
+        <a:bodyPr/>
+        <a:lstStyle/>
+        <a:p>
+          <a:endParaRPr lang="ru-RU"/>
+        </a:p>
+      </dgm:t>
+    </dgm:pt>
+    <dgm:pt modelId="{B37B14EA-1B4C-4AAA-8801-782EDCE2C2B0}" type="pres">
+      <dgm:prSet presAssocID="{F03C091B-E4A9-4048-BEA4-81CFCD9716A0}" presName="Name0" presStyleCnt="0">
+        <dgm:presLayoutVars>
+          <dgm:dir/>
+          <dgm:animLvl val="lvl"/>
+          <dgm:resizeHandles val="exact"/>
+        </dgm:presLayoutVars>
+      </dgm:prSet>
+      <dgm:spPr/>
+    </dgm:pt>
+    <dgm:pt modelId="{F7A533F6-7E0B-4FD0-ABCA-2EC6EE132550}" type="pres">
+      <dgm:prSet presAssocID="{033DA7F7-6EE2-405D-BB58-AD41D06D32D7}" presName="composite" presStyleCnt="0"/>
+      <dgm:spPr/>
+    </dgm:pt>
+    <dgm:pt modelId="{58D3B9D4-5D36-494E-A152-38141208FAAF}" type="pres">
+      <dgm:prSet presAssocID="{033DA7F7-6EE2-405D-BB58-AD41D06D32D7}" presName="parTx" presStyleLbl="alignNode1" presStyleIdx="0" presStyleCnt="5">
+        <dgm:presLayoutVars>
+          <dgm:chMax val="0"/>
+          <dgm:chPref val="0"/>
+          <dgm:bulletEnabled val="1"/>
+        </dgm:presLayoutVars>
+      </dgm:prSet>
+      <dgm:spPr/>
+    </dgm:pt>
+    <dgm:pt modelId="{AE1BE227-A860-4373-A272-3AFFC804A630}" type="pres">
+      <dgm:prSet presAssocID="{033DA7F7-6EE2-405D-BB58-AD41D06D32D7}" presName="desTx" presStyleLbl="alignAccFollowNode1" presStyleIdx="0" presStyleCnt="5">
+        <dgm:presLayoutVars>
+          <dgm:bulletEnabled val="1"/>
+        </dgm:presLayoutVars>
+      </dgm:prSet>
+      <dgm:spPr/>
+    </dgm:pt>
+    <dgm:pt modelId="{56C36632-7F5F-400E-ACBC-43CB25413FC6}" type="pres">
+      <dgm:prSet presAssocID="{615FD4F4-C7BA-4C06-A22F-D9040D6EBEBE}" presName="space" presStyleCnt="0"/>
+      <dgm:spPr/>
+    </dgm:pt>
+    <dgm:pt modelId="{530F9394-3C12-48E5-A529-FEF0E8369837}" type="pres">
+      <dgm:prSet presAssocID="{D9F1635E-E96C-44E3-985B-D3E77DE623C8}" presName="composite" presStyleCnt="0"/>
+      <dgm:spPr/>
+    </dgm:pt>
+    <dgm:pt modelId="{20027475-6FEC-439C-9254-9B745358261F}" type="pres">
+      <dgm:prSet presAssocID="{D9F1635E-E96C-44E3-985B-D3E77DE623C8}" presName="parTx" presStyleLbl="alignNode1" presStyleIdx="1" presStyleCnt="5">
+        <dgm:presLayoutVars>
+          <dgm:chMax val="0"/>
+          <dgm:chPref val="0"/>
+          <dgm:bulletEnabled val="1"/>
+        </dgm:presLayoutVars>
+      </dgm:prSet>
+      <dgm:spPr/>
+    </dgm:pt>
+    <dgm:pt modelId="{F83DF972-C0B0-4929-911B-3BAADF6B51AE}" type="pres">
+      <dgm:prSet presAssocID="{D9F1635E-E96C-44E3-985B-D3E77DE623C8}" presName="desTx" presStyleLbl="alignAccFollowNode1" presStyleIdx="1" presStyleCnt="5">
+        <dgm:presLayoutVars>
+          <dgm:bulletEnabled val="1"/>
+        </dgm:presLayoutVars>
+      </dgm:prSet>
+      <dgm:spPr/>
+    </dgm:pt>
+    <dgm:pt modelId="{A71E9CD1-8254-4367-A673-7AE4529C74BF}" type="pres">
+      <dgm:prSet presAssocID="{9379A2B4-C8F2-4DB8-8F44-90B53DF385E0}" presName="space" presStyleCnt="0"/>
+      <dgm:spPr/>
+    </dgm:pt>
+    <dgm:pt modelId="{4D2143BF-4897-4C39-977B-53E671F34DA5}" type="pres">
+      <dgm:prSet presAssocID="{69CEE700-723A-4EFD-A468-E186D33AD114}" presName="composite" presStyleCnt="0"/>
+      <dgm:spPr/>
+    </dgm:pt>
+    <dgm:pt modelId="{4DEE5970-1AE7-45F4-A0D2-CEC4202E83DE}" type="pres">
+      <dgm:prSet presAssocID="{69CEE700-723A-4EFD-A468-E186D33AD114}" presName="parTx" presStyleLbl="alignNode1" presStyleIdx="2" presStyleCnt="5">
+        <dgm:presLayoutVars>
+          <dgm:chMax val="0"/>
+          <dgm:chPref val="0"/>
+          <dgm:bulletEnabled val="1"/>
+        </dgm:presLayoutVars>
+      </dgm:prSet>
+      <dgm:spPr/>
+    </dgm:pt>
+    <dgm:pt modelId="{CD4DE0EC-10E7-420C-A53C-392AA2DCF6D6}" type="pres">
+      <dgm:prSet presAssocID="{69CEE700-723A-4EFD-A468-E186D33AD114}" presName="desTx" presStyleLbl="alignAccFollowNode1" presStyleIdx="2" presStyleCnt="5">
+        <dgm:presLayoutVars>
+          <dgm:bulletEnabled val="1"/>
+        </dgm:presLayoutVars>
+      </dgm:prSet>
+      <dgm:spPr/>
+    </dgm:pt>
+    <dgm:pt modelId="{A736137D-B425-4DD9-9FA8-729D8B24754B}" type="pres">
+      <dgm:prSet presAssocID="{1D60FE72-B55C-4749-A0D0-925FA09602A4}" presName="space" presStyleCnt="0"/>
+      <dgm:spPr/>
+    </dgm:pt>
+    <dgm:pt modelId="{CB068AAB-F475-458B-BF25-30A4E8D1EFD8}" type="pres">
+      <dgm:prSet presAssocID="{B77942FF-54BF-4B51-A3AC-A91CD916CC77}" presName="composite" presStyleCnt="0"/>
+      <dgm:spPr/>
+    </dgm:pt>
+    <dgm:pt modelId="{B2B9712E-2265-450C-A539-E37E8D27820B}" type="pres">
+      <dgm:prSet presAssocID="{B77942FF-54BF-4B51-A3AC-A91CD916CC77}" presName="parTx" presStyleLbl="alignNode1" presStyleIdx="3" presStyleCnt="5">
+        <dgm:presLayoutVars>
+          <dgm:chMax val="0"/>
+          <dgm:chPref val="0"/>
+          <dgm:bulletEnabled val="1"/>
+        </dgm:presLayoutVars>
+      </dgm:prSet>
+      <dgm:spPr/>
+    </dgm:pt>
+    <dgm:pt modelId="{6BA966ED-6A4B-4084-84E7-5D876DB255B5}" type="pres">
+      <dgm:prSet presAssocID="{B77942FF-54BF-4B51-A3AC-A91CD916CC77}" presName="desTx" presStyleLbl="alignAccFollowNode1" presStyleIdx="3" presStyleCnt="5">
+        <dgm:presLayoutVars>
+          <dgm:bulletEnabled val="1"/>
+        </dgm:presLayoutVars>
+      </dgm:prSet>
+      <dgm:spPr/>
+    </dgm:pt>
+    <dgm:pt modelId="{C56B1365-FD9B-40FD-8E9C-4D7BE4AAA09C}" type="pres">
+      <dgm:prSet presAssocID="{D1331640-AE71-4862-AB72-BF0FA09457A8}" presName="space" presStyleCnt="0"/>
+      <dgm:spPr/>
+    </dgm:pt>
+    <dgm:pt modelId="{56BE9EFE-C1D6-47E2-88AA-C82149C1BBDF}" type="pres">
+      <dgm:prSet presAssocID="{53D583C6-2E04-422A-B2AA-4B99EC7CFD2E}" presName="composite" presStyleCnt="0"/>
+      <dgm:spPr/>
+    </dgm:pt>
+    <dgm:pt modelId="{8E0F59AC-CE69-4C1D-94FC-D21676D5EFE4}" type="pres">
+      <dgm:prSet presAssocID="{53D583C6-2E04-422A-B2AA-4B99EC7CFD2E}" presName="parTx" presStyleLbl="alignNode1" presStyleIdx="4" presStyleCnt="5">
+        <dgm:presLayoutVars>
+          <dgm:chMax val="0"/>
+          <dgm:chPref val="0"/>
+          <dgm:bulletEnabled val="1"/>
+        </dgm:presLayoutVars>
+      </dgm:prSet>
+      <dgm:spPr/>
+    </dgm:pt>
+    <dgm:pt modelId="{6873CDD8-67BF-49FF-8D81-D811229107A9}" type="pres">
+      <dgm:prSet presAssocID="{53D583C6-2E04-422A-B2AA-4B99EC7CFD2E}" presName="desTx" presStyleLbl="alignAccFollowNode1" presStyleIdx="4" presStyleCnt="5">
+        <dgm:presLayoutVars>
+          <dgm:bulletEnabled val="1"/>
+        </dgm:presLayoutVars>
+      </dgm:prSet>
+      <dgm:spPr/>
+    </dgm:pt>
+  </dgm:ptLst>
+  <dgm:cxnLst>
+    <dgm:cxn modelId="{E6336707-FEE0-4778-900A-685CF04E914D}" type="presOf" srcId="{033DA7F7-6EE2-405D-BB58-AD41D06D32D7}" destId="{58D3B9D4-5D36-494E-A152-38141208FAAF}" srcOrd="0" destOrd="0" presId="urn:microsoft.com/office/officeart/2005/8/layout/hList1"/>
+    <dgm:cxn modelId="{1B9DBA08-AF4D-4A6C-B921-9797C5374069}" srcId="{F03C091B-E4A9-4048-BEA4-81CFCD9716A0}" destId="{B77942FF-54BF-4B51-A3AC-A91CD916CC77}" srcOrd="3" destOrd="0" parTransId="{341F00C4-6524-4020-BAA4-DD4350F059C6}" sibTransId="{D1331640-AE71-4862-AB72-BF0FA09457A8}"/>
+    <dgm:cxn modelId="{81FE3F0E-113D-47E0-B371-165EAAF039E5}" type="presOf" srcId="{F03C091B-E4A9-4048-BEA4-81CFCD9716A0}" destId="{B37B14EA-1B4C-4AAA-8801-782EDCE2C2B0}" srcOrd="0" destOrd="0" presId="urn:microsoft.com/office/officeart/2005/8/layout/hList1"/>
+    <dgm:cxn modelId="{A2ECEF19-EE40-44D5-8B11-ABDF98EFD358}" srcId="{F03C091B-E4A9-4048-BEA4-81CFCD9716A0}" destId="{D9F1635E-E96C-44E3-985B-D3E77DE623C8}" srcOrd="1" destOrd="0" parTransId="{7AA9FBE3-423D-4495-ADC7-90898D27A470}" sibTransId="{9379A2B4-C8F2-4DB8-8F44-90B53DF385E0}"/>
+    <dgm:cxn modelId="{712F0040-9DB0-4BF2-8322-955808089D08}" type="presOf" srcId="{B77942FF-54BF-4B51-A3AC-A91CD916CC77}" destId="{B2B9712E-2265-450C-A539-E37E8D27820B}" srcOrd="0" destOrd="0" presId="urn:microsoft.com/office/officeart/2005/8/layout/hList1"/>
+    <dgm:cxn modelId="{16621547-6D41-4321-899F-9D212CAAD728}" type="presOf" srcId="{9384F9FF-A86A-4037-8DF7-D76066CE9BEE}" destId="{AE1BE227-A860-4373-A272-3AFFC804A630}" srcOrd="0" destOrd="0" presId="urn:microsoft.com/office/officeart/2005/8/layout/hList1"/>
+    <dgm:cxn modelId="{53B5C368-1103-479B-A349-B906D64377A3}" type="presOf" srcId="{63CBAA52-13CB-4154-982C-189B90558418}" destId="{F83DF972-C0B0-4929-911B-3BAADF6B51AE}" srcOrd="0" destOrd="0" presId="urn:microsoft.com/office/officeart/2005/8/layout/hList1"/>
+    <dgm:cxn modelId="{EA4A3569-424A-4DCB-9D46-DE76FCE07E56}" srcId="{53D583C6-2E04-422A-B2AA-4B99EC7CFD2E}" destId="{FAA7340D-FFE5-4D67-A932-D20871FF68C4}" srcOrd="0" destOrd="0" parTransId="{9547954F-4C72-4FFE-B6FB-528F5CB094A1}" sibTransId="{1DB248D8-CDA4-49BF-B026-95817E5C4418}"/>
+    <dgm:cxn modelId="{A91DCA4E-B26A-4475-B8B1-0C5DA84ECF14}" srcId="{F03C091B-E4A9-4048-BEA4-81CFCD9716A0}" destId="{69CEE700-723A-4EFD-A468-E186D33AD114}" srcOrd="2" destOrd="0" parTransId="{2F3A5C45-FD47-4EC8-90D2-FB2A609346F4}" sibTransId="{1D60FE72-B55C-4749-A0D0-925FA09602A4}"/>
+    <dgm:cxn modelId="{4279D051-DD07-43B7-BD34-0AA87663CD8B}" srcId="{F03C091B-E4A9-4048-BEA4-81CFCD9716A0}" destId="{53D583C6-2E04-422A-B2AA-4B99EC7CFD2E}" srcOrd="4" destOrd="0" parTransId="{8E936410-0F1F-45F3-8994-B53D51CFD46A}" sibTransId="{C0600DC0-F59D-419D-A116-6EAB24CBDFF4}"/>
+    <dgm:cxn modelId="{B5E7F773-5E7A-4489-AB81-E55A4ABDADED}" type="presOf" srcId="{D9F1635E-E96C-44E3-985B-D3E77DE623C8}" destId="{20027475-6FEC-439C-9254-9B745358261F}" srcOrd="0" destOrd="0" presId="urn:microsoft.com/office/officeart/2005/8/layout/hList1"/>
+    <dgm:cxn modelId="{2EB71156-2568-4B65-AC0D-23B2D47D8E74}" type="presOf" srcId="{CC504450-7542-46A9-AE14-3B6E547DEC57}" destId="{6BA966ED-6A4B-4084-84E7-5D876DB255B5}" srcOrd="0" destOrd="0" presId="urn:microsoft.com/office/officeart/2005/8/layout/hList1"/>
+    <dgm:cxn modelId="{98640D58-6F27-47B4-9CFB-A157EF23EA9A}" type="presOf" srcId="{B792800E-F5B6-4A87-BE55-96B8C55E3D7A}" destId="{CD4DE0EC-10E7-420C-A53C-392AA2DCF6D6}" srcOrd="0" destOrd="0" presId="urn:microsoft.com/office/officeart/2005/8/layout/hList1"/>
+    <dgm:cxn modelId="{70481679-EFA5-477D-9A2D-9A6ACF1D7D96}" type="presOf" srcId="{69CEE700-723A-4EFD-A468-E186D33AD114}" destId="{4DEE5970-1AE7-45F4-A0D2-CEC4202E83DE}" srcOrd="0" destOrd="0" presId="urn:microsoft.com/office/officeart/2005/8/layout/hList1"/>
+    <dgm:cxn modelId="{A9DB8D90-DE2C-488C-BA14-EE88A020E4BA}" srcId="{033DA7F7-6EE2-405D-BB58-AD41D06D32D7}" destId="{9384F9FF-A86A-4037-8DF7-D76066CE9BEE}" srcOrd="0" destOrd="0" parTransId="{43732BAE-6F09-4A07-A1DA-ED86690273A7}" sibTransId="{176435D7-E6CC-4BC0-83F4-CAA776EFB7E9}"/>
+    <dgm:cxn modelId="{C56FBDA1-40B5-4666-A042-82A17B37CC7A}" srcId="{B77942FF-54BF-4B51-A3AC-A91CD916CC77}" destId="{CC504450-7542-46A9-AE14-3B6E547DEC57}" srcOrd="0" destOrd="0" parTransId="{0ECAA0BD-D6BE-46B3-A72F-E49C75467A57}" sibTransId="{01A24306-DBA1-4667-8708-83825E789EC4}"/>
+    <dgm:cxn modelId="{081CCFB0-B57F-45E8-B6B4-B84117FDB91E}" srcId="{69CEE700-723A-4EFD-A468-E186D33AD114}" destId="{B792800E-F5B6-4A87-BE55-96B8C55E3D7A}" srcOrd="0" destOrd="0" parTransId="{E1C472F6-25C9-4354-AE8B-2F0106E83BD7}" sibTransId="{80693490-5163-4016-A401-93909BA717A0}"/>
+    <dgm:cxn modelId="{3C4749B1-CC74-4C84-B2CA-09C6E1A54443}" type="presOf" srcId="{FAA7340D-FFE5-4D67-A932-D20871FF68C4}" destId="{6873CDD8-67BF-49FF-8D81-D811229107A9}" srcOrd="0" destOrd="0" presId="urn:microsoft.com/office/officeart/2005/8/layout/hList1"/>
+    <dgm:cxn modelId="{2A6FD6CE-6E38-4574-92A3-66C656ED5875}" type="presOf" srcId="{53D583C6-2E04-422A-B2AA-4B99EC7CFD2E}" destId="{8E0F59AC-CE69-4C1D-94FC-D21676D5EFE4}" srcOrd="0" destOrd="0" presId="urn:microsoft.com/office/officeart/2005/8/layout/hList1"/>
+    <dgm:cxn modelId="{2BD9D0D4-6597-445C-99C7-77327E55FD60}" srcId="{D9F1635E-E96C-44E3-985B-D3E77DE623C8}" destId="{63CBAA52-13CB-4154-982C-189B90558418}" srcOrd="0" destOrd="0" parTransId="{AC8292DC-9D2B-4F91-B95E-BEF7E5FC0F90}" sibTransId="{8AADF787-4119-446E-9A44-3030955E9C0C}"/>
+    <dgm:cxn modelId="{8FAA77F8-587D-4186-827A-D9E59D3B40B3}" srcId="{F03C091B-E4A9-4048-BEA4-81CFCD9716A0}" destId="{033DA7F7-6EE2-405D-BB58-AD41D06D32D7}" srcOrd="0" destOrd="0" parTransId="{C785CCB0-6499-4D64-9B6F-B47B08225A38}" sibTransId="{615FD4F4-C7BA-4C06-A22F-D9040D6EBEBE}"/>
+    <dgm:cxn modelId="{6E854A3B-CC42-4EE2-93A1-568E35B184DB}" type="presParOf" srcId="{B37B14EA-1B4C-4AAA-8801-782EDCE2C2B0}" destId="{F7A533F6-7E0B-4FD0-ABCA-2EC6EE132550}" srcOrd="0" destOrd="0" presId="urn:microsoft.com/office/officeart/2005/8/layout/hList1"/>
+    <dgm:cxn modelId="{1CC5CE9B-DCC8-4193-AA80-888B424EE706}" type="presParOf" srcId="{F7A533F6-7E0B-4FD0-ABCA-2EC6EE132550}" destId="{58D3B9D4-5D36-494E-A152-38141208FAAF}" srcOrd="0" destOrd="0" presId="urn:microsoft.com/office/officeart/2005/8/layout/hList1"/>
+    <dgm:cxn modelId="{02D0CF95-C40C-4836-9532-4B1B4DF9251E}" type="presParOf" srcId="{F7A533F6-7E0B-4FD0-ABCA-2EC6EE132550}" destId="{AE1BE227-A860-4373-A272-3AFFC804A630}" srcOrd="1" destOrd="0" presId="urn:microsoft.com/office/officeart/2005/8/layout/hList1"/>
+    <dgm:cxn modelId="{153A0614-D4B0-414A-8EF3-4A792548E1F9}" type="presParOf" srcId="{B37B14EA-1B4C-4AAA-8801-782EDCE2C2B0}" destId="{56C36632-7F5F-400E-ACBC-43CB25413FC6}" srcOrd="1" destOrd="0" presId="urn:microsoft.com/office/officeart/2005/8/layout/hList1"/>
+    <dgm:cxn modelId="{8213CC6B-59E5-43C3-9887-6B224DA192A8}" type="presParOf" srcId="{B37B14EA-1B4C-4AAA-8801-782EDCE2C2B0}" destId="{530F9394-3C12-48E5-A529-FEF0E8369837}" srcOrd="2" destOrd="0" presId="urn:microsoft.com/office/officeart/2005/8/layout/hList1"/>
+    <dgm:cxn modelId="{68507115-CB3E-41A1-8295-BB2BB14E520D}" type="presParOf" srcId="{530F9394-3C12-48E5-A529-FEF0E8369837}" destId="{20027475-6FEC-439C-9254-9B745358261F}" srcOrd="0" destOrd="0" presId="urn:microsoft.com/office/officeart/2005/8/layout/hList1"/>
+    <dgm:cxn modelId="{4A3F8507-A8B2-478A-9F5D-7E1469AB2845}" type="presParOf" srcId="{530F9394-3C12-48E5-A529-FEF0E8369837}" destId="{F83DF972-C0B0-4929-911B-3BAADF6B51AE}" srcOrd="1" destOrd="0" presId="urn:microsoft.com/office/officeart/2005/8/layout/hList1"/>
+    <dgm:cxn modelId="{8732117E-14F9-42AA-9B7A-76B70F235A5A}" type="presParOf" srcId="{B37B14EA-1B4C-4AAA-8801-782EDCE2C2B0}" destId="{A71E9CD1-8254-4367-A673-7AE4529C74BF}" srcOrd="3" destOrd="0" presId="urn:microsoft.com/office/officeart/2005/8/layout/hList1"/>
+    <dgm:cxn modelId="{3ACC7D1D-6FE0-4E49-BA4B-714758FDCF71}" type="presParOf" srcId="{B37B14EA-1B4C-4AAA-8801-782EDCE2C2B0}" destId="{4D2143BF-4897-4C39-977B-53E671F34DA5}" srcOrd="4" destOrd="0" presId="urn:microsoft.com/office/officeart/2005/8/layout/hList1"/>
+    <dgm:cxn modelId="{2030DFCD-0DC4-4EFF-A6A2-36DBC1F2C005}" type="presParOf" srcId="{4D2143BF-4897-4C39-977B-53E671F34DA5}" destId="{4DEE5970-1AE7-45F4-A0D2-CEC4202E83DE}" srcOrd="0" destOrd="0" presId="urn:microsoft.com/office/officeart/2005/8/layout/hList1"/>
+    <dgm:cxn modelId="{A8440BC0-A44B-469A-B73F-E1EAE2915668}" type="presParOf" srcId="{4D2143BF-4897-4C39-977B-53E671F34DA5}" destId="{CD4DE0EC-10E7-420C-A53C-392AA2DCF6D6}" srcOrd="1" destOrd="0" presId="urn:microsoft.com/office/officeart/2005/8/layout/hList1"/>
+    <dgm:cxn modelId="{1A89401F-EFE9-468D-BF09-9D69FA8B0661}" type="presParOf" srcId="{B37B14EA-1B4C-4AAA-8801-782EDCE2C2B0}" destId="{A736137D-B425-4DD9-9FA8-729D8B24754B}" srcOrd="5" destOrd="0" presId="urn:microsoft.com/office/officeart/2005/8/layout/hList1"/>
+    <dgm:cxn modelId="{D8FF7D52-7006-4912-B776-6DC1C097EFED}" type="presParOf" srcId="{B37B14EA-1B4C-4AAA-8801-782EDCE2C2B0}" destId="{CB068AAB-F475-458B-BF25-30A4E8D1EFD8}" srcOrd="6" destOrd="0" presId="urn:microsoft.com/office/officeart/2005/8/layout/hList1"/>
+    <dgm:cxn modelId="{DFA938A8-972F-4F48-B65A-F86E181F9A97}" type="presParOf" srcId="{CB068AAB-F475-458B-BF25-30A4E8D1EFD8}" destId="{B2B9712E-2265-450C-A539-E37E8D27820B}" srcOrd="0" destOrd="0" presId="urn:microsoft.com/office/officeart/2005/8/layout/hList1"/>
+    <dgm:cxn modelId="{31EABED8-85F4-4379-9247-AF523385EBAC}" type="presParOf" srcId="{CB068AAB-F475-458B-BF25-30A4E8D1EFD8}" destId="{6BA966ED-6A4B-4084-84E7-5D876DB255B5}" srcOrd="1" destOrd="0" presId="urn:microsoft.com/office/officeart/2005/8/layout/hList1"/>
+    <dgm:cxn modelId="{27A1B406-5497-4143-9427-F27F76F539D3}" type="presParOf" srcId="{B37B14EA-1B4C-4AAA-8801-782EDCE2C2B0}" destId="{C56B1365-FD9B-40FD-8E9C-4D7BE4AAA09C}" srcOrd="7" destOrd="0" presId="urn:microsoft.com/office/officeart/2005/8/layout/hList1"/>
+    <dgm:cxn modelId="{6F794C86-3BB0-4834-9EE9-F2B4C04DDE06}" type="presParOf" srcId="{B37B14EA-1B4C-4AAA-8801-782EDCE2C2B0}" destId="{56BE9EFE-C1D6-47E2-88AA-C82149C1BBDF}" srcOrd="8" destOrd="0" presId="urn:microsoft.com/office/officeart/2005/8/layout/hList1"/>
+    <dgm:cxn modelId="{C32E825F-700D-42C3-BB5D-95EB56DC853E}" type="presParOf" srcId="{56BE9EFE-C1D6-47E2-88AA-C82149C1BBDF}" destId="{8E0F59AC-CE69-4C1D-94FC-D21676D5EFE4}" srcOrd="0" destOrd="0" presId="urn:microsoft.com/office/officeart/2005/8/layout/hList1"/>
+    <dgm:cxn modelId="{41E864B3-CF43-4E4D-BCD9-11ADA9F0E1B7}" type="presParOf" srcId="{56BE9EFE-C1D6-47E2-88AA-C82149C1BBDF}" destId="{6873CDD8-67BF-49FF-8D81-D811229107A9}" srcOrd="1" destOrd="0" presId="urn:microsoft.com/office/officeart/2005/8/layout/hList1"/>
+  </dgm:cxnLst>
+  <dgm:bg/>
+  <dgm:whole/>
+  <dgm:extLst>
+    <a:ext uri="http://schemas.microsoft.com/office/drawing/2008/diagram">
+      <dsp:dataModelExt xmlns:dsp="http://schemas.microsoft.com/office/drawing/2008/diagram" relId="rId6" minVer="http://schemas.openxmlformats.org/drawingml/2006/diagram"/>
+    </a:ext>
+  </dgm:extLst>
+</dgm:dataModel>
+</file>
+
+<file path=ppt/diagrams/data5.xml><?xml version="1.0" encoding="utf-8"?>
+<dgm:dataModel xmlns:dgm="http://schemas.openxmlformats.org/drawingml/2006/diagram" xmlns:a="http://schemas.openxmlformats.org/drawingml/2006/main">
+  <dgm:ptLst>
+    <dgm:pt modelId="{F03C091B-E4A9-4048-BEA4-81CFCD9716A0}" type="doc">
+      <dgm:prSet loTypeId="urn:microsoft.com/office/officeart/2005/8/layout/hList1" loCatId="list" qsTypeId="urn:microsoft.com/office/officeart/2005/8/quickstyle/simple1" qsCatId="simple" csTypeId="urn:microsoft.com/office/officeart/2005/8/colors/accent1_2" csCatId="accent1" phldr="1"/>
+      <dgm:spPr/>
+      <dgm:t>
+        <a:bodyPr/>
+        <a:lstStyle/>
+        <a:p>
+          <a:endParaRPr lang="ru-RU"/>
+        </a:p>
+      </dgm:t>
+    </dgm:pt>
+    <dgm:pt modelId="{033DA7F7-6EE2-405D-BB58-AD41D06D32D7}">
+      <dgm:prSet phldrT="[Текст]"/>
+      <dgm:spPr/>
+      <dgm:t>
+        <a:bodyPr/>
+        <a:lstStyle/>
+        <a:p>
+          <a:r>
+            <a:rPr lang="ru-RU" dirty="0"/>
+            <a:t>Нормативный акт</a:t>
+          </a:r>
+        </a:p>
+      </dgm:t>
+    </dgm:pt>
+    <dgm:pt modelId="{C785CCB0-6499-4D64-9B6F-B47B08225A38}" type="parTrans" cxnId="{8FAA77F8-587D-4186-827A-D9E59D3B40B3}">
+      <dgm:prSet/>
+      <dgm:spPr/>
+      <dgm:t>
+        <a:bodyPr/>
+        <a:lstStyle/>
+        <a:p>
+          <a:endParaRPr lang="ru-RU"/>
+        </a:p>
+      </dgm:t>
+    </dgm:pt>
+    <dgm:pt modelId="{615FD4F4-C7BA-4C06-A22F-D9040D6EBEBE}" type="sibTrans" cxnId="{8FAA77F8-587D-4186-827A-D9E59D3B40B3}">
+      <dgm:prSet/>
+      <dgm:spPr/>
+      <dgm:t>
+        <a:bodyPr/>
+        <a:lstStyle/>
+        <a:p>
+          <a:endParaRPr lang="ru-RU"/>
+        </a:p>
+      </dgm:t>
+    </dgm:pt>
+    <dgm:pt modelId="{FAA7340D-FFE5-4D67-A932-D20871FF68C4}">
+      <dgm:prSet phldrT="[Текст]"/>
+      <dgm:spPr/>
+      <dgm:t>
+        <a:bodyPr/>
+        <a:lstStyle/>
+        <a:p>
+          <a:r>
+            <a:rPr lang="ru-RU" dirty="0"/>
+            <a:t>Устранение риска прохождения некомпетентными претендентами на должность</a:t>
+          </a:r>
+        </a:p>
+      </dgm:t>
+    </dgm:pt>
+    <dgm:pt modelId="{9547954F-4C72-4FFE-B6FB-528F5CB094A1}" type="parTrans" cxnId="{EA4A3569-424A-4DCB-9D46-DE76FCE07E56}">
+      <dgm:prSet/>
+      <dgm:spPr/>
+      <dgm:t>
+        <a:bodyPr/>
+        <a:lstStyle/>
+        <a:p>
+          <a:endParaRPr lang="ru-RU"/>
+        </a:p>
+      </dgm:t>
+    </dgm:pt>
+    <dgm:pt modelId="{1DB248D8-CDA4-49BF-B026-95817E5C4418}" type="sibTrans" cxnId="{EA4A3569-424A-4DCB-9D46-DE76FCE07E56}">
+      <dgm:prSet/>
+      <dgm:spPr/>
+      <dgm:t>
+        <a:bodyPr/>
+        <a:lstStyle/>
+        <a:p>
+          <a:endParaRPr lang="ru-RU"/>
+        </a:p>
+      </dgm:t>
+    </dgm:pt>
+    <dgm:pt modelId="{9384F9FF-A86A-4037-8DF7-D76066CE9BEE}">
+      <dgm:prSet/>
+      <dgm:spPr/>
+      <dgm:t>
+        <a:bodyPr/>
+        <a:lstStyle/>
+        <a:p>
+          <a:r>
+            <a:rPr lang="ru-RU" b="1" i="0" dirty="0"/>
+            <a:t>Об утверждении Порядка проведения квалификационного экзамена, порядка определения результатов квалификационного экзамена, Порядка выдачи, аннулирования квалификационного аттестата, порядка ведения реестра квалификационных аттестатов, формы квалификационного аттестата, перечня вопросов, предлагаемых претенденту на квалификационном экзамене</a:t>
+          </a:r>
           <a:endParaRPr lang="ru-RU" dirty="0"/>
+        </a:p>
+      </dgm:t>
+    </dgm:pt>
+    <dgm:pt modelId="{43732BAE-6F09-4A07-A1DA-ED86690273A7}" type="parTrans" cxnId="{A9DB8D90-DE2C-488C-BA14-EE88A020E4BA}">
+      <dgm:prSet/>
+      <dgm:spPr/>
+      <dgm:t>
+        <a:bodyPr/>
+        <a:lstStyle/>
+        <a:p>
+          <a:endParaRPr lang="ru-RU"/>
+        </a:p>
+      </dgm:t>
+    </dgm:pt>
+    <dgm:pt modelId="{176435D7-E6CC-4BC0-83F4-CAA776EFB7E9}" type="sibTrans" cxnId="{A9DB8D90-DE2C-488C-BA14-EE88A020E4BA}">
+      <dgm:prSet/>
+      <dgm:spPr/>
+      <dgm:t>
+        <a:bodyPr/>
+        <a:lstStyle/>
+        <a:p>
+          <a:endParaRPr lang="ru-RU"/>
+        </a:p>
+      </dgm:t>
+    </dgm:pt>
+    <dgm:pt modelId="{D9F1635E-E96C-44E3-985B-D3E77DE623C8}">
+      <dgm:prSet/>
+      <dgm:spPr/>
+      <dgm:t>
+        <a:bodyPr/>
+        <a:lstStyle/>
+        <a:p>
+          <a:r>
+            <a:rPr lang="ru-RU" dirty="0"/>
+            <a:t>Источник возникновения коррупционного риска</a:t>
+          </a:r>
+        </a:p>
+      </dgm:t>
+    </dgm:pt>
+    <dgm:pt modelId="{7AA9FBE3-423D-4495-ADC7-90898D27A470}" type="parTrans" cxnId="{A2ECEF19-EE40-44D5-8B11-ABDF98EFD358}">
+      <dgm:prSet/>
+      <dgm:spPr/>
+      <dgm:t>
+        <a:bodyPr/>
+        <a:lstStyle/>
+        <a:p>
+          <a:endParaRPr lang="ru-RU"/>
+        </a:p>
+      </dgm:t>
+    </dgm:pt>
+    <dgm:pt modelId="{9379A2B4-C8F2-4DB8-8F44-90B53DF385E0}" type="sibTrans" cxnId="{A2ECEF19-EE40-44D5-8B11-ABDF98EFD358}">
+      <dgm:prSet/>
+      <dgm:spPr/>
+      <dgm:t>
+        <a:bodyPr/>
+        <a:lstStyle/>
+        <a:p>
+          <a:endParaRPr lang="ru-RU"/>
+        </a:p>
+      </dgm:t>
+    </dgm:pt>
+    <dgm:pt modelId="{63CBAA52-13CB-4154-982C-189B90558418}">
+      <dgm:prSet/>
+      <dgm:spPr/>
+      <dgm:t>
+        <a:bodyPr/>
+        <a:lstStyle/>
+        <a:p>
+          <a:r>
+            <a:rPr lang="ru-RU" dirty="0"/>
+            <a:t>Факт нахождения лиц входящих в лицензионную комиссию при прохождении претендентом компьютерного тестирования </a:t>
+          </a:r>
+        </a:p>
+      </dgm:t>
+    </dgm:pt>
+    <dgm:pt modelId="{AC8292DC-9D2B-4F91-B95E-BEF7E5FC0F90}" type="parTrans" cxnId="{2BD9D0D4-6597-445C-99C7-77327E55FD60}">
+      <dgm:prSet/>
+      <dgm:spPr/>
+      <dgm:t>
+        <a:bodyPr/>
+        <a:lstStyle/>
+        <a:p>
+          <a:endParaRPr lang="ru-RU"/>
+        </a:p>
+      </dgm:t>
+    </dgm:pt>
+    <dgm:pt modelId="{8AADF787-4119-446E-9A44-3030955E9C0C}" type="sibTrans" cxnId="{2BD9D0D4-6597-445C-99C7-77327E55FD60}">
+      <dgm:prSet/>
+      <dgm:spPr/>
+      <dgm:t>
+        <a:bodyPr/>
+        <a:lstStyle/>
+        <a:p>
+          <a:endParaRPr lang="ru-RU"/>
+        </a:p>
+      </dgm:t>
+    </dgm:pt>
+    <dgm:pt modelId="{B792800E-F5B6-4A87-BE55-96B8C55E3D7A}">
+      <dgm:prSet/>
+      <dgm:spPr/>
+      <dgm:t>
+        <a:bodyPr/>
+        <a:lstStyle/>
+        <a:p>
+          <a:r>
+            <a:rPr lang="ru-RU" dirty="0"/>
+            <a:t>Возможность мухлежа помощи желаемым претендентам лицензионной комиссией во время прохождения тестирования</a:t>
+          </a:r>
+        </a:p>
+      </dgm:t>
+    </dgm:pt>
+    <dgm:pt modelId="{E1C472F6-25C9-4354-AE8B-2F0106E83BD7}" type="parTrans" cxnId="{081CCFB0-B57F-45E8-B6B4-B84117FDB91E}">
+      <dgm:prSet/>
+      <dgm:spPr/>
+      <dgm:t>
+        <a:bodyPr/>
+        <a:lstStyle/>
+        <a:p>
+          <a:endParaRPr lang="ru-RU"/>
+        </a:p>
+      </dgm:t>
+    </dgm:pt>
+    <dgm:pt modelId="{80693490-5163-4016-A401-93909BA717A0}" type="sibTrans" cxnId="{081CCFB0-B57F-45E8-B6B4-B84117FDB91E}">
+      <dgm:prSet/>
+      <dgm:spPr/>
+      <dgm:t>
+        <a:bodyPr/>
+        <a:lstStyle/>
+        <a:p>
+          <a:endParaRPr lang="ru-RU"/>
+        </a:p>
+      </dgm:t>
+    </dgm:pt>
+    <dgm:pt modelId="{B77942FF-54BF-4B51-A3AC-A91CD916CC77}">
+      <dgm:prSet/>
+      <dgm:spPr/>
+      <dgm:t>
+        <a:bodyPr/>
+        <a:lstStyle/>
+        <a:p>
+          <a:r>
+            <a:rPr lang="ru-RU" dirty="0"/>
+            <a:t>Мероприятия по устранению коррупционного риска</a:t>
+          </a:r>
+        </a:p>
+      </dgm:t>
+    </dgm:pt>
+    <dgm:pt modelId="{341F00C4-6524-4020-BAA4-DD4350F059C6}" type="parTrans" cxnId="{1B9DBA08-AF4D-4A6C-B921-9797C5374069}">
+      <dgm:prSet/>
+      <dgm:spPr/>
+      <dgm:t>
+        <a:bodyPr/>
+        <a:lstStyle/>
+        <a:p>
+          <a:endParaRPr lang="ru-RU"/>
+        </a:p>
+      </dgm:t>
+    </dgm:pt>
+    <dgm:pt modelId="{D1331640-AE71-4862-AB72-BF0FA09457A8}" type="sibTrans" cxnId="{1B9DBA08-AF4D-4A6C-B921-9797C5374069}">
+      <dgm:prSet/>
+      <dgm:spPr/>
+      <dgm:t>
+        <a:bodyPr/>
+        <a:lstStyle/>
+        <a:p>
+          <a:endParaRPr lang="ru-RU"/>
+        </a:p>
+      </dgm:t>
+    </dgm:pt>
+    <dgm:pt modelId="{CC504450-7542-46A9-AE14-3B6E547DEC57}">
+      <dgm:prSet/>
+      <dgm:spPr/>
+      <dgm:t>
+        <a:bodyPr/>
+        <a:lstStyle/>
+        <a:p>
+          <a:r>
+            <a:rPr lang="ru-RU" dirty="0"/>
+            <a:t>Проведение тестирования для каждого претендента в изолированных от любого внешнего влияния помещениях</a:t>
+          </a:r>
         </a:p>
       </dgm:t>
     </dgm:pt>
@@ -12410,7 +13748,7 @@
       </dsp:nvSpPr>
       <dsp:spPr>
         <a:xfrm>
-          <a:off x="4029" y="1413937"/>
+          <a:off x="4029" y="692624"/>
           <a:ext cx="1544713" cy="613697"/>
         </a:xfrm>
         <a:prstGeom prst="rect">
@@ -12476,7 +13814,7 @@
         </a:p>
       </dsp:txBody>
       <dsp:txXfrm>
-        <a:off x="4029" y="1413937"/>
+        <a:off x="4029" y="692624"/>
         <a:ext cx="1544713" cy="613697"/>
       </dsp:txXfrm>
     </dsp:sp>
@@ -12487,8 +13825,8 @@
       </dsp:nvSpPr>
       <dsp:spPr>
         <a:xfrm>
-          <a:off x="4029" y="2027635"/>
-          <a:ext cx="1544713" cy="439200"/>
+          <a:off x="4029" y="1306322"/>
+          <a:ext cx="1544713" cy="1881826"/>
         </a:xfrm>
         <a:prstGeom prst="rect">
           <a:avLst/>
@@ -12548,12 +13886,16 @@
             </a:spcAft>
             <a:buChar char="•"/>
           </a:pPr>
+          <a:r>
+            <a:rPr lang="ru-RU" sz="1000" b="0" i="0" kern="1200" dirty="0"/>
+            <a:t>Выдача разрешений на строительство и разрешений на ввод в эксплуатацию объектов капитального строительства</a:t>
+          </a:r>
           <a:endParaRPr lang="ru-RU" sz="1000" kern="1200" dirty="0"/>
         </a:p>
       </dsp:txBody>
       <dsp:txXfrm>
-        <a:off x="4029" y="2027635"/>
-        <a:ext cx="1544713" cy="439200"/>
+        <a:off x="4029" y="1306322"/>
+        <a:ext cx="1544713" cy="1881826"/>
       </dsp:txXfrm>
     </dsp:sp>
     <dsp:sp modelId="{20027475-6FEC-439C-9254-9B745358261F}">
@@ -12563,7 +13905,7 @@
       </dsp:nvSpPr>
       <dsp:spPr>
         <a:xfrm>
-          <a:off x="1765003" y="1413937"/>
+          <a:off x="1765003" y="692624"/>
           <a:ext cx="1544713" cy="613697"/>
         </a:xfrm>
         <a:prstGeom prst="rect">
@@ -12629,7 +13971,7 @@
         </a:p>
       </dsp:txBody>
       <dsp:txXfrm>
-        <a:off x="1765003" y="1413937"/>
+        <a:off x="1765003" y="692624"/>
         <a:ext cx="1544713" cy="613697"/>
       </dsp:txXfrm>
     </dsp:sp>
@@ -12640,8 +13982,8 @@
       </dsp:nvSpPr>
       <dsp:spPr>
         <a:xfrm>
-          <a:off x="1765003" y="2027635"/>
-          <a:ext cx="1544713" cy="439200"/>
+          <a:off x="1765003" y="1306322"/>
+          <a:ext cx="1544713" cy="1881826"/>
         </a:xfrm>
         <a:prstGeom prst="rect">
           <a:avLst/>
@@ -12701,12 +14043,23 @@
             </a:spcAft>
             <a:buChar char="•"/>
           </a:pPr>
-          <a:endParaRPr lang="ru-RU" sz="1000" kern="1200" dirty="0"/>
+          <a:r>
+            <a:rPr lang="ru-RU" sz="1000" kern="1200" dirty="0"/>
+            <a:t>Возможность недобросовестной оценки застройщика лицами</a:t>
+          </a:r>
+          <a:r>
+            <a:rPr lang="en-US" sz="1000" kern="1200" dirty="0"/>
+            <a:t>,</a:t>
+          </a:r>
+          <a:r>
+            <a:rPr lang="ru-RU" sz="1000" kern="1200" dirty="0"/>
+            <a:t> имеющими полномочия по выдаче разрешений на строительство и ввод в эксплуатацию </a:t>
+          </a:r>
         </a:p>
       </dsp:txBody>
       <dsp:txXfrm>
-        <a:off x="1765003" y="2027635"/>
-        <a:ext cx="1544713" cy="439200"/>
+        <a:off x="1765003" y="1306322"/>
+        <a:ext cx="1544713" cy="1881826"/>
       </dsp:txXfrm>
     </dsp:sp>
     <dsp:sp modelId="{4DEE5970-1AE7-45F4-A0D2-CEC4202E83DE}">
@@ -12716,7 +14069,7 @@
       </dsp:nvSpPr>
       <dsp:spPr>
         <a:xfrm>
-          <a:off x="3525977" y="1413937"/>
+          <a:off x="3525977" y="692624"/>
           <a:ext cx="1544713" cy="613697"/>
         </a:xfrm>
         <a:prstGeom prst="rect">
@@ -12782,7 +14135,7 @@
         </a:p>
       </dsp:txBody>
       <dsp:txXfrm>
-        <a:off x="3525977" y="1413937"/>
+        <a:off x="3525977" y="692624"/>
         <a:ext cx="1544713" cy="613697"/>
       </dsp:txXfrm>
     </dsp:sp>
@@ -12793,8 +14146,8 @@
       </dsp:nvSpPr>
       <dsp:spPr>
         <a:xfrm>
-          <a:off x="3525977" y="2027635"/>
-          <a:ext cx="1544713" cy="439200"/>
+          <a:off x="3525977" y="1306322"/>
+          <a:ext cx="1544713" cy="1881826"/>
         </a:xfrm>
         <a:prstGeom prst="rect">
           <a:avLst/>
@@ -12854,12 +14207,16 @@
             </a:spcAft>
             <a:buChar char="•"/>
           </a:pPr>
+          <a:r>
+            <a:rPr lang="ru-RU" sz="1000" b="0" i="0" kern="1200" dirty="0"/>
+            <a:t>Несоответствие объекта капитального строительства разрешенному использованию земельного участка и ограничениям, установленным в соответствии с земельным и иным законодательством Российской Федерации</a:t>
+          </a:r>
           <a:endParaRPr lang="ru-RU" sz="1000" kern="1200" dirty="0"/>
         </a:p>
       </dsp:txBody>
       <dsp:txXfrm>
-        <a:off x="3525977" y="2027635"/>
-        <a:ext cx="1544713" cy="439200"/>
+        <a:off x="3525977" y="1306322"/>
+        <a:ext cx="1544713" cy="1881826"/>
       </dsp:txXfrm>
     </dsp:sp>
     <dsp:sp modelId="{B2B9712E-2265-450C-A539-E37E8D27820B}">
@@ -12869,7 +14226,7 @@
       </dsp:nvSpPr>
       <dsp:spPr>
         <a:xfrm>
-          <a:off x="5286950" y="1413937"/>
+          <a:off x="5286950" y="692624"/>
           <a:ext cx="1544713" cy="613697"/>
         </a:xfrm>
         <a:prstGeom prst="rect">
@@ -12935,7 +14292,7 @@
         </a:p>
       </dsp:txBody>
       <dsp:txXfrm>
-        <a:off x="5286950" y="1413937"/>
+        <a:off x="5286950" y="692624"/>
         <a:ext cx="1544713" cy="613697"/>
       </dsp:txXfrm>
     </dsp:sp>
@@ -12946,8 +14303,8 @@
       </dsp:nvSpPr>
       <dsp:spPr>
         <a:xfrm>
-          <a:off x="5286950" y="2027635"/>
-          <a:ext cx="1544713" cy="439200"/>
+          <a:off x="5286950" y="1306322"/>
+          <a:ext cx="1544713" cy="1881826"/>
         </a:xfrm>
         <a:prstGeom prst="rect">
           <a:avLst/>
@@ -13007,12 +14364,15 @@
             </a:spcAft>
             <a:buChar char="•"/>
           </a:pPr>
-          <a:endParaRPr lang="ru-RU" sz="1000" kern="1200" dirty="0"/>
+          <a:r>
+            <a:rPr lang="ru-RU" sz="1000" kern="1200" dirty="0"/>
+            <a:t>Проведение регулярных проверок всех ведущихся строительных проектов на соответствие законодательству</a:t>
+          </a:r>
         </a:p>
       </dsp:txBody>
       <dsp:txXfrm>
-        <a:off x="5286950" y="2027635"/>
-        <a:ext cx="1544713" cy="439200"/>
+        <a:off x="5286950" y="1306322"/>
+        <a:ext cx="1544713" cy="1881826"/>
       </dsp:txXfrm>
     </dsp:sp>
     <dsp:sp modelId="{8E0F59AC-CE69-4C1D-94FC-D21676D5EFE4}">
@@ -13022,7 +14382,7 @@
       </dsp:nvSpPr>
       <dsp:spPr>
         <a:xfrm>
-          <a:off x="7047924" y="1413937"/>
+          <a:off x="7047924" y="692624"/>
           <a:ext cx="1544713" cy="613697"/>
         </a:xfrm>
         <a:prstGeom prst="rect">
@@ -13088,7 +14448,7 @@
         </a:p>
       </dsp:txBody>
       <dsp:txXfrm>
-        <a:off x="7047924" y="1413937"/>
+        <a:off x="7047924" y="692624"/>
         <a:ext cx="1544713" cy="613697"/>
       </dsp:txXfrm>
     </dsp:sp>
@@ -13099,8 +14459,8 @@
       </dsp:nvSpPr>
       <dsp:spPr>
         <a:xfrm>
-          <a:off x="7047924" y="2027635"/>
-          <a:ext cx="1544713" cy="439200"/>
+          <a:off x="7047924" y="1306322"/>
+          <a:ext cx="1544713" cy="1881826"/>
         </a:xfrm>
         <a:prstGeom prst="rect">
           <a:avLst/>
@@ -13160,12 +14520,808 @@
             </a:spcAft>
             <a:buChar char="•"/>
           </a:pPr>
-          <a:endParaRPr lang="ru-RU" sz="1000" kern="1200" dirty="0"/>
+          <a:r>
+            <a:rPr lang="ru-RU" sz="1000" kern="1200" dirty="0"/>
+            <a:t>Сокращение некачественных и незаконных строек</a:t>
+          </a:r>
         </a:p>
       </dsp:txBody>
       <dsp:txXfrm>
-        <a:off x="7047924" y="2027635"/>
-        <a:ext cx="1544713" cy="439200"/>
+        <a:off x="7047924" y="1306322"/>
+        <a:ext cx="1544713" cy="1881826"/>
+      </dsp:txXfrm>
+    </dsp:sp>
+  </dsp:spTree>
+</dsp:drawing>
+</file>
+
+<file path=ppt/diagrams/drawing5.xml><?xml version="1.0" encoding="utf-8"?>
+<dsp:drawing xmlns:dgm="http://schemas.openxmlformats.org/drawingml/2006/diagram" xmlns:dsp="http://schemas.microsoft.com/office/drawing/2008/diagram" xmlns:a="http://schemas.openxmlformats.org/drawingml/2006/main">
+  <dsp:spTree>
+    <dsp:nvGrpSpPr>
+      <dsp:cNvPr id="0" name=""/>
+      <dsp:cNvGrpSpPr/>
+    </dsp:nvGrpSpPr>
+    <dsp:grpSpPr/>
+    <dsp:sp modelId="{58D3B9D4-5D36-494E-A152-38141208FAAF}">
+      <dsp:nvSpPr>
+        <dsp:cNvPr id="0" name=""/>
+        <dsp:cNvSpPr/>
+      </dsp:nvSpPr>
+      <dsp:spPr>
+        <a:xfrm>
+          <a:off x="4029" y="96337"/>
+          <a:ext cx="1544713" cy="613697"/>
+        </a:xfrm>
+        <a:prstGeom prst="rect">
+          <a:avLst/>
+        </a:prstGeom>
+        <a:solidFill>
+          <a:schemeClr val="accent1">
+            <a:hueOff val="0"/>
+            <a:satOff val="0"/>
+            <a:lumOff val="0"/>
+            <a:alphaOff val="0"/>
+          </a:schemeClr>
+        </a:solidFill>
+        <a:ln w="19050" cap="rnd" cmpd="sng" algn="ctr">
+          <a:solidFill>
+            <a:schemeClr val="accent1">
+              <a:hueOff val="0"/>
+              <a:satOff val="0"/>
+              <a:lumOff val="0"/>
+              <a:alphaOff val="0"/>
+            </a:schemeClr>
+          </a:solidFill>
+          <a:prstDash val="solid"/>
+        </a:ln>
+        <a:effectLst/>
+      </dsp:spPr>
+      <dsp:style>
+        <a:lnRef idx="2">
+          <a:scrgbClr r="0" g="0" b="0"/>
+        </a:lnRef>
+        <a:fillRef idx="1">
+          <a:scrgbClr r="0" g="0" b="0"/>
+        </a:fillRef>
+        <a:effectRef idx="0">
+          <a:scrgbClr r="0" g="0" b="0"/>
+        </a:effectRef>
+        <a:fontRef idx="minor">
+          <a:schemeClr val="lt1"/>
+        </a:fontRef>
+      </dsp:style>
+      <dsp:txBody>
+        <a:bodyPr spcFirstLastPara="0" vert="horz" wrap="square" lIns="71120" tIns="40640" rIns="71120" bIns="40640" numCol="1" spcCol="1270" anchor="ctr" anchorCtr="0">
+          <a:noAutofit/>
+        </a:bodyPr>
+        <a:lstStyle/>
+        <a:p>
+          <a:pPr marL="0" lvl="0" indent="0" algn="ctr" defTabSz="444500">
+            <a:lnSpc>
+              <a:spcPct val="90000"/>
+            </a:lnSpc>
+            <a:spcBef>
+              <a:spcPct val="0"/>
+            </a:spcBef>
+            <a:spcAft>
+              <a:spcPct val="35000"/>
+            </a:spcAft>
+            <a:buNone/>
+          </a:pPr>
+          <a:r>
+            <a:rPr lang="ru-RU" sz="1000" kern="1200" dirty="0"/>
+            <a:t>Нормативный акт</a:t>
+          </a:r>
+        </a:p>
+      </dsp:txBody>
+      <dsp:txXfrm>
+        <a:off x="4029" y="96337"/>
+        <a:ext cx="1544713" cy="613697"/>
+      </dsp:txXfrm>
+    </dsp:sp>
+    <dsp:sp modelId="{AE1BE227-A860-4373-A272-3AFFC804A630}">
+      <dsp:nvSpPr>
+        <dsp:cNvPr id="0" name=""/>
+        <dsp:cNvSpPr/>
+      </dsp:nvSpPr>
+      <dsp:spPr>
+        <a:xfrm>
+          <a:off x="4029" y="710035"/>
+          <a:ext cx="1544713" cy="3074399"/>
+        </a:xfrm>
+        <a:prstGeom prst="rect">
+          <a:avLst/>
+        </a:prstGeom>
+        <a:solidFill>
+          <a:schemeClr val="accent1">
+            <a:alpha val="90000"/>
+            <a:tint val="40000"/>
+            <a:hueOff val="0"/>
+            <a:satOff val="0"/>
+            <a:lumOff val="0"/>
+            <a:alphaOff val="0"/>
+          </a:schemeClr>
+        </a:solidFill>
+        <a:ln w="19050" cap="rnd" cmpd="sng" algn="ctr">
+          <a:solidFill>
+            <a:schemeClr val="accent1">
+              <a:alpha val="90000"/>
+              <a:tint val="40000"/>
+              <a:hueOff val="0"/>
+              <a:satOff val="0"/>
+              <a:lumOff val="0"/>
+              <a:alphaOff val="0"/>
+            </a:schemeClr>
+          </a:solidFill>
+          <a:prstDash val="solid"/>
+        </a:ln>
+        <a:effectLst/>
+      </dsp:spPr>
+      <dsp:style>
+        <a:lnRef idx="2">
+          <a:scrgbClr r="0" g="0" b="0"/>
+        </a:lnRef>
+        <a:fillRef idx="1">
+          <a:scrgbClr r="0" g="0" b="0"/>
+        </a:fillRef>
+        <a:effectRef idx="0">
+          <a:scrgbClr r="0" g="0" b="0"/>
+        </a:effectRef>
+        <a:fontRef idx="minor"/>
+      </dsp:style>
+      <dsp:txBody>
+        <a:bodyPr spcFirstLastPara="0" vert="horz" wrap="square" lIns="53340" tIns="53340" rIns="71120" bIns="80010" numCol="1" spcCol="1270" anchor="t" anchorCtr="0">
+          <a:noAutofit/>
+        </a:bodyPr>
+        <a:lstStyle/>
+        <a:p>
+          <a:pPr marL="57150" lvl="1" indent="-57150" algn="l" defTabSz="444500">
+            <a:lnSpc>
+              <a:spcPct val="90000"/>
+            </a:lnSpc>
+            <a:spcBef>
+              <a:spcPct val="0"/>
+            </a:spcBef>
+            <a:spcAft>
+              <a:spcPct val="15000"/>
+            </a:spcAft>
+            <a:buChar char="•"/>
+          </a:pPr>
+          <a:r>
+            <a:rPr lang="ru-RU" sz="1000" b="1" i="0" kern="1200" dirty="0"/>
+            <a:t>Об утверждении Порядка проведения квалификационного экзамена, порядка определения результатов квалификационного экзамена, Порядка выдачи, аннулирования квалификационного аттестата, порядка ведения реестра квалификационных аттестатов, формы квалификационного аттестата, перечня вопросов, предлагаемых претенденту на квалификационном экзамене</a:t>
+          </a:r>
+          <a:endParaRPr lang="ru-RU" sz="1000" kern="1200" dirty="0"/>
+        </a:p>
+      </dsp:txBody>
+      <dsp:txXfrm>
+        <a:off x="4029" y="710035"/>
+        <a:ext cx="1544713" cy="3074399"/>
+      </dsp:txXfrm>
+    </dsp:sp>
+    <dsp:sp modelId="{20027475-6FEC-439C-9254-9B745358261F}">
+      <dsp:nvSpPr>
+        <dsp:cNvPr id="0" name=""/>
+        <dsp:cNvSpPr/>
+      </dsp:nvSpPr>
+      <dsp:spPr>
+        <a:xfrm>
+          <a:off x="1765003" y="96337"/>
+          <a:ext cx="1544713" cy="613697"/>
+        </a:xfrm>
+        <a:prstGeom prst="rect">
+          <a:avLst/>
+        </a:prstGeom>
+        <a:solidFill>
+          <a:schemeClr val="accent1">
+            <a:hueOff val="0"/>
+            <a:satOff val="0"/>
+            <a:lumOff val="0"/>
+            <a:alphaOff val="0"/>
+          </a:schemeClr>
+        </a:solidFill>
+        <a:ln w="19050" cap="rnd" cmpd="sng" algn="ctr">
+          <a:solidFill>
+            <a:schemeClr val="accent1">
+              <a:hueOff val="0"/>
+              <a:satOff val="0"/>
+              <a:lumOff val="0"/>
+              <a:alphaOff val="0"/>
+            </a:schemeClr>
+          </a:solidFill>
+          <a:prstDash val="solid"/>
+        </a:ln>
+        <a:effectLst/>
+      </dsp:spPr>
+      <dsp:style>
+        <a:lnRef idx="2">
+          <a:scrgbClr r="0" g="0" b="0"/>
+        </a:lnRef>
+        <a:fillRef idx="1">
+          <a:scrgbClr r="0" g="0" b="0"/>
+        </a:fillRef>
+        <a:effectRef idx="0">
+          <a:scrgbClr r="0" g="0" b="0"/>
+        </a:effectRef>
+        <a:fontRef idx="minor">
+          <a:schemeClr val="lt1"/>
+        </a:fontRef>
+      </dsp:style>
+      <dsp:txBody>
+        <a:bodyPr spcFirstLastPara="0" vert="horz" wrap="square" lIns="71120" tIns="40640" rIns="71120" bIns="40640" numCol="1" spcCol="1270" anchor="ctr" anchorCtr="0">
+          <a:noAutofit/>
+        </a:bodyPr>
+        <a:lstStyle/>
+        <a:p>
+          <a:pPr marL="0" lvl="0" indent="0" algn="ctr" defTabSz="444500">
+            <a:lnSpc>
+              <a:spcPct val="90000"/>
+            </a:lnSpc>
+            <a:spcBef>
+              <a:spcPct val="0"/>
+            </a:spcBef>
+            <a:spcAft>
+              <a:spcPct val="35000"/>
+            </a:spcAft>
+            <a:buNone/>
+          </a:pPr>
+          <a:r>
+            <a:rPr lang="ru-RU" sz="1000" kern="1200" dirty="0"/>
+            <a:t>Источник возникновения коррупционного риска</a:t>
+          </a:r>
+        </a:p>
+      </dsp:txBody>
+      <dsp:txXfrm>
+        <a:off x="1765003" y="96337"/>
+        <a:ext cx="1544713" cy="613697"/>
+      </dsp:txXfrm>
+    </dsp:sp>
+    <dsp:sp modelId="{F83DF972-C0B0-4929-911B-3BAADF6B51AE}">
+      <dsp:nvSpPr>
+        <dsp:cNvPr id="0" name=""/>
+        <dsp:cNvSpPr/>
+      </dsp:nvSpPr>
+      <dsp:spPr>
+        <a:xfrm>
+          <a:off x="1765003" y="710035"/>
+          <a:ext cx="1544713" cy="3074399"/>
+        </a:xfrm>
+        <a:prstGeom prst="rect">
+          <a:avLst/>
+        </a:prstGeom>
+        <a:solidFill>
+          <a:schemeClr val="accent1">
+            <a:alpha val="90000"/>
+            <a:tint val="40000"/>
+            <a:hueOff val="0"/>
+            <a:satOff val="0"/>
+            <a:lumOff val="0"/>
+            <a:alphaOff val="0"/>
+          </a:schemeClr>
+        </a:solidFill>
+        <a:ln w="19050" cap="rnd" cmpd="sng" algn="ctr">
+          <a:solidFill>
+            <a:schemeClr val="accent1">
+              <a:alpha val="90000"/>
+              <a:tint val="40000"/>
+              <a:hueOff val="0"/>
+              <a:satOff val="0"/>
+              <a:lumOff val="0"/>
+              <a:alphaOff val="0"/>
+            </a:schemeClr>
+          </a:solidFill>
+          <a:prstDash val="solid"/>
+        </a:ln>
+        <a:effectLst/>
+      </dsp:spPr>
+      <dsp:style>
+        <a:lnRef idx="2">
+          <a:scrgbClr r="0" g="0" b="0"/>
+        </a:lnRef>
+        <a:fillRef idx="1">
+          <a:scrgbClr r="0" g="0" b="0"/>
+        </a:fillRef>
+        <a:effectRef idx="0">
+          <a:scrgbClr r="0" g="0" b="0"/>
+        </a:effectRef>
+        <a:fontRef idx="minor"/>
+      </dsp:style>
+      <dsp:txBody>
+        <a:bodyPr spcFirstLastPara="0" vert="horz" wrap="square" lIns="53340" tIns="53340" rIns="71120" bIns="80010" numCol="1" spcCol="1270" anchor="t" anchorCtr="0">
+          <a:noAutofit/>
+        </a:bodyPr>
+        <a:lstStyle/>
+        <a:p>
+          <a:pPr marL="57150" lvl="1" indent="-57150" algn="l" defTabSz="444500">
+            <a:lnSpc>
+              <a:spcPct val="90000"/>
+            </a:lnSpc>
+            <a:spcBef>
+              <a:spcPct val="0"/>
+            </a:spcBef>
+            <a:spcAft>
+              <a:spcPct val="15000"/>
+            </a:spcAft>
+            <a:buChar char="•"/>
+          </a:pPr>
+          <a:r>
+            <a:rPr lang="ru-RU" sz="1000" kern="1200" dirty="0"/>
+            <a:t>Факт нахождения лиц входящих в лицензионную комиссию при прохождении претендентом компьютерного тестирования </a:t>
+          </a:r>
+        </a:p>
+      </dsp:txBody>
+      <dsp:txXfrm>
+        <a:off x="1765003" y="710035"/>
+        <a:ext cx="1544713" cy="3074399"/>
+      </dsp:txXfrm>
+    </dsp:sp>
+    <dsp:sp modelId="{4DEE5970-1AE7-45F4-A0D2-CEC4202E83DE}">
+      <dsp:nvSpPr>
+        <dsp:cNvPr id="0" name=""/>
+        <dsp:cNvSpPr/>
+      </dsp:nvSpPr>
+      <dsp:spPr>
+        <a:xfrm>
+          <a:off x="3525977" y="96337"/>
+          <a:ext cx="1544713" cy="613697"/>
+        </a:xfrm>
+        <a:prstGeom prst="rect">
+          <a:avLst/>
+        </a:prstGeom>
+        <a:solidFill>
+          <a:schemeClr val="accent1">
+            <a:hueOff val="0"/>
+            <a:satOff val="0"/>
+            <a:lumOff val="0"/>
+            <a:alphaOff val="0"/>
+          </a:schemeClr>
+        </a:solidFill>
+        <a:ln w="19050" cap="rnd" cmpd="sng" algn="ctr">
+          <a:solidFill>
+            <a:schemeClr val="accent1">
+              <a:hueOff val="0"/>
+              <a:satOff val="0"/>
+              <a:lumOff val="0"/>
+              <a:alphaOff val="0"/>
+            </a:schemeClr>
+          </a:solidFill>
+          <a:prstDash val="solid"/>
+        </a:ln>
+        <a:effectLst/>
+      </dsp:spPr>
+      <dsp:style>
+        <a:lnRef idx="2">
+          <a:scrgbClr r="0" g="0" b="0"/>
+        </a:lnRef>
+        <a:fillRef idx="1">
+          <a:scrgbClr r="0" g="0" b="0"/>
+        </a:fillRef>
+        <a:effectRef idx="0">
+          <a:scrgbClr r="0" g="0" b="0"/>
+        </a:effectRef>
+        <a:fontRef idx="minor">
+          <a:schemeClr val="lt1"/>
+        </a:fontRef>
+      </dsp:style>
+      <dsp:txBody>
+        <a:bodyPr spcFirstLastPara="0" vert="horz" wrap="square" lIns="71120" tIns="40640" rIns="71120" bIns="40640" numCol="1" spcCol="1270" anchor="ctr" anchorCtr="0">
+          <a:noAutofit/>
+        </a:bodyPr>
+        <a:lstStyle/>
+        <a:p>
+          <a:pPr marL="0" lvl="0" indent="0" algn="ctr" defTabSz="444500">
+            <a:lnSpc>
+              <a:spcPct val="90000"/>
+            </a:lnSpc>
+            <a:spcBef>
+              <a:spcPct val="0"/>
+            </a:spcBef>
+            <a:spcAft>
+              <a:spcPct val="35000"/>
+            </a:spcAft>
+            <a:buNone/>
+          </a:pPr>
+          <a:r>
+            <a:rPr lang="ru-RU" sz="1000" kern="1200" dirty="0"/>
+            <a:t>Форма проявления коррупции</a:t>
+          </a:r>
+        </a:p>
+      </dsp:txBody>
+      <dsp:txXfrm>
+        <a:off x="3525977" y="96337"/>
+        <a:ext cx="1544713" cy="613697"/>
+      </dsp:txXfrm>
+    </dsp:sp>
+    <dsp:sp modelId="{CD4DE0EC-10E7-420C-A53C-392AA2DCF6D6}">
+      <dsp:nvSpPr>
+        <dsp:cNvPr id="0" name=""/>
+        <dsp:cNvSpPr/>
+      </dsp:nvSpPr>
+      <dsp:spPr>
+        <a:xfrm>
+          <a:off x="3525977" y="710035"/>
+          <a:ext cx="1544713" cy="3074399"/>
+        </a:xfrm>
+        <a:prstGeom prst="rect">
+          <a:avLst/>
+        </a:prstGeom>
+        <a:solidFill>
+          <a:schemeClr val="accent1">
+            <a:alpha val="90000"/>
+            <a:tint val="40000"/>
+            <a:hueOff val="0"/>
+            <a:satOff val="0"/>
+            <a:lumOff val="0"/>
+            <a:alphaOff val="0"/>
+          </a:schemeClr>
+        </a:solidFill>
+        <a:ln w="19050" cap="rnd" cmpd="sng" algn="ctr">
+          <a:solidFill>
+            <a:schemeClr val="accent1">
+              <a:alpha val="90000"/>
+              <a:tint val="40000"/>
+              <a:hueOff val="0"/>
+              <a:satOff val="0"/>
+              <a:lumOff val="0"/>
+              <a:alphaOff val="0"/>
+            </a:schemeClr>
+          </a:solidFill>
+          <a:prstDash val="solid"/>
+        </a:ln>
+        <a:effectLst/>
+      </dsp:spPr>
+      <dsp:style>
+        <a:lnRef idx="2">
+          <a:scrgbClr r="0" g="0" b="0"/>
+        </a:lnRef>
+        <a:fillRef idx="1">
+          <a:scrgbClr r="0" g="0" b="0"/>
+        </a:fillRef>
+        <a:effectRef idx="0">
+          <a:scrgbClr r="0" g="0" b="0"/>
+        </a:effectRef>
+        <a:fontRef idx="minor"/>
+      </dsp:style>
+      <dsp:txBody>
+        <a:bodyPr spcFirstLastPara="0" vert="horz" wrap="square" lIns="53340" tIns="53340" rIns="71120" bIns="80010" numCol="1" spcCol="1270" anchor="t" anchorCtr="0">
+          <a:noAutofit/>
+        </a:bodyPr>
+        <a:lstStyle/>
+        <a:p>
+          <a:pPr marL="57150" lvl="1" indent="-57150" algn="l" defTabSz="444500">
+            <a:lnSpc>
+              <a:spcPct val="90000"/>
+            </a:lnSpc>
+            <a:spcBef>
+              <a:spcPct val="0"/>
+            </a:spcBef>
+            <a:spcAft>
+              <a:spcPct val="15000"/>
+            </a:spcAft>
+            <a:buChar char="•"/>
+          </a:pPr>
+          <a:r>
+            <a:rPr lang="ru-RU" sz="1000" kern="1200" dirty="0"/>
+            <a:t>Возможность мухлежа помощи желаемым претендентам лицензионной комиссией во время прохождения тестирования</a:t>
+          </a:r>
+        </a:p>
+      </dsp:txBody>
+      <dsp:txXfrm>
+        <a:off x="3525977" y="710035"/>
+        <a:ext cx="1544713" cy="3074399"/>
+      </dsp:txXfrm>
+    </dsp:sp>
+    <dsp:sp modelId="{B2B9712E-2265-450C-A539-E37E8D27820B}">
+      <dsp:nvSpPr>
+        <dsp:cNvPr id="0" name=""/>
+        <dsp:cNvSpPr/>
+      </dsp:nvSpPr>
+      <dsp:spPr>
+        <a:xfrm>
+          <a:off x="5286950" y="96337"/>
+          <a:ext cx="1544713" cy="613697"/>
+        </a:xfrm>
+        <a:prstGeom prst="rect">
+          <a:avLst/>
+        </a:prstGeom>
+        <a:solidFill>
+          <a:schemeClr val="accent1">
+            <a:hueOff val="0"/>
+            <a:satOff val="0"/>
+            <a:lumOff val="0"/>
+            <a:alphaOff val="0"/>
+          </a:schemeClr>
+        </a:solidFill>
+        <a:ln w="19050" cap="rnd" cmpd="sng" algn="ctr">
+          <a:solidFill>
+            <a:schemeClr val="accent1">
+              <a:hueOff val="0"/>
+              <a:satOff val="0"/>
+              <a:lumOff val="0"/>
+              <a:alphaOff val="0"/>
+            </a:schemeClr>
+          </a:solidFill>
+          <a:prstDash val="solid"/>
+        </a:ln>
+        <a:effectLst/>
+      </dsp:spPr>
+      <dsp:style>
+        <a:lnRef idx="2">
+          <a:scrgbClr r="0" g="0" b="0"/>
+        </a:lnRef>
+        <a:fillRef idx="1">
+          <a:scrgbClr r="0" g="0" b="0"/>
+        </a:fillRef>
+        <a:effectRef idx="0">
+          <a:scrgbClr r="0" g="0" b="0"/>
+        </a:effectRef>
+        <a:fontRef idx="minor">
+          <a:schemeClr val="lt1"/>
+        </a:fontRef>
+      </dsp:style>
+      <dsp:txBody>
+        <a:bodyPr spcFirstLastPara="0" vert="horz" wrap="square" lIns="71120" tIns="40640" rIns="71120" bIns="40640" numCol="1" spcCol="1270" anchor="ctr" anchorCtr="0">
+          <a:noAutofit/>
+        </a:bodyPr>
+        <a:lstStyle/>
+        <a:p>
+          <a:pPr marL="0" lvl="0" indent="0" algn="ctr" defTabSz="444500">
+            <a:lnSpc>
+              <a:spcPct val="90000"/>
+            </a:lnSpc>
+            <a:spcBef>
+              <a:spcPct val="0"/>
+            </a:spcBef>
+            <a:spcAft>
+              <a:spcPct val="35000"/>
+            </a:spcAft>
+            <a:buNone/>
+          </a:pPr>
+          <a:r>
+            <a:rPr lang="ru-RU" sz="1000" kern="1200" dirty="0"/>
+            <a:t>Мероприятия по устранению коррупционного риска</a:t>
+          </a:r>
+        </a:p>
+      </dsp:txBody>
+      <dsp:txXfrm>
+        <a:off x="5286950" y="96337"/>
+        <a:ext cx="1544713" cy="613697"/>
+      </dsp:txXfrm>
+    </dsp:sp>
+    <dsp:sp modelId="{6BA966ED-6A4B-4084-84E7-5D876DB255B5}">
+      <dsp:nvSpPr>
+        <dsp:cNvPr id="0" name=""/>
+        <dsp:cNvSpPr/>
+      </dsp:nvSpPr>
+      <dsp:spPr>
+        <a:xfrm>
+          <a:off x="5286950" y="710035"/>
+          <a:ext cx="1544713" cy="3074399"/>
+        </a:xfrm>
+        <a:prstGeom prst="rect">
+          <a:avLst/>
+        </a:prstGeom>
+        <a:solidFill>
+          <a:schemeClr val="accent1">
+            <a:alpha val="90000"/>
+            <a:tint val="40000"/>
+            <a:hueOff val="0"/>
+            <a:satOff val="0"/>
+            <a:lumOff val="0"/>
+            <a:alphaOff val="0"/>
+          </a:schemeClr>
+        </a:solidFill>
+        <a:ln w="19050" cap="rnd" cmpd="sng" algn="ctr">
+          <a:solidFill>
+            <a:schemeClr val="accent1">
+              <a:alpha val="90000"/>
+              <a:tint val="40000"/>
+              <a:hueOff val="0"/>
+              <a:satOff val="0"/>
+              <a:lumOff val="0"/>
+              <a:alphaOff val="0"/>
+            </a:schemeClr>
+          </a:solidFill>
+          <a:prstDash val="solid"/>
+        </a:ln>
+        <a:effectLst/>
+      </dsp:spPr>
+      <dsp:style>
+        <a:lnRef idx="2">
+          <a:scrgbClr r="0" g="0" b="0"/>
+        </a:lnRef>
+        <a:fillRef idx="1">
+          <a:scrgbClr r="0" g="0" b="0"/>
+        </a:fillRef>
+        <a:effectRef idx="0">
+          <a:scrgbClr r="0" g="0" b="0"/>
+        </a:effectRef>
+        <a:fontRef idx="minor"/>
+      </dsp:style>
+      <dsp:txBody>
+        <a:bodyPr spcFirstLastPara="0" vert="horz" wrap="square" lIns="53340" tIns="53340" rIns="71120" bIns="80010" numCol="1" spcCol="1270" anchor="t" anchorCtr="0">
+          <a:noAutofit/>
+        </a:bodyPr>
+        <a:lstStyle/>
+        <a:p>
+          <a:pPr marL="57150" lvl="1" indent="-57150" algn="l" defTabSz="444500">
+            <a:lnSpc>
+              <a:spcPct val="90000"/>
+            </a:lnSpc>
+            <a:spcBef>
+              <a:spcPct val="0"/>
+            </a:spcBef>
+            <a:spcAft>
+              <a:spcPct val="15000"/>
+            </a:spcAft>
+            <a:buChar char="•"/>
+          </a:pPr>
+          <a:r>
+            <a:rPr lang="ru-RU" sz="1000" kern="1200" dirty="0"/>
+            <a:t>Проведение тестирования для каждого претендента в изолированных от любого внешнего влияния помещениях</a:t>
+          </a:r>
+        </a:p>
+      </dsp:txBody>
+      <dsp:txXfrm>
+        <a:off x="5286950" y="710035"/>
+        <a:ext cx="1544713" cy="3074399"/>
+      </dsp:txXfrm>
+    </dsp:sp>
+    <dsp:sp modelId="{8E0F59AC-CE69-4C1D-94FC-D21676D5EFE4}">
+      <dsp:nvSpPr>
+        <dsp:cNvPr id="0" name=""/>
+        <dsp:cNvSpPr/>
+      </dsp:nvSpPr>
+      <dsp:spPr>
+        <a:xfrm>
+          <a:off x="7047924" y="96337"/>
+          <a:ext cx="1544713" cy="613697"/>
+        </a:xfrm>
+        <a:prstGeom prst="rect">
+          <a:avLst/>
+        </a:prstGeom>
+        <a:solidFill>
+          <a:schemeClr val="accent1">
+            <a:hueOff val="0"/>
+            <a:satOff val="0"/>
+            <a:lumOff val="0"/>
+            <a:alphaOff val="0"/>
+          </a:schemeClr>
+        </a:solidFill>
+        <a:ln w="19050" cap="rnd" cmpd="sng" algn="ctr">
+          <a:solidFill>
+            <a:schemeClr val="accent1">
+              <a:hueOff val="0"/>
+              <a:satOff val="0"/>
+              <a:lumOff val="0"/>
+              <a:alphaOff val="0"/>
+            </a:schemeClr>
+          </a:solidFill>
+          <a:prstDash val="solid"/>
+        </a:ln>
+        <a:effectLst/>
+      </dsp:spPr>
+      <dsp:style>
+        <a:lnRef idx="2">
+          <a:scrgbClr r="0" g="0" b="0"/>
+        </a:lnRef>
+        <a:fillRef idx="1">
+          <a:scrgbClr r="0" g="0" b="0"/>
+        </a:fillRef>
+        <a:effectRef idx="0">
+          <a:scrgbClr r="0" g="0" b="0"/>
+        </a:effectRef>
+        <a:fontRef idx="minor">
+          <a:schemeClr val="lt1"/>
+        </a:fontRef>
+      </dsp:style>
+      <dsp:txBody>
+        <a:bodyPr spcFirstLastPara="0" vert="horz" wrap="square" lIns="71120" tIns="40640" rIns="71120" bIns="40640" numCol="1" spcCol="1270" anchor="ctr" anchorCtr="0">
+          <a:noAutofit/>
+        </a:bodyPr>
+        <a:lstStyle/>
+        <a:p>
+          <a:pPr marL="0" lvl="0" indent="0" algn="ctr" defTabSz="444500">
+            <a:lnSpc>
+              <a:spcPct val="90000"/>
+            </a:lnSpc>
+            <a:spcBef>
+              <a:spcPct val="0"/>
+            </a:spcBef>
+            <a:spcAft>
+              <a:spcPct val="35000"/>
+            </a:spcAft>
+            <a:buNone/>
+          </a:pPr>
+          <a:r>
+            <a:rPr lang="ru-RU" sz="1000" kern="1200" dirty="0"/>
+            <a:t>Положительные эффекты от реализации мероприятий</a:t>
+          </a:r>
+        </a:p>
+      </dsp:txBody>
+      <dsp:txXfrm>
+        <a:off x="7047924" y="96337"/>
+        <a:ext cx="1544713" cy="613697"/>
+      </dsp:txXfrm>
+    </dsp:sp>
+    <dsp:sp modelId="{6873CDD8-67BF-49FF-8D81-D811229107A9}">
+      <dsp:nvSpPr>
+        <dsp:cNvPr id="0" name=""/>
+        <dsp:cNvSpPr/>
+      </dsp:nvSpPr>
+      <dsp:spPr>
+        <a:xfrm>
+          <a:off x="7047924" y="710035"/>
+          <a:ext cx="1544713" cy="3074399"/>
+        </a:xfrm>
+        <a:prstGeom prst="rect">
+          <a:avLst/>
+        </a:prstGeom>
+        <a:solidFill>
+          <a:schemeClr val="accent1">
+            <a:alpha val="90000"/>
+            <a:tint val="40000"/>
+            <a:hueOff val="0"/>
+            <a:satOff val="0"/>
+            <a:lumOff val="0"/>
+            <a:alphaOff val="0"/>
+          </a:schemeClr>
+        </a:solidFill>
+        <a:ln w="19050" cap="rnd" cmpd="sng" algn="ctr">
+          <a:solidFill>
+            <a:schemeClr val="accent1">
+              <a:alpha val="90000"/>
+              <a:tint val="40000"/>
+              <a:hueOff val="0"/>
+              <a:satOff val="0"/>
+              <a:lumOff val="0"/>
+              <a:alphaOff val="0"/>
+            </a:schemeClr>
+          </a:solidFill>
+          <a:prstDash val="solid"/>
+        </a:ln>
+        <a:effectLst/>
+      </dsp:spPr>
+      <dsp:style>
+        <a:lnRef idx="2">
+          <a:scrgbClr r="0" g="0" b="0"/>
+        </a:lnRef>
+        <a:fillRef idx="1">
+          <a:scrgbClr r="0" g="0" b="0"/>
+        </a:fillRef>
+        <a:effectRef idx="0">
+          <a:scrgbClr r="0" g="0" b="0"/>
+        </a:effectRef>
+        <a:fontRef idx="minor"/>
+      </dsp:style>
+      <dsp:txBody>
+        <a:bodyPr spcFirstLastPara="0" vert="horz" wrap="square" lIns="53340" tIns="53340" rIns="71120" bIns="80010" numCol="1" spcCol="1270" anchor="t" anchorCtr="0">
+          <a:noAutofit/>
+        </a:bodyPr>
+        <a:lstStyle/>
+        <a:p>
+          <a:pPr marL="57150" lvl="1" indent="-57150" algn="l" defTabSz="444500">
+            <a:lnSpc>
+              <a:spcPct val="90000"/>
+            </a:lnSpc>
+            <a:spcBef>
+              <a:spcPct val="0"/>
+            </a:spcBef>
+            <a:spcAft>
+              <a:spcPct val="15000"/>
+            </a:spcAft>
+            <a:buChar char="•"/>
+          </a:pPr>
+          <a:r>
+            <a:rPr lang="ru-RU" sz="1000" kern="1200" dirty="0"/>
+            <a:t>Устранение риска прохождения некомпетентными претендентами на должность</a:t>
+          </a:r>
+        </a:p>
+      </dsp:txBody>
+      <dsp:txXfrm>
+        <a:off x="7047924" y="710035"/>
+        <a:ext cx="1544713" cy="3074399"/>
       </dsp:txXfrm>
     </dsp:sp>
   </dsp:spTree>
@@ -14610,6 +16766,223 @@
 </dgm:layoutDef>
 </file>
 
+<file path=ppt/diagrams/layout5.xml><?xml version="1.0" encoding="utf-8"?>
+<dgm:layoutDef xmlns:dgm="http://schemas.openxmlformats.org/drawingml/2006/diagram" xmlns:a="http://schemas.openxmlformats.org/drawingml/2006/main" uniqueId="urn:microsoft.com/office/officeart/2005/8/layout/hList1">
+  <dgm:title val=""/>
+  <dgm:desc val=""/>
+  <dgm:catLst>
+    <dgm:cat type="list" pri="5000"/>
+    <dgm:cat type="convert" pri="5000"/>
+  </dgm:catLst>
+  <dgm:sampData>
+    <dgm:dataModel>
+      <dgm:ptLst>
+        <dgm:pt modelId="0" type="doc"/>
+        <dgm:pt modelId="1">
+          <dgm:prSet phldr="1"/>
+        </dgm:pt>
+        <dgm:pt modelId="11">
+          <dgm:prSet phldr="1"/>
+        </dgm:pt>
+        <dgm:pt modelId="12">
+          <dgm:prSet phldr="1"/>
+        </dgm:pt>
+        <dgm:pt modelId="2">
+          <dgm:prSet phldr="1"/>
+        </dgm:pt>
+        <dgm:pt modelId="21">
+          <dgm:prSet phldr="1"/>
+        </dgm:pt>
+        <dgm:pt modelId="22">
+          <dgm:prSet phldr="1"/>
+        </dgm:pt>
+        <dgm:pt modelId="3">
+          <dgm:prSet phldr="1"/>
+        </dgm:pt>
+        <dgm:pt modelId="31">
+          <dgm:prSet phldr="1"/>
+        </dgm:pt>
+        <dgm:pt modelId="32">
+          <dgm:prSet phldr="1"/>
+        </dgm:pt>
+      </dgm:ptLst>
+      <dgm:cxnLst>
+        <dgm:cxn modelId="4" srcId="0" destId="1" srcOrd="0" destOrd="0"/>
+        <dgm:cxn modelId="5" srcId="0" destId="2" srcOrd="1" destOrd="0"/>
+        <dgm:cxn modelId="6" srcId="0" destId="3" srcOrd="2" destOrd="0"/>
+        <dgm:cxn modelId="13" srcId="1" destId="11" srcOrd="0" destOrd="0"/>
+        <dgm:cxn modelId="14" srcId="1" destId="12" srcOrd="1" destOrd="0"/>
+        <dgm:cxn modelId="23" srcId="2" destId="21" srcOrd="0" destOrd="0"/>
+        <dgm:cxn modelId="24" srcId="2" destId="22" srcOrd="1" destOrd="0"/>
+        <dgm:cxn modelId="33" srcId="3" destId="31" srcOrd="0" destOrd="0"/>
+        <dgm:cxn modelId="34" srcId="3" destId="32" srcOrd="1" destOrd="0"/>
+      </dgm:cxnLst>
+      <dgm:bg/>
+      <dgm:whole/>
+    </dgm:dataModel>
+  </dgm:sampData>
+  <dgm:styleData>
+    <dgm:dataModel>
+      <dgm:ptLst>
+        <dgm:pt modelId="0" type="doc"/>
+        <dgm:pt modelId="1">
+          <dgm:prSet phldr="1"/>
+        </dgm:pt>
+        <dgm:pt modelId="2">
+          <dgm:prSet phldr="1"/>
+        </dgm:pt>
+      </dgm:ptLst>
+      <dgm:cxnLst>
+        <dgm:cxn modelId="3" srcId="0" destId="1" srcOrd="0" destOrd="0"/>
+        <dgm:cxn modelId="4" srcId="0" destId="2" srcOrd="1" destOrd="0"/>
+      </dgm:cxnLst>
+      <dgm:bg/>
+      <dgm:whole/>
+    </dgm:dataModel>
+  </dgm:styleData>
+  <dgm:clrData>
+    <dgm:dataModel>
+      <dgm:ptLst>
+        <dgm:pt modelId="0" type="doc"/>
+        <dgm:pt modelId="1">
+          <dgm:prSet phldr="1"/>
+        </dgm:pt>
+        <dgm:pt modelId="2">
+          <dgm:prSet phldr="1"/>
+        </dgm:pt>
+        <dgm:pt modelId="3">
+          <dgm:prSet phldr="1"/>
+        </dgm:pt>
+        <dgm:pt modelId="4">
+          <dgm:prSet phldr="1"/>
+        </dgm:pt>
+      </dgm:ptLst>
+      <dgm:cxnLst>
+        <dgm:cxn modelId="5" srcId="0" destId="1" srcOrd="0" destOrd="0"/>
+        <dgm:cxn modelId="6" srcId="0" destId="2" srcOrd="1" destOrd="0"/>
+        <dgm:cxn modelId="7" srcId="0" destId="3" srcOrd="2" destOrd="0"/>
+        <dgm:cxn modelId="8" srcId="0" destId="4" srcOrd="3" destOrd="0"/>
+      </dgm:cxnLst>
+      <dgm:bg/>
+      <dgm:whole/>
+    </dgm:dataModel>
+  </dgm:clrData>
+  <dgm:layoutNode name="Name0">
+    <dgm:varLst>
+      <dgm:dir/>
+      <dgm:animLvl val="lvl"/>
+      <dgm:resizeHandles val="exact"/>
+    </dgm:varLst>
+    <dgm:choose name="Name1">
+      <dgm:if name="Name2" func="var" arg="dir" op="equ" val="norm">
+        <dgm:alg type="lin"/>
+      </dgm:if>
+      <dgm:else name="Name3">
+        <dgm:alg type="lin">
+          <dgm:param type="linDir" val="fromR"/>
+        </dgm:alg>
+      </dgm:else>
+    </dgm:choose>
+    <dgm:shape xmlns:r="http://schemas.openxmlformats.org/officeDocument/2006/relationships" r:blip="">
+      <dgm:adjLst/>
+    </dgm:shape>
+    <dgm:presOf/>
+    <dgm:constrLst>
+      <dgm:constr type="h" for="ch" forName="composite" refType="h"/>
+      <dgm:constr type="w" for="ch" forName="composite" refType="w"/>
+      <dgm:constr type="w" for="des" forName="parTx"/>
+      <dgm:constr type="h" for="des" forName="parTx" op="equ"/>
+      <dgm:constr type="w" for="des" forName="desTx"/>
+      <dgm:constr type="h" for="des" forName="desTx" op="equ"/>
+      <dgm:constr type="primFontSz" for="des" forName="parTx" val="65"/>
+      <dgm:constr type="secFontSz" for="des" forName="desTx" refType="primFontSz" refFor="des" refForName="parTx" op="equ"/>
+      <dgm:constr type="h" for="des" forName="parTx" refType="primFontSz" refFor="des" refForName="parTx" fact="0.8"/>
+      <dgm:constr type="h" for="des" forName="desTx" refType="primFontSz" refFor="des" refForName="parTx" fact="1.22"/>
+      <dgm:constr type="w" for="ch" forName="space" refType="w" refFor="ch" refForName="composite" op="equ" fact="0.14"/>
+    </dgm:constrLst>
+    <dgm:ruleLst>
+      <dgm:rule type="w" for="ch" forName="composite" val="0" fact="NaN" max="NaN"/>
+      <dgm:rule type="primFontSz" for="des" forName="parTx" val="5" fact="NaN" max="NaN"/>
+    </dgm:ruleLst>
+    <dgm:forEach name="Name4" axis="ch" ptType="node">
+      <dgm:layoutNode name="composite">
+        <dgm:alg type="composite"/>
+        <dgm:shape xmlns:r="http://schemas.openxmlformats.org/officeDocument/2006/relationships" r:blip="">
+          <dgm:adjLst/>
+        </dgm:shape>
+        <dgm:presOf/>
+        <dgm:constrLst>
+          <dgm:constr type="l" for="ch" forName="parTx"/>
+          <dgm:constr type="w" for="ch" forName="parTx" refType="w"/>
+          <dgm:constr type="t" for="ch" forName="parTx"/>
+          <dgm:constr type="l" for="ch" forName="desTx"/>
+          <dgm:constr type="w" for="ch" forName="desTx" refType="w" refFor="ch" refForName="parTx"/>
+          <dgm:constr type="t" for="ch" forName="desTx" refType="h" refFor="ch" refForName="parTx"/>
+        </dgm:constrLst>
+        <dgm:ruleLst>
+          <dgm:rule type="h" val="INF" fact="NaN" max="NaN"/>
+        </dgm:ruleLst>
+        <dgm:layoutNode name="parTx" styleLbl="alignNode1">
+          <dgm:varLst>
+            <dgm:chMax val="0"/>
+            <dgm:chPref val="0"/>
+            <dgm:bulletEnabled val="1"/>
+          </dgm:varLst>
+          <dgm:alg type="tx"/>
+          <dgm:shape xmlns:r="http://schemas.openxmlformats.org/officeDocument/2006/relationships" type="rect" r:blip="">
+            <dgm:adjLst/>
+          </dgm:shape>
+          <dgm:presOf axis="self" ptType="node"/>
+          <dgm:constrLst>
+            <dgm:constr type="h" refType="w" op="lte" fact="0.4"/>
+            <dgm:constr type="h"/>
+            <dgm:constr type="tMarg" refType="primFontSz" fact="0.32"/>
+            <dgm:constr type="bMarg" refType="primFontSz" fact="0.32"/>
+          </dgm:constrLst>
+          <dgm:ruleLst>
+            <dgm:rule type="h" val="INF" fact="NaN" max="NaN"/>
+          </dgm:ruleLst>
+        </dgm:layoutNode>
+        <dgm:layoutNode name="desTx" styleLbl="alignAccFollowNode1">
+          <dgm:varLst>
+            <dgm:bulletEnabled val="1"/>
+          </dgm:varLst>
+          <dgm:alg type="tx">
+            <dgm:param type="stBulletLvl" val="1"/>
+          </dgm:alg>
+          <dgm:shape xmlns:r="http://schemas.openxmlformats.org/officeDocument/2006/relationships" type="rect" r:blip="">
+            <dgm:adjLst/>
+          </dgm:shape>
+          <dgm:presOf axis="des" ptType="node"/>
+          <dgm:constrLst>
+            <dgm:constr type="secFontSz" val="65"/>
+            <dgm:constr type="primFontSz" refType="secFontSz"/>
+            <dgm:constr type="h"/>
+            <dgm:constr type="lMarg" refType="primFontSz" fact="0.42"/>
+            <dgm:constr type="tMarg" refType="primFontSz" fact="0.42"/>
+            <dgm:constr type="bMarg" refType="primFontSz" fact="0.63"/>
+          </dgm:constrLst>
+          <dgm:ruleLst>
+            <dgm:rule type="h" val="INF" fact="NaN" max="NaN"/>
+          </dgm:ruleLst>
+        </dgm:layoutNode>
+      </dgm:layoutNode>
+      <dgm:forEach name="Name5" axis="followSib" ptType="sibTrans" cnt="1">
+        <dgm:layoutNode name="space">
+          <dgm:alg type="sp"/>
+          <dgm:shape xmlns:r="http://schemas.openxmlformats.org/officeDocument/2006/relationships" r:blip="">
+            <dgm:adjLst/>
+          </dgm:shape>
+          <dgm:presOf/>
+          <dgm:constrLst/>
+          <dgm:ruleLst/>
+        </dgm:layoutNode>
+      </dgm:forEach>
+    </dgm:forEach>
+  </dgm:layoutNode>
+</dgm:layoutDef>
+</file>
+
 <file path=ppt/diagrams/quickStyle1.xml><?xml version="1.0" encoding="utf-8"?>
 <dgm:styleDef xmlns:dgm="http://schemas.openxmlformats.org/drawingml/2006/diagram" xmlns:a="http://schemas.openxmlformats.org/drawingml/2006/main" uniqueId="urn:microsoft.com/office/officeart/2005/8/quickstyle/simple1">
   <dgm:title val=""/>
@@ -17713,6 +20086,1040 @@
 </file>
 
 <file path=ppt/diagrams/quickStyle4.xml><?xml version="1.0" encoding="utf-8"?>
+<dgm:styleDef xmlns:dgm="http://schemas.openxmlformats.org/drawingml/2006/diagram" xmlns:a="http://schemas.openxmlformats.org/drawingml/2006/main" uniqueId="urn:microsoft.com/office/officeart/2005/8/quickstyle/simple1">
+  <dgm:title val=""/>
+  <dgm:desc val=""/>
+  <dgm:catLst>
+    <dgm:cat type="simple" pri="10100"/>
+  </dgm:catLst>
+  <dgm:scene3d>
+    <a:camera prst="orthographicFront"/>
+    <a:lightRig rig="threePt" dir="t"/>
+  </dgm:scene3d>
+  <dgm:styleLbl name="node0">
+    <dgm:scene3d>
+      <a:camera prst="orthographicFront"/>
+      <a:lightRig rig="threePt" dir="t"/>
+    </dgm:scene3d>
+    <dgm:sp3d/>
+    <dgm:txPr/>
+    <dgm:style>
+      <a:lnRef idx="2">
+        <a:scrgbClr r="0" g="0" b="0"/>
+      </a:lnRef>
+      <a:fillRef idx="1">
+        <a:scrgbClr r="0" g="0" b="0"/>
+      </a:fillRef>
+      <a:effectRef idx="0">
+        <a:scrgbClr r="0" g="0" b="0"/>
+      </a:effectRef>
+      <a:fontRef idx="minor">
+        <a:schemeClr val="lt1"/>
+      </a:fontRef>
+    </dgm:style>
+  </dgm:styleLbl>
+  <dgm:styleLbl name="lnNode1">
+    <dgm:scene3d>
+      <a:camera prst="orthographicFront"/>
+      <a:lightRig rig="threePt" dir="t"/>
+    </dgm:scene3d>
+    <dgm:sp3d/>
+    <dgm:txPr/>
+    <dgm:style>
+      <a:lnRef idx="2">
+        <a:scrgbClr r="0" g="0" b="0"/>
+      </a:lnRef>
+      <a:fillRef idx="1">
+        <a:scrgbClr r="0" g="0" b="0"/>
+      </a:fillRef>
+      <a:effectRef idx="0">
+        <a:scrgbClr r="0" g="0" b="0"/>
+      </a:effectRef>
+      <a:fontRef idx="minor">
+        <a:schemeClr val="lt1"/>
+      </a:fontRef>
+    </dgm:style>
+  </dgm:styleLbl>
+  <dgm:styleLbl name="vennNode1">
+    <dgm:scene3d>
+      <a:camera prst="orthographicFront"/>
+      <a:lightRig rig="threePt" dir="t"/>
+    </dgm:scene3d>
+    <dgm:sp3d/>
+    <dgm:txPr/>
+    <dgm:style>
+      <a:lnRef idx="2">
+        <a:scrgbClr r="0" g="0" b="0"/>
+      </a:lnRef>
+      <a:fillRef idx="1">
+        <a:scrgbClr r="0" g="0" b="0"/>
+      </a:fillRef>
+      <a:effectRef idx="0">
+        <a:scrgbClr r="0" g="0" b="0"/>
+      </a:effectRef>
+      <a:fontRef idx="minor">
+        <a:schemeClr val="tx1"/>
+      </a:fontRef>
+    </dgm:style>
+  </dgm:styleLbl>
+  <dgm:styleLbl name="alignNode1">
+    <dgm:scene3d>
+      <a:camera prst="orthographicFront"/>
+      <a:lightRig rig="threePt" dir="t"/>
+    </dgm:scene3d>
+    <dgm:sp3d/>
+    <dgm:txPr/>
+    <dgm:style>
+      <a:lnRef idx="2">
+        <a:scrgbClr r="0" g="0" b="0"/>
+      </a:lnRef>
+      <a:fillRef idx="1">
+        <a:scrgbClr r="0" g="0" b="0"/>
+      </a:fillRef>
+      <a:effectRef idx="0">
+        <a:scrgbClr r="0" g="0" b="0"/>
+      </a:effectRef>
+      <a:fontRef idx="minor">
+        <a:schemeClr val="lt1"/>
+      </a:fontRef>
+    </dgm:style>
+  </dgm:styleLbl>
+  <dgm:styleLbl name="node1">
+    <dgm:scene3d>
+      <a:camera prst="orthographicFront"/>
+      <a:lightRig rig="threePt" dir="t"/>
+    </dgm:scene3d>
+    <dgm:sp3d/>
+    <dgm:txPr/>
+    <dgm:style>
+      <a:lnRef idx="2">
+        <a:scrgbClr r="0" g="0" b="0"/>
+      </a:lnRef>
+      <a:fillRef idx="1">
+        <a:scrgbClr r="0" g="0" b="0"/>
+      </a:fillRef>
+      <a:effectRef idx="0">
+        <a:scrgbClr r="0" g="0" b="0"/>
+      </a:effectRef>
+      <a:fontRef idx="minor">
+        <a:schemeClr val="lt1"/>
+      </a:fontRef>
+    </dgm:style>
+  </dgm:styleLbl>
+  <dgm:styleLbl name="node2">
+    <dgm:scene3d>
+      <a:camera prst="orthographicFront"/>
+      <a:lightRig rig="threePt" dir="t"/>
+    </dgm:scene3d>
+    <dgm:sp3d/>
+    <dgm:txPr/>
+    <dgm:style>
+      <a:lnRef idx="2">
+        <a:scrgbClr r="0" g="0" b="0"/>
+      </a:lnRef>
+      <a:fillRef idx="1">
+        <a:scrgbClr r="0" g="0" b="0"/>
+      </a:fillRef>
+      <a:effectRef idx="0">
+        <a:scrgbClr r="0" g="0" b="0"/>
+      </a:effectRef>
+      <a:fontRef idx="minor">
+        <a:schemeClr val="lt1"/>
+      </a:fontRef>
+    </dgm:style>
+  </dgm:styleLbl>
+  <dgm:styleLbl name="node3">
+    <dgm:scene3d>
+      <a:camera prst="orthographicFront"/>
+      <a:lightRig rig="threePt" dir="t"/>
+    </dgm:scene3d>
+    <dgm:sp3d/>
+    <dgm:txPr/>
+    <dgm:style>
+      <a:lnRef idx="2">
+        <a:scrgbClr r="0" g="0" b="0"/>
+      </a:lnRef>
+      <a:fillRef idx="1">
+        <a:scrgbClr r="0" g="0" b="0"/>
+      </a:fillRef>
+      <a:effectRef idx="0">
+        <a:scrgbClr r="0" g="0" b="0"/>
+      </a:effectRef>
+      <a:fontRef idx="minor">
+        <a:schemeClr val="lt1"/>
+      </a:fontRef>
+    </dgm:style>
+  </dgm:styleLbl>
+  <dgm:styleLbl name="node4">
+    <dgm:scene3d>
+      <a:camera prst="orthographicFront"/>
+      <a:lightRig rig="threePt" dir="t"/>
+    </dgm:scene3d>
+    <dgm:sp3d/>
+    <dgm:txPr/>
+    <dgm:style>
+      <a:lnRef idx="2">
+        <a:scrgbClr r="0" g="0" b="0"/>
+      </a:lnRef>
+      <a:fillRef idx="1">
+        <a:scrgbClr r="0" g="0" b="0"/>
+      </a:fillRef>
+      <a:effectRef idx="0">
+        <a:scrgbClr r="0" g="0" b="0"/>
+      </a:effectRef>
+      <a:fontRef idx="minor">
+        <a:schemeClr val="lt1"/>
+      </a:fontRef>
+    </dgm:style>
+  </dgm:styleLbl>
+  <dgm:styleLbl name="fgImgPlace1">
+    <dgm:scene3d>
+      <a:camera prst="orthographicFront"/>
+      <a:lightRig rig="threePt" dir="t"/>
+    </dgm:scene3d>
+    <dgm:sp3d/>
+    <dgm:txPr/>
+    <dgm:style>
+      <a:lnRef idx="2">
+        <a:scrgbClr r="0" g="0" b="0"/>
+      </a:lnRef>
+      <a:fillRef idx="1">
+        <a:scrgbClr r="0" g="0" b="0"/>
+      </a:fillRef>
+      <a:effectRef idx="0">
+        <a:scrgbClr r="0" g="0" b="0"/>
+      </a:effectRef>
+      <a:fontRef idx="minor"/>
+    </dgm:style>
+  </dgm:styleLbl>
+  <dgm:styleLbl name="alignImgPlace1">
+    <dgm:scene3d>
+      <a:camera prst="orthographicFront"/>
+      <a:lightRig rig="threePt" dir="t"/>
+    </dgm:scene3d>
+    <dgm:sp3d/>
+    <dgm:txPr/>
+    <dgm:style>
+      <a:lnRef idx="2">
+        <a:scrgbClr r="0" g="0" b="0"/>
+      </a:lnRef>
+      <a:fillRef idx="1">
+        <a:scrgbClr r="0" g="0" b="0"/>
+      </a:fillRef>
+      <a:effectRef idx="0">
+        <a:scrgbClr r="0" g="0" b="0"/>
+      </a:effectRef>
+      <a:fontRef idx="minor"/>
+    </dgm:style>
+  </dgm:styleLbl>
+  <dgm:styleLbl name="bgImgPlace1">
+    <dgm:scene3d>
+      <a:camera prst="orthographicFront"/>
+      <a:lightRig rig="threePt" dir="t"/>
+    </dgm:scene3d>
+    <dgm:sp3d/>
+    <dgm:txPr/>
+    <dgm:style>
+      <a:lnRef idx="2">
+        <a:scrgbClr r="0" g="0" b="0"/>
+      </a:lnRef>
+      <a:fillRef idx="1">
+        <a:scrgbClr r="0" g="0" b="0"/>
+      </a:fillRef>
+      <a:effectRef idx="0">
+        <a:scrgbClr r="0" g="0" b="0"/>
+      </a:effectRef>
+      <a:fontRef idx="minor"/>
+    </dgm:style>
+  </dgm:styleLbl>
+  <dgm:styleLbl name="sibTrans2D1">
+    <dgm:scene3d>
+      <a:camera prst="orthographicFront"/>
+      <a:lightRig rig="threePt" dir="t"/>
+    </dgm:scene3d>
+    <dgm:sp3d/>
+    <dgm:txPr/>
+    <dgm:style>
+      <a:lnRef idx="0">
+        <a:scrgbClr r="0" g="0" b="0"/>
+      </a:lnRef>
+      <a:fillRef idx="1">
+        <a:scrgbClr r="0" g="0" b="0"/>
+      </a:fillRef>
+      <a:effectRef idx="0">
+        <a:scrgbClr r="0" g="0" b="0"/>
+      </a:effectRef>
+      <a:fontRef idx="minor">
+        <a:schemeClr val="lt1"/>
+      </a:fontRef>
+    </dgm:style>
+  </dgm:styleLbl>
+  <dgm:styleLbl name="fgSibTrans2D1">
+    <dgm:scene3d>
+      <a:camera prst="orthographicFront"/>
+      <a:lightRig rig="threePt" dir="t"/>
+    </dgm:scene3d>
+    <dgm:sp3d/>
+    <dgm:txPr/>
+    <dgm:style>
+      <a:lnRef idx="0">
+        <a:scrgbClr r="0" g="0" b="0"/>
+      </a:lnRef>
+      <a:fillRef idx="1">
+        <a:scrgbClr r="0" g="0" b="0"/>
+      </a:fillRef>
+      <a:effectRef idx="0">
+        <a:scrgbClr r="0" g="0" b="0"/>
+      </a:effectRef>
+      <a:fontRef idx="minor">
+        <a:schemeClr val="lt1"/>
+      </a:fontRef>
+    </dgm:style>
+  </dgm:styleLbl>
+  <dgm:styleLbl name="bgSibTrans2D1">
+    <dgm:scene3d>
+      <a:camera prst="orthographicFront"/>
+      <a:lightRig rig="threePt" dir="t"/>
+    </dgm:scene3d>
+    <dgm:sp3d/>
+    <dgm:txPr/>
+    <dgm:style>
+      <a:lnRef idx="0">
+        <a:scrgbClr r="0" g="0" b="0"/>
+      </a:lnRef>
+      <a:fillRef idx="1">
+        <a:scrgbClr r="0" g="0" b="0"/>
+      </a:fillRef>
+      <a:effectRef idx="0">
+        <a:scrgbClr r="0" g="0" b="0"/>
+      </a:effectRef>
+      <a:fontRef idx="minor">
+        <a:schemeClr val="lt1"/>
+      </a:fontRef>
+    </dgm:style>
+  </dgm:styleLbl>
+  <dgm:styleLbl name="sibTrans1D1">
+    <dgm:scene3d>
+      <a:camera prst="orthographicFront"/>
+      <a:lightRig rig="threePt" dir="t"/>
+    </dgm:scene3d>
+    <dgm:sp3d/>
+    <dgm:txPr/>
+    <dgm:style>
+      <a:lnRef idx="1">
+        <a:scrgbClr r="0" g="0" b="0"/>
+      </a:lnRef>
+      <a:fillRef idx="0">
+        <a:scrgbClr r="0" g="0" b="0"/>
+      </a:fillRef>
+      <a:effectRef idx="0">
+        <a:scrgbClr r="0" g="0" b="0"/>
+      </a:effectRef>
+      <a:fontRef idx="minor"/>
+    </dgm:style>
+  </dgm:styleLbl>
+  <dgm:styleLbl name="callout">
+    <dgm:scene3d>
+      <a:camera prst="orthographicFront"/>
+      <a:lightRig rig="threePt" dir="t"/>
+    </dgm:scene3d>
+    <dgm:sp3d/>
+    <dgm:txPr/>
+    <dgm:style>
+      <a:lnRef idx="2">
+        <a:scrgbClr r="0" g="0" b="0"/>
+      </a:lnRef>
+      <a:fillRef idx="1">
+        <a:scrgbClr r="0" g="0" b="0"/>
+      </a:fillRef>
+      <a:effectRef idx="0">
+        <a:scrgbClr r="0" g="0" b="0"/>
+      </a:effectRef>
+      <a:fontRef idx="minor"/>
+    </dgm:style>
+  </dgm:styleLbl>
+  <dgm:styleLbl name="asst0">
+    <dgm:scene3d>
+      <a:camera prst="orthographicFront"/>
+      <a:lightRig rig="threePt" dir="t"/>
+    </dgm:scene3d>
+    <dgm:sp3d/>
+    <dgm:txPr/>
+    <dgm:style>
+      <a:lnRef idx="2">
+        <a:scrgbClr r="0" g="0" b="0"/>
+      </a:lnRef>
+      <a:fillRef idx="1">
+        <a:scrgbClr r="0" g="0" b="0"/>
+      </a:fillRef>
+      <a:effectRef idx="0">
+        <a:scrgbClr r="0" g="0" b="0"/>
+      </a:effectRef>
+      <a:fontRef idx="minor">
+        <a:schemeClr val="lt1"/>
+      </a:fontRef>
+    </dgm:style>
+  </dgm:styleLbl>
+  <dgm:styleLbl name="asst1">
+    <dgm:scene3d>
+      <a:camera prst="orthographicFront"/>
+      <a:lightRig rig="threePt" dir="t"/>
+    </dgm:scene3d>
+    <dgm:sp3d/>
+    <dgm:txPr/>
+    <dgm:style>
+      <a:lnRef idx="2">
+        <a:scrgbClr r="0" g="0" b="0"/>
+      </a:lnRef>
+      <a:fillRef idx="1">
+        <a:scrgbClr r="0" g="0" b="0"/>
+      </a:fillRef>
+      <a:effectRef idx="0">
+        <a:scrgbClr r="0" g="0" b="0"/>
+      </a:effectRef>
+      <a:fontRef idx="minor">
+        <a:schemeClr val="lt1"/>
+      </a:fontRef>
+    </dgm:style>
+  </dgm:styleLbl>
+  <dgm:styleLbl name="asst2">
+    <dgm:scene3d>
+      <a:camera prst="orthographicFront"/>
+      <a:lightRig rig="threePt" dir="t"/>
+    </dgm:scene3d>
+    <dgm:sp3d/>
+    <dgm:txPr/>
+    <dgm:style>
+      <a:lnRef idx="2">
+        <a:scrgbClr r="0" g="0" b="0"/>
+      </a:lnRef>
+      <a:fillRef idx="1">
+        <a:scrgbClr r="0" g="0" b="0"/>
+      </a:fillRef>
+      <a:effectRef idx="0">
+        <a:scrgbClr r="0" g="0" b="0"/>
+      </a:effectRef>
+      <a:fontRef idx="minor">
+        <a:schemeClr val="lt1"/>
+      </a:fontRef>
+    </dgm:style>
+  </dgm:styleLbl>
+  <dgm:styleLbl name="asst3">
+    <dgm:scene3d>
+      <a:camera prst="orthographicFront"/>
+      <a:lightRig rig="threePt" dir="t"/>
+    </dgm:scene3d>
+    <dgm:sp3d/>
+    <dgm:txPr/>
+    <dgm:style>
+      <a:lnRef idx="2">
+        <a:scrgbClr r="0" g="0" b="0"/>
+      </a:lnRef>
+      <a:fillRef idx="1">
+        <a:scrgbClr r="0" g="0" b="0"/>
+      </a:fillRef>
+      <a:effectRef idx="0">
+        <a:scrgbClr r="0" g="0" b="0"/>
+      </a:effectRef>
+      <a:fontRef idx="minor">
+        <a:schemeClr val="lt1"/>
+      </a:fontRef>
+    </dgm:style>
+  </dgm:styleLbl>
+  <dgm:styleLbl name="asst4">
+    <dgm:scene3d>
+      <a:camera prst="orthographicFront"/>
+      <a:lightRig rig="threePt" dir="t"/>
+    </dgm:scene3d>
+    <dgm:sp3d/>
+    <dgm:txPr/>
+    <dgm:style>
+      <a:lnRef idx="2">
+        <a:scrgbClr r="0" g="0" b="0"/>
+      </a:lnRef>
+      <a:fillRef idx="1">
+        <a:scrgbClr r="0" g="0" b="0"/>
+      </a:fillRef>
+      <a:effectRef idx="0">
+        <a:scrgbClr r="0" g="0" b="0"/>
+      </a:effectRef>
+      <a:fontRef idx="minor">
+        <a:schemeClr val="lt1"/>
+      </a:fontRef>
+    </dgm:style>
+  </dgm:styleLbl>
+  <dgm:styleLbl name="parChTrans2D1">
+    <dgm:scene3d>
+      <a:camera prst="orthographicFront"/>
+      <a:lightRig rig="threePt" dir="t"/>
+    </dgm:scene3d>
+    <dgm:sp3d/>
+    <dgm:txPr/>
+    <dgm:style>
+      <a:lnRef idx="2">
+        <a:scrgbClr r="0" g="0" b="0"/>
+      </a:lnRef>
+      <a:fillRef idx="1">
+        <a:scrgbClr r="0" g="0" b="0"/>
+      </a:fillRef>
+      <a:effectRef idx="0">
+        <a:scrgbClr r="0" g="0" b="0"/>
+      </a:effectRef>
+      <a:fontRef idx="minor">
+        <a:schemeClr val="lt1"/>
+      </a:fontRef>
+    </dgm:style>
+  </dgm:styleLbl>
+  <dgm:styleLbl name="parChTrans2D2">
+    <dgm:scene3d>
+      <a:camera prst="orthographicFront"/>
+      <a:lightRig rig="threePt" dir="t"/>
+    </dgm:scene3d>
+    <dgm:sp3d/>
+    <dgm:txPr/>
+    <dgm:style>
+      <a:lnRef idx="2">
+        <a:scrgbClr r="0" g="0" b="0"/>
+      </a:lnRef>
+      <a:fillRef idx="1">
+        <a:scrgbClr r="0" g="0" b="0"/>
+      </a:fillRef>
+      <a:effectRef idx="0">
+        <a:scrgbClr r="0" g="0" b="0"/>
+      </a:effectRef>
+      <a:fontRef idx="minor">
+        <a:schemeClr val="lt1"/>
+      </a:fontRef>
+    </dgm:style>
+  </dgm:styleLbl>
+  <dgm:styleLbl name="parChTrans2D3">
+    <dgm:scene3d>
+      <a:camera prst="orthographicFront"/>
+      <a:lightRig rig="threePt" dir="t"/>
+    </dgm:scene3d>
+    <dgm:sp3d/>
+    <dgm:txPr/>
+    <dgm:style>
+      <a:lnRef idx="2">
+        <a:scrgbClr r="0" g="0" b="0"/>
+      </a:lnRef>
+      <a:fillRef idx="1">
+        <a:scrgbClr r="0" g="0" b="0"/>
+      </a:fillRef>
+      <a:effectRef idx="0">
+        <a:scrgbClr r="0" g="0" b="0"/>
+      </a:effectRef>
+      <a:fontRef idx="minor">
+        <a:schemeClr val="lt1"/>
+      </a:fontRef>
+    </dgm:style>
+  </dgm:styleLbl>
+  <dgm:styleLbl name="parChTrans2D4">
+    <dgm:scene3d>
+      <a:camera prst="orthographicFront"/>
+      <a:lightRig rig="threePt" dir="t"/>
+    </dgm:scene3d>
+    <dgm:sp3d/>
+    <dgm:txPr/>
+    <dgm:style>
+      <a:lnRef idx="2">
+        <a:scrgbClr r="0" g="0" b="0"/>
+      </a:lnRef>
+      <a:fillRef idx="1">
+        <a:scrgbClr r="0" g="0" b="0"/>
+      </a:fillRef>
+      <a:effectRef idx="0">
+        <a:scrgbClr r="0" g="0" b="0"/>
+      </a:effectRef>
+      <a:fontRef idx="minor">
+        <a:schemeClr val="lt1"/>
+      </a:fontRef>
+    </dgm:style>
+  </dgm:styleLbl>
+  <dgm:styleLbl name="parChTrans1D1">
+    <dgm:scene3d>
+      <a:camera prst="orthographicFront"/>
+      <a:lightRig rig="threePt" dir="t"/>
+    </dgm:scene3d>
+    <dgm:sp3d/>
+    <dgm:txPr/>
+    <dgm:style>
+      <a:lnRef idx="2">
+        <a:scrgbClr r="0" g="0" b="0"/>
+      </a:lnRef>
+      <a:fillRef idx="0">
+        <a:scrgbClr r="0" g="0" b="0"/>
+      </a:fillRef>
+      <a:effectRef idx="0">
+        <a:scrgbClr r="0" g="0" b="0"/>
+      </a:effectRef>
+      <a:fontRef idx="minor"/>
+    </dgm:style>
+  </dgm:styleLbl>
+  <dgm:styleLbl name="parChTrans1D2">
+    <dgm:scene3d>
+      <a:camera prst="orthographicFront"/>
+      <a:lightRig rig="threePt" dir="t"/>
+    </dgm:scene3d>
+    <dgm:sp3d/>
+    <dgm:txPr/>
+    <dgm:style>
+      <a:lnRef idx="2">
+        <a:scrgbClr r="0" g="0" b="0"/>
+      </a:lnRef>
+      <a:fillRef idx="0">
+        <a:scrgbClr r="0" g="0" b="0"/>
+      </a:fillRef>
+      <a:effectRef idx="0">
+        <a:scrgbClr r="0" g="0" b="0"/>
+      </a:effectRef>
+      <a:fontRef idx="minor"/>
+    </dgm:style>
+  </dgm:styleLbl>
+  <dgm:styleLbl name="parChTrans1D3">
+    <dgm:scene3d>
+      <a:camera prst="orthographicFront"/>
+      <a:lightRig rig="threePt" dir="t"/>
+    </dgm:scene3d>
+    <dgm:sp3d/>
+    <dgm:txPr/>
+    <dgm:style>
+      <a:lnRef idx="2">
+        <a:scrgbClr r="0" g="0" b="0"/>
+      </a:lnRef>
+      <a:fillRef idx="0">
+        <a:scrgbClr r="0" g="0" b="0"/>
+      </a:fillRef>
+      <a:effectRef idx="0">
+        <a:scrgbClr r="0" g="0" b="0"/>
+      </a:effectRef>
+      <a:fontRef idx="minor"/>
+    </dgm:style>
+  </dgm:styleLbl>
+  <dgm:styleLbl name="parChTrans1D4">
+    <dgm:scene3d>
+      <a:camera prst="orthographicFront"/>
+      <a:lightRig rig="threePt" dir="t"/>
+    </dgm:scene3d>
+    <dgm:sp3d/>
+    <dgm:txPr/>
+    <dgm:style>
+      <a:lnRef idx="2">
+        <a:scrgbClr r="0" g="0" b="0"/>
+      </a:lnRef>
+      <a:fillRef idx="0">
+        <a:scrgbClr r="0" g="0" b="0"/>
+      </a:fillRef>
+      <a:effectRef idx="0">
+        <a:scrgbClr r="0" g="0" b="0"/>
+      </a:effectRef>
+      <a:fontRef idx="minor"/>
+    </dgm:style>
+  </dgm:styleLbl>
+  <dgm:styleLbl name="fgAcc1">
+    <dgm:scene3d>
+      <a:camera prst="orthographicFront"/>
+      <a:lightRig rig="threePt" dir="t"/>
+    </dgm:scene3d>
+    <dgm:sp3d/>
+    <dgm:txPr/>
+    <dgm:style>
+      <a:lnRef idx="2">
+        <a:scrgbClr r="0" g="0" b="0"/>
+      </a:lnRef>
+      <a:fillRef idx="1">
+        <a:scrgbClr r="0" g="0" b="0"/>
+      </a:fillRef>
+      <a:effectRef idx="0">
+        <a:scrgbClr r="0" g="0" b="0"/>
+      </a:effectRef>
+      <a:fontRef idx="minor"/>
+    </dgm:style>
+  </dgm:styleLbl>
+  <dgm:styleLbl name="conFgAcc1">
+    <dgm:scene3d>
+      <a:camera prst="orthographicFront"/>
+      <a:lightRig rig="threePt" dir="t"/>
+    </dgm:scene3d>
+    <dgm:sp3d/>
+    <dgm:txPr/>
+    <dgm:style>
+      <a:lnRef idx="2">
+        <a:scrgbClr r="0" g="0" b="0"/>
+      </a:lnRef>
+      <a:fillRef idx="1">
+        <a:scrgbClr r="0" g="0" b="0"/>
+      </a:fillRef>
+      <a:effectRef idx="0">
+        <a:scrgbClr r="0" g="0" b="0"/>
+      </a:effectRef>
+      <a:fontRef idx="minor"/>
+    </dgm:style>
+  </dgm:styleLbl>
+  <dgm:styleLbl name="alignAcc1">
+    <dgm:scene3d>
+      <a:camera prst="orthographicFront"/>
+      <a:lightRig rig="threePt" dir="t"/>
+    </dgm:scene3d>
+    <dgm:sp3d/>
+    <dgm:txPr/>
+    <dgm:style>
+      <a:lnRef idx="2">
+        <a:scrgbClr r="0" g="0" b="0"/>
+      </a:lnRef>
+      <a:fillRef idx="1">
+        <a:scrgbClr r="0" g="0" b="0"/>
+      </a:fillRef>
+      <a:effectRef idx="0">
+        <a:scrgbClr r="0" g="0" b="0"/>
+      </a:effectRef>
+      <a:fontRef idx="minor"/>
+    </dgm:style>
+  </dgm:styleLbl>
+  <dgm:styleLbl name="trAlignAcc1">
+    <dgm:scene3d>
+      <a:camera prst="orthographicFront"/>
+      <a:lightRig rig="threePt" dir="t"/>
+    </dgm:scene3d>
+    <dgm:sp3d/>
+    <dgm:txPr/>
+    <dgm:style>
+      <a:lnRef idx="1">
+        <a:scrgbClr r="0" g="0" b="0"/>
+      </a:lnRef>
+      <a:fillRef idx="1">
+        <a:scrgbClr r="0" g="0" b="0"/>
+      </a:fillRef>
+      <a:effectRef idx="0">
+        <a:scrgbClr r="0" g="0" b="0"/>
+      </a:effectRef>
+      <a:fontRef idx="minor"/>
+    </dgm:style>
+  </dgm:styleLbl>
+  <dgm:styleLbl name="bgAcc1">
+    <dgm:scene3d>
+      <a:camera prst="orthographicFront"/>
+      <a:lightRig rig="threePt" dir="t"/>
+    </dgm:scene3d>
+    <dgm:sp3d/>
+    <dgm:txPr/>
+    <dgm:style>
+      <a:lnRef idx="2">
+        <a:scrgbClr r="0" g="0" b="0"/>
+      </a:lnRef>
+      <a:fillRef idx="1">
+        <a:scrgbClr r="0" g="0" b="0"/>
+      </a:fillRef>
+      <a:effectRef idx="0">
+        <a:scrgbClr r="0" g="0" b="0"/>
+      </a:effectRef>
+      <a:fontRef idx="minor"/>
+    </dgm:style>
+  </dgm:styleLbl>
+  <dgm:styleLbl name="solidFgAcc1">
+    <dgm:scene3d>
+      <a:camera prst="orthographicFront"/>
+      <a:lightRig rig="threePt" dir="t"/>
+    </dgm:scene3d>
+    <dgm:sp3d/>
+    <dgm:txPr/>
+    <dgm:style>
+      <a:lnRef idx="2">
+        <a:scrgbClr r="0" g="0" b="0"/>
+      </a:lnRef>
+      <a:fillRef idx="1">
+        <a:scrgbClr r="0" g="0" b="0"/>
+      </a:fillRef>
+      <a:effectRef idx="0">
+        <a:scrgbClr r="0" g="0" b="0"/>
+      </a:effectRef>
+      <a:fontRef idx="minor"/>
+    </dgm:style>
+  </dgm:styleLbl>
+  <dgm:styleLbl name="solidAlignAcc1">
+    <dgm:scene3d>
+      <a:camera prst="orthographicFront"/>
+      <a:lightRig rig="threePt" dir="t"/>
+    </dgm:scene3d>
+    <dgm:sp3d/>
+    <dgm:txPr/>
+    <dgm:style>
+      <a:lnRef idx="2">
+        <a:scrgbClr r="0" g="0" b="0"/>
+      </a:lnRef>
+      <a:fillRef idx="1">
+        <a:scrgbClr r="0" g="0" b="0"/>
+      </a:fillRef>
+      <a:effectRef idx="0">
+        <a:scrgbClr r="0" g="0" b="0"/>
+      </a:effectRef>
+      <a:fontRef idx="minor"/>
+    </dgm:style>
+  </dgm:styleLbl>
+  <dgm:styleLbl name="solidBgAcc1">
+    <dgm:scene3d>
+      <a:camera prst="orthographicFront"/>
+      <a:lightRig rig="threePt" dir="t"/>
+    </dgm:scene3d>
+    <dgm:sp3d/>
+    <dgm:txPr/>
+    <dgm:style>
+      <a:lnRef idx="2">
+        <a:scrgbClr r="0" g="0" b="0"/>
+      </a:lnRef>
+      <a:fillRef idx="1">
+        <a:scrgbClr r="0" g="0" b="0"/>
+      </a:fillRef>
+      <a:effectRef idx="0">
+        <a:scrgbClr r="0" g="0" b="0"/>
+      </a:effectRef>
+      <a:fontRef idx="minor"/>
+    </dgm:style>
+  </dgm:styleLbl>
+  <dgm:styleLbl name="fgAccFollowNode1">
+    <dgm:scene3d>
+      <a:camera prst="orthographicFront"/>
+      <a:lightRig rig="threePt" dir="t"/>
+    </dgm:scene3d>
+    <dgm:sp3d/>
+    <dgm:txPr/>
+    <dgm:style>
+      <a:lnRef idx="2">
+        <a:scrgbClr r="0" g="0" b="0"/>
+      </a:lnRef>
+      <a:fillRef idx="1">
+        <a:scrgbClr r="0" g="0" b="0"/>
+      </a:fillRef>
+      <a:effectRef idx="0">
+        <a:scrgbClr r="0" g="0" b="0"/>
+      </a:effectRef>
+      <a:fontRef idx="minor"/>
+    </dgm:style>
+  </dgm:styleLbl>
+  <dgm:styleLbl name="alignAccFollowNode1">
+    <dgm:scene3d>
+      <a:camera prst="orthographicFront"/>
+      <a:lightRig rig="threePt" dir="t"/>
+    </dgm:scene3d>
+    <dgm:sp3d/>
+    <dgm:txPr/>
+    <dgm:style>
+      <a:lnRef idx="2">
+        <a:scrgbClr r="0" g="0" b="0"/>
+      </a:lnRef>
+      <a:fillRef idx="1">
+        <a:scrgbClr r="0" g="0" b="0"/>
+      </a:fillRef>
+      <a:effectRef idx="0">
+        <a:scrgbClr r="0" g="0" b="0"/>
+      </a:effectRef>
+      <a:fontRef idx="minor"/>
+    </dgm:style>
+  </dgm:styleLbl>
+  <dgm:styleLbl name="bgAccFollowNode1">
+    <dgm:scene3d>
+      <a:camera prst="orthographicFront"/>
+      <a:lightRig rig="threePt" dir="t"/>
+    </dgm:scene3d>
+    <dgm:sp3d/>
+    <dgm:txPr/>
+    <dgm:style>
+      <a:lnRef idx="2">
+        <a:scrgbClr r="0" g="0" b="0"/>
+      </a:lnRef>
+      <a:fillRef idx="1">
+        <a:scrgbClr r="0" g="0" b="0"/>
+      </a:fillRef>
+      <a:effectRef idx="0">
+        <a:scrgbClr r="0" g="0" b="0"/>
+      </a:effectRef>
+      <a:fontRef idx="minor"/>
+    </dgm:style>
+  </dgm:styleLbl>
+  <dgm:styleLbl name="fgAcc0">
+    <dgm:scene3d>
+      <a:camera prst="orthographicFront"/>
+      <a:lightRig rig="threePt" dir="t"/>
+    </dgm:scene3d>
+    <dgm:sp3d/>
+    <dgm:txPr/>
+    <dgm:style>
+      <a:lnRef idx="2">
+        <a:scrgbClr r="0" g="0" b="0"/>
+      </a:lnRef>
+      <a:fillRef idx="1">
+        <a:scrgbClr r="0" g="0" b="0"/>
+      </a:fillRef>
+      <a:effectRef idx="0">
+        <a:scrgbClr r="0" g="0" b="0"/>
+      </a:effectRef>
+      <a:fontRef idx="minor"/>
+    </dgm:style>
+  </dgm:styleLbl>
+  <dgm:styleLbl name="fgAcc2">
+    <dgm:scene3d>
+      <a:camera prst="orthographicFront"/>
+      <a:lightRig rig="threePt" dir="t"/>
+    </dgm:scene3d>
+    <dgm:sp3d/>
+    <dgm:txPr/>
+    <dgm:style>
+      <a:lnRef idx="2">
+        <a:scrgbClr r="0" g="0" b="0"/>
+      </a:lnRef>
+      <a:fillRef idx="1">
+        <a:scrgbClr r="0" g="0" b="0"/>
+      </a:fillRef>
+      <a:effectRef idx="0">
+        <a:scrgbClr r="0" g="0" b="0"/>
+      </a:effectRef>
+      <a:fontRef idx="minor"/>
+    </dgm:style>
+  </dgm:styleLbl>
+  <dgm:styleLbl name="fgAcc3">
+    <dgm:scene3d>
+      <a:camera prst="orthographicFront"/>
+      <a:lightRig rig="threePt" dir="t"/>
+    </dgm:scene3d>
+    <dgm:sp3d/>
+    <dgm:txPr/>
+    <dgm:style>
+      <a:lnRef idx="2">
+        <a:scrgbClr r="0" g="0" b="0"/>
+      </a:lnRef>
+      <a:fillRef idx="1">
+        <a:scrgbClr r="0" g="0" b="0"/>
+      </a:fillRef>
+      <a:effectRef idx="0">
+        <a:scrgbClr r="0" g="0" b="0"/>
+      </a:effectRef>
+      <a:fontRef idx="minor"/>
+    </dgm:style>
+  </dgm:styleLbl>
+  <dgm:styleLbl name="fgAcc4">
+    <dgm:scene3d>
+      <a:camera prst="orthographicFront"/>
+      <a:lightRig rig="threePt" dir="t"/>
+    </dgm:scene3d>
+    <dgm:sp3d/>
+    <dgm:txPr/>
+    <dgm:style>
+      <a:lnRef idx="2">
+        <a:scrgbClr r="0" g="0" b="0"/>
+      </a:lnRef>
+      <a:fillRef idx="1">
+        <a:scrgbClr r="0" g="0" b="0"/>
+      </a:fillRef>
+      <a:effectRef idx="0">
+        <a:scrgbClr r="0" g="0" b="0"/>
+      </a:effectRef>
+      <a:fontRef idx="minor"/>
+    </dgm:style>
+  </dgm:styleLbl>
+  <dgm:styleLbl name="bgShp">
+    <dgm:scene3d>
+      <a:camera prst="orthographicFront"/>
+      <a:lightRig rig="threePt" dir="t"/>
+    </dgm:scene3d>
+    <dgm:sp3d/>
+    <dgm:txPr/>
+    <dgm:style>
+      <a:lnRef idx="0">
+        <a:scrgbClr r="0" g="0" b="0"/>
+      </a:lnRef>
+      <a:fillRef idx="1">
+        <a:scrgbClr r="0" g="0" b="0"/>
+      </a:fillRef>
+      <a:effectRef idx="0">
+        <a:scrgbClr r="0" g="0" b="0"/>
+      </a:effectRef>
+      <a:fontRef idx="minor"/>
+    </dgm:style>
+  </dgm:styleLbl>
+  <dgm:styleLbl name="dkBgShp">
+    <dgm:scene3d>
+      <a:camera prst="orthographicFront"/>
+      <a:lightRig rig="threePt" dir="t"/>
+    </dgm:scene3d>
+    <dgm:sp3d/>
+    <dgm:txPr/>
+    <dgm:style>
+      <a:lnRef idx="0">
+        <a:scrgbClr r="0" g="0" b="0"/>
+      </a:lnRef>
+      <a:fillRef idx="1">
+        <a:scrgbClr r="0" g="0" b="0"/>
+      </a:fillRef>
+      <a:effectRef idx="0">
+        <a:scrgbClr r="0" g="0" b="0"/>
+      </a:effectRef>
+      <a:fontRef idx="minor"/>
+    </dgm:style>
+  </dgm:styleLbl>
+  <dgm:styleLbl name="trBgShp">
+    <dgm:scene3d>
+      <a:camera prst="orthographicFront"/>
+      <a:lightRig rig="threePt" dir="t"/>
+    </dgm:scene3d>
+    <dgm:sp3d/>
+    <dgm:txPr/>
+    <dgm:style>
+      <a:lnRef idx="0">
+        <a:scrgbClr r="0" g="0" b="0"/>
+      </a:lnRef>
+      <a:fillRef idx="1">
+        <a:scrgbClr r="0" g="0" b="0"/>
+      </a:fillRef>
+      <a:effectRef idx="0">
+        <a:scrgbClr r="0" g="0" b="0"/>
+      </a:effectRef>
+      <a:fontRef idx="minor"/>
+    </dgm:style>
+  </dgm:styleLbl>
+  <dgm:styleLbl name="fgShp">
+    <dgm:scene3d>
+      <a:camera prst="orthographicFront"/>
+      <a:lightRig rig="threePt" dir="t"/>
+    </dgm:scene3d>
+    <dgm:sp3d/>
+    <dgm:txPr/>
+    <dgm:style>
+      <a:lnRef idx="2">
+        <a:scrgbClr r="0" g="0" b="0"/>
+      </a:lnRef>
+      <a:fillRef idx="1">
+        <a:scrgbClr r="0" g="0" b="0"/>
+      </a:fillRef>
+      <a:effectRef idx="0">
+        <a:scrgbClr r="0" g="0" b="0"/>
+      </a:effectRef>
+      <a:fontRef idx="minor"/>
+    </dgm:style>
+  </dgm:styleLbl>
+  <dgm:styleLbl name="revTx">
+    <dgm:scene3d>
+      <a:camera prst="orthographicFront"/>
+      <a:lightRig rig="threePt" dir="t"/>
+    </dgm:scene3d>
+    <dgm:sp3d/>
+    <dgm:txPr/>
+    <dgm:style>
+      <a:lnRef idx="0">
+        <a:scrgbClr r="0" g="0" b="0"/>
+      </a:lnRef>
+      <a:fillRef idx="0">
+        <a:scrgbClr r="0" g="0" b="0"/>
+      </a:fillRef>
+      <a:effectRef idx="0">
+        <a:scrgbClr r="0" g="0" b="0"/>
+      </a:effectRef>
+      <a:fontRef idx="minor"/>
+    </dgm:style>
+  </dgm:styleLbl>
+</dgm:styleDef>
+</file>
+
+<file path=ppt/diagrams/quickStyle5.xml><?xml version="1.0" encoding="utf-8"?>
 <dgm:styleDef xmlns:dgm="http://schemas.openxmlformats.org/drawingml/2006/diagram" xmlns:a="http://schemas.openxmlformats.org/drawingml/2006/main" uniqueId="urn:microsoft.com/office/officeart/2005/8/quickstyle/simple1">
   <dgm:title val=""/>
   <dgm:desc val=""/>
@@ -18828,7 +22235,7 @@
           <a:p>
             <a:fld id="{6A97EE88-1032-4708-BFC6-D9F0AB1A7B14}" type="datetimeFigureOut">
               <a:rPr lang="ru-RU" smtClean="0"/>
-              <a:t>13.10.2022</a:t>
+              <a:t>21.10.2022</a:t>
             </a:fld>
             <a:endParaRPr lang="ru-RU"/>
           </a:p>
@@ -19901,7 +23308,7 @@
           <a:p>
             <a:fld id="{BC86CDFC-D9D2-448B-BE32-9C4844ACA2E7}" type="datetimeFigureOut">
               <a:rPr lang="ru-RU" smtClean="0"/>
-              <a:t>13.10.2022</a:t>
+              <a:t>21.10.2022</a:t>
             </a:fld>
             <a:endParaRPr lang="ru-RU"/>
           </a:p>
@@ -20152,7 +23559,7 @@
           <a:p>
             <a:fld id="{BC86CDFC-D9D2-448B-BE32-9C4844ACA2E7}" type="datetimeFigureOut">
               <a:rPr lang="ru-RU" smtClean="0"/>
-              <a:t>13.10.2022</a:t>
+              <a:t>21.10.2022</a:t>
             </a:fld>
             <a:endParaRPr lang="ru-RU"/>
           </a:p>
@@ -20466,7 +23873,7 @@
           <a:p>
             <a:fld id="{BC86CDFC-D9D2-448B-BE32-9C4844ACA2E7}" type="datetimeFigureOut">
               <a:rPr lang="ru-RU" smtClean="0"/>
-              <a:t>13.10.2022</a:t>
+              <a:t>21.10.2022</a:t>
             </a:fld>
             <a:endParaRPr lang="ru-RU"/>
           </a:p>
@@ -20807,7 +24214,7 @@
           <a:p>
             <a:fld id="{BC86CDFC-D9D2-448B-BE32-9C4844ACA2E7}" type="datetimeFigureOut">
               <a:rPr lang="ru-RU" smtClean="0"/>
-              <a:t>13.10.2022</a:t>
+              <a:t>21.10.2022</a:t>
             </a:fld>
             <a:endParaRPr lang="ru-RU"/>
           </a:p>
@@ -21121,7 +24528,7 @@
           <a:p>
             <a:fld id="{BC86CDFC-D9D2-448B-BE32-9C4844ACA2E7}" type="datetimeFigureOut">
               <a:rPr lang="ru-RU" smtClean="0"/>
-              <a:t>13.10.2022</a:t>
+              <a:t>21.10.2022</a:t>
             </a:fld>
             <a:endParaRPr lang="ru-RU"/>
           </a:p>
@@ -21514,7 +24921,7 @@
           <a:p>
             <a:fld id="{BC86CDFC-D9D2-448B-BE32-9C4844ACA2E7}" type="datetimeFigureOut">
               <a:rPr lang="ru-RU" smtClean="0"/>
-              <a:t>13.10.2022</a:t>
+              <a:t>21.10.2022</a:t>
             </a:fld>
             <a:endParaRPr lang="ru-RU"/>
           </a:p>
@@ -21684,7 +25091,7 @@
           <a:p>
             <a:fld id="{BC86CDFC-D9D2-448B-BE32-9C4844ACA2E7}" type="datetimeFigureOut">
               <a:rPr lang="ru-RU" smtClean="0"/>
-              <a:t>13.10.2022</a:t>
+              <a:t>21.10.2022</a:t>
             </a:fld>
             <a:endParaRPr lang="ru-RU"/>
           </a:p>
@@ -21864,7 +25271,7 @@
           <a:p>
             <a:fld id="{BC86CDFC-D9D2-448B-BE32-9C4844ACA2E7}" type="datetimeFigureOut">
               <a:rPr lang="ru-RU" smtClean="0"/>
-              <a:t>13.10.2022</a:t>
+              <a:t>21.10.2022</a:t>
             </a:fld>
             <a:endParaRPr lang="ru-RU"/>
           </a:p>
@@ -22040,7 +25447,7 @@
           <a:p>
             <a:fld id="{BC86CDFC-D9D2-448B-BE32-9C4844ACA2E7}" type="datetimeFigureOut">
               <a:rPr lang="ru-RU" smtClean="0"/>
-              <a:t>13.10.2022</a:t>
+              <a:t>21.10.2022</a:t>
             </a:fld>
             <a:endParaRPr lang="ru-RU"/>
           </a:p>
@@ -22287,7 +25694,7 @@
           <a:p>
             <a:fld id="{BC86CDFC-D9D2-448B-BE32-9C4844ACA2E7}" type="datetimeFigureOut">
               <a:rPr lang="ru-RU" smtClean="0"/>
-              <a:t>13.10.2022</a:t>
+              <a:t>21.10.2022</a:t>
             </a:fld>
             <a:endParaRPr lang="ru-RU"/>
           </a:p>
@@ -22519,7 +25926,7 @@
           <a:p>
             <a:fld id="{BC86CDFC-D9D2-448B-BE32-9C4844ACA2E7}" type="datetimeFigureOut">
               <a:rPr lang="ru-RU" smtClean="0"/>
-              <a:t>13.10.2022</a:t>
+              <a:t>21.10.2022</a:t>
             </a:fld>
             <a:endParaRPr lang="ru-RU"/>
           </a:p>
@@ -22893,7 +26300,7 @@
           <a:p>
             <a:fld id="{BC86CDFC-D9D2-448B-BE32-9C4844ACA2E7}" type="datetimeFigureOut">
               <a:rPr lang="ru-RU" smtClean="0"/>
-              <a:t>13.10.2022</a:t>
+              <a:t>21.10.2022</a:t>
             </a:fld>
             <a:endParaRPr lang="ru-RU"/>
           </a:p>
@@ -23016,7 +26423,7 @@
           <a:p>
             <a:fld id="{BC86CDFC-D9D2-448B-BE32-9C4844ACA2E7}" type="datetimeFigureOut">
               <a:rPr lang="ru-RU" smtClean="0"/>
-              <a:t>13.10.2022</a:t>
+              <a:t>21.10.2022</a:t>
             </a:fld>
             <a:endParaRPr lang="ru-RU"/>
           </a:p>
@@ -23111,7 +26518,7 @@
           <a:p>
             <a:fld id="{BC86CDFC-D9D2-448B-BE32-9C4844ACA2E7}" type="datetimeFigureOut">
               <a:rPr lang="ru-RU" smtClean="0"/>
-              <a:t>13.10.2022</a:t>
+              <a:t>21.10.2022</a:t>
             </a:fld>
             <a:endParaRPr lang="ru-RU"/>
           </a:p>
@@ -23366,7 +26773,7 @@
           <a:p>
             <a:fld id="{BC86CDFC-D9D2-448B-BE32-9C4844ACA2E7}" type="datetimeFigureOut">
               <a:rPr lang="ru-RU" smtClean="0"/>
-              <a:t>13.10.2022</a:t>
+              <a:t>21.10.2022</a:t>
             </a:fld>
             <a:endParaRPr lang="ru-RU"/>
           </a:p>
@@ -23629,7 +27036,7 @@
           <a:p>
             <a:fld id="{BC86CDFC-D9D2-448B-BE32-9C4844ACA2E7}" type="datetimeFigureOut">
               <a:rPr lang="ru-RU" smtClean="0"/>
-              <a:t>13.10.2022</a:t>
+              <a:t>21.10.2022</a:t>
             </a:fld>
             <a:endParaRPr lang="ru-RU"/>
           </a:p>
@@ -24372,7 +27779,7 @@
           <a:p>
             <a:fld id="{BC86CDFC-D9D2-448B-BE32-9C4844ACA2E7}" type="datetimeFigureOut">
               <a:rPr lang="ru-RU" smtClean="0"/>
-              <a:t>13.10.2022</a:t>
+              <a:t>21.10.2022</a:t>
             </a:fld>
             <a:endParaRPr lang="ru-RU"/>
           </a:p>
@@ -26097,17 +29504,22 @@
         </p:nvSpPr>
         <p:spPr/>
         <p:txBody>
-          <a:bodyPr/>
+          <a:bodyPr>
+            <a:normAutofit fontScale="90000"/>
+          </a:bodyPr>
           <a:lstStyle/>
           <a:p>
             <a:r>
               <a:rPr lang="ru-RU" dirty="0"/>
-              <a:t>Организационные </a:t>
+              <a:t>Организационные коррупционные риски в </a:t>
             </a:r>
             <a:r>
-              <a:rPr lang="ru-RU" dirty="0" err="1"/>
-              <a:t>коруп</a:t>
+              <a:rPr lang="ru-RU" sz="3600" i="0" dirty="0"/>
+              <a:t>Департаменте разрешительной деятельности и межведомственного взаимодействия:</a:t>
             </a:r>
+            <a:br>
+              <a:rPr lang="ru-RU" sz="3600" b="1" i="0" dirty="0"/>
+            </a:br>
             <a:endParaRPr lang="ru-RU" dirty="0"/>
           </a:p>
         </p:txBody>
@@ -26128,7 +29540,7 @@
             <p:ph idx="1"/>
             <p:extLst>
               <p:ext uri="{D42A27DB-BD31-4B8C-83A1-F6EECF244321}">
-                <p14:modId xmlns:p14="http://schemas.microsoft.com/office/powerpoint/2010/main" val="2103184715"/>
+                <p14:modId xmlns:p14="http://schemas.microsoft.com/office/powerpoint/2010/main" val="1012441957"/>
               </p:ext>
             </p:extLst>
           </p:nvPr>
@@ -26147,6 +29559,229 @@
     <p:extLst>
       <p:ext uri="{BB962C8B-B14F-4D97-AF65-F5344CB8AC3E}">
         <p14:creationId xmlns:p14="http://schemas.microsoft.com/office/powerpoint/2010/main" val="4150093181"/>
+      </p:ext>
+    </p:extLst>
+  </p:cSld>
+  <p:clrMapOvr>
+    <a:masterClrMapping/>
+  </p:clrMapOvr>
+</p:sld>
+</file>
+
+<file path=ppt/slides/slide8.xml><?xml version="1.0" encoding="utf-8"?>
+<p:sld xmlns:a="http://schemas.openxmlformats.org/drawingml/2006/main" xmlns:r="http://schemas.openxmlformats.org/officeDocument/2006/relationships" xmlns:p="http://schemas.openxmlformats.org/presentationml/2006/main">
+  <p:cSld>
+    <p:spTree>
+      <p:nvGrpSpPr>
+        <p:cNvPr id="1" name=""/>
+        <p:cNvGrpSpPr/>
+        <p:nvPr/>
+      </p:nvGrpSpPr>
+      <p:grpSpPr>
+        <a:xfrm>
+          <a:off x="0" y="0"/>
+          <a:ext cx="0" cy="0"/>
+          <a:chOff x="0" y="0"/>
+          <a:chExt cx="0" cy="0"/>
+        </a:xfrm>
+      </p:grpSpPr>
+      <p:sp>
+        <p:nvSpPr>
+          <p:cNvPr id="2" name="Заголовок 1">
+            <a:extLst>
+              <a:ext uri="{FF2B5EF4-FFF2-40B4-BE49-F238E27FC236}">
+                <a16:creationId xmlns:a16="http://schemas.microsoft.com/office/drawing/2014/main" id="{4BF4C1C2-DF8A-AE0B-A155-6FDF0FA50616}"/>
+              </a:ext>
+            </a:extLst>
+          </p:cNvPr>
+          <p:cNvSpPr>
+            <a:spLocks noGrp="1"/>
+          </p:cNvSpPr>
+          <p:nvPr>
+            <p:ph type="title"/>
+          </p:nvPr>
+        </p:nvSpPr>
+        <p:spPr/>
+        <p:txBody>
+          <a:bodyPr/>
+          <a:lstStyle/>
+          <a:p>
+            <a:r>
+              <a:rPr lang="ru-RU" dirty="0"/>
+              <a:t>Коррупционные риски в нормативном регулировании отрасли:</a:t>
+            </a:r>
+          </a:p>
+        </p:txBody>
+      </p:sp>
+      <p:sp>
+        <p:nvSpPr>
+          <p:cNvPr id="3" name="Объект 2">
+            <a:extLst>
+              <a:ext uri="{FF2B5EF4-FFF2-40B4-BE49-F238E27FC236}">
+                <a16:creationId xmlns:a16="http://schemas.microsoft.com/office/drawing/2014/main" id="{F383DA20-FDB9-20ED-6BAA-DE04563EE8E5}"/>
+              </a:ext>
+            </a:extLst>
+          </p:cNvPr>
+          <p:cNvSpPr>
+            <a:spLocks noGrp="1"/>
+          </p:cNvSpPr>
+          <p:nvPr>
+            <p:ph idx="1"/>
+          </p:nvPr>
+        </p:nvSpPr>
+        <p:spPr>
+          <a:xfrm>
+            <a:off x="11252843" y="2312988"/>
+            <a:ext cx="8596668" cy="3880773"/>
+          </a:xfrm>
+        </p:spPr>
+        <p:txBody>
+          <a:bodyPr/>
+          <a:lstStyle/>
+          <a:p>
+            <a:endParaRPr lang="ru-RU" dirty="0"/>
+          </a:p>
+        </p:txBody>
+      </p:sp>
+      <p:graphicFrame>
+        <p:nvGraphicFramePr>
+          <p:cNvPr id="4" name="Объект 3">
+            <a:extLst>
+              <a:ext uri="{FF2B5EF4-FFF2-40B4-BE49-F238E27FC236}">
+                <a16:creationId xmlns:a16="http://schemas.microsoft.com/office/drawing/2014/main" id="{E4D5677D-F6BF-FE60-DDCF-409BC0AB4DE5}"/>
+              </a:ext>
+            </a:extLst>
+          </p:cNvPr>
+          <p:cNvGraphicFramePr>
+            <a:graphicFrameLocks/>
+          </p:cNvGraphicFramePr>
+          <p:nvPr>
+            <p:extLst>
+              <p:ext uri="{D42A27DB-BD31-4B8C-83A1-F6EECF244321}">
+                <p14:modId xmlns:p14="http://schemas.microsoft.com/office/powerpoint/2010/main" val="1415734140"/>
+              </p:ext>
+            </p:extLst>
+          </p:nvPr>
+        </p:nvGraphicFramePr>
+        <p:xfrm>
+          <a:off x="677334" y="2312988"/>
+          <a:ext cx="8596668" cy="3880773"/>
+        </p:xfrm>
+        <a:graphic>
+          <a:graphicData uri="http://schemas.openxmlformats.org/drawingml/2006/diagram">
+            <dgm:relIds xmlns:dgm="http://schemas.openxmlformats.org/drawingml/2006/diagram" xmlns:r="http://schemas.openxmlformats.org/officeDocument/2006/relationships" r:dm="rId2" r:lo="rId3" r:qs="rId4" r:cs="rId5"/>
+          </a:graphicData>
+        </a:graphic>
+      </p:graphicFrame>
+    </p:spTree>
+    <p:extLst>
+      <p:ext uri="{BB962C8B-B14F-4D97-AF65-F5344CB8AC3E}">
+        <p14:creationId xmlns:p14="http://schemas.microsoft.com/office/powerpoint/2010/main" val="612061185"/>
+      </p:ext>
+    </p:extLst>
+  </p:cSld>
+  <p:clrMapOvr>
+    <a:masterClrMapping/>
+  </p:clrMapOvr>
+</p:sld>
+</file>
+
+<file path=ppt/slides/slide9.xml><?xml version="1.0" encoding="utf-8"?>
+<p:sld xmlns:a="http://schemas.openxmlformats.org/drawingml/2006/main" xmlns:r="http://schemas.openxmlformats.org/officeDocument/2006/relationships" xmlns:p="http://schemas.openxmlformats.org/presentationml/2006/main">
+  <p:cSld>
+    <p:spTree>
+      <p:nvGrpSpPr>
+        <p:cNvPr id="1" name=""/>
+        <p:cNvGrpSpPr/>
+        <p:nvPr/>
+      </p:nvGrpSpPr>
+      <p:grpSpPr>
+        <a:xfrm>
+          <a:off x="0" y="0"/>
+          <a:ext cx="0" cy="0"/>
+          <a:chOff x="0" y="0"/>
+          <a:chExt cx="0" cy="0"/>
+        </a:xfrm>
+      </p:grpSpPr>
+      <p:sp>
+        <p:nvSpPr>
+          <p:cNvPr id="2" name="Заголовок 1">
+            <a:extLst>
+              <a:ext uri="{FF2B5EF4-FFF2-40B4-BE49-F238E27FC236}">
+                <a16:creationId xmlns:a16="http://schemas.microsoft.com/office/drawing/2014/main" id="{721EA601-B220-69AA-2B86-539B7BDF14D0}"/>
+              </a:ext>
+            </a:extLst>
+          </p:cNvPr>
+          <p:cNvSpPr>
+            <a:spLocks noGrp="1"/>
+          </p:cNvSpPr>
+          <p:nvPr>
+            <p:ph type="title"/>
+          </p:nvPr>
+        </p:nvSpPr>
+        <p:spPr/>
+        <p:txBody>
+          <a:bodyPr/>
+          <a:lstStyle/>
+          <a:p>
+            <a:r>
+              <a:rPr lang="ru-RU" dirty="0"/>
+              <a:t>Рекомендации по устранению коррупционных рисков:</a:t>
+            </a:r>
+          </a:p>
+        </p:txBody>
+      </p:sp>
+      <p:sp>
+        <p:nvSpPr>
+          <p:cNvPr id="3" name="Объект 2">
+            <a:extLst>
+              <a:ext uri="{FF2B5EF4-FFF2-40B4-BE49-F238E27FC236}">
+                <a16:creationId xmlns:a16="http://schemas.microsoft.com/office/drawing/2014/main" id="{1911052C-0F2F-EBF7-56BC-64B8611F5E2A}"/>
+              </a:ext>
+            </a:extLst>
+          </p:cNvPr>
+          <p:cNvSpPr>
+            <a:spLocks noGrp="1"/>
+          </p:cNvSpPr>
+          <p:nvPr>
+            <p:ph idx="1"/>
+          </p:nvPr>
+        </p:nvSpPr>
+        <p:spPr/>
+        <p:txBody>
+          <a:bodyPr/>
+          <a:lstStyle/>
+          <a:p>
+            <a:r>
+              <a:rPr lang="ru-RU" dirty="0"/>
+              <a:t>Максимальное устранение </a:t>
+            </a:r>
+            <a:r>
+              <a:rPr lang="ru-RU" dirty="0" err="1"/>
+              <a:t>человеского</a:t>
+            </a:r>
+            <a:r>
+              <a:rPr lang="ru-RU" dirty="0"/>
+              <a:t> фактора на всех стадиях ведения строительства.</a:t>
+            </a:r>
+          </a:p>
+          <a:p>
+            <a:r>
+              <a:rPr lang="ru-RU" dirty="0"/>
+              <a:t>Цифровизация все документационной деятельности для упрощения процедуры проверки ее на законность </a:t>
+            </a:r>
+            <a:r>
+              <a:rPr lang="ru-RU"/>
+              <a:t>и подлинность</a:t>
+            </a:r>
+            <a:endParaRPr lang="ru-RU" dirty="0"/>
+          </a:p>
+        </p:txBody>
+      </p:sp>
+    </p:spTree>
+    <p:extLst>
+      <p:ext uri="{BB962C8B-B14F-4D97-AF65-F5344CB8AC3E}">
+        <p14:creationId xmlns:p14="http://schemas.microsoft.com/office/powerpoint/2010/main" val="2931596804"/>
       </p:ext>
     </p:extLst>
   </p:cSld>

--- a/Лукьянов.pptx
+++ b/Лукьянов.pptx
@@ -11,7 +11,7 @@
     <p:sldId id="256" r:id="rId2"/>
     <p:sldId id="257" r:id="rId3"/>
     <p:sldId id="258" r:id="rId4"/>
-    <p:sldId id="260" r:id="rId5"/>
+    <p:sldId id="265" r:id="rId5"/>
     <p:sldId id="259" r:id="rId6"/>
     <p:sldId id="261" r:id="rId7"/>
     <p:sldId id="262" r:id="rId8"/>
@@ -126,6 +126,1109 @@
 </p:presentation>
 </file>
 
+<file path=ppt/charts/chart1.xml><?xml version="1.0" encoding="utf-8"?>
+<c:chartSpace xmlns:c="http://schemas.openxmlformats.org/drawingml/2006/chart" xmlns:a="http://schemas.openxmlformats.org/drawingml/2006/main" xmlns:r="http://schemas.openxmlformats.org/officeDocument/2006/relationships" xmlns:c16r2="http://schemas.microsoft.com/office/drawing/2015/06/chart">
+  <c:date1904 val="0"/>
+  <c:lang val="ru-RU"/>
+  <c:roundedCorners val="0"/>
+  <mc:AlternateContent xmlns:mc="http://schemas.openxmlformats.org/markup-compatibility/2006">
+    <mc:Choice xmlns:c14="http://schemas.microsoft.com/office/drawing/2007/8/2/chart" Requires="c14">
+      <c14:style val="102"/>
+    </mc:Choice>
+    <mc:Fallback>
+      <c:style val="2"/>
+    </mc:Fallback>
+  </mc:AlternateContent>
+  <c:chart>
+    <c:title>
+      <c:tx>
+        <c:rich>
+          <a:bodyPr rot="0" spcFirstLastPara="1" vertOverflow="ellipsis" vert="horz" wrap="square" anchor="ctr" anchorCtr="1"/>
+          <a:lstStyle/>
+          <a:p>
+            <a:pPr>
+              <a:defRPr sz="1862" b="0" i="0" u="none" strike="noStrike" kern="1200" spc="0" baseline="0">
+                <a:solidFill>
+                  <a:schemeClr val="tx1">
+                    <a:lumMod val="65000"/>
+                    <a:lumOff val="35000"/>
+                  </a:schemeClr>
+                </a:solidFill>
+                <a:latin typeface="+mn-lt"/>
+                <a:ea typeface="+mn-ea"/>
+                <a:cs typeface="+mn-cs"/>
+              </a:defRPr>
+            </a:pPr>
+            <a:r>
+              <a:rPr lang="ru-RU" dirty="0"/>
+              <a:t>Финансовое</a:t>
+            </a:r>
+            <a:r>
+              <a:rPr lang="ru-RU" baseline="0" dirty="0"/>
+              <a:t> обеспечение области:</a:t>
+            </a:r>
+          </a:p>
+        </c:rich>
+      </c:tx>
+      <c:overlay val="0"/>
+      <c:spPr>
+        <a:noFill/>
+        <a:ln>
+          <a:noFill/>
+        </a:ln>
+        <a:effectLst/>
+      </c:spPr>
+      <c:txPr>
+        <a:bodyPr rot="0" spcFirstLastPara="1" vertOverflow="ellipsis" vert="horz" wrap="square" anchor="ctr" anchorCtr="1"/>
+        <a:lstStyle/>
+        <a:p>
+          <a:pPr>
+            <a:defRPr sz="1862" b="0" i="0" u="none" strike="noStrike" kern="1200" spc="0" baseline="0">
+              <a:solidFill>
+                <a:schemeClr val="tx1">
+                  <a:lumMod val="65000"/>
+                  <a:lumOff val="35000"/>
+                </a:schemeClr>
+              </a:solidFill>
+              <a:latin typeface="+mn-lt"/>
+              <a:ea typeface="+mn-ea"/>
+              <a:cs typeface="+mn-cs"/>
+            </a:defRPr>
+          </a:pPr>
+          <a:endParaRPr lang="ru-RU"/>
+        </a:p>
+      </c:txPr>
+    </c:title>
+    <c:autoTitleDeleted val="0"/>
+    <c:plotArea>
+      <c:layout/>
+      <c:barChart>
+        <c:barDir val="col"/>
+        <c:grouping val="stacked"/>
+        <c:varyColors val="0"/>
+        <c:ser>
+          <c:idx val="0"/>
+          <c:order val="0"/>
+          <c:tx>
+            <c:strRef>
+              <c:f>Лист1!$B$7</c:f>
+              <c:strCache>
+                <c:ptCount val="1"/>
+                <c:pt idx="0">
+                  <c:v>•Государственная программа</c:v>
+                </c:pt>
+              </c:strCache>
+            </c:strRef>
+          </c:tx>
+          <c:spPr>
+            <a:solidFill>
+              <a:schemeClr val="accent1"/>
+            </a:solidFill>
+            <a:ln>
+              <a:noFill/>
+            </a:ln>
+            <a:effectLst/>
+          </c:spPr>
+          <c:invertIfNegative val="0"/>
+          <c:cat>
+            <c:strRef>
+              <c:f>Лист1!$A$8:$A$11</c:f>
+              <c:strCache>
+                <c:ptCount val="4"/>
+                <c:pt idx="0">
+                  <c:v>2022</c:v>
+                </c:pt>
+                <c:pt idx="1">
+                  <c:v>2023</c:v>
+                </c:pt>
+                <c:pt idx="2">
+                  <c:v>2024</c:v>
+                </c:pt>
+                <c:pt idx="3">
+                  <c:v>Итого</c:v>
+                </c:pt>
+              </c:strCache>
+            </c:strRef>
+          </c:cat>
+          <c:val>
+            <c:numRef>
+              <c:f>Лист1!$B$8:$B$11</c:f>
+              <c:numCache>
+                <c:formatCode>#,##0</c:formatCode>
+                <c:ptCount val="4"/>
+                <c:pt idx="0">
+                  <c:v>584467270</c:v>
+                </c:pt>
+                <c:pt idx="1">
+                  <c:v>622127658</c:v>
+                </c:pt>
+                <c:pt idx="2">
+                  <c:v>492444042</c:v>
+                </c:pt>
+                <c:pt idx="3">
+                  <c:v>1699038971</c:v>
+                </c:pt>
+              </c:numCache>
+            </c:numRef>
+          </c:val>
+          <c:extLst>
+            <c:ext xmlns:c16="http://schemas.microsoft.com/office/drawing/2014/chart" uri="{C3380CC4-5D6E-409C-BE32-E72D297353CC}">
+              <c16:uniqueId val="{00000000-2A76-4844-A678-320C4074F3C6}"/>
+            </c:ext>
+          </c:extLst>
+        </c:ser>
+        <c:ser>
+          <c:idx val="1"/>
+          <c:order val="1"/>
+          <c:tx>
+            <c:strRef>
+              <c:f>Лист1!$C$7</c:f>
+              <c:strCache>
+                <c:ptCount val="1"/>
+                <c:pt idx="0">
+                  <c:v>•Федеральный бюджет</c:v>
+                </c:pt>
+              </c:strCache>
+            </c:strRef>
+          </c:tx>
+          <c:spPr>
+            <a:solidFill>
+              <a:schemeClr val="accent2"/>
+            </a:solidFill>
+            <a:ln>
+              <a:noFill/>
+            </a:ln>
+            <a:effectLst/>
+          </c:spPr>
+          <c:invertIfNegative val="0"/>
+          <c:cat>
+            <c:strRef>
+              <c:f>Лист1!$A$8:$A$11</c:f>
+              <c:strCache>
+                <c:ptCount val="4"/>
+                <c:pt idx="0">
+                  <c:v>2022</c:v>
+                </c:pt>
+                <c:pt idx="1">
+                  <c:v>2023</c:v>
+                </c:pt>
+                <c:pt idx="2">
+                  <c:v>2024</c:v>
+                </c:pt>
+                <c:pt idx="3">
+                  <c:v>Итого</c:v>
+                </c:pt>
+              </c:strCache>
+            </c:strRef>
+          </c:cat>
+          <c:val>
+            <c:numRef>
+              <c:f>Лист1!$C$8:$C$11</c:f>
+              <c:numCache>
+                <c:formatCode>#,##0</c:formatCode>
+                <c:ptCount val="4"/>
+                <c:pt idx="0">
+                  <c:v>394012960</c:v>
+                </c:pt>
+                <c:pt idx="1">
+                  <c:v>415129395</c:v>
+                </c:pt>
+                <c:pt idx="2">
+                  <c:v>347834614</c:v>
+                </c:pt>
+                <c:pt idx="3">
+                  <c:v>1156976969</c:v>
+                </c:pt>
+              </c:numCache>
+            </c:numRef>
+          </c:val>
+          <c:extLst>
+            <c:ext xmlns:c16="http://schemas.microsoft.com/office/drawing/2014/chart" uri="{C3380CC4-5D6E-409C-BE32-E72D297353CC}">
+              <c16:uniqueId val="{00000001-2A76-4844-A678-320C4074F3C6}"/>
+            </c:ext>
+          </c:extLst>
+        </c:ser>
+        <c:ser>
+          <c:idx val="2"/>
+          <c:order val="2"/>
+          <c:tx>
+            <c:strRef>
+              <c:f>Лист1!$D$7</c:f>
+              <c:strCache>
+                <c:ptCount val="1"/>
+                <c:pt idx="0">
+                  <c:v>•в том числе: межбюджетные трансферты</c:v>
+                </c:pt>
+              </c:strCache>
+            </c:strRef>
+          </c:tx>
+          <c:spPr>
+            <a:solidFill>
+              <a:schemeClr val="accent3"/>
+            </a:solidFill>
+            <a:ln>
+              <a:noFill/>
+            </a:ln>
+            <a:effectLst/>
+          </c:spPr>
+          <c:invertIfNegative val="0"/>
+          <c:cat>
+            <c:strRef>
+              <c:f>Лист1!$A$8:$A$11</c:f>
+              <c:strCache>
+                <c:ptCount val="4"/>
+                <c:pt idx="0">
+                  <c:v>2022</c:v>
+                </c:pt>
+                <c:pt idx="1">
+                  <c:v>2023</c:v>
+                </c:pt>
+                <c:pt idx="2">
+                  <c:v>2024</c:v>
+                </c:pt>
+                <c:pt idx="3">
+                  <c:v>Итого</c:v>
+                </c:pt>
+              </c:strCache>
+            </c:strRef>
+          </c:cat>
+          <c:val>
+            <c:numRef>
+              <c:f>Лист1!$D$8:$D$11</c:f>
+              <c:numCache>
+                <c:formatCode>#,##0</c:formatCode>
+                <c:ptCount val="4"/>
+                <c:pt idx="0">
+                  <c:v>159922337</c:v>
+                </c:pt>
+                <c:pt idx="1">
+                  <c:v>170698034</c:v>
+                </c:pt>
+                <c:pt idx="2">
+                  <c:v>167695028</c:v>
+                </c:pt>
+                <c:pt idx="3">
+                  <c:v>498315400</c:v>
+                </c:pt>
+              </c:numCache>
+            </c:numRef>
+          </c:val>
+          <c:extLst>
+            <c:ext xmlns:c16="http://schemas.microsoft.com/office/drawing/2014/chart" uri="{C3380CC4-5D6E-409C-BE32-E72D297353CC}">
+              <c16:uniqueId val="{00000002-2A76-4844-A678-320C4074F3C6}"/>
+            </c:ext>
+          </c:extLst>
+        </c:ser>
+        <c:ser>
+          <c:idx val="3"/>
+          <c:order val="3"/>
+          <c:tx>
+            <c:strRef>
+              <c:f>Лист1!$E$7</c:f>
+              <c:strCache>
+                <c:ptCount val="1"/>
+                <c:pt idx="0">
+                  <c:v>•Бюджеты государственных внебюджетных фондов</c:v>
+                </c:pt>
+              </c:strCache>
+            </c:strRef>
+          </c:tx>
+          <c:spPr>
+            <a:solidFill>
+              <a:schemeClr val="accent4"/>
+            </a:solidFill>
+            <a:ln>
+              <a:noFill/>
+            </a:ln>
+            <a:effectLst/>
+          </c:spPr>
+          <c:invertIfNegative val="0"/>
+          <c:cat>
+            <c:strRef>
+              <c:f>Лист1!$A$8:$A$11</c:f>
+              <c:strCache>
+                <c:ptCount val="4"/>
+                <c:pt idx="0">
+                  <c:v>2022</c:v>
+                </c:pt>
+                <c:pt idx="1">
+                  <c:v>2023</c:v>
+                </c:pt>
+                <c:pt idx="2">
+                  <c:v>2024</c:v>
+                </c:pt>
+                <c:pt idx="3">
+                  <c:v>Итого</c:v>
+                </c:pt>
+              </c:strCache>
+            </c:strRef>
+          </c:cat>
+          <c:val>
+            <c:numRef>
+              <c:f>Лист1!$E$8:$E$11</c:f>
+              <c:numCache>
+                <c:formatCode>#,##0</c:formatCode>
+                <c:ptCount val="4"/>
+                <c:pt idx="0">
+                  <c:v>159922337</c:v>
+                </c:pt>
+                <c:pt idx="1">
+                  <c:v>320883882</c:v>
+                </c:pt>
+                <c:pt idx="2">
+                  <c:v>261876731</c:v>
+                </c:pt>
+                <c:pt idx="3">
+                  <c:v>881325641</c:v>
+                </c:pt>
+              </c:numCache>
+            </c:numRef>
+          </c:val>
+          <c:extLst>
+            <c:ext xmlns:c16="http://schemas.microsoft.com/office/drawing/2014/chart" uri="{C3380CC4-5D6E-409C-BE32-E72D297353CC}">
+              <c16:uniqueId val="{00000003-2A76-4844-A678-320C4074F3C6}"/>
+            </c:ext>
+          </c:extLst>
+        </c:ser>
+        <c:dLbls>
+          <c:showLegendKey val="0"/>
+          <c:showVal val="0"/>
+          <c:showCatName val="0"/>
+          <c:showSerName val="0"/>
+          <c:showPercent val="0"/>
+          <c:showBubbleSize val="0"/>
+        </c:dLbls>
+        <c:gapWidth val="150"/>
+        <c:overlap val="100"/>
+        <c:axId val="442079656"/>
+        <c:axId val="506232168"/>
+      </c:barChart>
+      <c:catAx>
+        <c:axId val="442079656"/>
+        <c:scaling>
+          <c:orientation val="minMax"/>
+        </c:scaling>
+        <c:delete val="0"/>
+        <c:axPos val="b"/>
+        <c:numFmt formatCode="General" sourceLinked="1"/>
+        <c:majorTickMark val="none"/>
+        <c:minorTickMark val="none"/>
+        <c:tickLblPos val="nextTo"/>
+        <c:spPr>
+          <a:noFill/>
+          <a:ln w="9525" cap="flat" cmpd="sng" algn="ctr">
+            <a:solidFill>
+              <a:schemeClr val="tx1">
+                <a:lumMod val="15000"/>
+                <a:lumOff val="85000"/>
+              </a:schemeClr>
+            </a:solidFill>
+            <a:round/>
+          </a:ln>
+          <a:effectLst/>
+        </c:spPr>
+        <c:txPr>
+          <a:bodyPr rot="-60000000" spcFirstLastPara="1" vertOverflow="ellipsis" vert="horz" wrap="square" anchor="ctr" anchorCtr="1"/>
+          <a:lstStyle/>
+          <a:p>
+            <a:pPr>
+              <a:defRPr sz="1197" b="0" i="0" u="none" strike="noStrike" kern="1200" baseline="0">
+                <a:solidFill>
+                  <a:schemeClr val="tx1">
+                    <a:lumMod val="65000"/>
+                    <a:lumOff val="35000"/>
+                  </a:schemeClr>
+                </a:solidFill>
+                <a:latin typeface="+mn-lt"/>
+                <a:ea typeface="+mn-ea"/>
+                <a:cs typeface="+mn-cs"/>
+              </a:defRPr>
+            </a:pPr>
+            <a:endParaRPr lang="ru-RU"/>
+          </a:p>
+        </c:txPr>
+        <c:crossAx val="506232168"/>
+        <c:crosses val="autoZero"/>
+        <c:auto val="1"/>
+        <c:lblAlgn val="ctr"/>
+        <c:lblOffset val="100"/>
+        <c:noMultiLvlLbl val="0"/>
+      </c:catAx>
+      <c:valAx>
+        <c:axId val="506232168"/>
+        <c:scaling>
+          <c:orientation val="minMax"/>
+          <c:max val="4500000000"/>
+        </c:scaling>
+        <c:delete val="0"/>
+        <c:axPos val="l"/>
+        <c:majorGridlines>
+          <c:spPr>
+            <a:ln w="9525" cap="flat" cmpd="sng" algn="ctr">
+              <a:solidFill>
+                <a:schemeClr val="tx1">
+                  <a:lumMod val="15000"/>
+                  <a:lumOff val="85000"/>
+                </a:schemeClr>
+              </a:solidFill>
+              <a:round/>
+            </a:ln>
+            <a:effectLst/>
+          </c:spPr>
+        </c:majorGridlines>
+        <c:numFmt formatCode="#,##0" sourceLinked="1"/>
+        <c:majorTickMark val="none"/>
+        <c:minorTickMark val="none"/>
+        <c:tickLblPos val="nextTo"/>
+        <c:spPr>
+          <a:noFill/>
+          <a:ln>
+            <a:noFill/>
+          </a:ln>
+          <a:effectLst/>
+        </c:spPr>
+        <c:txPr>
+          <a:bodyPr rot="-60000000" spcFirstLastPara="1" vertOverflow="ellipsis" vert="horz" wrap="square" anchor="ctr" anchorCtr="1"/>
+          <a:lstStyle/>
+          <a:p>
+            <a:pPr>
+              <a:defRPr sz="1197" b="0" i="0" u="none" strike="noStrike" kern="1200" baseline="0">
+                <a:solidFill>
+                  <a:schemeClr val="tx1">
+                    <a:lumMod val="65000"/>
+                    <a:lumOff val="35000"/>
+                  </a:schemeClr>
+                </a:solidFill>
+                <a:latin typeface="+mn-lt"/>
+                <a:ea typeface="+mn-ea"/>
+                <a:cs typeface="+mn-cs"/>
+              </a:defRPr>
+            </a:pPr>
+            <a:endParaRPr lang="ru-RU"/>
+          </a:p>
+        </c:txPr>
+        <c:crossAx val="442079656"/>
+        <c:crosses val="autoZero"/>
+        <c:crossBetween val="between"/>
+      </c:valAx>
+      <c:spPr>
+        <a:noFill/>
+        <a:ln>
+          <a:noFill/>
+        </a:ln>
+        <a:effectLst/>
+      </c:spPr>
+    </c:plotArea>
+    <c:legend>
+      <c:legendPos val="r"/>
+      <c:overlay val="0"/>
+      <c:spPr>
+        <a:noFill/>
+        <a:ln>
+          <a:noFill/>
+        </a:ln>
+        <a:effectLst/>
+      </c:spPr>
+      <c:txPr>
+        <a:bodyPr rot="0" spcFirstLastPara="1" vertOverflow="ellipsis" vert="horz" wrap="square" anchor="ctr" anchorCtr="1"/>
+        <a:lstStyle/>
+        <a:p>
+          <a:pPr>
+            <a:defRPr sz="1197" b="0" i="0" u="none" strike="noStrike" kern="1200" baseline="0">
+              <a:solidFill>
+                <a:schemeClr val="tx1">
+                  <a:lumMod val="65000"/>
+                  <a:lumOff val="35000"/>
+                </a:schemeClr>
+              </a:solidFill>
+              <a:latin typeface="+mn-lt"/>
+              <a:ea typeface="+mn-ea"/>
+              <a:cs typeface="+mn-cs"/>
+            </a:defRPr>
+          </a:pPr>
+          <a:endParaRPr lang="ru-RU"/>
+        </a:p>
+      </c:txPr>
+    </c:legend>
+    <c:plotVisOnly val="1"/>
+    <c:dispBlanksAs val="gap"/>
+    <c:extLst>
+      <c:ext xmlns:c16r3="http://schemas.microsoft.com/office/drawing/2017/03/chart" uri="{56B9EC1D-385E-4148-901F-78D8002777C0}">
+        <c16r3:dataDisplayOptions16>
+          <c16r3:dispNaAsBlank val="1"/>
+        </c16r3:dataDisplayOptions16>
+      </c:ext>
+    </c:extLst>
+    <c:showDLblsOverMax val="0"/>
+  </c:chart>
+  <c:spPr>
+    <a:noFill/>
+    <a:ln>
+      <a:noFill/>
+    </a:ln>
+    <a:effectLst/>
+  </c:spPr>
+  <c:txPr>
+    <a:bodyPr/>
+    <a:lstStyle/>
+    <a:p>
+      <a:pPr>
+        <a:defRPr/>
+      </a:pPr>
+      <a:endParaRPr lang="ru-RU"/>
+    </a:p>
+  </c:txPr>
+  <c:externalData r:id="rId3">
+    <c:autoUpdate val="0"/>
+  </c:externalData>
+</c:chartSpace>
+</file>
+
+<file path=ppt/charts/colors1.xml><?xml version="1.0" encoding="utf-8"?>
+<cs:colorStyle xmlns:cs="http://schemas.microsoft.com/office/drawing/2012/chartStyle" xmlns:a="http://schemas.openxmlformats.org/drawingml/2006/main" meth="cycle" id="10">
+  <a:schemeClr val="accent1"/>
+  <a:schemeClr val="accent2"/>
+  <a:schemeClr val="accent3"/>
+  <a:schemeClr val="accent4"/>
+  <a:schemeClr val="accent5"/>
+  <a:schemeClr val="accent6"/>
+  <cs:variation/>
+  <cs:variation>
+    <a:lumMod val="60000"/>
+  </cs:variation>
+  <cs:variation>
+    <a:lumMod val="80000"/>
+    <a:lumOff val="20000"/>
+  </cs:variation>
+  <cs:variation>
+    <a:lumMod val="80000"/>
+  </cs:variation>
+  <cs:variation>
+    <a:lumMod val="60000"/>
+    <a:lumOff val="40000"/>
+  </cs:variation>
+  <cs:variation>
+    <a:lumMod val="50000"/>
+  </cs:variation>
+  <cs:variation>
+    <a:lumMod val="70000"/>
+    <a:lumOff val="30000"/>
+  </cs:variation>
+  <cs:variation>
+    <a:lumMod val="70000"/>
+  </cs:variation>
+  <cs:variation>
+    <a:lumMod val="50000"/>
+    <a:lumOff val="50000"/>
+  </cs:variation>
+</cs:colorStyle>
+</file>
+
+<file path=ppt/charts/style1.xml><?xml version="1.0" encoding="utf-8"?>
+<cs:chartStyle xmlns:cs="http://schemas.microsoft.com/office/drawing/2012/chartStyle" xmlns:a="http://schemas.openxmlformats.org/drawingml/2006/main" id="297">
+  <cs:axisTitle>
+    <cs:lnRef idx="0"/>
+    <cs:fillRef idx="0"/>
+    <cs:effectRef idx="0"/>
+    <cs:fontRef idx="minor">
+      <a:schemeClr val="tx1">
+        <a:lumMod val="65000"/>
+        <a:lumOff val="35000"/>
+      </a:schemeClr>
+    </cs:fontRef>
+    <cs:defRPr sz="1330" kern="1200"/>
+  </cs:axisTitle>
+  <cs:categoryAxis>
+    <cs:lnRef idx="0"/>
+    <cs:fillRef idx="0"/>
+    <cs:effectRef idx="0"/>
+    <cs:fontRef idx="minor">
+      <a:schemeClr val="tx1">
+        <a:lumMod val="65000"/>
+        <a:lumOff val="35000"/>
+      </a:schemeClr>
+    </cs:fontRef>
+    <cs:spPr>
+      <a:ln w="9525" cap="flat" cmpd="sng" algn="ctr">
+        <a:solidFill>
+          <a:schemeClr val="tx1">
+            <a:lumMod val="15000"/>
+            <a:lumOff val="85000"/>
+          </a:schemeClr>
+        </a:solidFill>
+        <a:round/>
+      </a:ln>
+    </cs:spPr>
+    <cs:defRPr sz="1197" kern="1200"/>
+  </cs:categoryAxis>
+  <cs:chartArea mods="allowNoFillOverride allowNoLineOverride">
+    <cs:lnRef idx="0"/>
+    <cs:fillRef idx="0"/>
+    <cs:effectRef idx="0"/>
+    <cs:fontRef idx="minor">
+      <a:schemeClr val="tx1"/>
+    </cs:fontRef>
+    <cs:spPr>
+      <a:solidFill>
+        <a:schemeClr val="bg1"/>
+      </a:solidFill>
+      <a:ln w="9525" cap="flat" cmpd="sng" algn="ctr">
+        <a:solidFill>
+          <a:schemeClr val="tx1">
+            <a:lumMod val="15000"/>
+            <a:lumOff val="85000"/>
+          </a:schemeClr>
+        </a:solidFill>
+        <a:round/>
+      </a:ln>
+    </cs:spPr>
+    <cs:defRPr sz="1330" kern="1200"/>
+  </cs:chartArea>
+  <cs:dataLabel>
+    <cs:lnRef idx="0"/>
+    <cs:fillRef idx="0"/>
+    <cs:effectRef idx="0"/>
+    <cs:fontRef idx="minor">
+      <a:schemeClr val="tx1">
+        <a:lumMod val="75000"/>
+        <a:lumOff val="25000"/>
+      </a:schemeClr>
+    </cs:fontRef>
+    <cs:defRPr sz="1197" kern="1200"/>
+  </cs:dataLabel>
+  <cs:dataLabelCallout>
+    <cs:lnRef idx="0"/>
+    <cs:fillRef idx="0"/>
+    <cs:effectRef idx="0"/>
+    <cs:fontRef idx="minor">
+      <a:schemeClr val="dk1">
+        <a:lumMod val="65000"/>
+        <a:lumOff val="35000"/>
+      </a:schemeClr>
+    </cs:fontRef>
+    <cs:spPr>
+      <a:solidFill>
+        <a:schemeClr val="lt1"/>
+      </a:solidFill>
+      <a:ln>
+        <a:solidFill>
+          <a:schemeClr val="dk1">
+            <a:lumMod val="25000"/>
+            <a:lumOff val="75000"/>
+          </a:schemeClr>
+        </a:solidFill>
+      </a:ln>
+    </cs:spPr>
+    <cs:defRPr sz="1197" kern="1200"/>
+    <cs:bodyPr rot="0" spcFirstLastPara="1" vertOverflow="clip" horzOverflow="clip" vert="horz" wrap="square" lIns="36576" tIns="18288" rIns="36576" bIns="18288" anchor="ctr" anchorCtr="1">
+      <a:spAutoFit/>
+    </cs:bodyPr>
+  </cs:dataLabelCallout>
+  <cs:dataPoint>
+    <cs:lnRef idx="0"/>
+    <cs:fillRef idx="1">
+      <cs:styleClr val="auto"/>
+    </cs:fillRef>
+    <cs:effectRef idx="0"/>
+    <cs:fontRef idx="minor">
+      <a:schemeClr val="tx1"/>
+    </cs:fontRef>
+  </cs:dataPoint>
+  <cs:dataPoint3D>
+    <cs:lnRef idx="0"/>
+    <cs:fillRef idx="1">
+      <cs:styleClr val="auto"/>
+    </cs:fillRef>
+    <cs:effectRef idx="0"/>
+    <cs:fontRef idx="minor">
+      <a:schemeClr val="tx1"/>
+    </cs:fontRef>
+  </cs:dataPoint3D>
+  <cs:dataPointLine>
+    <cs:lnRef idx="0">
+      <cs:styleClr val="auto"/>
+    </cs:lnRef>
+    <cs:fillRef idx="1"/>
+    <cs:effectRef idx="0"/>
+    <cs:fontRef idx="minor">
+      <a:schemeClr val="tx1"/>
+    </cs:fontRef>
+    <cs:spPr>
+      <a:ln w="28575" cap="rnd">
+        <a:solidFill>
+          <a:schemeClr val="phClr"/>
+        </a:solidFill>
+        <a:round/>
+      </a:ln>
+    </cs:spPr>
+  </cs:dataPointLine>
+  <cs:dataPointMarker>
+    <cs:lnRef idx="0">
+      <cs:styleClr val="auto"/>
+    </cs:lnRef>
+    <cs:fillRef idx="1">
+      <cs:styleClr val="auto"/>
+    </cs:fillRef>
+    <cs:effectRef idx="0"/>
+    <cs:fontRef idx="minor">
+      <a:schemeClr val="tx1"/>
+    </cs:fontRef>
+    <cs:spPr>
+      <a:ln w="9525">
+        <a:solidFill>
+          <a:schemeClr val="phClr"/>
+        </a:solidFill>
+      </a:ln>
+    </cs:spPr>
+  </cs:dataPointMarker>
+  <cs:dataPointMarkerLayout symbol="circle" size="5"/>
+  <cs:dataPointWireframe>
+    <cs:lnRef idx="0">
+      <cs:styleClr val="auto"/>
+    </cs:lnRef>
+    <cs:fillRef idx="1"/>
+    <cs:effectRef idx="0"/>
+    <cs:fontRef idx="minor">
+      <a:schemeClr val="tx1"/>
+    </cs:fontRef>
+    <cs:spPr>
+      <a:ln w="9525" cap="rnd">
+        <a:solidFill>
+          <a:schemeClr val="phClr"/>
+        </a:solidFill>
+        <a:round/>
+      </a:ln>
+    </cs:spPr>
+  </cs:dataPointWireframe>
+  <cs:dataTable>
+    <cs:lnRef idx="0"/>
+    <cs:fillRef idx="0"/>
+    <cs:effectRef idx="0"/>
+    <cs:fontRef idx="minor">
+      <a:schemeClr val="tx1">
+        <a:lumMod val="65000"/>
+        <a:lumOff val="35000"/>
+      </a:schemeClr>
+    </cs:fontRef>
+    <cs:spPr>
+      <a:noFill/>
+      <a:ln w="9525" cap="flat" cmpd="sng" algn="ctr">
+        <a:solidFill>
+          <a:schemeClr val="tx1">
+            <a:lumMod val="15000"/>
+            <a:lumOff val="85000"/>
+          </a:schemeClr>
+        </a:solidFill>
+        <a:round/>
+      </a:ln>
+    </cs:spPr>
+    <cs:defRPr sz="1197" kern="1200"/>
+  </cs:dataTable>
+  <cs:downBar>
+    <cs:lnRef idx="0"/>
+    <cs:fillRef idx="0"/>
+    <cs:effectRef idx="0"/>
+    <cs:fontRef idx="minor">
+      <a:schemeClr val="tx1"/>
+    </cs:fontRef>
+    <cs:spPr>
+      <a:solidFill>
+        <a:schemeClr val="dk1">
+          <a:lumMod val="75000"/>
+          <a:lumOff val="25000"/>
+        </a:schemeClr>
+      </a:solidFill>
+      <a:ln w="9525" cap="flat" cmpd="sng" algn="ctr">
+        <a:solidFill>
+          <a:schemeClr val="tx1">
+            <a:lumMod val="65000"/>
+            <a:lumOff val="35000"/>
+          </a:schemeClr>
+        </a:solidFill>
+        <a:round/>
+      </a:ln>
+    </cs:spPr>
+  </cs:downBar>
+  <cs:dropLine>
+    <cs:lnRef idx="0"/>
+    <cs:fillRef idx="0"/>
+    <cs:effectRef idx="0"/>
+    <cs:fontRef idx="minor">
+      <a:schemeClr val="tx1"/>
+    </cs:fontRef>
+    <cs:spPr>
+      <a:ln w="9525" cap="flat" cmpd="sng" algn="ctr">
+        <a:solidFill>
+          <a:schemeClr val="tx1">
+            <a:lumMod val="35000"/>
+            <a:lumOff val="65000"/>
+          </a:schemeClr>
+        </a:solidFill>
+        <a:round/>
+      </a:ln>
+    </cs:spPr>
+  </cs:dropLine>
+  <cs:errorBar>
+    <cs:lnRef idx="0"/>
+    <cs:fillRef idx="0"/>
+    <cs:effectRef idx="0"/>
+    <cs:fontRef idx="minor">
+      <a:schemeClr val="tx1"/>
+    </cs:fontRef>
+    <cs:spPr>
+      <a:ln w="9525" cap="flat" cmpd="sng" algn="ctr">
+        <a:solidFill>
+          <a:schemeClr val="tx1">
+            <a:lumMod val="65000"/>
+            <a:lumOff val="35000"/>
+          </a:schemeClr>
+        </a:solidFill>
+        <a:round/>
+      </a:ln>
+    </cs:spPr>
+  </cs:errorBar>
+  <cs:floor>
+    <cs:lnRef idx="0"/>
+    <cs:fillRef idx="0"/>
+    <cs:effectRef idx="0"/>
+    <cs:fontRef idx="minor">
+      <a:schemeClr val="tx1"/>
+    </cs:fontRef>
+    <cs:spPr>
+      <a:noFill/>
+      <a:ln>
+        <a:noFill/>
+      </a:ln>
+    </cs:spPr>
+  </cs:floor>
+  <cs:gridlineMajor>
+    <cs:lnRef idx="0"/>
+    <cs:fillRef idx="0"/>
+    <cs:effectRef idx="0"/>
+    <cs:fontRef idx="minor">
+      <a:schemeClr val="tx1"/>
+    </cs:fontRef>
+    <cs:spPr>
+      <a:ln w="9525" cap="flat" cmpd="sng" algn="ctr">
+        <a:solidFill>
+          <a:schemeClr val="tx1">
+            <a:lumMod val="15000"/>
+            <a:lumOff val="85000"/>
+          </a:schemeClr>
+        </a:solidFill>
+        <a:round/>
+      </a:ln>
+    </cs:spPr>
+  </cs:gridlineMajor>
+  <cs:gridlineMinor>
+    <cs:lnRef idx="0"/>
+    <cs:fillRef idx="0"/>
+    <cs:effectRef idx="0"/>
+    <cs:fontRef idx="minor">
+      <a:schemeClr val="tx1"/>
+    </cs:fontRef>
+    <cs:spPr>
+      <a:ln w="9525" cap="flat" cmpd="sng" algn="ctr">
+        <a:solidFill>
+          <a:schemeClr val="tx1">
+            <a:lumMod val="5000"/>
+            <a:lumOff val="95000"/>
+          </a:schemeClr>
+        </a:solidFill>
+        <a:round/>
+      </a:ln>
+    </cs:spPr>
+  </cs:gridlineMinor>
+  <cs:hiLoLine>
+    <cs:lnRef idx="0"/>
+    <cs:fillRef idx="0"/>
+    <cs:effectRef idx="0"/>
+    <cs:fontRef idx="minor">
+      <a:schemeClr val="tx1"/>
+    </cs:fontRef>
+    <cs:spPr>
+      <a:ln w="9525" cap="flat" cmpd="sng" algn="ctr">
+        <a:solidFill>
+          <a:schemeClr val="tx1">
+            <a:lumMod val="50000"/>
+            <a:lumOff val="50000"/>
+          </a:schemeClr>
+        </a:solidFill>
+        <a:round/>
+      </a:ln>
+    </cs:spPr>
+  </cs:hiLoLine>
+  <cs:leaderLine>
+    <cs:lnRef idx="0"/>
+    <cs:fillRef idx="0"/>
+    <cs:effectRef idx="0"/>
+    <cs:fontRef idx="minor">
+      <a:schemeClr val="tx1"/>
+    </cs:fontRef>
+    <cs:spPr>
+      <a:ln w="9525" cap="flat" cmpd="sng" algn="ctr">
+        <a:solidFill>
+          <a:schemeClr val="tx1">
+            <a:lumMod val="35000"/>
+            <a:lumOff val="65000"/>
+          </a:schemeClr>
+        </a:solidFill>
+        <a:round/>
+      </a:ln>
+    </cs:spPr>
+  </cs:leaderLine>
+  <cs:legend>
+    <cs:lnRef idx="0"/>
+    <cs:fillRef idx="0"/>
+    <cs:effectRef idx="0"/>
+    <cs:fontRef idx="minor">
+      <a:schemeClr val="tx1">
+        <a:lumMod val="65000"/>
+        <a:lumOff val="35000"/>
+      </a:schemeClr>
+    </cs:fontRef>
+    <cs:defRPr sz="1197" kern="1200"/>
+  </cs:legend>
+  <cs:plotArea mods="allowNoFillOverride allowNoLineOverride">
+    <cs:lnRef idx="0"/>
+    <cs:fillRef idx="0"/>
+    <cs:effectRef idx="0"/>
+    <cs:fontRef idx="minor">
+      <a:schemeClr val="tx1"/>
+    </cs:fontRef>
+  </cs:plotArea>
+  <cs:plotArea3D mods="allowNoFillOverride allowNoLineOverride">
+    <cs:lnRef idx="0"/>
+    <cs:fillRef idx="0"/>
+    <cs:effectRef idx="0"/>
+    <cs:fontRef idx="minor">
+      <a:schemeClr val="tx1"/>
+    </cs:fontRef>
+  </cs:plotArea3D>
+  <cs:seriesAxis>
+    <cs:lnRef idx="0"/>
+    <cs:fillRef idx="0"/>
+    <cs:effectRef idx="0"/>
+    <cs:fontRef idx="minor">
+      <a:schemeClr val="tx1">
+        <a:lumMod val="65000"/>
+        <a:lumOff val="35000"/>
+      </a:schemeClr>
+    </cs:fontRef>
+    <cs:defRPr sz="1197" kern="1200"/>
+  </cs:seriesAxis>
+  <cs:seriesLine>
+    <cs:lnRef idx="0"/>
+    <cs:fillRef idx="0"/>
+    <cs:effectRef idx="0"/>
+    <cs:fontRef idx="minor">
+      <a:schemeClr val="tx1"/>
+    </cs:fontRef>
+    <cs:spPr>
+      <a:ln w="9525" cap="flat" cmpd="sng" algn="ctr">
+        <a:solidFill>
+          <a:schemeClr val="tx1">
+            <a:lumMod val="35000"/>
+            <a:lumOff val="65000"/>
+          </a:schemeClr>
+        </a:solidFill>
+        <a:round/>
+      </a:ln>
+    </cs:spPr>
+  </cs:seriesLine>
+  <cs:title>
+    <cs:lnRef idx="0"/>
+    <cs:fillRef idx="0"/>
+    <cs:effectRef idx="0"/>
+    <cs:fontRef idx="minor">
+      <a:schemeClr val="tx1">
+        <a:lumMod val="65000"/>
+        <a:lumOff val="35000"/>
+      </a:schemeClr>
+    </cs:fontRef>
+    <cs:defRPr sz="1862" b="0" kern="1200" spc="0" baseline="0"/>
+  </cs:title>
+  <cs:trendline>
+    <cs:lnRef idx="0">
+      <cs:styleClr val="auto"/>
+    </cs:lnRef>
+    <cs:fillRef idx="0"/>
+    <cs:effectRef idx="0"/>
+    <cs:fontRef idx="minor">
+      <a:schemeClr val="tx1"/>
+    </cs:fontRef>
+    <cs:spPr>
+      <a:ln w="19050" cap="rnd">
+        <a:solidFill>
+          <a:schemeClr val="phClr"/>
+        </a:solidFill>
+        <a:prstDash val="sysDot"/>
+      </a:ln>
+    </cs:spPr>
+  </cs:trendline>
+  <cs:trendlineLabel>
+    <cs:lnRef idx="0"/>
+    <cs:fillRef idx="0"/>
+    <cs:effectRef idx="0"/>
+    <cs:fontRef idx="minor">
+      <a:schemeClr val="tx1">
+        <a:lumMod val="65000"/>
+        <a:lumOff val="35000"/>
+      </a:schemeClr>
+    </cs:fontRef>
+    <cs:defRPr sz="1197" kern="1200"/>
+  </cs:trendlineLabel>
+  <cs:upBar>
+    <cs:lnRef idx="0"/>
+    <cs:fillRef idx="0"/>
+    <cs:effectRef idx="0"/>
+    <cs:fontRef idx="minor">
+      <a:schemeClr val="tx1"/>
+    </cs:fontRef>
+    <cs:spPr>
+      <a:solidFill>
+        <a:schemeClr val="lt1"/>
+      </a:solidFill>
+      <a:ln w="9525" cap="flat" cmpd="sng" algn="ctr">
+        <a:solidFill>
+          <a:schemeClr val="tx1">
+            <a:lumMod val="65000"/>
+            <a:lumOff val="35000"/>
+          </a:schemeClr>
+        </a:solidFill>
+        <a:round/>
+      </a:ln>
+    </cs:spPr>
+  </cs:upBar>
+  <cs:valueAxis>
+    <cs:lnRef idx="0"/>
+    <cs:fillRef idx="0"/>
+    <cs:effectRef idx="0"/>
+    <cs:fontRef idx="minor">
+      <a:schemeClr val="tx1">
+        <a:lumMod val="65000"/>
+        <a:lumOff val="35000"/>
+      </a:schemeClr>
+    </cs:fontRef>
+    <cs:defRPr sz="1197" kern="1200"/>
+  </cs:valueAxis>
+  <cs:wall>
+    <cs:lnRef idx="0"/>
+    <cs:fillRef idx="0"/>
+    <cs:effectRef idx="0"/>
+    <cs:fontRef idx="minor">
+      <a:schemeClr val="tx1"/>
+    </cs:fontRef>
+    <cs:spPr>
+      <a:noFill/>
+      <a:ln>
+        <a:noFill/>
+      </a:ln>
+    </cs:spPr>
+  </cs:wall>
+</cs:chartStyle>
+</file>
+
 <file path=ppt/diagrams/colors1.xml><?xml version="1.0" encoding="utf-8"?>
 <dgm:colorsDef xmlns:dgm="http://schemas.openxmlformats.org/drawingml/2006/diagram" xmlns:a="http://schemas.openxmlformats.org/drawingml/2006/main" uniqueId="urn:microsoft.com/office/officeart/2005/8/colors/accent1_2">
   <dgm:title val=""/>
@@ -3114,2814 +4217,7 @@
 </dgm:colorsDef>
 </file>
 
-<file path=ppt/diagrams/colors5.xml><?xml version="1.0" encoding="utf-8"?>
-<dgm:colorsDef xmlns:dgm="http://schemas.openxmlformats.org/drawingml/2006/diagram" xmlns:a="http://schemas.openxmlformats.org/drawingml/2006/main" uniqueId="urn:microsoft.com/office/officeart/2005/8/colors/accent1_2">
-  <dgm:title val=""/>
-  <dgm:desc val=""/>
-  <dgm:catLst>
-    <dgm:cat type="accent1" pri="11200"/>
-  </dgm:catLst>
-  <dgm:styleLbl name="node0">
-    <dgm:fillClrLst meth="repeat">
-      <a:schemeClr val="accent1"/>
-    </dgm:fillClrLst>
-    <dgm:linClrLst meth="repeat">
-      <a:schemeClr val="lt1"/>
-    </dgm:linClrLst>
-    <dgm:effectClrLst/>
-    <dgm:txLinClrLst/>
-    <dgm:txFillClrLst/>
-    <dgm:txEffectClrLst/>
-  </dgm:styleLbl>
-  <dgm:styleLbl name="alignNode1">
-    <dgm:fillClrLst meth="repeat">
-      <a:schemeClr val="accent1"/>
-    </dgm:fillClrLst>
-    <dgm:linClrLst meth="repeat">
-      <a:schemeClr val="accent1"/>
-    </dgm:linClrLst>
-    <dgm:effectClrLst/>
-    <dgm:txLinClrLst/>
-    <dgm:txFillClrLst/>
-    <dgm:txEffectClrLst/>
-  </dgm:styleLbl>
-  <dgm:styleLbl name="node1">
-    <dgm:fillClrLst meth="repeat">
-      <a:schemeClr val="accent1"/>
-    </dgm:fillClrLst>
-    <dgm:linClrLst meth="repeat">
-      <a:schemeClr val="lt1"/>
-    </dgm:linClrLst>
-    <dgm:effectClrLst/>
-    <dgm:txLinClrLst/>
-    <dgm:txFillClrLst/>
-    <dgm:txEffectClrLst/>
-  </dgm:styleLbl>
-  <dgm:styleLbl name="lnNode1">
-    <dgm:fillClrLst meth="repeat">
-      <a:schemeClr val="accent1"/>
-    </dgm:fillClrLst>
-    <dgm:linClrLst meth="repeat">
-      <a:schemeClr val="lt1"/>
-    </dgm:linClrLst>
-    <dgm:effectClrLst/>
-    <dgm:txLinClrLst/>
-    <dgm:txFillClrLst/>
-    <dgm:txEffectClrLst/>
-  </dgm:styleLbl>
-  <dgm:styleLbl name="vennNode1">
-    <dgm:fillClrLst meth="repeat">
-      <a:schemeClr val="accent1">
-        <a:alpha val="50000"/>
-      </a:schemeClr>
-    </dgm:fillClrLst>
-    <dgm:linClrLst meth="repeat">
-      <a:schemeClr val="lt1"/>
-    </dgm:linClrLst>
-    <dgm:effectClrLst/>
-    <dgm:txLinClrLst/>
-    <dgm:txFillClrLst/>
-    <dgm:txEffectClrLst/>
-  </dgm:styleLbl>
-  <dgm:styleLbl name="node2">
-    <dgm:fillClrLst meth="repeat">
-      <a:schemeClr val="accent1"/>
-    </dgm:fillClrLst>
-    <dgm:linClrLst meth="repeat">
-      <a:schemeClr val="lt1"/>
-    </dgm:linClrLst>
-    <dgm:effectClrLst/>
-    <dgm:txLinClrLst/>
-    <dgm:txFillClrLst/>
-    <dgm:txEffectClrLst/>
-  </dgm:styleLbl>
-  <dgm:styleLbl name="node3">
-    <dgm:fillClrLst meth="repeat">
-      <a:schemeClr val="accent1"/>
-    </dgm:fillClrLst>
-    <dgm:linClrLst meth="repeat">
-      <a:schemeClr val="lt1"/>
-    </dgm:linClrLst>
-    <dgm:effectClrLst/>
-    <dgm:txLinClrLst/>
-    <dgm:txFillClrLst/>
-    <dgm:txEffectClrLst/>
-  </dgm:styleLbl>
-  <dgm:styleLbl name="node4">
-    <dgm:fillClrLst meth="repeat">
-      <a:schemeClr val="accent1"/>
-    </dgm:fillClrLst>
-    <dgm:linClrLst meth="repeat">
-      <a:schemeClr val="lt1"/>
-    </dgm:linClrLst>
-    <dgm:effectClrLst/>
-    <dgm:txLinClrLst/>
-    <dgm:txFillClrLst/>
-    <dgm:txEffectClrLst/>
-  </dgm:styleLbl>
-  <dgm:styleLbl name="fgImgPlace1">
-    <dgm:fillClrLst meth="repeat">
-      <a:schemeClr val="accent1">
-        <a:tint val="50000"/>
-      </a:schemeClr>
-    </dgm:fillClrLst>
-    <dgm:linClrLst meth="repeat">
-      <a:schemeClr val="lt1"/>
-    </dgm:linClrLst>
-    <dgm:effectClrLst/>
-    <dgm:txLinClrLst/>
-    <dgm:txFillClrLst meth="repeat">
-      <a:schemeClr val="lt1"/>
-    </dgm:txFillClrLst>
-    <dgm:txEffectClrLst/>
-  </dgm:styleLbl>
-  <dgm:styleLbl name="alignImgPlace1">
-    <dgm:fillClrLst meth="repeat">
-      <a:schemeClr val="accent1">
-        <a:tint val="50000"/>
-      </a:schemeClr>
-    </dgm:fillClrLst>
-    <dgm:linClrLst meth="repeat">
-      <a:schemeClr val="lt1"/>
-    </dgm:linClrLst>
-    <dgm:effectClrLst/>
-    <dgm:txLinClrLst/>
-    <dgm:txFillClrLst meth="repeat">
-      <a:schemeClr val="lt1"/>
-    </dgm:txFillClrLst>
-    <dgm:txEffectClrLst/>
-  </dgm:styleLbl>
-  <dgm:styleLbl name="bgImgPlace1">
-    <dgm:fillClrLst meth="repeat">
-      <a:schemeClr val="accent1">
-        <a:tint val="50000"/>
-      </a:schemeClr>
-    </dgm:fillClrLst>
-    <dgm:linClrLst meth="repeat">
-      <a:schemeClr val="lt1"/>
-    </dgm:linClrLst>
-    <dgm:effectClrLst/>
-    <dgm:txLinClrLst/>
-    <dgm:txFillClrLst meth="repeat">
-      <a:schemeClr val="lt1"/>
-    </dgm:txFillClrLst>
-    <dgm:txEffectClrLst/>
-  </dgm:styleLbl>
-  <dgm:styleLbl name="sibTrans2D1">
-    <dgm:fillClrLst meth="repeat">
-      <a:schemeClr val="accent1">
-        <a:tint val="60000"/>
-      </a:schemeClr>
-    </dgm:fillClrLst>
-    <dgm:linClrLst meth="repeat">
-      <a:schemeClr val="accent1">
-        <a:tint val="60000"/>
-      </a:schemeClr>
-    </dgm:linClrLst>
-    <dgm:effectClrLst/>
-    <dgm:txLinClrLst/>
-    <dgm:txFillClrLst/>
-    <dgm:txEffectClrLst/>
-  </dgm:styleLbl>
-  <dgm:styleLbl name="fgSibTrans2D1">
-    <dgm:fillClrLst meth="repeat">
-      <a:schemeClr val="accent1">
-        <a:tint val="60000"/>
-      </a:schemeClr>
-    </dgm:fillClrLst>
-    <dgm:linClrLst meth="repeat">
-      <a:schemeClr val="accent1">
-        <a:tint val="60000"/>
-      </a:schemeClr>
-    </dgm:linClrLst>
-    <dgm:effectClrLst/>
-    <dgm:txLinClrLst/>
-    <dgm:txFillClrLst/>
-    <dgm:txEffectClrLst/>
-  </dgm:styleLbl>
-  <dgm:styleLbl name="bgSibTrans2D1">
-    <dgm:fillClrLst meth="repeat">
-      <a:schemeClr val="accent1">
-        <a:tint val="60000"/>
-      </a:schemeClr>
-    </dgm:fillClrLst>
-    <dgm:linClrLst meth="repeat">
-      <a:schemeClr val="accent1">
-        <a:tint val="60000"/>
-      </a:schemeClr>
-    </dgm:linClrLst>
-    <dgm:effectClrLst/>
-    <dgm:txLinClrLst/>
-    <dgm:txFillClrLst/>
-    <dgm:txEffectClrLst/>
-  </dgm:styleLbl>
-  <dgm:styleLbl name="sibTrans1D1">
-    <dgm:fillClrLst meth="repeat">
-      <a:schemeClr val="accent1"/>
-    </dgm:fillClrLst>
-    <dgm:linClrLst meth="repeat">
-      <a:schemeClr val="accent1"/>
-    </dgm:linClrLst>
-    <dgm:effectClrLst/>
-    <dgm:txLinClrLst/>
-    <dgm:txFillClrLst meth="repeat">
-      <a:schemeClr val="tx1"/>
-    </dgm:txFillClrLst>
-    <dgm:txEffectClrLst/>
-  </dgm:styleLbl>
-  <dgm:styleLbl name="callout">
-    <dgm:fillClrLst meth="repeat">
-      <a:schemeClr val="accent1"/>
-    </dgm:fillClrLst>
-    <dgm:linClrLst meth="repeat">
-      <a:schemeClr val="accent1">
-        <a:tint val="50000"/>
-      </a:schemeClr>
-    </dgm:linClrLst>
-    <dgm:effectClrLst/>
-    <dgm:txLinClrLst/>
-    <dgm:txFillClrLst meth="repeat">
-      <a:schemeClr val="tx1"/>
-    </dgm:txFillClrLst>
-    <dgm:txEffectClrLst/>
-  </dgm:styleLbl>
-  <dgm:styleLbl name="asst0">
-    <dgm:fillClrLst meth="repeat">
-      <a:schemeClr val="accent1"/>
-    </dgm:fillClrLst>
-    <dgm:linClrLst meth="repeat">
-      <a:schemeClr val="lt1"/>
-    </dgm:linClrLst>
-    <dgm:effectClrLst/>
-    <dgm:txLinClrLst/>
-    <dgm:txFillClrLst/>
-    <dgm:txEffectClrLst/>
-  </dgm:styleLbl>
-  <dgm:styleLbl name="asst1">
-    <dgm:fillClrLst meth="repeat">
-      <a:schemeClr val="accent1"/>
-    </dgm:fillClrLst>
-    <dgm:linClrLst meth="repeat">
-      <a:schemeClr val="lt1"/>
-    </dgm:linClrLst>
-    <dgm:effectClrLst/>
-    <dgm:txLinClrLst/>
-    <dgm:txFillClrLst/>
-    <dgm:txEffectClrLst/>
-  </dgm:styleLbl>
-  <dgm:styleLbl name="asst2">
-    <dgm:fillClrLst meth="repeat">
-      <a:schemeClr val="accent1"/>
-    </dgm:fillClrLst>
-    <dgm:linClrLst meth="repeat">
-      <a:schemeClr val="lt1"/>
-    </dgm:linClrLst>
-    <dgm:effectClrLst/>
-    <dgm:txLinClrLst/>
-    <dgm:txFillClrLst/>
-    <dgm:txEffectClrLst/>
-  </dgm:styleLbl>
-  <dgm:styleLbl name="asst3">
-    <dgm:fillClrLst meth="repeat">
-      <a:schemeClr val="accent1"/>
-    </dgm:fillClrLst>
-    <dgm:linClrLst meth="repeat">
-      <a:schemeClr val="lt1"/>
-    </dgm:linClrLst>
-    <dgm:effectClrLst/>
-    <dgm:txLinClrLst/>
-    <dgm:txFillClrLst/>
-    <dgm:txEffectClrLst/>
-  </dgm:styleLbl>
-  <dgm:styleLbl name="asst4">
-    <dgm:fillClrLst meth="repeat">
-      <a:schemeClr val="accent1"/>
-    </dgm:fillClrLst>
-    <dgm:linClrLst meth="repeat">
-      <a:schemeClr val="lt1"/>
-    </dgm:linClrLst>
-    <dgm:effectClrLst/>
-    <dgm:txLinClrLst/>
-    <dgm:txFillClrLst/>
-    <dgm:txEffectClrLst/>
-  </dgm:styleLbl>
-  <dgm:styleLbl name="parChTrans2D1">
-    <dgm:fillClrLst meth="repeat">
-      <a:schemeClr val="accent1">
-        <a:tint val="60000"/>
-      </a:schemeClr>
-    </dgm:fillClrLst>
-    <dgm:linClrLst meth="repeat">
-      <a:schemeClr val="accent1">
-        <a:tint val="60000"/>
-      </a:schemeClr>
-    </dgm:linClrLst>
-    <dgm:effectClrLst/>
-    <dgm:txLinClrLst/>
-    <dgm:txFillClrLst meth="repeat">
-      <a:schemeClr val="lt1"/>
-    </dgm:txFillClrLst>
-    <dgm:txEffectClrLst/>
-  </dgm:styleLbl>
-  <dgm:styleLbl name="parChTrans2D2">
-    <dgm:fillClrLst meth="repeat">
-      <a:schemeClr val="accent1"/>
-    </dgm:fillClrLst>
-    <dgm:linClrLst meth="repeat">
-      <a:schemeClr val="accent1"/>
-    </dgm:linClrLst>
-    <dgm:effectClrLst/>
-    <dgm:txLinClrLst/>
-    <dgm:txFillClrLst meth="repeat">
-      <a:schemeClr val="lt1"/>
-    </dgm:txFillClrLst>
-    <dgm:txEffectClrLst/>
-  </dgm:styleLbl>
-  <dgm:styleLbl name="parChTrans2D3">
-    <dgm:fillClrLst meth="repeat">
-      <a:schemeClr val="accent1"/>
-    </dgm:fillClrLst>
-    <dgm:linClrLst meth="repeat">
-      <a:schemeClr val="accent1"/>
-    </dgm:linClrLst>
-    <dgm:effectClrLst/>
-    <dgm:txLinClrLst/>
-    <dgm:txFillClrLst meth="repeat">
-      <a:schemeClr val="lt1"/>
-    </dgm:txFillClrLst>
-    <dgm:txEffectClrLst/>
-  </dgm:styleLbl>
-  <dgm:styleLbl name="parChTrans2D4">
-    <dgm:fillClrLst meth="repeat">
-      <a:schemeClr val="accent1"/>
-    </dgm:fillClrLst>
-    <dgm:linClrLst meth="repeat">
-      <a:schemeClr val="accent1"/>
-    </dgm:linClrLst>
-    <dgm:effectClrLst/>
-    <dgm:txLinClrLst/>
-    <dgm:txFillClrLst meth="repeat">
-      <a:schemeClr val="lt1"/>
-    </dgm:txFillClrLst>
-    <dgm:txEffectClrLst/>
-  </dgm:styleLbl>
-  <dgm:styleLbl name="parChTrans1D1">
-    <dgm:fillClrLst meth="repeat">
-      <a:schemeClr val="accent1"/>
-    </dgm:fillClrLst>
-    <dgm:linClrLst meth="repeat">
-      <a:schemeClr val="accent1">
-        <a:shade val="60000"/>
-      </a:schemeClr>
-    </dgm:linClrLst>
-    <dgm:effectClrLst/>
-    <dgm:txLinClrLst/>
-    <dgm:txFillClrLst meth="repeat">
-      <a:schemeClr val="tx1"/>
-    </dgm:txFillClrLst>
-    <dgm:txEffectClrLst/>
-  </dgm:styleLbl>
-  <dgm:styleLbl name="parChTrans1D2">
-    <dgm:fillClrLst meth="repeat">
-      <a:schemeClr val="accent1"/>
-    </dgm:fillClrLst>
-    <dgm:linClrLst meth="repeat">
-      <a:schemeClr val="accent1">
-        <a:shade val="60000"/>
-      </a:schemeClr>
-    </dgm:linClrLst>
-    <dgm:effectClrLst/>
-    <dgm:txLinClrLst/>
-    <dgm:txFillClrLst meth="repeat">
-      <a:schemeClr val="tx1"/>
-    </dgm:txFillClrLst>
-    <dgm:txEffectClrLst/>
-  </dgm:styleLbl>
-  <dgm:styleLbl name="parChTrans1D3">
-    <dgm:fillClrLst meth="repeat">
-      <a:schemeClr val="accent1"/>
-    </dgm:fillClrLst>
-    <dgm:linClrLst meth="repeat">
-      <a:schemeClr val="accent1">
-        <a:shade val="80000"/>
-      </a:schemeClr>
-    </dgm:linClrLst>
-    <dgm:effectClrLst/>
-    <dgm:txLinClrLst/>
-    <dgm:txFillClrLst meth="repeat">
-      <a:schemeClr val="tx1"/>
-    </dgm:txFillClrLst>
-    <dgm:txEffectClrLst/>
-  </dgm:styleLbl>
-  <dgm:styleLbl name="parChTrans1D4">
-    <dgm:fillClrLst meth="repeat">
-      <a:schemeClr val="accent1"/>
-    </dgm:fillClrLst>
-    <dgm:linClrLst meth="repeat">
-      <a:schemeClr val="accent1">
-        <a:shade val="80000"/>
-      </a:schemeClr>
-    </dgm:linClrLst>
-    <dgm:effectClrLst/>
-    <dgm:txLinClrLst/>
-    <dgm:txFillClrLst meth="repeat">
-      <a:schemeClr val="tx1"/>
-    </dgm:txFillClrLst>
-    <dgm:txEffectClrLst/>
-  </dgm:styleLbl>
-  <dgm:styleLbl name="fgAcc1">
-    <dgm:fillClrLst meth="repeat">
-      <a:schemeClr val="lt1">
-        <a:alpha val="90000"/>
-      </a:schemeClr>
-    </dgm:fillClrLst>
-    <dgm:linClrLst meth="repeat">
-      <a:schemeClr val="accent1"/>
-    </dgm:linClrLst>
-    <dgm:effectClrLst/>
-    <dgm:txLinClrLst/>
-    <dgm:txFillClrLst meth="repeat">
-      <a:schemeClr val="dk1"/>
-    </dgm:txFillClrLst>
-    <dgm:txEffectClrLst/>
-  </dgm:styleLbl>
-  <dgm:styleLbl name="conFgAcc1">
-    <dgm:fillClrLst meth="repeat">
-      <a:schemeClr val="lt1">
-        <a:alpha val="90000"/>
-      </a:schemeClr>
-    </dgm:fillClrLst>
-    <dgm:linClrLst meth="repeat">
-      <a:schemeClr val="accent1"/>
-    </dgm:linClrLst>
-    <dgm:effectClrLst/>
-    <dgm:txLinClrLst/>
-    <dgm:txFillClrLst meth="repeat">
-      <a:schemeClr val="dk1"/>
-    </dgm:txFillClrLst>
-    <dgm:txEffectClrLst/>
-  </dgm:styleLbl>
-  <dgm:styleLbl name="alignAcc1">
-    <dgm:fillClrLst meth="repeat">
-      <a:schemeClr val="lt1">
-        <a:alpha val="90000"/>
-      </a:schemeClr>
-    </dgm:fillClrLst>
-    <dgm:linClrLst meth="repeat">
-      <a:schemeClr val="accent1"/>
-    </dgm:linClrLst>
-    <dgm:effectClrLst/>
-    <dgm:txLinClrLst/>
-    <dgm:txFillClrLst meth="repeat">
-      <a:schemeClr val="dk1"/>
-    </dgm:txFillClrLst>
-    <dgm:txEffectClrLst/>
-  </dgm:styleLbl>
-  <dgm:styleLbl name="trAlignAcc1">
-    <dgm:fillClrLst meth="repeat">
-      <a:schemeClr val="lt1">
-        <a:alpha val="40000"/>
-      </a:schemeClr>
-    </dgm:fillClrLst>
-    <dgm:linClrLst meth="repeat">
-      <a:schemeClr val="accent1"/>
-    </dgm:linClrLst>
-    <dgm:effectClrLst/>
-    <dgm:txLinClrLst/>
-    <dgm:txFillClrLst meth="repeat">
-      <a:schemeClr val="dk1"/>
-    </dgm:txFillClrLst>
-    <dgm:txEffectClrLst/>
-  </dgm:styleLbl>
-  <dgm:styleLbl name="bgAcc1">
-    <dgm:fillClrLst meth="repeat">
-      <a:schemeClr val="lt1">
-        <a:alpha val="90000"/>
-      </a:schemeClr>
-    </dgm:fillClrLst>
-    <dgm:linClrLst meth="repeat">
-      <a:schemeClr val="accent1"/>
-    </dgm:linClrLst>
-    <dgm:effectClrLst/>
-    <dgm:txLinClrLst/>
-    <dgm:txFillClrLst meth="repeat">
-      <a:schemeClr val="dk1"/>
-    </dgm:txFillClrLst>
-    <dgm:txEffectClrLst/>
-  </dgm:styleLbl>
-  <dgm:styleLbl name="solidFgAcc1">
-    <dgm:fillClrLst meth="repeat">
-      <a:schemeClr val="lt1"/>
-    </dgm:fillClrLst>
-    <dgm:linClrLst meth="repeat">
-      <a:schemeClr val="accent1"/>
-    </dgm:linClrLst>
-    <dgm:effectClrLst/>
-    <dgm:txLinClrLst/>
-    <dgm:txFillClrLst meth="repeat">
-      <a:schemeClr val="dk1"/>
-    </dgm:txFillClrLst>
-    <dgm:txEffectClrLst/>
-  </dgm:styleLbl>
-  <dgm:styleLbl name="solidAlignAcc1">
-    <dgm:fillClrLst meth="repeat">
-      <a:schemeClr val="lt1"/>
-    </dgm:fillClrLst>
-    <dgm:linClrLst meth="repeat">
-      <a:schemeClr val="accent1"/>
-    </dgm:linClrLst>
-    <dgm:effectClrLst/>
-    <dgm:txLinClrLst/>
-    <dgm:txFillClrLst meth="repeat">
-      <a:schemeClr val="dk1"/>
-    </dgm:txFillClrLst>
-    <dgm:txEffectClrLst/>
-  </dgm:styleLbl>
-  <dgm:styleLbl name="solidBgAcc1">
-    <dgm:fillClrLst meth="repeat">
-      <a:schemeClr val="lt1"/>
-    </dgm:fillClrLst>
-    <dgm:linClrLst meth="repeat">
-      <a:schemeClr val="accent1"/>
-    </dgm:linClrLst>
-    <dgm:effectClrLst/>
-    <dgm:txLinClrLst/>
-    <dgm:txFillClrLst meth="repeat">
-      <a:schemeClr val="dk1"/>
-    </dgm:txFillClrLst>
-    <dgm:txEffectClrLst/>
-  </dgm:styleLbl>
-  <dgm:styleLbl name="fgAccFollowNode1">
-    <dgm:fillClrLst meth="repeat">
-      <a:schemeClr val="accent1">
-        <a:alpha val="90000"/>
-        <a:tint val="40000"/>
-      </a:schemeClr>
-    </dgm:fillClrLst>
-    <dgm:linClrLst meth="repeat">
-      <a:schemeClr val="accent1">
-        <a:alpha val="90000"/>
-        <a:tint val="40000"/>
-      </a:schemeClr>
-    </dgm:linClrLst>
-    <dgm:effectClrLst/>
-    <dgm:txLinClrLst/>
-    <dgm:txFillClrLst meth="repeat">
-      <a:schemeClr val="dk1"/>
-    </dgm:txFillClrLst>
-    <dgm:txEffectClrLst/>
-  </dgm:styleLbl>
-  <dgm:styleLbl name="alignAccFollowNode1">
-    <dgm:fillClrLst meth="repeat">
-      <a:schemeClr val="accent1">
-        <a:alpha val="90000"/>
-        <a:tint val="40000"/>
-      </a:schemeClr>
-    </dgm:fillClrLst>
-    <dgm:linClrLst meth="repeat">
-      <a:schemeClr val="accent1">
-        <a:alpha val="90000"/>
-        <a:tint val="40000"/>
-      </a:schemeClr>
-    </dgm:linClrLst>
-    <dgm:effectClrLst/>
-    <dgm:txLinClrLst/>
-    <dgm:txFillClrLst meth="repeat">
-      <a:schemeClr val="dk1"/>
-    </dgm:txFillClrLst>
-    <dgm:txEffectClrLst/>
-  </dgm:styleLbl>
-  <dgm:styleLbl name="bgAccFollowNode1">
-    <dgm:fillClrLst meth="repeat">
-      <a:schemeClr val="accent1">
-        <a:alpha val="90000"/>
-        <a:tint val="40000"/>
-      </a:schemeClr>
-    </dgm:fillClrLst>
-    <dgm:linClrLst meth="repeat">
-      <a:schemeClr val="accent1">
-        <a:alpha val="90000"/>
-        <a:tint val="40000"/>
-      </a:schemeClr>
-    </dgm:linClrLst>
-    <dgm:effectClrLst/>
-    <dgm:txLinClrLst/>
-    <dgm:txFillClrLst meth="repeat">
-      <a:schemeClr val="dk1"/>
-    </dgm:txFillClrLst>
-    <dgm:txEffectClrLst/>
-  </dgm:styleLbl>
-  <dgm:styleLbl name="fgAcc0">
-    <dgm:fillClrLst meth="repeat">
-      <a:schemeClr val="lt1">
-        <a:alpha val="90000"/>
-      </a:schemeClr>
-    </dgm:fillClrLst>
-    <dgm:linClrLst meth="repeat">
-      <a:schemeClr val="accent1"/>
-    </dgm:linClrLst>
-    <dgm:effectClrLst/>
-    <dgm:txLinClrLst/>
-    <dgm:txFillClrLst meth="repeat">
-      <a:schemeClr val="dk1"/>
-    </dgm:txFillClrLst>
-    <dgm:txEffectClrLst/>
-  </dgm:styleLbl>
-  <dgm:styleLbl name="fgAcc2">
-    <dgm:fillClrLst meth="repeat">
-      <a:schemeClr val="lt1">
-        <a:alpha val="90000"/>
-      </a:schemeClr>
-    </dgm:fillClrLst>
-    <dgm:linClrLst meth="repeat">
-      <a:schemeClr val="accent1"/>
-    </dgm:linClrLst>
-    <dgm:effectClrLst/>
-    <dgm:txLinClrLst/>
-    <dgm:txFillClrLst meth="repeat">
-      <a:schemeClr val="dk1"/>
-    </dgm:txFillClrLst>
-    <dgm:txEffectClrLst/>
-  </dgm:styleLbl>
-  <dgm:styleLbl name="fgAcc3">
-    <dgm:fillClrLst meth="repeat">
-      <a:schemeClr val="lt1">
-        <a:alpha val="90000"/>
-      </a:schemeClr>
-    </dgm:fillClrLst>
-    <dgm:linClrLst meth="repeat">
-      <a:schemeClr val="accent1"/>
-    </dgm:linClrLst>
-    <dgm:effectClrLst/>
-    <dgm:txLinClrLst/>
-    <dgm:txFillClrLst meth="repeat">
-      <a:schemeClr val="dk1"/>
-    </dgm:txFillClrLst>
-    <dgm:txEffectClrLst/>
-  </dgm:styleLbl>
-  <dgm:styleLbl name="fgAcc4">
-    <dgm:fillClrLst meth="repeat">
-      <a:schemeClr val="lt1">
-        <a:alpha val="90000"/>
-      </a:schemeClr>
-    </dgm:fillClrLst>
-    <dgm:linClrLst meth="repeat">
-      <a:schemeClr val="accent1"/>
-    </dgm:linClrLst>
-    <dgm:effectClrLst/>
-    <dgm:txLinClrLst/>
-    <dgm:txFillClrLst meth="repeat">
-      <a:schemeClr val="dk1"/>
-    </dgm:txFillClrLst>
-    <dgm:txEffectClrLst/>
-  </dgm:styleLbl>
-  <dgm:styleLbl name="bgShp">
-    <dgm:fillClrLst meth="repeat">
-      <a:schemeClr val="accent1">
-        <a:tint val="40000"/>
-      </a:schemeClr>
-    </dgm:fillClrLst>
-    <dgm:linClrLst meth="repeat">
-      <a:schemeClr val="accent1"/>
-    </dgm:linClrLst>
-    <dgm:effectClrLst/>
-    <dgm:txLinClrLst/>
-    <dgm:txFillClrLst meth="repeat">
-      <a:schemeClr val="dk1"/>
-    </dgm:txFillClrLst>
-    <dgm:txEffectClrLst/>
-  </dgm:styleLbl>
-  <dgm:styleLbl name="dkBgShp">
-    <dgm:fillClrLst meth="repeat">
-      <a:schemeClr val="accent1">
-        <a:shade val="80000"/>
-      </a:schemeClr>
-    </dgm:fillClrLst>
-    <dgm:linClrLst meth="repeat">
-      <a:schemeClr val="accent1"/>
-    </dgm:linClrLst>
-    <dgm:effectClrLst/>
-    <dgm:txLinClrLst/>
-    <dgm:txFillClrLst meth="repeat">
-      <a:schemeClr val="lt1"/>
-    </dgm:txFillClrLst>
-    <dgm:txEffectClrLst/>
-  </dgm:styleLbl>
-  <dgm:styleLbl name="trBgShp">
-    <dgm:fillClrLst meth="repeat">
-      <a:schemeClr val="accent1">
-        <a:tint val="50000"/>
-        <a:alpha val="40000"/>
-      </a:schemeClr>
-    </dgm:fillClrLst>
-    <dgm:linClrLst meth="repeat">
-      <a:schemeClr val="accent1"/>
-    </dgm:linClrLst>
-    <dgm:effectClrLst/>
-    <dgm:txLinClrLst/>
-    <dgm:txFillClrLst meth="repeat">
-      <a:schemeClr val="lt1"/>
-    </dgm:txFillClrLst>
-    <dgm:txEffectClrLst/>
-  </dgm:styleLbl>
-  <dgm:styleLbl name="fgShp">
-    <dgm:fillClrLst meth="repeat">
-      <a:schemeClr val="accent1">
-        <a:tint val="60000"/>
-      </a:schemeClr>
-    </dgm:fillClrLst>
-    <dgm:linClrLst meth="repeat">
-      <a:schemeClr val="lt1"/>
-    </dgm:linClrLst>
-    <dgm:effectClrLst/>
-    <dgm:txLinClrLst/>
-    <dgm:txFillClrLst meth="repeat">
-      <a:schemeClr val="dk1"/>
-    </dgm:txFillClrLst>
-    <dgm:txEffectClrLst/>
-  </dgm:styleLbl>
-  <dgm:styleLbl name="revTx">
-    <dgm:fillClrLst meth="repeat">
-      <a:schemeClr val="lt1">
-        <a:alpha val="0"/>
-      </a:schemeClr>
-    </dgm:fillClrLst>
-    <dgm:linClrLst meth="repeat">
-      <a:schemeClr val="dk1">
-        <a:alpha val="0"/>
-      </a:schemeClr>
-    </dgm:linClrLst>
-    <dgm:effectClrLst/>
-    <dgm:txLinClrLst/>
-    <dgm:txFillClrLst meth="repeat">
-      <a:schemeClr val="tx1"/>
-    </dgm:txFillClrLst>
-    <dgm:txEffectClrLst/>
-  </dgm:styleLbl>
-</dgm:colorsDef>
-</file>
-
 <file path=ppt/diagrams/data1.xml><?xml version="1.0" encoding="utf-8"?>
-<dgm:dataModel xmlns:dgm="http://schemas.openxmlformats.org/drawingml/2006/diagram" xmlns:a="http://schemas.openxmlformats.org/drawingml/2006/main">
-  <dgm:ptLst>
-    <dgm:pt modelId="{C25AE8B8-C1EF-4FD5-B094-3E142F0135DE}" type="doc">
-      <dgm:prSet loTypeId="urn:microsoft.com/office/officeart/2005/8/layout/hierarchy4" loCatId="list" qsTypeId="urn:microsoft.com/office/officeart/2005/8/quickstyle/simple1" qsCatId="simple" csTypeId="urn:microsoft.com/office/officeart/2005/8/colors/accent1_2" csCatId="accent1" phldr="1"/>
-      <dgm:spPr/>
-      <dgm:t>
-        <a:bodyPr/>
-        <a:lstStyle/>
-        <a:p>
-          <a:endParaRPr lang="ru-RU"/>
-        </a:p>
-      </dgm:t>
-    </dgm:pt>
-    <dgm:pt modelId="{6029E747-E79E-41F1-BC4F-A904AE6624A9}">
-      <dgm:prSet phldrT="[Текст]"/>
-      <dgm:spPr/>
-      <dgm:t>
-        <a:bodyPr/>
-        <a:lstStyle/>
-        <a:p>
-          <a:r>
-            <a:rPr lang="ru-RU" b="1" i="0" dirty="0"/>
-            <a:t>ФИНАНСОВОЕ ОБЕСПЕЧЕНИЕ</a:t>
-          </a:r>
-          <a:endParaRPr lang="ru-RU" dirty="0"/>
-        </a:p>
-      </dgm:t>
-    </dgm:pt>
-    <dgm:pt modelId="{559400E3-98D9-475E-9887-5BA23D615C25}" type="parTrans" cxnId="{432D963B-59A5-4EBD-865A-D5EBFC8C96DC}">
-      <dgm:prSet/>
-      <dgm:spPr/>
-      <dgm:t>
-        <a:bodyPr/>
-        <a:lstStyle/>
-        <a:p>
-          <a:endParaRPr lang="ru-RU"/>
-        </a:p>
-      </dgm:t>
-    </dgm:pt>
-    <dgm:pt modelId="{9FC26BFE-23EA-4F4F-A4C1-251659CE7F7A}" type="sibTrans" cxnId="{432D963B-59A5-4EBD-865A-D5EBFC8C96DC}">
-      <dgm:prSet/>
-      <dgm:spPr/>
-      <dgm:t>
-        <a:bodyPr/>
-        <a:lstStyle/>
-        <a:p>
-          <a:endParaRPr lang="ru-RU"/>
-        </a:p>
-      </dgm:t>
-    </dgm:pt>
-    <dgm:pt modelId="{2AF75D11-A13C-4CAC-A803-3336148E2E24}">
-      <dgm:prSet phldrT="[Текст]"/>
-      <dgm:spPr/>
-      <dgm:t>
-        <a:bodyPr/>
-        <a:lstStyle/>
-        <a:p>
-          <a:r>
-            <a:rPr lang="ru-RU" dirty="0"/>
-            <a:t> </a:t>
-          </a:r>
-        </a:p>
-      </dgm:t>
-    </dgm:pt>
-    <dgm:pt modelId="{A7CDD8A8-447D-41E5-8F9B-FCA96599964C}" type="parTrans" cxnId="{71537C26-3DD8-48AC-B65C-CB0F78ACA5E7}">
-      <dgm:prSet/>
-      <dgm:spPr/>
-      <dgm:t>
-        <a:bodyPr/>
-        <a:lstStyle/>
-        <a:p>
-          <a:endParaRPr lang="ru-RU"/>
-        </a:p>
-      </dgm:t>
-    </dgm:pt>
-    <dgm:pt modelId="{081978E0-7070-48D3-AC68-24A3FC2CA7D6}" type="sibTrans" cxnId="{71537C26-3DD8-48AC-B65C-CB0F78ACA5E7}">
-      <dgm:prSet/>
-      <dgm:spPr/>
-      <dgm:t>
-        <a:bodyPr/>
-        <a:lstStyle/>
-        <a:p>
-          <a:endParaRPr lang="ru-RU"/>
-        </a:p>
-      </dgm:t>
-    </dgm:pt>
-    <dgm:pt modelId="{F93E4D40-9615-4AE8-9B27-3BE610152426}">
-      <dgm:prSet phldrT="[Текст]"/>
-      <dgm:spPr/>
-      <dgm:t>
-        <a:bodyPr/>
-        <a:lstStyle/>
-        <a:p>
-          <a:r>
-            <a:rPr lang="ru-RU" b="1" i="0" dirty="0"/>
-            <a:t>Государственная программа</a:t>
-          </a:r>
-          <a:endParaRPr lang="ru-RU" dirty="0"/>
-        </a:p>
-      </dgm:t>
-    </dgm:pt>
-    <dgm:pt modelId="{0DE58D64-566B-41F0-94E3-757FB923DAB1}" type="parTrans" cxnId="{0D9B893A-118F-4BE8-9FF3-9CBB3C6767AB}">
-      <dgm:prSet/>
-      <dgm:spPr/>
-      <dgm:t>
-        <a:bodyPr/>
-        <a:lstStyle/>
-        <a:p>
-          <a:endParaRPr lang="ru-RU"/>
-        </a:p>
-      </dgm:t>
-    </dgm:pt>
-    <dgm:pt modelId="{FD3A1638-86F8-47F4-B953-2AE36EAFFB2D}" type="sibTrans" cxnId="{0D9B893A-118F-4BE8-9FF3-9CBB3C6767AB}">
-      <dgm:prSet/>
-      <dgm:spPr/>
-      <dgm:t>
-        <a:bodyPr/>
-        <a:lstStyle/>
-        <a:p>
-          <a:endParaRPr lang="ru-RU"/>
-        </a:p>
-      </dgm:t>
-    </dgm:pt>
-    <dgm:pt modelId="{61130802-9F29-4DCF-9BFE-E0B3D9E4F978}">
-      <dgm:prSet phldrT="[Текст]"/>
-      <dgm:spPr/>
-      <dgm:t>
-        <a:bodyPr/>
-        <a:lstStyle/>
-        <a:p>
-          <a:r>
-            <a:rPr lang="ru-RU" dirty="0"/>
-            <a:t>2022</a:t>
-          </a:r>
-        </a:p>
-      </dgm:t>
-    </dgm:pt>
-    <dgm:pt modelId="{5636976C-9887-4FBE-AD66-39A602453699}" type="parTrans" cxnId="{F7D6522B-4C1A-40D9-8E1A-9F0E284A427D}">
-      <dgm:prSet/>
-      <dgm:spPr/>
-      <dgm:t>
-        <a:bodyPr/>
-        <a:lstStyle/>
-        <a:p>
-          <a:endParaRPr lang="ru-RU"/>
-        </a:p>
-      </dgm:t>
-    </dgm:pt>
-    <dgm:pt modelId="{CEB8EBBF-7A8B-42FC-A51D-39E725660244}" type="sibTrans" cxnId="{F7D6522B-4C1A-40D9-8E1A-9F0E284A427D}">
-      <dgm:prSet/>
-      <dgm:spPr/>
-      <dgm:t>
-        <a:bodyPr/>
-        <a:lstStyle/>
-        <a:p>
-          <a:endParaRPr lang="ru-RU"/>
-        </a:p>
-      </dgm:t>
-    </dgm:pt>
-    <dgm:pt modelId="{F2209B63-8ACB-4FB6-80BB-E566B25AFA92}">
-      <dgm:prSet/>
-      <dgm:spPr/>
-      <dgm:t>
-        <a:bodyPr/>
-        <a:lstStyle/>
-        <a:p>
-          <a:r>
-            <a:rPr lang="ru-RU" dirty="0"/>
-            <a:t>2023</a:t>
-          </a:r>
-        </a:p>
-      </dgm:t>
-    </dgm:pt>
-    <dgm:pt modelId="{D8546BC9-156D-4889-BA60-676ED3A3E8D6}" type="parTrans" cxnId="{71200430-8666-4718-BF29-7CD31179C57C}">
-      <dgm:prSet/>
-      <dgm:spPr/>
-      <dgm:t>
-        <a:bodyPr/>
-        <a:lstStyle/>
-        <a:p>
-          <a:endParaRPr lang="ru-RU"/>
-        </a:p>
-      </dgm:t>
-    </dgm:pt>
-    <dgm:pt modelId="{F7C8EE21-F766-4E77-94F8-094BAE9C1A39}" type="sibTrans" cxnId="{71200430-8666-4718-BF29-7CD31179C57C}">
-      <dgm:prSet/>
-      <dgm:spPr/>
-      <dgm:t>
-        <a:bodyPr/>
-        <a:lstStyle/>
-        <a:p>
-          <a:endParaRPr lang="ru-RU"/>
-        </a:p>
-      </dgm:t>
-    </dgm:pt>
-    <dgm:pt modelId="{1515B8F2-E151-4135-AA3E-999C25905EFB}">
-      <dgm:prSet/>
-      <dgm:spPr/>
-      <dgm:t>
-        <a:bodyPr/>
-        <a:lstStyle/>
-        <a:p>
-          <a:r>
-            <a:rPr lang="ru-RU" dirty="0"/>
-            <a:t>2024</a:t>
-          </a:r>
-        </a:p>
-      </dgm:t>
-    </dgm:pt>
-    <dgm:pt modelId="{B57FDAA1-ABD9-4F20-AB20-0EECF98107DC}" type="parTrans" cxnId="{D3E37BB2-9054-4D93-B9C4-FDC880974903}">
-      <dgm:prSet/>
-      <dgm:spPr/>
-      <dgm:t>
-        <a:bodyPr/>
-        <a:lstStyle/>
-        <a:p>
-          <a:endParaRPr lang="ru-RU"/>
-        </a:p>
-      </dgm:t>
-    </dgm:pt>
-    <dgm:pt modelId="{88A1DC02-543D-49A7-BB8F-74116FE19DCF}" type="sibTrans" cxnId="{D3E37BB2-9054-4D93-B9C4-FDC880974903}">
-      <dgm:prSet/>
-      <dgm:spPr/>
-      <dgm:t>
-        <a:bodyPr/>
-        <a:lstStyle/>
-        <a:p>
-          <a:endParaRPr lang="ru-RU"/>
-        </a:p>
-      </dgm:t>
-    </dgm:pt>
-    <dgm:pt modelId="{0FC93B8C-B30D-4BBD-95F1-5ED2768D95F1}">
-      <dgm:prSet/>
-      <dgm:spPr/>
-      <dgm:t>
-        <a:bodyPr/>
-        <a:lstStyle/>
-        <a:p>
-          <a:r>
-            <a:rPr lang="ru-RU" dirty="0"/>
-            <a:t>Итого</a:t>
-          </a:r>
-        </a:p>
-      </dgm:t>
-    </dgm:pt>
-    <dgm:pt modelId="{285985A8-41F8-4A97-8D7B-0DF8E4426CC1}" type="parTrans" cxnId="{1F0289ED-FB26-4D8D-9013-D71537E032DB}">
-      <dgm:prSet/>
-      <dgm:spPr/>
-      <dgm:t>
-        <a:bodyPr/>
-        <a:lstStyle/>
-        <a:p>
-          <a:endParaRPr lang="ru-RU"/>
-        </a:p>
-      </dgm:t>
-    </dgm:pt>
-    <dgm:pt modelId="{1AFB682D-FD4D-46CA-86BB-F7CEE88166FD}" type="sibTrans" cxnId="{1F0289ED-FB26-4D8D-9013-D71537E032DB}">
-      <dgm:prSet/>
-      <dgm:spPr/>
-      <dgm:t>
-        <a:bodyPr/>
-        <a:lstStyle/>
-        <a:p>
-          <a:endParaRPr lang="ru-RU"/>
-        </a:p>
-      </dgm:t>
-    </dgm:pt>
-    <dgm:pt modelId="{5B169870-4F2A-4B73-B6F5-961C6ECCC206}">
-      <dgm:prSet phldrT="[Текст]"/>
-      <dgm:spPr/>
-      <dgm:t>
-        <a:bodyPr/>
-        <a:lstStyle/>
-        <a:p>
-          <a:r>
-            <a:rPr lang="ru-RU" b="0" i="0" dirty="0"/>
-            <a:t>в том числе: межбюджетные трансферты</a:t>
-          </a:r>
-          <a:endParaRPr lang="ru-RU" dirty="0"/>
-        </a:p>
-      </dgm:t>
-    </dgm:pt>
-    <dgm:pt modelId="{6BC1288E-8715-4AB0-8A5D-11C9D6BFACD7}" type="parTrans" cxnId="{7F78E198-1027-49D7-9E1B-C7F85ECEB6ED}">
-      <dgm:prSet/>
-      <dgm:spPr/>
-      <dgm:t>
-        <a:bodyPr/>
-        <a:lstStyle/>
-        <a:p>
-          <a:endParaRPr lang="ru-RU"/>
-        </a:p>
-      </dgm:t>
-    </dgm:pt>
-    <dgm:pt modelId="{86E727AD-5C82-40FB-BC6B-A3C7B08CF44B}" type="sibTrans" cxnId="{7F78E198-1027-49D7-9E1B-C7F85ECEB6ED}">
-      <dgm:prSet/>
-      <dgm:spPr/>
-      <dgm:t>
-        <a:bodyPr/>
-        <a:lstStyle/>
-        <a:p>
-          <a:endParaRPr lang="ru-RU"/>
-        </a:p>
-      </dgm:t>
-    </dgm:pt>
-    <dgm:pt modelId="{A9C9ADF2-D2C5-4CD5-AA99-BE01E210EDE5}">
-      <dgm:prSet phldrT="[Текст]"/>
-      <dgm:spPr/>
-      <dgm:t>
-        <a:bodyPr/>
-        <a:lstStyle/>
-        <a:p>
-          <a:r>
-            <a:rPr lang="ru-RU" b="1" i="0" dirty="0"/>
-            <a:t>Федеральный бюджет</a:t>
-          </a:r>
-          <a:endParaRPr lang="ru-RU" dirty="0"/>
-        </a:p>
-      </dgm:t>
-    </dgm:pt>
-    <dgm:pt modelId="{726E6088-33B2-4F4B-B10E-2FBE412A40FE}" type="parTrans" cxnId="{E9D2D6DE-D913-4559-A09A-7168956EACFD}">
-      <dgm:prSet/>
-      <dgm:spPr/>
-      <dgm:t>
-        <a:bodyPr/>
-        <a:lstStyle/>
-        <a:p>
-          <a:endParaRPr lang="ru-RU"/>
-        </a:p>
-      </dgm:t>
-    </dgm:pt>
-    <dgm:pt modelId="{E09773FB-3313-4335-8653-9CF0629A2A00}" type="sibTrans" cxnId="{E9D2D6DE-D913-4559-A09A-7168956EACFD}">
-      <dgm:prSet/>
-      <dgm:spPr/>
-      <dgm:t>
-        <a:bodyPr/>
-        <a:lstStyle/>
-        <a:p>
-          <a:endParaRPr lang="ru-RU"/>
-        </a:p>
-      </dgm:t>
-    </dgm:pt>
-    <dgm:pt modelId="{F48EC3EE-E11A-4161-BD56-17561280AA79}">
-      <dgm:prSet phldrT="[Текст]"/>
-      <dgm:spPr/>
-      <dgm:t>
-        <a:bodyPr/>
-        <a:lstStyle/>
-        <a:p>
-          <a:r>
-            <a:rPr lang="ru-RU" b="1" i="0"/>
-            <a:t>Консолидированные бюджеты субъектов</a:t>
-          </a:r>
-          <a:endParaRPr lang="ru-RU" dirty="0"/>
-        </a:p>
-      </dgm:t>
-    </dgm:pt>
-    <dgm:pt modelId="{572D2D6B-D084-493C-9360-97F803499E11}" type="parTrans" cxnId="{DE52551C-6848-4A68-8BC4-D3EC8261FC66}">
-      <dgm:prSet/>
-      <dgm:spPr/>
-      <dgm:t>
-        <a:bodyPr/>
-        <a:lstStyle/>
-        <a:p>
-          <a:endParaRPr lang="ru-RU"/>
-        </a:p>
-      </dgm:t>
-    </dgm:pt>
-    <dgm:pt modelId="{4D8DC7AA-4671-465F-8A6E-10D281BC06AC}" type="sibTrans" cxnId="{DE52551C-6848-4A68-8BC4-D3EC8261FC66}">
-      <dgm:prSet/>
-      <dgm:spPr/>
-      <dgm:t>
-        <a:bodyPr/>
-        <a:lstStyle/>
-        <a:p>
-          <a:endParaRPr lang="ru-RU"/>
-        </a:p>
-      </dgm:t>
-    </dgm:pt>
-    <dgm:pt modelId="{B3E6594C-8619-432E-8A0C-C8BF1D2598A5}">
-      <dgm:prSet phldrT="[Текст]"/>
-      <dgm:spPr/>
-      <dgm:t>
-        <a:bodyPr/>
-        <a:lstStyle/>
-        <a:p>
-          <a:r>
-            <a:rPr lang="ru-RU" b="1" i="0"/>
-            <a:t>Бюджеты государственных внебюджетных фондов</a:t>
-          </a:r>
-          <a:endParaRPr lang="ru-RU" dirty="0"/>
-        </a:p>
-      </dgm:t>
-    </dgm:pt>
-    <dgm:pt modelId="{15C24C70-44CF-4387-9541-97EF6AB9800F}" type="parTrans" cxnId="{3EEBF999-79B3-484C-A715-CDD189E54CEC}">
-      <dgm:prSet/>
-      <dgm:spPr/>
-      <dgm:t>
-        <a:bodyPr/>
-        <a:lstStyle/>
-        <a:p>
-          <a:endParaRPr lang="ru-RU"/>
-        </a:p>
-      </dgm:t>
-    </dgm:pt>
-    <dgm:pt modelId="{6DE4138D-59EB-46D8-869E-3F7DBC47C56E}" type="sibTrans" cxnId="{3EEBF999-79B3-484C-A715-CDD189E54CEC}">
-      <dgm:prSet/>
-      <dgm:spPr/>
-      <dgm:t>
-        <a:bodyPr/>
-        <a:lstStyle/>
-        <a:p>
-          <a:endParaRPr lang="ru-RU"/>
-        </a:p>
-      </dgm:t>
-    </dgm:pt>
-    <dgm:pt modelId="{93D4226E-CB56-4A99-8A7E-0697154C12CC}">
-      <dgm:prSet phldrT="[Текст]"/>
-      <dgm:spPr/>
-      <dgm:t>
-        <a:bodyPr/>
-        <a:lstStyle/>
-        <a:p>
-          <a:r>
-            <a:rPr lang="ru-RU" b="0" i="0" dirty="0"/>
-            <a:t>159 922 337.60</a:t>
-          </a:r>
-          <a:endParaRPr lang="ru-RU" dirty="0"/>
-        </a:p>
-      </dgm:t>
-    </dgm:pt>
-    <dgm:pt modelId="{76260120-514B-4665-BCE2-366979AE10A1}" type="parTrans" cxnId="{0AAE1F9A-7330-4BA1-9ADD-A5CA4C4A9689}">
-      <dgm:prSet/>
-      <dgm:spPr/>
-      <dgm:t>
-        <a:bodyPr/>
-        <a:lstStyle/>
-        <a:p>
-          <a:endParaRPr lang="ru-RU"/>
-        </a:p>
-      </dgm:t>
-    </dgm:pt>
-    <dgm:pt modelId="{1D6B5F5A-7368-4D8B-8D69-06F29ABFAE13}" type="sibTrans" cxnId="{0AAE1F9A-7330-4BA1-9ADD-A5CA4C4A9689}">
-      <dgm:prSet/>
-      <dgm:spPr/>
-      <dgm:t>
-        <a:bodyPr/>
-        <a:lstStyle/>
-        <a:p>
-          <a:endParaRPr lang="ru-RU"/>
-        </a:p>
-      </dgm:t>
-    </dgm:pt>
-    <dgm:pt modelId="{A0C2BDAB-D372-4FBE-BAB3-E25C2E161DAC}">
-      <dgm:prSet phldrT="[Текст]"/>
-      <dgm:spPr/>
-      <dgm:t>
-        <a:bodyPr/>
-        <a:lstStyle/>
-        <a:p>
-          <a:r>
-            <a:rPr lang="ru-RU" b="0" i="0" dirty="0"/>
-            <a:t>584 467 270.60</a:t>
-          </a:r>
-          <a:endParaRPr lang="ru-RU" dirty="0"/>
-        </a:p>
-      </dgm:t>
-    </dgm:pt>
-    <dgm:pt modelId="{64F7AA54-5A73-4B39-B40D-E6CC777054D6}" type="parTrans" cxnId="{D76E9C26-C9FF-4B61-9653-314F8304F3DA}">
-      <dgm:prSet/>
-      <dgm:spPr/>
-      <dgm:t>
-        <a:bodyPr/>
-        <a:lstStyle/>
-        <a:p>
-          <a:endParaRPr lang="ru-RU"/>
-        </a:p>
-      </dgm:t>
-    </dgm:pt>
-    <dgm:pt modelId="{0D2CB9F4-AA3A-42FD-A526-90BA0902C142}" type="sibTrans" cxnId="{D76E9C26-C9FF-4B61-9653-314F8304F3DA}">
-      <dgm:prSet/>
-      <dgm:spPr/>
-      <dgm:t>
-        <a:bodyPr/>
-        <a:lstStyle/>
-        <a:p>
-          <a:endParaRPr lang="ru-RU"/>
-        </a:p>
-      </dgm:t>
-    </dgm:pt>
-    <dgm:pt modelId="{EE9AF67C-C08D-4549-B67D-A52B58E8D5D0}">
-      <dgm:prSet phldrT="[Текст]"/>
-      <dgm:spPr/>
-      <dgm:t>
-        <a:bodyPr/>
-        <a:lstStyle/>
-        <a:p>
-          <a:r>
-            <a:rPr lang="ru-RU" b="0" i="0"/>
-            <a:t>394 012 960.20</a:t>
-          </a:r>
-          <a:endParaRPr lang="ru-RU" dirty="0"/>
-        </a:p>
-      </dgm:t>
-    </dgm:pt>
-    <dgm:pt modelId="{0033911C-74B3-419E-94C3-10C99996754D}" type="parTrans" cxnId="{2D6E7A10-97A6-4B83-8DF1-B2A68B26D506}">
-      <dgm:prSet/>
-      <dgm:spPr/>
-      <dgm:t>
-        <a:bodyPr/>
-        <a:lstStyle/>
-        <a:p>
-          <a:endParaRPr lang="ru-RU"/>
-        </a:p>
-      </dgm:t>
-    </dgm:pt>
-    <dgm:pt modelId="{39D3DFB0-A833-4D7A-9FD9-5660BCE64B45}" type="sibTrans" cxnId="{2D6E7A10-97A6-4B83-8DF1-B2A68B26D506}">
-      <dgm:prSet/>
-      <dgm:spPr/>
-      <dgm:t>
-        <a:bodyPr/>
-        <a:lstStyle/>
-        <a:p>
-          <a:endParaRPr lang="ru-RU"/>
-        </a:p>
-      </dgm:t>
-    </dgm:pt>
-    <dgm:pt modelId="{CD73C218-5B5C-401F-8AC2-89C81DEF21F4}">
-      <dgm:prSet phldrT="[Текст]"/>
-      <dgm:spPr/>
-      <dgm:t>
-        <a:bodyPr/>
-        <a:lstStyle/>
-        <a:p>
-          <a:r>
-            <a:rPr lang="ru-RU" b="0" i="0"/>
-            <a:t>159 922 337.60</a:t>
-          </a:r>
-          <a:endParaRPr lang="ru-RU" dirty="0"/>
-        </a:p>
-      </dgm:t>
-    </dgm:pt>
-    <dgm:pt modelId="{EB713B3A-6159-4C22-9AE2-D5175FE6894A}" type="parTrans" cxnId="{FD209FDA-A874-4FF3-91DF-3E4013932A63}">
-      <dgm:prSet/>
-      <dgm:spPr/>
-      <dgm:t>
-        <a:bodyPr/>
-        <a:lstStyle/>
-        <a:p>
-          <a:endParaRPr lang="ru-RU"/>
-        </a:p>
-      </dgm:t>
-    </dgm:pt>
-    <dgm:pt modelId="{C6CAC2D2-9EDC-4F3F-805F-4575198E109B}" type="sibTrans" cxnId="{FD209FDA-A874-4FF3-91DF-3E4013932A63}">
-      <dgm:prSet/>
-      <dgm:spPr/>
-      <dgm:t>
-        <a:bodyPr/>
-        <a:lstStyle/>
-        <a:p>
-          <a:endParaRPr lang="ru-RU"/>
-        </a:p>
-      </dgm:t>
-    </dgm:pt>
-    <dgm:pt modelId="{5B80384D-4864-4EEA-9B45-C6EAA570EDF1}">
-      <dgm:prSet/>
-      <dgm:spPr/>
-      <dgm:t>
-        <a:bodyPr/>
-        <a:lstStyle/>
-        <a:p>
-          <a:r>
-            <a:rPr lang="ru-RU" b="0" i="0" dirty="0"/>
-            <a:t>0.00</a:t>
-          </a:r>
-          <a:endParaRPr lang="ru-RU" dirty="0"/>
-        </a:p>
-      </dgm:t>
-    </dgm:pt>
-    <dgm:pt modelId="{C8C7BA24-5EAC-4BC7-AAF1-CE7415D0D1DB}" type="parTrans" cxnId="{26883A6A-C558-4944-8C57-EDB393DFC08D}">
-      <dgm:prSet/>
-      <dgm:spPr/>
-      <dgm:t>
-        <a:bodyPr/>
-        <a:lstStyle/>
-        <a:p>
-          <a:endParaRPr lang="ru-RU"/>
-        </a:p>
-      </dgm:t>
-    </dgm:pt>
-    <dgm:pt modelId="{9A5BF851-2A23-49DF-90B3-9264E49C2E78}" type="sibTrans" cxnId="{26883A6A-C558-4944-8C57-EDB393DFC08D}">
-      <dgm:prSet/>
-      <dgm:spPr/>
-      <dgm:t>
-        <a:bodyPr/>
-        <a:lstStyle/>
-        <a:p>
-          <a:endParaRPr lang="ru-RU"/>
-        </a:p>
-      </dgm:t>
-    </dgm:pt>
-    <dgm:pt modelId="{8DC4994F-EC0F-4085-8D37-D8E175740B89}">
-      <dgm:prSet/>
-      <dgm:spPr/>
-      <dgm:t>
-        <a:bodyPr/>
-        <a:lstStyle/>
-        <a:p>
-          <a:r>
-            <a:rPr lang="ru-RU" b="0" i="0" dirty="0"/>
-            <a:t>622 127 658.70</a:t>
-          </a:r>
-          <a:endParaRPr lang="ru-RU" dirty="0"/>
-        </a:p>
-      </dgm:t>
-    </dgm:pt>
-    <dgm:pt modelId="{15F21E50-2EC1-4146-9EAA-EA2FC3C2EEF0}" type="parTrans" cxnId="{BC924FF4-557D-4A6B-9C95-5F0FF0B33A41}">
-      <dgm:prSet/>
-      <dgm:spPr/>
-      <dgm:t>
-        <a:bodyPr/>
-        <a:lstStyle/>
-        <a:p>
-          <a:endParaRPr lang="ru-RU"/>
-        </a:p>
-      </dgm:t>
-    </dgm:pt>
-    <dgm:pt modelId="{D5D69AC5-36A3-4623-BF68-C50EFB8EB36B}" type="sibTrans" cxnId="{BC924FF4-557D-4A6B-9C95-5F0FF0B33A41}">
-      <dgm:prSet/>
-      <dgm:spPr/>
-      <dgm:t>
-        <a:bodyPr/>
-        <a:lstStyle/>
-        <a:p>
-          <a:endParaRPr lang="ru-RU"/>
-        </a:p>
-      </dgm:t>
-    </dgm:pt>
-    <dgm:pt modelId="{03811063-F834-44FB-B5A6-8CFA4C001233}">
-      <dgm:prSet/>
-      <dgm:spPr/>
-      <dgm:t>
-        <a:bodyPr/>
-        <a:lstStyle/>
-        <a:p>
-          <a:r>
-            <a:rPr lang="ru-RU" b="0" i="0" dirty="0"/>
-            <a:t>415 129 395.50</a:t>
-          </a:r>
-          <a:endParaRPr lang="ru-RU" dirty="0"/>
-        </a:p>
-      </dgm:t>
-    </dgm:pt>
-    <dgm:pt modelId="{D66E627E-67E4-43EF-8479-9AC5E9D0CD21}" type="parTrans" cxnId="{2EA39019-0529-4DA0-B507-1278B542282E}">
-      <dgm:prSet/>
-      <dgm:spPr/>
-      <dgm:t>
-        <a:bodyPr/>
-        <a:lstStyle/>
-        <a:p>
-          <a:endParaRPr lang="ru-RU"/>
-        </a:p>
-      </dgm:t>
-    </dgm:pt>
-    <dgm:pt modelId="{86EB2592-7390-4ADB-A3BC-0F10FB1E1B92}" type="sibTrans" cxnId="{2EA39019-0529-4DA0-B507-1278B542282E}">
-      <dgm:prSet/>
-      <dgm:spPr/>
-      <dgm:t>
-        <a:bodyPr/>
-        <a:lstStyle/>
-        <a:p>
-          <a:endParaRPr lang="ru-RU"/>
-        </a:p>
-      </dgm:t>
-    </dgm:pt>
-    <dgm:pt modelId="{9E1DD50D-AA74-4F3B-9AA0-340A01D34D5D}">
-      <dgm:prSet/>
-      <dgm:spPr/>
-      <dgm:t>
-        <a:bodyPr/>
-        <a:lstStyle/>
-        <a:p>
-          <a:r>
-            <a:rPr lang="ru-RU" b="0" i="0" dirty="0"/>
-            <a:t>170 698 034.10</a:t>
-          </a:r>
-          <a:endParaRPr lang="ru-RU" dirty="0"/>
-        </a:p>
-      </dgm:t>
-    </dgm:pt>
-    <dgm:pt modelId="{397B0A1B-F60D-4FD8-B0E1-5EEEE8E02DAE}" type="parTrans" cxnId="{DF19C1CE-1D76-43EF-B679-D39CDE171AA8}">
-      <dgm:prSet/>
-      <dgm:spPr/>
-      <dgm:t>
-        <a:bodyPr/>
-        <a:lstStyle/>
-        <a:p>
-          <a:endParaRPr lang="ru-RU"/>
-        </a:p>
-      </dgm:t>
-    </dgm:pt>
-    <dgm:pt modelId="{D6644201-E323-4847-BDB3-803975242543}" type="sibTrans" cxnId="{DF19C1CE-1D76-43EF-B679-D39CDE171AA8}">
-      <dgm:prSet/>
-      <dgm:spPr/>
-      <dgm:t>
-        <a:bodyPr/>
-        <a:lstStyle/>
-        <a:p>
-          <a:endParaRPr lang="ru-RU"/>
-        </a:p>
-      </dgm:t>
-    </dgm:pt>
-    <dgm:pt modelId="{2C57E09F-B4D0-4E2C-A11B-7118B0E3F709}">
-      <dgm:prSet/>
-      <dgm:spPr/>
-      <dgm:t>
-        <a:bodyPr/>
-        <a:lstStyle/>
-        <a:p>
-          <a:r>
-            <a:rPr lang="ru-RU" b="0" i="0" dirty="0"/>
-            <a:t>320 883 882.20</a:t>
-          </a:r>
-          <a:endParaRPr lang="ru-RU" dirty="0"/>
-        </a:p>
-      </dgm:t>
-    </dgm:pt>
-    <dgm:pt modelId="{F57CF009-F9CC-42F9-96D3-9B037CC7501D}" type="parTrans" cxnId="{3691BE32-4E3E-4F06-9954-ABCEEE8B6388}">
-      <dgm:prSet/>
-      <dgm:spPr/>
-      <dgm:t>
-        <a:bodyPr/>
-        <a:lstStyle/>
-        <a:p>
-          <a:endParaRPr lang="ru-RU"/>
-        </a:p>
-      </dgm:t>
-    </dgm:pt>
-    <dgm:pt modelId="{14D5D7A0-A8BB-4188-AF58-CFD55629A439}" type="sibTrans" cxnId="{3691BE32-4E3E-4F06-9954-ABCEEE8B6388}">
-      <dgm:prSet/>
-      <dgm:spPr/>
-      <dgm:t>
-        <a:bodyPr/>
-        <a:lstStyle/>
-        <a:p>
-          <a:endParaRPr lang="ru-RU"/>
-        </a:p>
-      </dgm:t>
-    </dgm:pt>
-    <dgm:pt modelId="{B915A8B4-63B7-4038-BC03-2FF69C19DC01}">
-      <dgm:prSet/>
-      <dgm:spPr/>
-      <dgm:t>
-        <a:bodyPr/>
-        <a:lstStyle/>
-        <a:p>
-          <a:r>
-            <a:rPr lang="ru-RU" b="0" i="0" dirty="0"/>
-            <a:t>0.00</a:t>
-          </a:r>
-          <a:endParaRPr lang="ru-RU" dirty="0"/>
-        </a:p>
-      </dgm:t>
-    </dgm:pt>
-    <dgm:pt modelId="{0345AF6E-7B39-49B8-8E57-3C0E02D99F50}" type="parTrans" cxnId="{5051FCBF-A810-4FD1-98FD-B067C5155C8D}">
-      <dgm:prSet/>
-      <dgm:spPr/>
-      <dgm:t>
-        <a:bodyPr/>
-        <a:lstStyle/>
-        <a:p>
-          <a:endParaRPr lang="ru-RU"/>
-        </a:p>
-      </dgm:t>
-    </dgm:pt>
-    <dgm:pt modelId="{95B00FAB-8EAC-4565-8A0D-2C61A763F898}" type="sibTrans" cxnId="{5051FCBF-A810-4FD1-98FD-B067C5155C8D}">
-      <dgm:prSet/>
-      <dgm:spPr/>
-      <dgm:t>
-        <a:bodyPr/>
-        <a:lstStyle/>
-        <a:p>
-          <a:endParaRPr lang="ru-RU"/>
-        </a:p>
-      </dgm:t>
-    </dgm:pt>
-    <dgm:pt modelId="{BD08B172-6F27-4119-B6B8-D8D3DE80261E}">
-      <dgm:prSet/>
-      <dgm:spPr/>
-      <dgm:t>
-        <a:bodyPr/>
-        <a:lstStyle/>
-        <a:p>
-          <a:r>
-            <a:rPr lang="ru-RU" dirty="0"/>
-            <a:t>492 444 042.30</a:t>
-          </a:r>
-        </a:p>
-      </dgm:t>
-    </dgm:pt>
-    <dgm:pt modelId="{D34AB20C-35FA-451B-B510-D82A056A4F28}" type="parTrans" cxnId="{CA70B535-D82F-437E-B4E8-08243F5F1BD4}">
-      <dgm:prSet/>
-      <dgm:spPr/>
-      <dgm:t>
-        <a:bodyPr/>
-        <a:lstStyle/>
-        <a:p>
-          <a:endParaRPr lang="ru-RU"/>
-        </a:p>
-      </dgm:t>
-    </dgm:pt>
-    <dgm:pt modelId="{3B250B39-1BB3-4077-8F2D-800BAF5195B6}" type="sibTrans" cxnId="{CA70B535-D82F-437E-B4E8-08243F5F1BD4}">
-      <dgm:prSet/>
-      <dgm:spPr/>
-      <dgm:t>
-        <a:bodyPr/>
-        <a:lstStyle/>
-        <a:p>
-          <a:endParaRPr lang="ru-RU"/>
-        </a:p>
-      </dgm:t>
-    </dgm:pt>
-    <dgm:pt modelId="{57DB0169-8FA5-4970-B172-A7857AAF90DB}">
-      <dgm:prSet/>
-      <dgm:spPr/>
-      <dgm:t>
-        <a:bodyPr/>
-        <a:lstStyle/>
-        <a:p>
-          <a:r>
-            <a:rPr lang="ru-RU" b="0" i="0" dirty="0"/>
-            <a:t>347 834 614.00</a:t>
-          </a:r>
-          <a:endParaRPr lang="ru-RU" dirty="0"/>
-        </a:p>
-      </dgm:t>
-    </dgm:pt>
-    <dgm:pt modelId="{0317C2B6-CF90-4D27-9D42-E5D52D7F1724}" type="parTrans" cxnId="{D065C7D6-3F40-48DC-8E75-84A6F78B70E7}">
-      <dgm:prSet/>
-      <dgm:spPr/>
-      <dgm:t>
-        <a:bodyPr/>
-        <a:lstStyle/>
-        <a:p>
-          <a:endParaRPr lang="ru-RU"/>
-        </a:p>
-      </dgm:t>
-    </dgm:pt>
-    <dgm:pt modelId="{75AB8124-4569-4F4B-86E8-DC94BD2F7119}" type="sibTrans" cxnId="{D065C7D6-3F40-48DC-8E75-84A6F78B70E7}">
-      <dgm:prSet/>
-      <dgm:spPr/>
-      <dgm:t>
-        <a:bodyPr/>
-        <a:lstStyle/>
-        <a:p>
-          <a:endParaRPr lang="ru-RU"/>
-        </a:p>
-      </dgm:t>
-    </dgm:pt>
-    <dgm:pt modelId="{88A3DFE8-2378-4DF7-A4BB-1838557E5DBD}">
-      <dgm:prSet/>
-      <dgm:spPr/>
-      <dgm:t>
-        <a:bodyPr/>
-        <a:lstStyle/>
-        <a:p>
-          <a:r>
-            <a:rPr lang="ru-RU" b="0" i="0" dirty="0"/>
-            <a:t>167 695 028.40</a:t>
-          </a:r>
-          <a:endParaRPr lang="ru-RU" dirty="0"/>
-        </a:p>
-      </dgm:t>
-    </dgm:pt>
-    <dgm:pt modelId="{D06B71F0-61D7-49B2-B9E1-1E81999FC64E}" type="parTrans" cxnId="{786A5623-4A08-4C66-96D6-9B47782E2A7E}">
-      <dgm:prSet/>
-      <dgm:spPr/>
-      <dgm:t>
-        <a:bodyPr/>
-        <a:lstStyle/>
-        <a:p>
-          <a:endParaRPr lang="ru-RU"/>
-        </a:p>
-      </dgm:t>
-    </dgm:pt>
-    <dgm:pt modelId="{9A99E13A-45BA-44EA-B791-033B38B2279C}" type="sibTrans" cxnId="{786A5623-4A08-4C66-96D6-9B47782E2A7E}">
-      <dgm:prSet/>
-      <dgm:spPr/>
-      <dgm:t>
-        <a:bodyPr/>
-        <a:lstStyle/>
-        <a:p>
-          <a:endParaRPr lang="ru-RU"/>
-        </a:p>
-      </dgm:t>
-    </dgm:pt>
-    <dgm:pt modelId="{3D28A53A-110D-49E0-8DAD-BBABAB5B5888}">
-      <dgm:prSet/>
-      <dgm:spPr/>
-      <dgm:t>
-        <a:bodyPr/>
-        <a:lstStyle/>
-        <a:p>
-          <a:r>
-            <a:rPr lang="ru-RU" b="0" i="0" dirty="0"/>
-            <a:t>261 876 731.80</a:t>
-          </a:r>
-          <a:endParaRPr lang="ru-RU" dirty="0"/>
-        </a:p>
-      </dgm:t>
-    </dgm:pt>
-    <dgm:pt modelId="{F1695096-40A1-421E-9630-80688DB4CFD4}" type="parTrans" cxnId="{2243AFD9-910A-448A-BAA5-1F2646A7694F}">
-      <dgm:prSet/>
-      <dgm:spPr/>
-      <dgm:t>
-        <a:bodyPr/>
-        <a:lstStyle/>
-        <a:p>
-          <a:endParaRPr lang="ru-RU"/>
-        </a:p>
-      </dgm:t>
-    </dgm:pt>
-    <dgm:pt modelId="{C00245C4-0998-4093-81E2-0F46269DF711}" type="sibTrans" cxnId="{2243AFD9-910A-448A-BAA5-1F2646A7694F}">
-      <dgm:prSet/>
-      <dgm:spPr/>
-      <dgm:t>
-        <a:bodyPr/>
-        <a:lstStyle/>
-        <a:p>
-          <a:endParaRPr lang="ru-RU"/>
-        </a:p>
-      </dgm:t>
-    </dgm:pt>
-    <dgm:pt modelId="{BC8EB1B5-29EA-4853-AE1C-2E5C4F7A1A06}">
-      <dgm:prSet/>
-      <dgm:spPr/>
-      <dgm:t>
-        <a:bodyPr/>
-        <a:lstStyle/>
-        <a:p>
-          <a:r>
-            <a:rPr lang="ru-RU" b="0" i="0" dirty="0"/>
-            <a:t>0.00</a:t>
-          </a:r>
-          <a:endParaRPr lang="ru-RU" dirty="0"/>
-        </a:p>
-      </dgm:t>
-    </dgm:pt>
-    <dgm:pt modelId="{C938A690-6DC2-4666-A53D-500EAA084346}" type="parTrans" cxnId="{C067B5C9-D724-4228-B460-0B227DA2A2CD}">
-      <dgm:prSet/>
-      <dgm:spPr/>
-      <dgm:t>
-        <a:bodyPr/>
-        <a:lstStyle/>
-        <a:p>
-          <a:endParaRPr lang="ru-RU"/>
-        </a:p>
-      </dgm:t>
-    </dgm:pt>
-    <dgm:pt modelId="{A3A74B33-FE77-4081-9A02-65EA74B66C71}" type="sibTrans" cxnId="{C067B5C9-D724-4228-B460-0B227DA2A2CD}">
-      <dgm:prSet/>
-      <dgm:spPr/>
-      <dgm:t>
-        <a:bodyPr/>
-        <a:lstStyle/>
-        <a:p>
-          <a:endParaRPr lang="ru-RU"/>
-        </a:p>
-      </dgm:t>
-    </dgm:pt>
-    <dgm:pt modelId="{7C21E7A5-92EB-4E4B-AA1C-F4F2A2515A89}">
-      <dgm:prSet/>
-      <dgm:spPr/>
-      <dgm:t>
-        <a:bodyPr/>
-        <a:lstStyle/>
-        <a:p>
-          <a:r>
-            <a:rPr lang="ru-RU" b="0" i="0" dirty="0"/>
-            <a:t>1 699 038 971.60</a:t>
-          </a:r>
-          <a:endParaRPr lang="ru-RU" dirty="0"/>
-        </a:p>
-      </dgm:t>
-    </dgm:pt>
-    <dgm:pt modelId="{ED9AA9D0-06AD-4543-9D28-18DBB20EB3D1}" type="parTrans" cxnId="{72802115-CC16-4208-B630-D63A23903442}">
-      <dgm:prSet/>
-      <dgm:spPr/>
-      <dgm:t>
-        <a:bodyPr/>
-        <a:lstStyle/>
-        <a:p>
-          <a:endParaRPr lang="ru-RU"/>
-        </a:p>
-      </dgm:t>
-    </dgm:pt>
-    <dgm:pt modelId="{41DA2627-B294-4EF8-B96B-1C2FCE5BEDEE}" type="sibTrans" cxnId="{72802115-CC16-4208-B630-D63A23903442}">
-      <dgm:prSet/>
-      <dgm:spPr/>
-      <dgm:t>
-        <a:bodyPr/>
-        <a:lstStyle/>
-        <a:p>
-          <a:endParaRPr lang="ru-RU"/>
-        </a:p>
-      </dgm:t>
-    </dgm:pt>
-    <dgm:pt modelId="{3FCBD66F-DBAE-4517-90C4-B432FC3CDEFD}">
-      <dgm:prSet/>
-      <dgm:spPr/>
-      <dgm:t>
-        <a:bodyPr/>
-        <a:lstStyle/>
-        <a:p>
-          <a:r>
-            <a:rPr lang="ru-RU" b="0" i="0" dirty="0"/>
-            <a:t>1 156 976 969.70</a:t>
-          </a:r>
-          <a:endParaRPr lang="ru-RU" dirty="0"/>
-        </a:p>
-      </dgm:t>
-    </dgm:pt>
-    <dgm:pt modelId="{FBAAB211-B608-4AF1-954B-E00CAB8850A7}" type="parTrans" cxnId="{379C60A6-5382-4B2F-8313-FFEDC7DC7011}">
-      <dgm:prSet/>
-      <dgm:spPr/>
-      <dgm:t>
-        <a:bodyPr/>
-        <a:lstStyle/>
-        <a:p>
-          <a:endParaRPr lang="ru-RU"/>
-        </a:p>
-      </dgm:t>
-    </dgm:pt>
-    <dgm:pt modelId="{8B965C24-5F53-4D47-A514-2AFE22A10A8E}" type="sibTrans" cxnId="{379C60A6-5382-4B2F-8313-FFEDC7DC7011}">
-      <dgm:prSet/>
-      <dgm:spPr/>
-      <dgm:t>
-        <a:bodyPr/>
-        <a:lstStyle/>
-        <a:p>
-          <a:endParaRPr lang="ru-RU"/>
-        </a:p>
-      </dgm:t>
-    </dgm:pt>
-    <dgm:pt modelId="{B62E1321-B675-4CF0-BB6F-0AC93702DB9A}">
-      <dgm:prSet/>
-      <dgm:spPr/>
-      <dgm:t>
-        <a:bodyPr/>
-        <a:lstStyle/>
-        <a:p>
-          <a:r>
-            <a:rPr lang="ru-RU" dirty="0"/>
-            <a:t>498 315 400.10</a:t>
-          </a:r>
-        </a:p>
-      </dgm:t>
-    </dgm:pt>
-    <dgm:pt modelId="{44B75AC9-1F4F-45D6-82A6-8BCB43CAADBC}" type="parTrans" cxnId="{764D41B1-E192-4076-B2AC-A33421377CB9}">
-      <dgm:prSet/>
-      <dgm:spPr/>
-      <dgm:t>
-        <a:bodyPr/>
-        <a:lstStyle/>
-        <a:p>
-          <a:endParaRPr lang="ru-RU"/>
-        </a:p>
-      </dgm:t>
-    </dgm:pt>
-    <dgm:pt modelId="{C15EFD6E-A61F-4C5B-B4E9-3411C948E595}" type="sibTrans" cxnId="{764D41B1-E192-4076-B2AC-A33421377CB9}">
-      <dgm:prSet/>
-      <dgm:spPr/>
-      <dgm:t>
-        <a:bodyPr/>
-        <a:lstStyle/>
-        <a:p>
-          <a:endParaRPr lang="ru-RU"/>
-        </a:p>
-      </dgm:t>
-    </dgm:pt>
-    <dgm:pt modelId="{A41693F4-2BC0-4CA5-ABDF-5137BFB41E8E}">
-      <dgm:prSet/>
-      <dgm:spPr/>
-      <dgm:t>
-        <a:bodyPr/>
-        <a:lstStyle/>
-        <a:p>
-          <a:r>
-            <a:rPr lang="ru-RU" b="0" i="0" dirty="0"/>
-            <a:t>881 325 641.50</a:t>
-          </a:r>
-          <a:endParaRPr lang="ru-RU" b="1" dirty="0"/>
-        </a:p>
-      </dgm:t>
-    </dgm:pt>
-    <dgm:pt modelId="{9522FFE9-0B98-4806-A531-6EDF97678A54}" type="parTrans" cxnId="{B2852DFE-FC29-444E-8C98-ED6616AFBC00}">
-      <dgm:prSet/>
-      <dgm:spPr/>
-      <dgm:t>
-        <a:bodyPr/>
-        <a:lstStyle/>
-        <a:p>
-          <a:endParaRPr lang="ru-RU"/>
-        </a:p>
-      </dgm:t>
-    </dgm:pt>
-    <dgm:pt modelId="{C7F7377B-143A-4341-9EDA-EF1554901501}" type="sibTrans" cxnId="{B2852DFE-FC29-444E-8C98-ED6616AFBC00}">
-      <dgm:prSet/>
-      <dgm:spPr/>
-      <dgm:t>
-        <a:bodyPr/>
-        <a:lstStyle/>
-        <a:p>
-          <a:endParaRPr lang="ru-RU"/>
-        </a:p>
-      </dgm:t>
-    </dgm:pt>
-    <dgm:pt modelId="{93E0A30F-FE21-4412-B6CD-D735E4F1B577}">
-      <dgm:prSet phldrT="[Текст]"/>
-      <dgm:spPr/>
-      <dgm:t>
-        <a:bodyPr/>
-        <a:lstStyle/>
-        <a:p>
-          <a:r>
-            <a:rPr lang="ru-RU" dirty="0"/>
-            <a:t>0.00</a:t>
-          </a:r>
-        </a:p>
-      </dgm:t>
-    </dgm:pt>
-    <dgm:pt modelId="{14FBC3F0-29DB-489D-AA52-CD75B81B193B}" type="parTrans" cxnId="{4B474C43-CF73-4AE4-9D54-8562CB1F4C02}">
-      <dgm:prSet/>
-      <dgm:spPr/>
-      <dgm:t>
-        <a:bodyPr/>
-        <a:lstStyle/>
-        <a:p>
-          <a:endParaRPr lang="ru-RU"/>
-        </a:p>
-      </dgm:t>
-    </dgm:pt>
-    <dgm:pt modelId="{F730778A-C563-4D21-BD72-12EE018C0F93}" type="sibTrans" cxnId="{4B474C43-CF73-4AE4-9D54-8562CB1F4C02}">
-      <dgm:prSet/>
-      <dgm:spPr/>
-      <dgm:t>
-        <a:bodyPr/>
-        <a:lstStyle/>
-        <a:p>
-          <a:endParaRPr lang="ru-RU"/>
-        </a:p>
-      </dgm:t>
-    </dgm:pt>
-    <dgm:pt modelId="{79AD422B-3D31-41AD-8475-14BE9A45FDD0}" type="pres">
-      <dgm:prSet presAssocID="{C25AE8B8-C1EF-4FD5-B094-3E142F0135DE}" presName="Name0" presStyleCnt="0">
-        <dgm:presLayoutVars>
-          <dgm:chPref val="1"/>
-          <dgm:dir/>
-          <dgm:animOne val="branch"/>
-          <dgm:animLvl val="lvl"/>
-          <dgm:resizeHandles/>
-        </dgm:presLayoutVars>
-      </dgm:prSet>
-      <dgm:spPr/>
-    </dgm:pt>
-    <dgm:pt modelId="{76D135BB-1C56-4A1A-9798-BC2A596D1E6B}" type="pres">
-      <dgm:prSet presAssocID="{6029E747-E79E-41F1-BC4F-A904AE6624A9}" presName="vertOne" presStyleCnt="0"/>
-      <dgm:spPr/>
-    </dgm:pt>
-    <dgm:pt modelId="{29989E57-F2D4-4CD0-95F2-FD4CD124835C}" type="pres">
-      <dgm:prSet presAssocID="{6029E747-E79E-41F1-BC4F-A904AE6624A9}" presName="txOne" presStyleLbl="node0" presStyleIdx="0" presStyleCnt="1">
-        <dgm:presLayoutVars>
-          <dgm:chPref val="3"/>
-        </dgm:presLayoutVars>
-      </dgm:prSet>
-      <dgm:spPr/>
-    </dgm:pt>
-    <dgm:pt modelId="{6624812E-4263-42B9-91F6-29FAE35B7696}" type="pres">
-      <dgm:prSet presAssocID="{6029E747-E79E-41F1-BC4F-A904AE6624A9}" presName="parTransOne" presStyleCnt="0"/>
-      <dgm:spPr/>
-    </dgm:pt>
-    <dgm:pt modelId="{49F8804B-3AA5-4F3D-93E6-040994DFAD46}" type="pres">
-      <dgm:prSet presAssocID="{6029E747-E79E-41F1-BC4F-A904AE6624A9}" presName="horzOne" presStyleCnt="0"/>
-      <dgm:spPr/>
-    </dgm:pt>
-    <dgm:pt modelId="{7B583E6A-7C09-4ED3-ABCE-538FEAA65963}" type="pres">
-      <dgm:prSet presAssocID="{2AF75D11-A13C-4CAC-A803-3336148E2E24}" presName="vertTwo" presStyleCnt="0"/>
-      <dgm:spPr/>
-    </dgm:pt>
-    <dgm:pt modelId="{46B7B4C1-E558-4DB6-94F9-F193A394257E}" type="pres">
-      <dgm:prSet presAssocID="{2AF75D11-A13C-4CAC-A803-3336148E2E24}" presName="txTwo" presStyleLbl="node2" presStyleIdx="0" presStyleCnt="5">
-        <dgm:presLayoutVars>
-          <dgm:chPref val="3"/>
-        </dgm:presLayoutVars>
-      </dgm:prSet>
-      <dgm:spPr/>
-    </dgm:pt>
-    <dgm:pt modelId="{E36C4A27-C961-44F9-9FE5-4AB46BF05FD9}" type="pres">
-      <dgm:prSet presAssocID="{2AF75D11-A13C-4CAC-A803-3336148E2E24}" presName="parTransTwo" presStyleCnt="0"/>
-      <dgm:spPr/>
-    </dgm:pt>
-    <dgm:pt modelId="{067A5232-64CA-4496-AB8A-3FD670F3D98C}" type="pres">
-      <dgm:prSet presAssocID="{2AF75D11-A13C-4CAC-A803-3336148E2E24}" presName="horzTwo" presStyleCnt="0"/>
-      <dgm:spPr/>
-    </dgm:pt>
-    <dgm:pt modelId="{3155C9F2-78AD-4D6B-AD76-9F8569D8BE1E}" type="pres">
-      <dgm:prSet presAssocID="{F93E4D40-9615-4AE8-9B27-3BE610152426}" presName="vertThree" presStyleCnt="0"/>
-      <dgm:spPr/>
-    </dgm:pt>
-    <dgm:pt modelId="{E773BF7A-B27F-4404-BE50-6ED58783747C}" type="pres">
-      <dgm:prSet presAssocID="{F93E4D40-9615-4AE8-9B27-3BE610152426}" presName="txThree" presStyleLbl="node3" presStyleIdx="0" presStyleCnt="5">
-        <dgm:presLayoutVars>
-          <dgm:chPref val="3"/>
-        </dgm:presLayoutVars>
-      </dgm:prSet>
-      <dgm:spPr/>
-    </dgm:pt>
-    <dgm:pt modelId="{C9291AF8-DABC-4053-96BC-DA654B1634E2}" type="pres">
-      <dgm:prSet presAssocID="{F93E4D40-9615-4AE8-9B27-3BE610152426}" presName="parTransThree" presStyleCnt="0"/>
-      <dgm:spPr/>
-    </dgm:pt>
-    <dgm:pt modelId="{7D641C16-18B7-49A4-A56A-9E50EA0B2932}" type="pres">
-      <dgm:prSet presAssocID="{F93E4D40-9615-4AE8-9B27-3BE610152426}" presName="horzThree" presStyleCnt="0"/>
-      <dgm:spPr/>
-    </dgm:pt>
-    <dgm:pt modelId="{3FCE43E3-2473-4CDC-BBF3-1093D299B6ED}" type="pres">
-      <dgm:prSet presAssocID="{A9C9ADF2-D2C5-4CD5-AA99-BE01E210EDE5}" presName="vertFour" presStyleCnt="0">
-        <dgm:presLayoutVars>
-          <dgm:chPref val="3"/>
-        </dgm:presLayoutVars>
-      </dgm:prSet>
-      <dgm:spPr/>
-    </dgm:pt>
-    <dgm:pt modelId="{6B60D248-28E2-408F-9D50-F9D8B3F35865}" type="pres">
-      <dgm:prSet presAssocID="{A9C9ADF2-D2C5-4CD5-AA99-BE01E210EDE5}" presName="txFour" presStyleLbl="node4" presStyleIdx="0" presStyleCnt="20">
-        <dgm:presLayoutVars>
-          <dgm:chPref val="3"/>
-        </dgm:presLayoutVars>
-      </dgm:prSet>
-      <dgm:spPr/>
-    </dgm:pt>
-    <dgm:pt modelId="{0AB67436-D180-4BF0-A4C3-9A465CFE8CA3}" type="pres">
-      <dgm:prSet presAssocID="{A9C9ADF2-D2C5-4CD5-AA99-BE01E210EDE5}" presName="parTransFour" presStyleCnt="0"/>
-      <dgm:spPr/>
-    </dgm:pt>
-    <dgm:pt modelId="{8084AF09-F2A7-4CDE-B790-E061B688F04D}" type="pres">
-      <dgm:prSet presAssocID="{A9C9ADF2-D2C5-4CD5-AA99-BE01E210EDE5}" presName="horzFour" presStyleCnt="0"/>
-      <dgm:spPr/>
-    </dgm:pt>
-    <dgm:pt modelId="{6D57D8F8-56BD-48BB-BF60-A358D1907352}" type="pres">
-      <dgm:prSet presAssocID="{5B169870-4F2A-4B73-B6F5-961C6ECCC206}" presName="vertFour" presStyleCnt="0">
-        <dgm:presLayoutVars>
-          <dgm:chPref val="3"/>
-        </dgm:presLayoutVars>
-      </dgm:prSet>
-      <dgm:spPr/>
-    </dgm:pt>
-    <dgm:pt modelId="{13C833BC-6791-4E3A-8A54-643B3842E3DD}" type="pres">
-      <dgm:prSet presAssocID="{5B169870-4F2A-4B73-B6F5-961C6ECCC206}" presName="txFour" presStyleLbl="node4" presStyleIdx="1" presStyleCnt="20">
-        <dgm:presLayoutVars>
-          <dgm:chPref val="3"/>
-        </dgm:presLayoutVars>
-      </dgm:prSet>
-      <dgm:spPr/>
-    </dgm:pt>
-    <dgm:pt modelId="{D2D56FF6-4DC9-46C6-93DD-B2101C5DEE24}" type="pres">
-      <dgm:prSet presAssocID="{5B169870-4F2A-4B73-B6F5-961C6ECCC206}" presName="parTransFour" presStyleCnt="0"/>
-      <dgm:spPr/>
-    </dgm:pt>
-    <dgm:pt modelId="{C1C46F07-CEA9-4CDC-9A6D-DE70BC9D4BCD}" type="pres">
-      <dgm:prSet presAssocID="{5B169870-4F2A-4B73-B6F5-961C6ECCC206}" presName="horzFour" presStyleCnt="0"/>
-      <dgm:spPr/>
-    </dgm:pt>
-    <dgm:pt modelId="{C81EB42E-B51B-44F6-9D43-944EFE114217}" type="pres">
-      <dgm:prSet presAssocID="{F48EC3EE-E11A-4161-BD56-17561280AA79}" presName="vertFour" presStyleCnt="0">
-        <dgm:presLayoutVars>
-          <dgm:chPref val="3"/>
-        </dgm:presLayoutVars>
-      </dgm:prSet>
-      <dgm:spPr/>
-    </dgm:pt>
-    <dgm:pt modelId="{D654B529-46DC-406E-AA14-BB73C7048668}" type="pres">
-      <dgm:prSet presAssocID="{F48EC3EE-E11A-4161-BD56-17561280AA79}" presName="txFour" presStyleLbl="node4" presStyleIdx="2" presStyleCnt="20">
-        <dgm:presLayoutVars>
-          <dgm:chPref val="3"/>
-        </dgm:presLayoutVars>
-      </dgm:prSet>
-      <dgm:spPr/>
-    </dgm:pt>
-    <dgm:pt modelId="{02BB5FFA-263F-4D1A-A424-8572E21DDFC3}" type="pres">
-      <dgm:prSet presAssocID="{F48EC3EE-E11A-4161-BD56-17561280AA79}" presName="parTransFour" presStyleCnt="0"/>
-      <dgm:spPr/>
-    </dgm:pt>
-    <dgm:pt modelId="{86F3EB61-F279-4BA2-A536-A22A7BE89C1F}" type="pres">
-      <dgm:prSet presAssocID="{F48EC3EE-E11A-4161-BD56-17561280AA79}" presName="horzFour" presStyleCnt="0"/>
-      <dgm:spPr/>
-    </dgm:pt>
-    <dgm:pt modelId="{F647FC8D-D2E0-4184-BA33-66B71820A32D}" type="pres">
-      <dgm:prSet presAssocID="{B3E6594C-8619-432E-8A0C-C8BF1D2598A5}" presName="vertFour" presStyleCnt="0">
-        <dgm:presLayoutVars>
-          <dgm:chPref val="3"/>
-        </dgm:presLayoutVars>
-      </dgm:prSet>
-      <dgm:spPr/>
-    </dgm:pt>
-    <dgm:pt modelId="{2744BA1D-C254-4BD0-AE4B-5731F1061863}" type="pres">
-      <dgm:prSet presAssocID="{B3E6594C-8619-432E-8A0C-C8BF1D2598A5}" presName="txFour" presStyleLbl="node4" presStyleIdx="3" presStyleCnt="20">
-        <dgm:presLayoutVars>
-          <dgm:chPref val="3"/>
-        </dgm:presLayoutVars>
-      </dgm:prSet>
-      <dgm:spPr/>
-    </dgm:pt>
-    <dgm:pt modelId="{DE41CCC3-604B-40C6-AC1F-B2003D605B27}" type="pres">
-      <dgm:prSet presAssocID="{B3E6594C-8619-432E-8A0C-C8BF1D2598A5}" presName="horzFour" presStyleCnt="0"/>
-      <dgm:spPr/>
-    </dgm:pt>
-    <dgm:pt modelId="{FE4F7BC8-916F-439F-999A-5BB142611E18}" type="pres">
-      <dgm:prSet presAssocID="{081978E0-7070-48D3-AC68-24A3FC2CA7D6}" presName="sibSpaceTwo" presStyleCnt="0"/>
-      <dgm:spPr/>
-    </dgm:pt>
-    <dgm:pt modelId="{2CE56EC3-B18A-4F97-A127-F2C7F4C19726}" type="pres">
-      <dgm:prSet presAssocID="{61130802-9F29-4DCF-9BFE-E0B3D9E4F978}" presName="vertTwo" presStyleCnt="0"/>
-      <dgm:spPr/>
-    </dgm:pt>
-    <dgm:pt modelId="{B3DFDA44-2421-4A39-86D3-380C1A6CADF3}" type="pres">
-      <dgm:prSet presAssocID="{61130802-9F29-4DCF-9BFE-E0B3D9E4F978}" presName="txTwo" presStyleLbl="node2" presStyleIdx="1" presStyleCnt="5" custLinFactNeighborX="-2100">
-        <dgm:presLayoutVars>
-          <dgm:chPref val="3"/>
-        </dgm:presLayoutVars>
-      </dgm:prSet>
-      <dgm:spPr/>
-    </dgm:pt>
-    <dgm:pt modelId="{20D58240-A0FE-4A18-822F-5C086A839F7A}" type="pres">
-      <dgm:prSet presAssocID="{61130802-9F29-4DCF-9BFE-E0B3D9E4F978}" presName="parTransTwo" presStyleCnt="0"/>
-      <dgm:spPr/>
-    </dgm:pt>
-    <dgm:pt modelId="{2C0853DD-8960-401C-97D5-DB46B126DFEF}" type="pres">
-      <dgm:prSet presAssocID="{61130802-9F29-4DCF-9BFE-E0B3D9E4F978}" presName="horzTwo" presStyleCnt="0"/>
-      <dgm:spPr/>
-    </dgm:pt>
-    <dgm:pt modelId="{2A20A4BA-5F8F-4682-AFFC-F09E582EBE16}" type="pres">
-      <dgm:prSet presAssocID="{A0C2BDAB-D372-4FBE-BAB3-E25C2E161DAC}" presName="vertThree" presStyleCnt="0"/>
-      <dgm:spPr/>
-    </dgm:pt>
-    <dgm:pt modelId="{8B856E65-DF81-462D-B59A-37F7FA5E82F1}" type="pres">
-      <dgm:prSet presAssocID="{A0C2BDAB-D372-4FBE-BAB3-E25C2E161DAC}" presName="txThree" presStyleLbl="node3" presStyleIdx="1" presStyleCnt="5">
-        <dgm:presLayoutVars>
-          <dgm:chPref val="3"/>
-        </dgm:presLayoutVars>
-      </dgm:prSet>
-      <dgm:spPr/>
-    </dgm:pt>
-    <dgm:pt modelId="{0A98C1F6-5408-4601-B0D2-256E1BE81162}" type="pres">
-      <dgm:prSet presAssocID="{A0C2BDAB-D372-4FBE-BAB3-E25C2E161DAC}" presName="parTransThree" presStyleCnt="0"/>
-      <dgm:spPr/>
-    </dgm:pt>
-    <dgm:pt modelId="{34B5ABAA-550C-47A2-B00B-88F7EC222255}" type="pres">
-      <dgm:prSet presAssocID="{A0C2BDAB-D372-4FBE-BAB3-E25C2E161DAC}" presName="horzThree" presStyleCnt="0"/>
-      <dgm:spPr/>
-    </dgm:pt>
-    <dgm:pt modelId="{465E2E1A-11E1-4B44-BE29-28F83CB695AA}" type="pres">
-      <dgm:prSet presAssocID="{EE9AF67C-C08D-4549-B67D-A52B58E8D5D0}" presName="vertFour" presStyleCnt="0">
-        <dgm:presLayoutVars>
-          <dgm:chPref val="3"/>
-        </dgm:presLayoutVars>
-      </dgm:prSet>
-      <dgm:spPr/>
-    </dgm:pt>
-    <dgm:pt modelId="{29C3E3D1-5460-4D8F-8654-3AEAA23C1D9B}" type="pres">
-      <dgm:prSet presAssocID="{EE9AF67C-C08D-4549-B67D-A52B58E8D5D0}" presName="txFour" presStyleLbl="node4" presStyleIdx="4" presStyleCnt="20">
-        <dgm:presLayoutVars>
-          <dgm:chPref val="3"/>
-        </dgm:presLayoutVars>
-      </dgm:prSet>
-      <dgm:spPr/>
-    </dgm:pt>
-    <dgm:pt modelId="{0D674995-1CF9-4102-B1E6-CBA947DC3A53}" type="pres">
-      <dgm:prSet presAssocID="{EE9AF67C-C08D-4549-B67D-A52B58E8D5D0}" presName="parTransFour" presStyleCnt="0"/>
-      <dgm:spPr/>
-    </dgm:pt>
-    <dgm:pt modelId="{2CC9DFC4-BF1B-460B-B022-B9D852F6FAB7}" type="pres">
-      <dgm:prSet presAssocID="{EE9AF67C-C08D-4549-B67D-A52B58E8D5D0}" presName="horzFour" presStyleCnt="0"/>
-      <dgm:spPr/>
-    </dgm:pt>
-    <dgm:pt modelId="{1417C4EA-3569-46C6-A106-5C9F4F4F702C}" type="pres">
-      <dgm:prSet presAssocID="{CD73C218-5B5C-401F-8AC2-89C81DEF21F4}" presName="vertFour" presStyleCnt="0">
-        <dgm:presLayoutVars>
-          <dgm:chPref val="3"/>
-        </dgm:presLayoutVars>
-      </dgm:prSet>
-      <dgm:spPr/>
-    </dgm:pt>
-    <dgm:pt modelId="{0AEF6763-F547-4D77-8C2E-F44A30E10B86}" type="pres">
-      <dgm:prSet presAssocID="{CD73C218-5B5C-401F-8AC2-89C81DEF21F4}" presName="txFour" presStyleLbl="node4" presStyleIdx="5" presStyleCnt="20">
-        <dgm:presLayoutVars>
-          <dgm:chPref val="3"/>
-        </dgm:presLayoutVars>
-      </dgm:prSet>
-      <dgm:spPr/>
-    </dgm:pt>
-    <dgm:pt modelId="{9F42D1E4-BBA7-4955-B1E2-C22C0E778DAB}" type="pres">
-      <dgm:prSet presAssocID="{CD73C218-5B5C-401F-8AC2-89C81DEF21F4}" presName="parTransFour" presStyleCnt="0"/>
-      <dgm:spPr/>
-    </dgm:pt>
-    <dgm:pt modelId="{C3441196-FBC5-4AA4-8EF2-07A2E6A317EC}" type="pres">
-      <dgm:prSet presAssocID="{CD73C218-5B5C-401F-8AC2-89C81DEF21F4}" presName="horzFour" presStyleCnt="0"/>
-      <dgm:spPr/>
-    </dgm:pt>
-    <dgm:pt modelId="{4407292F-1791-40A6-A3EA-CCEF42C59E73}" type="pres">
-      <dgm:prSet presAssocID="{93D4226E-CB56-4A99-8A7E-0697154C12CC}" presName="vertFour" presStyleCnt="0">
-        <dgm:presLayoutVars>
-          <dgm:chPref val="3"/>
-        </dgm:presLayoutVars>
-      </dgm:prSet>
-      <dgm:spPr/>
-    </dgm:pt>
-    <dgm:pt modelId="{A7D9DB31-96BA-413A-8449-6BA30468EE1A}" type="pres">
-      <dgm:prSet presAssocID="{93D4226E-CB56-4A99-8A7E-0697154C12CC}" presName="txFour" presStyleLbl="node4" presStyleIdx="6" presStyleCnt="20">
-        <dgm:presLayoutVars>
-          <dgm:chPref val="3"/>
-        </dgm:presLayoutVars>
-      </dgm:prSet>
-      <dgm:spPr/>
-    </dgm:pt>
-    <dgm:pt modelId="{5C1DB90D-3209-4F08-8112-83BD3736DC88}" type="pres">
-      <dgm:prSet presAssocID="{93D4226E-CB56-4A99-8A7E-0697154C12CC}" presName="parTransFour" presStyleCnt="0"/>
-      <dgm:spPr/>
-    </dgm:pt>
-    <dgm:pt modelId="{4803891A-7B7F-497A-B836-1BA7BB44E027}" type="pres">
-      <dgm:prSet presAssocID="{93D4226E-CB56-4A99-8A7E-0697154C12CC}" presName="horzFour" presStyleCnt="0"/>
-      <dgm:spPr/>
-    </dgm:pt>
-    <dgm:pt modelId="{5D09FA67-60BF-4705-8B73-AAA4BE60B2E8}" type="pres">
-      <dgm:prSet presAssocID="{93E0A30F-FE21-4412-B6CD-D735E4F1B577}" presName="vertFour" presStyleCnt="0">
-        <dgm:presLayoutVars>
-          <dgm:chPref val="3"/>
-        </dgm:presLayoutVars>
-      </dgm:prSet>
-      <dgm:spPr/>
-    </dgm:pt>
-    <dgm:pt modelId="{AB0191D1-C35A-4AEB-9783-00047E5A0870}" type="pres">
-      <dgm:prSet presAssocID="{93E0A30F-FE21-4412-B6CD-D735E4F1B577}" presName="txFour" presStyleLbl="node4" presStyleIdx="7" presStyleCnt="20">
-        <dgm:presLayoutVars>
-          <dgm:chPref val="3"/>
-        </dgm:presLayoutVars>
-      </dgm:prSet>
-      <dgm:spPr/>
-    </dgm:pt>
-    <dgm:pt modelId="{B57B9D80-8614-4A95-AFC9-7ECA3F1AE3A3}" type="pres">
-      <dgm:prSet presAssocID="{93E0A30F-FE21-4412-B6CD-D735E4F1B577}" presName="horzFour" presStyleCnt="0"/>
-      <dgm:spPr/>
-    </dgm:pt>
-    <dgm:pt modelId="{76457C28-FF24-4610-A23C-6D62E88CE5C2}" type="pres">
-      <dgm:prSet presAssocID="{CEB8EBBF-7A8B-42FC-A51D-39E725660244}" presName="sibSpaceTwo" presStyleCnt="0"/>
-      <dgm:spPr/>
-    </dgm:pt>
-    <dgm:pt modelId="{C1B3B516-E0C1-4D7D-9C48-4EE2C363E495}" type="pres">
-      <dgm:prSet presAssocID="{F2209B63-8ACB-4FB6-80BB-E566B25AFA92}" presName="vertTwo" presStyleCnt="0"/>
-      <dgm:spPr/>
-    </dgm:pt>
-    <dgm:pt modelId="{1927C057-4BDF-4FFC-8490-B0DB29B2345D}" type="pres">
-      <dgm:prSet presAssocID="{F2209B63-8ACB-4FB6-80BB-E566B25AFA92}" presName="txTwo" presStyleLbl="node2" presStyleIdx="2" presStyleCnt="5">
-        <dgm:presLayoutVars>
-          <dgm:chPref val="3"/>
-        </dgm:presLayoutVars>
-      </dgm:prSet>
-      <dgm:spPr/>
-    </dgm:pt>
-    <dgm:pt modelId="{E0960E5F-855D-473C-BD5E-4F38AD745426}" type="pres">
-      <dgm:prSet presAssocID="{F2209B63-8ACB-4FB6-80BB-E566B25AFA92}" presName="parTransTwo" presStyleCnt="0"/>
-      <dgm:spPr/>
-    </dgm:pt>
-    <dgm:pt modelId="{70F0FCE0-CE2D-4420-A5A0-BB128FBCCC57}" type="pres">
-      <dgm:prSet presAssocID="{F2209B63-8ACB-4FB6-80BB-E566B25AFA92}" presName="horzTwo" presStyleCnt="0"/>
-      <dgm:spPr/>
-    </dgm:pt>
-    <dgm:pt modelId="{39480C55-4C6C-469D-8FD4-E89576E8B6A1}" type="pres">
-      <dgm:prSet presAssocID="{8DC4994F-EC0F-4085-8D37-D8E175740B89}" presName="vertThree" presStyleCnt="0"/>
-      <dgm:spPr/>
-    </dgm:pt>
-    <dgm:pt modelId="{9B8056F4-04FA-4458-BC18-9B08A731BB18}" type="pres">
-      <dgm:prSet presAssocID="{8DC4994F-EC0F-4085-8D37-D8E175740B89}" presName="txThree" presStyleLbl="node3" presStyleIdx="2" presStyleCnt="5">
-        <dgm:presLayoutVars>
-          <dgm:chPref val="3"/>
-        </dgm:presLayoutVars>
-      </dgm:prSet>
-      <dgm:spPr/>
-    </dgm:pt>
-    <dgm:pt modelId="{1C04E401-922C-41A4-A0C8-67656561C77A}" type="pres">
-      <dgm:prSet presAssocID="{8DC4994F-EC0F-4085-8D37-D8E175740B89}" presName="parTransThree" presStyleCnt="0"/>
-      <dgm:spPr/>
-    </dgm:pt>
-    <dgm:pt modelId="{E8C00B2A-8EAC-43C3-8F62-85639E3215BA}" type="pres">
-      <dgm:prSet presAssocID="{8DC4994F-EC0F-4085-8D37-D8E175740B89}" presName="horzThree" presStyleCnt="0"/>
-      <dgm:spPr/>
-    </dgm:pt>
-    <dgm:pt modelId="{FEB6EEA0-9AF1-45C0-8247-71B4DC2590E9}" type="pres">
-      <dgm:prSet presAssocID="{03811063-F834-44FB-B5A6-8CFA4C001233}" presName="vertFour" presStyleCnt="0">
-        <dgm:presLayoutVars>
-          <dgm:chPref val="3"/>
-        </dgm:presLayoutVars>
-      </dgm:prSet>
-      <dgm:spPr/>
-    </dgm:pt>
-    <dgm:pt modelId="{63759AB5-4626-4C5C-A2C2-3BB8AF674098}" type="pres">
-      <dgm:prSet presAssocID="{03811063-F834-44FB-B5A6-8CFA4C001233}" presName="txFour" presStyleLbl="node4" presStyleIdx="8" presStyleCnt="20">
-        <dgm:presLayoutVars>
-          <dgm:chPref val="3"/>
-        </dgm:presLayoutVars>
-      </dgm:prSet>
-      <dgm:spPr/>
-    </dgm:pt>
-    <dgm:pt modelId="{04B4341E-650B-4345-BB52-A60EEC05CCE8}" type="pres">
-      <dgm:prSet presAssocID="{03811063-F834-44FB-B5A6-8CFA4C001233}" presName="parTransFour" presStyleCnt="0"/>
-      <dgm:spPr/>
-    </dgm:pt>
-    <dgm:pt modelId="{764B6223-2DB5-4FCB-8E00-818BDEDE8202}" type="pres">
-      <dgm:prSet presAssocID="{03811063-F834-44FB-B5A6-8CFA4C001233}" presName="horzFour" presStyleCnt="0"/>
-      <dgm:spPr/>
-    </dgm:pt>
-    <dgm:pt modelId="{57F79198-4440-4F9C-B53B-B418EABCF2BA}" type="pres">
-      <dgm:prSet presAssocID="{9E1DD50D-AA74-4F3B-9AA0-340A01D34D5D}" presName="vertFour" presStyleCnt="0">
-        <dgm:presLayoutVars>
-          <dgm:chPref val="3"/>
-        </dgm:presLayoutVars>
-      </dgm:prSet>
-      <dgm:spPr/>
-    </dgm:pt>
-    <dgm:pt modelId="{3FD6816B-A9F6-4ADD-A3D3-A4EBA1A9D8A6}" type="pres">
-      <dgm:prSet presAssocID="{9E1DD50D-AA74-4F3B-9AA0-340A01D34D5D}" presName="txFour" presStyleLbl="node4" presStyleIdx="9" presStyleCnt="20">
-        <dgm:presLayoutVars>
-          <dgm:chPref val="3"/>
-        </dgm:presLayoutVars>
-      </dgm:prSet>
-      <dgm:spPr/>
-    </dgm:pt>
-    <dgm:pt modelId="{D06C14B3-427C-4B1F-9FF2-1D8FF42D7E1E}" type="pres">
-      <dgm:prSet presAssocID="{9E1DD50D-AA74-4F3B-9AA0-340A01D34D5D}" presName="parTransFour" presStyleCnt="0"/>
-      <dgm:spPr/>
-    </dgm:pt>
-    <dgm:pt modelId="{8D350881-435F-44DF-9D64-184326EA3A35}" type="pres">
-      <dgm:prSet presAssocID="{9E1DD50D-AA74-4F3B-9AA0-340A01D34D5D}" presName="horzFour" presStyleCnt="0"/>
-      <dgm:spPr/>
-    </dgm:pt>
-    <dgm:pt modelId="{94786DC6-A724-4F9B-B97B-5F7067703F67}" type="pres">
-      <dgm:prSet presAssocID="{2C57E09F-B4D0-4E2C-A11B-7118B0E3F709}" presName="vertFour" presStyleCnt="0">
-        <dgm:presLayoutVars>
-          <dgm:chPref val="3"/>
-        </dgm:presLayoutVars>
-      </dgm:prSet>
-      <dgm:spPr/>
-    </dgm:pt>
-    <dgm:pt modelId="{B88160A1-39C9-4117-B438-8E3A0B0E6ABB}" type="pres">
-      <dgm:prSet presAssocID="{2C57E09F-B4D0-4E2C-A11B-7118B0E3F709}" presName="txFour" presStyleLbl="node4" presStyleIdx="10" presStyleCnt="20">
-        <dgm:presLayoutVars>
-          <dgm:chPref val="3"/>
-        </dgm:presLayoutVars>
-      </dgm:prSet>
-      <dgm:spPr/>
-    </dgm:pt>
-    <dgm:pt modelId="{99C4B06F-51E4-40B5-A873-1A9D53734666}" type="pres">
-      <dgm:prSet presAssocID="{2C57E09F-B4D0-4E2C-A11B-7118B0E3F709}" presName="parTransFour" presStyleCnt="0"/>
-      <dgm:spPr/>
-    </dgm:pt>
-    <dgm:pt modelId="{0F2BB16D-CA6E-4B15-8E89-F1921D11B9A8}" type="pres">
-      <dgm:prSet presAssocID="{2C57E09F-B4D0-4E2C-A11B-7118B0E3F709}" presName="horzFour" presStyleCnt="0"/>
-      <dgm:spPr/>
-    </dgm:pt>
-    <dgm:pt modelId="{B202845E-306D-4181-9160-09C9D833C25F}" type="pres">
-      <dgm:prSet presAssocID="{5B80384D-4864-4EEA-9B45-C6EAA570EDF1}" presName="vertFour" presStyleCnt="0">
-        <dgm:presLayoutVars>
-          <dgm:chPref val="3"/>
-        </dgm:presLayoutVars>
-      </dgm:prSet>
-      <dgm:spPr/>
-    </dgm:pt>
-    <dgm:pt modelId="{86BF23C2-57E7-4B41-8151-BD259C190AFB}" type="pres">
-      <dgm:prSet presAssocID="{5B80384D-4864-4EEA-9B45-C6EAA570EDF1}" presName="txFour" presStyleLbl="node4" presStyleIdx="11" presStyleCnt="20">
-        <dgm:presLayoutVars>
-          <dgm:chPref val="3"/>
-        </dgm:presLayoutVars>
-      </dgm:prSet>
-      <dgm:spPr/>
-    </dgm:pt>
-    <dgm:pt modelId="{1B720702-3350-4EA0-8817-394C26378872}" type="pres">
-      <dgm:prSet presAssocID="{5B80384D-4864-4EEA-9B45-C6EAA570EDF1}" presName="horzFour" presStyleCnt="0"/>
-      <dgm:spPr/>
-    </dgm:pt>
-    <dgm:pt modelId="{5E97E477-91E4-4F8C-B8BD-5D6DC6C13CC6}" type="pres">
-      <dgm:prSet presAssocID="{F7C8EE21-F766-4E77-94F8-094BAE9C1A39}" presName="sibSpaceTwo" presStyleCnt="0"/>
-      <dgm:spPr/>
-    </dgm:pt>
-    <dgm:pt modelId="{0402AAD9-7C0B-4E39-B3E6-B903DC606A88}" type="pres">
-      <dgm:prSet presAssocID="{1515B8F2-E151-4135-AA3E-999C25905EFB}" presName="vertTwo" presStyleCnt="0"/>
-      <dgm:spPr/>
-    </dgm:pt>
-    <dgm:pt modelId="{4083C545-84E2-41E1-9697-262303AF2914}" type="pres">
-      <dgm:prSet presAssocID="{1515B8F2-E151-4135-AA3E-999C25905EFB}" presName="txTwo" presStyleLbl="node2" presStyleIdx="3" presStyleCnt="5">
-        <dgm:presLayoutVars>
-          <dgm:chPref val="3"/>
-        </dgm:presLayoutVars>
-      </dgm:prSet>
-      <dgm:spPr/>
-    </dgm:pt>
-    <dgm:pt modelId="{F5AB0F63-773A-408C-8E80-1AE771A9086B}" type="pres">
-      <dgm:prSet presAssocID="{1515B8F2-E151-4135-AA3E-999C25905EFB}" presName="parTransTwo" presStyleCnt="0"/>
-      <dgm:spPr/>
-    </dgm:pt>
-    <dgm:pt modelId="{DD396836-46CE-4A28-8559-7C3AE084D0E4}" type="pres">
-      <dgm:prSet presAssocID="{1515B8F2-E151-4135-AA3E-999C25905EFB}" presName="horzTwo" presStyleCnt="0"/>
-      <dgm:spPr/>
-    </dgm:pt>
-    <dgm:pt modelId="{08BFD73D-A2B1-49BA-9EAD-88041F9C8466}" type="pres">
-      <dgm:prSet presAssocID="{BD08B172-6F27-4119-B6B8-D8D3DE80261E}" presName="vertThree" presStyleCnt="0"/>
-      <dgm:spPr/>
-    </dgm:pt>
-    <dgm:pt modelId="{0BB4DB3E-2FED-42EF-9A37-638AC0E17E44}" type="pres">
-      <dgm:prSet presAssocID="{BD08B172-6F27-4119-B6B8-D8D3DE80261E}" presName="txThree" presStyleLbl="node3" presStyleIdx="3" presStyleCnt="5">
-        <dgm:presLayoutVars>
-          <dgm:chPref val="3"/>
-        </dgm:presLayoutVars>
-      </dgm:prSet>
-      <dgm:spPr/>
-    </dgm:pt>
-    <dgm:pt modelId="{B0BB2A6A-7449-4429-919C-43FC2C7FA33E}" type="pres">
-      <dgm:prSet presAssocID="{BD08B172-6F27-4119-B6B8-D8D3DE80261E}" presName="parTransThree" presStyleCnt="0"/>
-      <dgm:spPr/>
-    </dgm:pt>
-    <dgm:pt modelId="{9633C919-1C8A-4F85-8F05-C26AE2A2F354}" type="pres">
-      <dgm:prSet presAssocID="{BD08B172-6F27-4119-B6B8-D8D3DE80261E}" presName="horzThree" presStyleCnt="0"/>
-      <dgm:spPr/>
-    </dgm:pt>
-    <dgm:pt modelId="{49B72E7F-ECE2-4FAD-8A3E-08DF8CE7A6EA}" type="pres">
-      <dgm:prSet presAssocID="{57DB0169-8FA5-4970-B172-A7857AAF90DB}" presName="vertFour" presStyleCnt="0">
-        <dgm:presLayoutVars>
-          <dgm:chPref val="3"/>
-        </dgm:presLayoutVars>
-      </dgm:prSet>
-      <dgm:spPr/>
-    </dgm:pt>
-    <dgm:pt modelId="{A16E967B-CB65-455E-A8CD-C330DB8F85A2}" type="pres">
-      <dgm:prSet presAssocID="{57DB0169-8FA5-4970-B172-A7857AAF90DB}" presName="txFour" presStyleLbl="node4" presStyleIdx="12" presStyleCnt="20">
-        <dgm:presLayoutVars>
-          <dgm:chPref val="3"/>
-        </dgm:presLayoutVars>
-      </dgm:prSet>
-      <dgm:spPr/>
-    </dgm:pt>
-    <dgm:pt modelId="{397BBF98-DEFE-48A6-A59F-3FB3D7429175}" type="pres">
-      <dgm:prSet presAssocID="{57DB0169-8FA5-4970-B172-A7857AAF90DB}" presName="parTransFour" presStyleCnt="0"/>
-      <dgm:spPr/>
-    </dgm:pt>
-    <dgm:pt modelId="{7086193B-9F36-4F1A-B46D-DB5D8054C2AC}" type="pres">
-      <dgm:prSet presAssocID="{57DB0169-8FA5-4970-B172-A7857AAF90DB}" presName="horzFour" presStyleCnt="0"/>
-      <dgm:spPr/>
-    </dgm:pt>
-    <dgm:pt modelId="{B4369E47-6EF2-4E71-805D-5721254882BF}" type="pres">
-      <dgm:prSet presAssocID="{88A3DFE8-2378-4DF7-A4BB-1838557E5DBD}" presName="vertFour" presStyleCnt="0">
-        <dgm:presLayoutVars>
-          <dgm:chPref val="3"/>
-        </dgm:presLayoutVars>
-      </dgm:prSet>
-      <dgm:spPr/>
-    </dgm:pt>
-    <dgm:pt modelId="{BEF7F6C7-3297-4A38-BCC6-594DC3927494}" type="pres">
-      <dgm:prSet presAssocID="{88A3DFE8-2378-4DF7-A4BB-1838557E5DBD}" presName="txFour" presStyleLbl="node4" presStyleIdx="13" presStyleCnt="20">
-        <dgm:presLayoutVars>
-          <dgm:chPref val="3"/>
-        </dgm:presLayoutVars>
-      </dgm:prSet>
-      <dgm:spPr/>
-    </dgm:pt>
-    <dgm:pt modelId="{0E07769F-8322-401B-8CC4-5D7FE081F1BF}" type="pres">
-      <dgm:prSet presAssocID="{88A3DFE8-2378-4DF7-A4BB-1838557E5DBD}" presName="parTransFour" presStyleCnt="0"/>
-      <dgm:spPr/>
-    </dgm:pt>
-    <dgm:pt modelId="{BCD05577-408E-43FB-AD70-B07D9768C732}" type="pres">
-      <dgm:prSet presAssocID="{88A3DFE8-2378-4DF7-A4BB-1838557E5DBD}" presName="horzFour" presStyleCnt="0"/>
-      <dgm:spPr/>
-    </dgm:pt>
-    <dgm:pt modelId="{970DF457-36EE-45E6-B495-CF9ED80526A2}" type="pres">
-      <dgm:prSet presAssocID="{3D28A53A-110D-49E0-8DAD-BBABAB5B5888}" presName="vertFour" presStyleCnt="0">
-        <dgm:presLayoutVars>
-          <dgm:chPref val="3"/>
-        </dgm:presLayoutVars>
-      </dgm:prSet>
-      <dgm:spPr/>
-    </dgm:pt>
-    <dgm:pt modelId="{CB9FBF90-1DE6-4220-A156-F21181D954DF}" type="pres">
-      <dgm:prSet presAssocID="{3D28A53A-110D-49E0-8DAD-BBABAB5B5888}" presName="txFour" presStyleLbl="node4" presStyleIdx="14" presStyleCnt="20">
-        <dgm:presLayoutVars>
-          <dgm:chPref val="3"/>
-        </dgm:presLayoutVars>
-      </dgm:prSet>
-      <dgm:spPr/>
-    </dgm:pt>
-    <dgm:pt modelId="{47034228-0111-4BDF-AC80-FD7BC5305167}" type="pres">
-      <dgm:prSet presAssocID="{3D28A53A-110D-49E0-8DAD-BBABAB5B5888}" presName="parTransFour" presStyleCnt="0"/>
-      <dgm:spPr/>
-    </dgm:pt>
-    <dgm:pt modelId="{F3D634FF-978B-446E-AA6F-20360B1F7110}" type="pres">
-      <dgm:prSet presAssocID="{3D28A53A-110D-49E0-8DAD-BBABAB5B5888}" presName="horzFour" presStyleCnt="0"/>
-      <dgm:spPr/>
-    </dgm:pt>
-    <dgm:pt modelId="{09F5C740-D0A9-4954-822B-AC2059E08C35}" type="pres">
-      <dgm:prSet presAssocID="{B915A8B4-63B7-4038-BC03-2FF69C19DC01}" presName="vertFour" presStyleCnt="0">
-        <dgm:presLayoutVars>
-          <dgm:chPref val="3"/>
-        </dgm:presLayoutVars>
-      </dgm:prSet>
-      <dgm:spPr/>
-    </dgm:pt>
-    <dgm:pt modelId="{C0E12ADF-C0C6-4363-B2A6-9E37B4ACD32B}" type="pres">
-      <dgm:prSet presAssocID="{B915A8B4-63B7-4038-BC03-2FF69C19DC01}" presName="txFour" presStyleLbl="node4" presStyleIdx="15" presStyleCnt="20">
-        <dgm:presLayoutVars>
-          <dgm:chPref val="3"/>
-        </dgm:presLayoutVars>
-      </dgm:prSet>
-      <dgm:spPr/>
-    </dgm:pt>
-    <dgm:pt modelId="{EBC5AA0E-C82B-482B-8CAF-348DD6954607}" type="pres">
-      <dgm:prSet presAssocID="{B915A8B4-63B7-4038-BC03-2FF69C19DC01}" presName="horzFour" presStyleCnt="0"/>
-      <dgm:spPr/>
-    </dgm:pt>
-    <dgm:pt modelId="{0A366540-D294-480A-959B-02C41F4B8461}" type="pres">
-      <dgm:prSet presAssocID="{88A1DC02-543D-49A7-BB8F-74116FE19DCF}" presName="sibSpaceTwo" presStyleCnt="0"/>
-      <dgm:spPr/>
-    </dgm:pt>
-    <dgm:pt modelId="{007B5F8D-4EA0-4D2E-8C7B-E93D76CD668E}" type="pres">
-      <dgm:prSet presAssocID="{0FC93B8C-B30D-4BBD-95F1-5ED2768D95F1}" presName="vertTwo" presStyleCnt="0"/>
-      <dgm:spPr/>
-    </dgm:pt>
-    <dgm:pt modelId="{AC1E6A61-9183-4503-8B0F-CCDF98C27E8E}" type="pres">
-      <dgm:prSet presAssocID="{0FC93B8C-B30D-4BBD-95F1-5ED2768D95F1}" presName="txTwo" presStyleLbl="node2" presStyleIdx="4" presStyleCnt="5">
-        <dgm:presLayoutVars>
-          <dgm:chPref val="3"/>
-        </dgm:presLayoutVars>
-      </dgm:prSet>
-      <dgm:spPr/>
-    </dgm:pt>
-    <dgm:pt modelId="{87452EFA-BF01-49FE-88C2-E4653B4A0E1A}" type="pres">
-      <dgm:prSet presAssocID="{0FC93B8C-B30D-4BBD-95F1-5ED2768D95F1}" presName="parTransTwo" presStyleCnt="0"/>
-      <dgm:spPr/>
-    </dgm:pt>
-    <dgm:pt modelId="{5909204B-254D-4ECF-87D8-2C4F30C4AC9E}" type="pres">
-      <dgm:prSet presAssocID="{0FC93B8C-B30D-4BBD-95F1-5ED2768D95F1}" presName="horzTwo" presStyleCnt="0"/>
-      <dgm:spPr/>
-    </dgm:pt>
-    <dgm:pt modelId="{AB741A7B-775B-4A1F-A7CB-B494AA83BC53}" type="pres">
-      <dgm:prSet presAssocID="{7C21E7A5-92EB-4E4B-AA1C-F4F2A2515A89}" presName="vertThree" presStyleCnt="0"/>
-      <dgm:spPr/>
-    </dgm:pt>
-    <dgm:pt modelId="{76CCCA09-45C7-4D43-AA06-282642E6321A}" type="pres">
-      <dgm:prSet presAssocID="{7C21E7A5-92EB-4E4B-AA1C-F4F2A2515A89}" presName="txThree" presStyleLbl="node3" presStyleIdx="4" presStyleCnt="5">
-        <dgm:presLayoutVars>
-          <dgm:chPref val="3"/>
-        </dgm:presLayoutVars>
-      </dgm:prSet>
-      <dgm:spPr/>
-    </dgm:pt>
-    <dgm:pt modelId="{6B123A56-B9B0-4C7C-8C38-73F883A61494}" type="pres">
-      <dgm:prSet presAssocID="{7C21E7A5-92EB-4E4B-AA1C-F4F2A2515A89}" presName="parTransThree" presStyleCnt="0"/>
-      <dgm:spPr/>
-    </dgm:pt>
-    <dgm:pt modelId="{EF0E2BD6-BA84-483E-BE02-700AEB2C8E65}" type="pres">
-      <dgm:prSet presAssocID="{7C21E7A5-92EB-4E4B-AA1C-F4F2A2515A89}" presName="horzThree" presStyleCnt="0"/>
-      <dgm:spPr/>
-    </dgm:pt>
-    <dgm:pt modelId="{88FD479B-1826-4F32-A376-820BD7FC4FE2}" type="pres">
-      <dgm:prSet presAssocID="{3FCBD66F-DBAE-4517-90C4-B432FC3CDEFD}" presName="vertFour" presStyleCnt="0">
-        <dgm:presLayoutVars>
-          <dgm:chPref val="3"/>
-        </dgm:presLayoutVars>
-      </dgm:prSet>
-      <dgm:spPr/>
-    </dgm:pt>
-    <dgm:pt modelId="{F8C58C8F-DCA8-4E9E-95FE-097E7D09D214}" type="pres">
-      <dgm:prSet presAssocID="{3FCBD66F-DBAE-4517-90C4-B432FC3CDEFD}" presName="txFour" presStyleLbl="node4" presStyleIdx="16" presStyleCnt="20">
-        <dgm:presLayoutVars>
-          <dgm:chPref val="3"/>
-        </dgm:presLayoutVars>
-      </dgm:prSet>
-      <dgm:spPr/>
-    </dgm:pt>
-    <dgm:pt modelId="{ADB81251-BD88-4C7E-A0B9-97A53FA20987}" type="pres">
-      <dgm:prSet presAssocID="{3FCBD66F-DBAE-4517-90C4-B432FC3CDEFD}" presName="parTransFour" presStyleCnt="0"/>
-      <dgm:spPr/>
-    </dgm:pt>
-    <dgm:pt modelId="{2A52713C-A5A2-4456-9887-9D3B186FFC33}" type="pres">
-      <dgm:prSet presAssocID="{3FCBD66F-DBAE-4517-90C4-B432FC3CDEFD}" presName="horzFour" presStyleCnt="0"/>
-      <dgm:spPr/>
-    </dgm:pt>
-    <dgm:pt modelId="{055B9A53-BEA9-406F-A4B9-68157452F6D9}" type="pres">
-      <dgm:prSet presAssocID="{B62E1321-B675-4CF0-BB6F-0AC93702DB9A}" presName="vertFour" presStyleCnt="0">
-        <dgm:presLayoutVars>
-          <dgm:chPref val="3"/>
-        </dgm:presLayoutVars>
-      </dgm:prSet>
-      <dgm:spPr/>
-    </dgm:pt>
-    <dgm:pt modelId="{0E5A0C1A-9397-42CC-8A59-2B64221E1034}" type="pres">
-      <dgm:prSet presAssocID="{B62E1321-B675-4CF0-BB6F-0AC93702DB9A}" presName="txFour" presStyleLbl="node4" presStyleIdx="17" presStyleCnt="20">
-        <dgm:presLayoutVars>
-          <dgm:chPref val="3"/>
-        </dgm:presLayoutVars>
-      </dgm:prSet>
-      <dgm:spPr/>
-    </dgm:pt>
-    <dgm:pt modelId="{EC13501F-262D-43B8-BA38-6F9EA17C9A62}" type="pres">
-      <dgm:prSet presAssocID="{B62E1321-B675-4CF0-BB6F-0AC93702DB9A}" presName="parTransFour" presStyleCnt="0"/>
-      <dgm:spPr/>
-    </dgm:pt>
-    <dgm:pt modelId="{0226763A-7C8C-4CB8-9675-7ECC50A235B4}" type="pres">
-      <dgm:prSet presAssocID="{B62E1321-B675-4CF0-BB6F-0AC93702DB9A}" presName="horzFour" presStyleCnt="0"/>
-      <dgm:spPr/>
-    </dgm:pt>
-    <dgm:pt modelId="{5846E23E-9046-4079-8884-65A89DC325AB}" type="pres">
-      <dgm:prSet presAssocID="{A41693F4-2BC0-4CA5-ABDF-5137BFB41E8E}" presName="vertFour" presStyleCnt="0">
-        <dgm:presLayoutVars>
-          <dgm:chPref val="3"/>
-        </dgm:presLayoutVars>
-      </dgm:prSet>
-      <dgm:spPr/>
-    </dgm:pt>
-    <dgm:pt modelId="{009C68CF-0CBC-4436-AB02-37E9E04D9347}" type="pres">
-      <dgm:prSet presAssocID="{A41693F4-2BC0-4CA5-ABDF-5137BFB41E8E}" presName="txFour" presStyleLbl="node4" presStyleIdx="18" presStyleCnt="20">
-        <dgm:presLayoutVars>
-          <dgm:chPref val="3"/>
-        </dgm:presLayoutVars>
-      </dgm:prSet>
-      <dgm:spPr/>
-    </dgm:pt>
-    <dgm:pt modelId="{4A25AAE8-3C96-48E6-8731-630D3ED39629}" type="pres">
-      <dgm:prSet presAssocID="{A41693F4-2BC0-4CA5-ABDF-5137BFB41E8E}" presName="parTransFour" presStyleCnt="0"/>
-      <dgm:spPr/>
-    </dgm:pt>
-    <dgm:pt modelId="{10A04FC6-4D68-4516-9BFB-25A6CC03BD4B}" type="pres">
-      <dgm:prSet presAssocID="{A41693F4-2BC0-4CA5-ABDF-5137BFB41E8E}" presName="horzFour" presStyleCnt="0"/>
-      <dgm:spPr/>
-    </dgm:pt>
-    <dgm:pt modelId="{ECC8CB53-5B55-4F8D-B7C0-86BB00E5781B}" type="pres">
-      <dgm:prSet presAssocID="{BC8EB1B5-29EA-4853-AE1C-2E5C4F7A1A06}" presName="vertFour" presStyleCnt="0">
-        <dgm:presLayoutVars>
-          <dgm:chPref val="3"/>
-        </dgm:presLayoutVars>
-      </dgm:prSet>
-      <dgm:spPr/>
-    </dgm:pt>
-    <dgm:pt modelId="{2FA59269-0D33-4DB6-BEB2-35CCABA5F8A3}" type="pres">
-      <dgm:prSet presAssocID="{BC8EB1B5-29EA-4853-AE1C-2E5C4F7A1A06}" presName="txFour" presStyleLbl="node4" presStyleIdx="19" presStyleCnt="20">
-        <dgm:presLayoutVars>
-          <dgm:chPref val="3"/>
-        </dgm:presLayoutVars>
-      </dgm:prSet>
-      <dgm:spPr/>
-    </dgm:pt>
-    <dgm:pt modelId="{088F76F3-A288-42D1-AA2F-28ED499C4273}" type="pres">
-      <dgm:prSet presAssocID="{BC8EB1B5-29EA-4853-AE1C-2E5C4F7A1A06}" presName="horzFour" presStyleCnt="0"/>
-      <dgm:spPr/>
-    </dgm:pt>
-  </dgm:ptLst>
-  <dgm:cxnLst>
-    <dgm:cxn modelId="{0A91C407-8467-4B57-8760-721C2F17BA44}" type="presOf" srcId="{2C57E09F-B4D0-4E2C-A11B-7118B0E3F709}" destId="{B88160A1-39C9-4117-B438-8E3A0B0E6ABB}" srcOrd="0" destOrd="0" presId="urn:microsoft.com/office/officeart/2005/8/layout/hierarchy4"/>
-    <dgm:cxn modelId="{BA415C0C-13D4-48DF-AB9A-74D8DA3AE038}" type="presOf" srcId="{3FCBD66F-DBAE-4517-90C4-B432FC3CDEFD}" destId="{F8C58C8F-DCA8-4E9E-95FE-097E7D09D214}" srcOrd="0" destOrd="0" presId="urn:microsoft.com/office/officeart/2005/8/layout/hierarchy4"/>
-    <dgm:cxn modelId="{2D6E7A10-97A6-4B83-8DF1-B2A68B26D506}" srcId="{A0C2BDAB-D372-4FBE-BAB3-E25C2E161DAC}" destId="{EE9AF67C-C08D-4549-B67D-A52B58E8D5D0}" srcOrd="0" destOrd="0" parTransId="{0033911C-74B3-419E-94C3-10C99996754D}" sibTransId="{39D3DFB0-A833-4D7A-9FD9-5660BCE64B45}"/>
-    <dgm:cxn modelId="{18FF2A11-70B9-480A-A311-F133A1E4FD65}" type="presOf" srcId="{B915A8B4-63B7-4038-BC03-2FF69C19DC01}" destId="{C0E12ADF-C0C6-4363-B2A6-9E37B4ACD32B}" srcOrd="0" destOrd="0" presId="urn:microsoft.com/office/officeart/2005/8/layout/hierarchy4"/>
-    <dgm:cxn modelId="{72802115-CC16-4208-B630-D63A23903442}" srcId="{0FC93B8C-B30D-4BBD-95F1-5ED2768D95F1}" destId="{7C21E7A5-92EB-4E4B-AA1C-F4F2A2515A89}" srcOrd="0" destOrd="0" parTransId="{ED9AA9D0-06AD-4543-9D28-18DBB20EB3D1}" sibTransId="{41DA2627-B294-4EF8-B96B-1C2FCE5BEDEE}"/>
-    <dgm:cxn modelId="{2EA39019-0529-4DA0-B507-1278B542282E}" srcId="{8DC4994F-EC0F-4085-8D37-D8E175740B89}" destId="{03811063-F834-44FB-B5A6-8CFA4C001233}" srcOrd="0" destOrd="0" parTransId="{D66E627E-67E4-43EF-8479-9AC5E9D0CD21}" sibTransId="{86EB2592-7390-4ADB-A3BC-0F10FB1E1B92}"/>
-    <dgm:cxn modelId="{DE52551C-6848-4A68-8BC4-D3EC8261FC66}" srcId="{5B169870-4F2A-4B73-B6F5-961C6ECCC206}" destId="{F48EC3EE-E11A-4161-BD56-17561280AA79}" srcOrd="0" destOrd="0" parTransId="{572D2D6B-D084-493C-9360-97F803499E11}" sibTransId="{4D8DC7AA-4671-465F-8A6E-10D281BC06AC}"/>
-    <dgm:cxn modelId="{786A5623-4A08-4C66-96D6-9B47782E2A7E}" srcId="{57DB0169-8FA5-4970-B172-A7857AAF90DB}" destId="{88A3DFE8-2378-4DF7-A4BB-1838557E5DBD}" srcOrd="0" destOrd="0" parTransId="{D06B71F0-61D7-49B2-B9E1-1E81999FC64E}" sibTransId="{9A99E13A-45BA-44EA-B791-033B38B2279C}"/>
-    <dgm:cxn modelId="{71537C26-3DD8-48AC-B65C-CB0F78ACA5E7}" srcId="{6029E747-E79E-41F1-BC4F-A904AE6624A9}" destId="{2AF75D11-A13C-4CAC-A803-3336148E2E24}" srcOrd="0" destOrd="0" parTransId="{A7CDD8A8-447D-41E5-8F9B-FCA96599964C}" sibTransId="{081978E0-7070-48D3-AC68-24A3FC2CA7D6}"/>
-    <dgm:cxn modelId="{D76E9C26-C9FF-4B61-9653-314F8304F3DA}" srcId="{61130802-9F29-4DCF-9BFE-E0B3D9E4F978}" destId="{A0C2BDAB-D372-4FBE-BAB3-E25C2E161DAC}" srcOrd="0" destOrd="0" parTransId="{64F7AA54-5A73-4B39-B40D-E6CC777054D6}" sibTransId="{0D2CB9F4-AA3A-42FD-A526-90BA0902C142}"/>
-    <dgm:cxn modelId="{F7D6522B-4C1A-40D9-8E1A-9F0E284A427D}" srcId="{6029E747-E79E-41F1-BC4F-A904AE6624A9}" destId="{61130802-9F29-4DCF-9BFE-E0B3D9E4F978}" srcOrd="1" destOrd="0" parTransId="{5636976C-9887-4FBE-AD66-39A602453699}" sibTransId="{CEB8EBBF-7A8B-42FC-A51D-39E725660244}"/>
-    <dgm:cxn modelId="{71200430-8666-4718-BF29-7CD31179C57C}" srcId="{6029E747-E79E-41F1-BC4F-A904AE6624A9}" destId="{F2209B63-8ACB-4FB6-80BB-E566B25AFA92}" srcOrd="2" destOrd="0" parTransId="{D8546BC9-156D-4889-BA60-676ED3A3E8D6}" sibTransId="{F7C8EE21-F766-4E77-94F8-094BAE9C1A39}"/>
-    <dgm:cxn modelId="{3691BE32-4E3E-4F06-9954-ABCEEE8B6388}" srcId="{9E1DD50D-AA74-4F3B-9AA0-340A01D34D5D}" destId="{2C57E09F-B4D0-4E2C-A11B-7118B0E3F709}" srcOrd="0" destOrd="0" parTransId="{F57CF009-F9CC-42F9-96D3-9B037CC7501D}" sibTransId="{14D5D7A0-A8BB-4188-AF58-CFD55629A439}"/>
-    <dgm:cxn modelId="{CA70B535-D82F-437E-B4E8-08243F5F1BD4}" srcId="{1515B8F2-E151-4135-AA3E-999C25905EFB}" destId="{BD08B172-6F27-4119-B6B8-D8D3DE80261E}" srcOrd="0" destOrd="0" parTransId="{D34AB20C-35FA-451B-B510-D82A056A4F28}" sibTransId="{3B250B39-1BB3-4077-8F2D-800BAF5195B6}"/>
-    <dgm:cxn modelId="{C96E4637-9989-4C20-BA66-CEB8207A1AA9}" type="presOf" srcId="{BC8EB1B5-29EA-4853-AE1C-2E5C4F7A1A06}" destId="{2FA59269-0D33-4DB6-BEB2-35CCABA5F8A3}" srcOrd="0" destOrd="0" presId="urn:microsoft.com/office/officeart/2005/8/layout/hierarchy4"/>
-    <dgm:cxn modelId="{95A3D238-7FCC-43B7-9260-804FEE17FA8F}" type="presOf" srcId="{F2209B63-8ACB-4FB6-80BB-E566B25AFA92}" destId="{1927C057-4BDF-4FFC-8490-B0DB29B2345D}" srcOrd="0" destOrd="0" presId="urn:microsoft.com/office/officeart/2005/8/layout/hierarchy4"/>
-    <dgm:cxn modelId="{0D9B893A-118F-4BE8-9FF3-9CBB3C6767AB}" srcId="{2AF75D11-A13C-4CAC-A803-3336148E2E24}" destId="{F93E4D40-9615-4AE8-9B27-3BE610152426}" srcOrd="0" destOrd="0" parTransId="{0DE58D64-566B-41F0-94E3-757FB923DAB1}" sibTransId="{FD3A1638-86F8-47F4-B953-2AE36EAFFB2D}"/>
-    <dgm:cxn modelId="{432D963B-59A5-4EBD-865A-D5EBFC8C96DC}" srcId="{C25AE8B8-C1EF-4FD5-B094-3E142F0135DE}" destId="{6029E747-E79E-41F1-BC4F-A904AE6624A9}" srcOrd="0" destOrd="0" parTransId="{559400E3-98D9-475E-9887-5BA23D615C25}" sibTransId="{9FC26BFE-23EA-4F4F-A4C1-251659CE7F7A}"/>
-    <dgm:cxn modelId="{EA9BF13D-9573-4C27-82EF-B620DA6FD8FB}" type="presOf" srcId="{BD08B172-6F27-4119-B6B8-D8D3DE80261E}" destId="{0BB4DB3E-2FED-42EF-9A37-638AC0E17E44}" srcOrd="0" destOrd="0" presId="urn:microsoft.com/office/officeart/2005/8/layout/hierarchy4"/>
-    <dgm:cxn modelId="{4B474C43-CF73-4AE4-9D54-8562CB1F4C02}" srcId="{93D4226E-CB56-4A99-8A7E-0697154C12CC}" destId="{93E0A30F-FE21-4412-B6CD-D735E4F1B577}" srcOrd="0" destOrd="0" parTransId="{14FBC3F0-29DB-489D-AA52-CD75B81B193B}" sibTransId="{F730778A-C563-4D21-BD72-12EE018C0F93}"/>
-    <dgm:cxn modelId="{86F9A164-BEE9-4B21-B99A-297BF5D9CA9D}" type="presOf" srcId="{1515B8F2-E151-4135-AA3E-999C25905EFB}" destId="{4083C545-84E2-41E1-9697-262303AF2914}" srcOrd="0" destOrd="0" presId="urn:microsoft.com/office/officeart/2005/8/layout/hierarchy4"/>
-    <dgm:cxn modelId="{89378865-B0EB-47AC-9B6C-FA75CD8C2327}" type="presOf" srcId="{B62E1321-B675-4CF0-BB6F-0AC93702DB9A}" destId="{0E5A0C1A-9397-42CC-8A59-2B64221E1034}" srcOrd="0" destOrd="0" presId="urn:microsoft.com/office/officeart/2005/8/layout/hierarchy4"/>
-    <dgm:cxn modelId="{1E78FC46-35C9-47E6-991E-DF42BAB486E7}" type="presOf" srcId="{93D4226E-CB56-4A99-8A7E-0697154C12CC}" destId="{A7D9DB31-96BA-413A-8449-6BA30468EE1A}" srcOrd="0" destOrd="0" presId="urn:microsoft.com/office/officeart/2005/8/layout/hierarchy4"/>
-    <dgm:cxn modelId="{5B0BD067-4E50-48D5-8F42-C4F1A6C412FC}" type="presOf" srcId="{F93E4D40-9615-4AE8-9B27-3BE610152426}" destId="{E773BF7A-B27F-4404-BE50-6ED58783747C}" srcOrd="0" destOrd="0" presId="urn:microsoft.com/office/officeart/2005/8/layout/hierarchy4"/>
-    <dgm:cxn modelId="{5861F547-5EA1-4143-A605-84E2A27057D9}" type="presOf" srcId="{B3E6594C-8619-432E-8A0C-C8BF1D2598A5}" destId="{2744BA1D-C254-4BD0-AE4B-5731F1061863}" srcOrd="0" destOrd="0" presId="urn:microsoft.com/office/officeart/2005/8/layout/hierarchy4"/>
-    <dgm:cxn modelId="{26883A6A-C558-4944-8C57-EDB393DFC08D}" srcId="{2C57E09F-B4D0-4E2C-A11B-7118B0E3F709}" destId="{5B80384D-4864-4EEA-9B45-C6EAA570EDF1}" srcOrd="0" destOrd="0" parTransId="{C8C7BA24-5EAC-4BC7-AAF1-CE7415D0D1DB}" sibTransId="{9A5BF851-2A23-49DF-90B3-9264E49C2E78}"/>
-    <dgm:cxn modelId="{E535AB4A-A856-47B8-9702-728C17EA9F95}" type="presOf" srcId="{CD73C218-5B5C-401F-8AC2-89C81DEF21F4}" destId="{0AEF6763-F547-4D77-8C2E-F44A30E10B86}" srcOrd="0" destOrd="0" presId="urn:microsoft.com/office/officeart/2005/8/layout/hierarchy4"/>
-    <dgm:cxn modelId="{449D414B-5FDB-442D-81E1-E1F7DAEDD549}" type="presOf" srcId="{8DC4994F-EC0F-4085-8D37-D8E175740B89}" destId="{9B8056F4-04FA-4458-BC18-9B08A731BB18}" srcOrd="0" destOrd="0" presId="urn:microsoft.com/office/officeart/2005/8/layout/hierarchy4"/>
-    <dgm:cxn modelId="{1A12DD4D-178A-4C4D-B0AE-9C9C18882EEE}" type="presOf" srcId="{F48EC3EE-E11A-4161-BD56-17561280AA79}" destId="{D654B529-46DC-406E-AA14-BB73C7048668}" srcOrd="0" destOrd="0" presId="urn:microsoft.com/office/officeart/2005/8/layout/hierarchy4"/>
-    <dgm:cxn modelId="{A987384E-079B-487B-AB26-398B927D8F24}" type="presOf" srcId="{61130802-9F29-4DCF-9BFE-E0B3D9E4F978}" destId="{B3DFDA44-2421-4A39-86D3-380C1A6CADF3}" srcOrd="0" destOrd="0" presId="urn:microsoft.com/office/officeart/2005/8/layout/hierarchy4"/>
-    <dgm:cxn modelId="{2FA7F955-5667-4DA0-8DE5-07A44583B255}" type="presOf" srcId="{93E0A30F-FE21-4412-B6CD-D735E4F1B577}" destId="{AB0191D1-C35A-4AEB-9783-00047E5A0870}" srcOrd="0" destOrd="0" presId="urn:microsoft.com/office/officeart/2005/8/layout/hierarchy4"/>
-    <dgm:cxn modelId="{C6CBB584-5DE5-45C0-93C4-1DF0FA9C53F1}" type="presOf" srcId="{6029E747-E79E-41F1-BC4F-A904AE6624A9}" destId="{29989E57-F2D4-4CD0-95F2-FD4CD124835C}" srcOrd="0" destOrd="0" presId="urn:microsoft.com/office/officeart/2005/8/layout/hierarchy4"/>
-    <dgm:cxn modelId="{596E7397-B2AF-4FCE-B327-E62D03FA7003}" type="presOf" srcId="{0FC93B8C-B30D-4BBD-95F1-5ED2768D95F1}" destId="{AC1E6A61-9183-4503-8B0F-CCDF98C27E8E}" srcOrd="0" destOrd="0" presId="urn:microsoft.com/office/officeart/2005/8/layout/hierarchy4"/>
-    <dgm:cxn modelId="{0F5D1498-FF88-4A8D-8FFA-D89A596EA219}" type="presOf" srcId="{A9C9ADF2-D2C5-4CD5-AA99-BE01E210EDE5}" destId="{6B60D248-28E2-408F-9D50-F9D8B3F35865}" srcOrd="0" destOrd="0" presId="urn:microsoft.com/office/officeart/2005/8/layout/hierarchy4"/>
-    <dgm:cxn modelId="{7F78E198-1027-49D7-9E1B-C7F85ECEB6ED}" srcId="{A9C9ADF2-D2C5-4CD5-AA99-BE01E210EDE5}" destId="{5B169870-4F2A-4B73-B6F5-961C6ECCC206}" srcOrd="0" destOrd="0" parTransId="{6BC1288E-8715-4AB0-8A5D-11C9D6BFACD7}" sibTransId="{86E727AD-5C82-40FB-BC6B-A3C7B08CF44B}"/>
-    <dgm:cxn modelId="{3EEBF999-79B3-484C-A715-CDD189E54CEC}" srcId="{F48EC3EE-E11A-4161-BD56-17561280AA79}" destId="{B3E6594C-8619-432E-8A0C-C8BF1D2598A5}" srcOrd="0" destOrd="0" parTransId="{15C24C70-44CF-4387-9541-97EF6AB9800F}" sibTransId="{6DE4138D-59EB-46D8-869E-3F7DBC47C56E}"/>
-    <dgm:cxn modelId="{0AAE1F9A-7330-4BA1-9ADD-A5CA4C4A9689}" srcId="{CD73C218-5B5C-401F-8AC2-89C81DEF21F4}" destId="{93D4226E-CB56-4A99-8A7E-0697154C12CC}" srcOrd="0" destOrd="0" parTransId="{76260120-514B-4665-BCE2-366979AE10A1}" sibTransId="{1D6B5F5A-7368-4D8B-8D69-06F29ABFAE13}"/>
-    <dgm:cxn modelId="{3A292B9C-121C-4F2D-AD34-9B44EDB683CC}" type="presOf" srcId="{C25AE8B8-C1EF-4FD5-B094-3E142F0135DE}" destId="{79AD422B-3D31-41AD-8475-14BE9A45FDD0}" srcOrd="0" destOrd="0" presId="urn:microsoft.com/office/officeart/2005/8/layout/hierarchy4"/>
-    <dgm:cxn modelId="{4116F39D-7E25-4A7C-BD9B-C9754E3739C4}" type="presOf" srcId="{5B169870-4F2A-4B73-B6F5-961C6ECCC206}" destId="{13C833BC-6791-4E3A-8A54-643B3842E3DD}" srcOrd="0" destOrd="0" presId="urn:microsoft.com/office/officeart/2005/8/layout/hierarchy4"/>
-    <dgm:cxn modelId="{598CFFA3-5ED1-424D-873F-EED1782D8BA6}" type="presOf" srcId="{3D28A53A-110D-49E0-8DAD-BBABAB5B5888}" destId="{CB9FBF90-1DE6-4220-A156-F21181D954DF}" srcOrd="0" destOrd="0" presId="urn:microsoft.com/office/officeart/2005/8/layout/hierarchy4"/>
-    <dgm:cxn modelId="{379C60A6-5382-4B2F-8313-FFEDC7DC7011}" srcId="{7C21E7A5-92EB-4E4B-AA1C-F4F2A2515A89}" destId="{3FCBD66F-DBAE-4517-90C4-B432FC3CDEFD}" srcOrd="0" destOrd="0" parTransId="{FBAAB211-B608-4AF1-954B-E00CAB8850A7}" sibTransId="{8B965C24-5F53-4D47-A514-2AFE22A10A8E}"/>
-    <dgm:cxn modelId="{2211CFAD-AE24-4E0E-B048-4A208FE31217}" type="presOf" srcId="{88A3DFE8-2378-4DF7-A4BB-1838557E5DBD}" destId="{BEF7F6C7-3297-4A38-BCC6-594DC3927494}" srcOrd="0" destOrd="0" presId="urn:microsoft.com/office/officeart/2005/8/layout/hierarchy4"/>
-    <dgm:cxn modelId="{764D41B1-E192-4076-B2AC-A33421377CB9}" srcId="{3FCBD66F-DBAE-4517-90C4-B432FC3CDEFD}" destId="{B62E1321-B675-4CF0-BB6F-0AC93702DB9A}" srcOrd="0" destOrd="0" parTransId="{44B75AC9-1F4F-45D6-82A6-8BCB43CAADBC}" sibTransId="{C15EFD6E-A61F-4C5B-B4E9-3411C948E595}"/>
-    <dgm:cxn modelId="{D3E37BB2-9054-4D93-B9C4-FDC880974903}" srcId="{6029E747-E79E-41F1-BC4F-A904AE6624A9}" destId="{1515B8F2-E151-4135-AA3E-999C25905EFB}" srcOrd="3" destOrd="0" parTransId="{B57FDAA1-ABD9-4F20-AB20-0EECF98107DC}" sibTransId="{88A1DC02-543D-49A7-BB8F-74116FE19DCF}"/>
-    <dgm:cxn modelId="{FFA0C3B3-27FD-4F11-9F8C-4732D933EA50}" type="presOf" srcId="{57DB0169-8FA5-4970-B172-A7857AAF90DB}" destId="{A16E967B-CB65-455E-A8CD-C330DB8F85A2}" srcOrd="0" destOrd="0" presId="urn:microsoft.com/office/officeart/2005/8/layout/hierarchy4"/>
-    <dgm:cxn modelId="{44E428B9-1048-4E5B-9CA2-83804347EB0B}" type="presOf" srcId="{2AF75D11-A13C-4CAC-A803-3336148E2E24}" destId="{46B7B4C1-E558-4DB6-94F9-F193A394257E}" srcOrd="0" destOrd="0" presId="urn:microsoft.com/office/officeart/2005/8/layout/hierarchy4"/>
-    <dgm:cxn modelId="{10A143BA-22D0-454D-B0F0-44F27767F297}" type="presOf" srcId="{A41693F4-2BC0-4CA5-ABDF-5137BFB41E8E}" destId="{009C68CF-0CBC-4436-AB02-37E9E04D9347}" srcOrd="0" destOrd="0" presId="urn:microsoft.com/office/officeart/2005/8/layout/hierarchy4"/>
-    <dgm:cxn modelId="{DB10B3BA-49B0-45B7-B4EC-E8BDB92E6B62}" type="presOf" srcId="{5B80384D-4864-4EEA-9B45-C6EAA570EDF1}" destId="{86BF23C2-57E7-4B41-8151-BD259C190AFB}" srcOrd="0" destOrd="0" presId="urn:microsoft.com/office/officeart/2005/8/layout/hierarchy4"/>
-    <dgm:cxn modelId="{5051FCBF-A810-4FD1-98FD-B067C5155C8D}" srcId="{3D28A53A-110D-49E0-8DAD-BBABAB5B5888}" destId="{B915A8B4-63B7-4038-BC03-2FF69C19DC01}" srcOrd="0" destOrd="0" parTransId="{0345AF6E-7B39-49B8-8E57-3C0E02D99F50}" sibTransId="{95B00FAB-8EAC-4565-8A0D-2C61A763F898}"/>
-    <dgm:cxn modelId="{E56BB2C2-0177-4327-8D51-5B801EB41BDE}" type="presOf" srcId="{7C21E7A5-92EB-4E4B-AA1C-F4F2A2515A89}" destId="{76CCCA09-45C7-4D43-AA06-282642E6321A}" srcOrd="0" destOrd="0" presId="urn:microsoft.com/office/officeart/2005/8/layout/hierarchy4"/>
-    <dgm:cxn modelId="{47E97FC8-50F5-47D6-A1BA-6AFD1B591E93}" type="presOf" srcId="{A0C2BDAB-D372-4FBE-BAB3-E25C2E161DAC}" destId="{8B856E65-DF81-462D-B59A-37F7FA5E82F1}" srcOrd="0" destOrd="0" presId="urn:microsoft.com/office/officeart/2005/8/layout/hierarchy4"/>
-    <dgm:cxn modelId="{C067B5C9-D724-4228-B460-0B227DA2A2CD}" srcId="{A41693F4-2BC0-4CA5-ABDF-5137BFB41E8E}" destId="{BC8EB1B5-29EA-4853-AE1C-2E5C4F7A1A06}" srcOrd="0" destOrd="0" parTransId="{C938A690-6DC2-4666-A53D-500EAA084346}" sibTransId="{A3A74B33-FE77-4081-9A02-65EA74B66C71}"/>
-    <dgm:cxn modelId="{3721A0CE-9AAE-4AB4-A1F5-B0C1A4E3344B}" type="presOf" srcId="{9E1DD50D-AA74-4F3B-9AA0-340A01D34D5D}" destId="{3FD6816B-A9F6-4ADD-A3D3-A4EBA1A9D8A6}" srcOrd="0" destOrd="0" presId="urn:microsoft.com/office/officeart/2005/8/layout/hierarchy4"/>
-    <dgm:cxn modelId="{DF19C1CE-1D76-43EF-B679-D39CDE171AA8}" srcId="{03811063-F834-44FB-B5A6-8CFA4C001233}" destId="{9E1DD50D-AA74-4F3B-9AA0-340A01D34D5D}" srcOrd="0" destOrd="0" parTransId="{397B0A1B-F60D-4FD8-B0E1-5EEEE8E02DAE}" sibTransId="{D6644201-E323-4847-BDB3-803975242543}"/>
-    <dgm:cxn modelId="{362A12D6-A0F9-4137-A116-896CE4DA3656}" type="presOf" srcId="{03811063-F834-44FB-B5A6-8CFA4C001233}" destId="{63759AB5-4626-4C5C-A2C2-3BB8AF674098}" srcOrd="0" destOrd="0" presId="urn:microsoft.com/office/officeart/2005/8/layout/hierarchy4"/>
-    <dgm:cxn modelId="{5ED59BD6-4A08-4006-B4C8-1EEE84A8701B}" type="presOf" srcId="{EE9AF67C-C08D-4549-B67D-A52B58E8D5D0}" destId="{29C3E3D1-5460-4D8F-8654-3AEAA23C1D9B}" srcOrd="0" destOrd="0" presId="urn:microsoft.com/office/officeart/2005/8/layout/hierarchy4"/>
-    <dgm:cxn modelId="{D065C7D6-3F40-48DC-8E75-84A6F78B70E7}" srcId="{BD08B172-6F27-4119-B6B8-D8D3DE80261E}" destId="{57DB0169-8FA5-4970-B172-A7857AAF90DB}" srcOrd="0" destOrd="0" parTransId="{0317C2B6-CF90-4D27-9D42-E5D52D7F1724}" sibTransId="{75AB8124-4569-4F4B-86E8-DC94BD2F7119}"/>
-    <dgm:cxn modelId="{2243AFD9-910A-448A-BAA5-1F2646A7694F}" srcId="{88A3DFE8-2378-4DF7-A4BB-1838557E5DBD}" destId="{3D28A53A-110D-49E0-8DAD-BBABAB5B5888}" srcOrd="0" destOrd="0" parTransId="{F1695096-40A1-421E-9630-80688DB4CFD4}" sibTransId="{C00245C4-0998-4093-81E2-0F46269DF711}"/>
-    <dgm:cxn modelId="{FD209FDA-A874-4FF3-91DF-3E4013932A63}" srcId="{EE9AF67C-C08D-4549-B67D-A52B58E8D5D0}" destId="{CD73C218-5B5C-401F-8AC2-89C81DEF21F4}" srcOrd="0" destOrd="0" parTransId="{EB713B3A-6159-4C22-9AE2-D5175FE6894A}" sibTransId="{C6CAC2D2-9EDC-4F3F-805F-4575198E109B}"/>
-    <dgm:cxn modelId="{E9D2D6DE-D913-4559-A09A-7168956EACFD}" srcId="{F93E4D40-9615-4AE8-9B27-3BE610152426}" destId="{A9C9ADF2-D2C5-4CD5-AA99-BE01E210EDE5}" srcOrd="0" destOrd="0" parTransId="{726E6088-33B2-4F4B-B10E-2FBE412A40FE}" sibTransId="{E09773FB-3313-4335-8653-9CF0629A2A00}"/>
-    <dgm:cxn modelId="{1F0289ED-FB26-4D8D-9013-D71537E032DB}" srcId="{6029E747-E79E-41F1-BC4F-A904AE6624A9}" destId="{0FC93B8C-B30D-4BBD-95F1-5ED2768D95F1}" srcOrd="4" destOrd="0" parTransId="{285985A8-41F8-4A97-8D7B-0DF8E4426CC1}" sibTransId="{1AFB682D-FD4D-46CA-86BB-F7CEE88166FD}"/>
-    <dgm:cxn modelId="{BC924FF4-557D-4A6B-9C95-5F0FF0B33A41}" srcId="{F2209B63-8ACB-4FB6-80BB-E566B25AFA92}" destId="{8DC4994F-EC0F-4085-8D37-D8E175740B89}" srcOrd="0" destOrd="0" parTransId="{15F21E50-2EC1-4146-9EAA-EA2FC3C2EEF0}" sibTransId="{D5D69AC5-36A3-4623-BF68-C50EFB8EB36B}"/>
-    <dgm:cxn modelId="{B2852DFE-FC29-444E-8C98-ED6616AFBC00}" srcId="{B62E1321-B675-4CF0-BB6F-0AC93702DB9A}" destId="{A41693F4-2BC0-4CA5-ABDF-5137BFB41E8E}" srcOrd="0" destOrd="0" parTransId="{9522FFE9-0B98-4806-A531-6EDF97678A54}" sibTransId="{C7F7377B-143A-4341-9EDA-EF1554901501}"/>
-    <dgm:cxn modelId="{55C9D2C7-5439-4D82-84E7-609CAFFEA213}" type="presParOf" srcId="{79AD422B-3D31-41AD-8475-14BE9A45FDD0}" destId="{76D135BB-1C56-4A1A-9798-BC2A596D1E6B}" srcOrd="0" destOrd="0" presId="urn:microsoft.com/office/officeart/2005/8/layout/hierarchy4"/>
-    <dgm:cxn modelId="{95A1AE07-E7E2-4149-971C-4E0F79BFC4D4}" type="presParOf" srcId="{76D135BB-1C56-4A1A-9798-BC2A596D1E6B}" destId="{29989E57-F2D4-4CD0-95F2-FD4CD124835C}" srcOrd="0" destOrd="0" presId="urn:microsoft.com/office/officeart/2005/8/layout/hierarchy4"/>
-    <dgm:cxn modelId="{C3C7729F-DA39-413E-A842-62CFFB8A7F71}" type="presParOf" srcId="{76D135BB-1C56-4A1A-9798-BC2A596D1E6B}" destId="{6624812E-4263-42B9-91F6-29FAE35B7696}" srcOrd="1" destOrd="0" presId="urn:microsoft.com/office/officeart/2005/8/layout/hierarchy4"/>
-    <dgm:cxn modelId="{AB63F692-A16E-406A-9884-94F9A1B0B62F}" type="presParOf" srcId="{76D135BB-1C56-4A1A-9798-BC2A596D1E6B}" destId="{49F8804B-3AA5-4F3D-93E6-040994DFAD46}" srcOrd="2" destOrd="0" presId="urn:microsoft.com/office/officeart/2005/8/layout/hierarchy4"/>
-    <dgm:cxn modelId="{3770D29F-5F1A-44D7-90B1-BEEC6C8F5ECA}" type="presParOf" srcId="{49F8804B-3AA5-4F3D-93E6-040994DFAD46}" destId="{7B583E6A-7C09-4ED3-ABCE-538FEAA65963}" srcOrd="0" destOrd="0" presId="urn:microsoft.com/office/officeart/2005/8/layout/hierarchy4"/>
-    <dgm:cxn modelId="{681C3174-2E2F-4D20-972D-C064F736C7D2}" type="presParOf" srcId="{7B583E6A-7C09-4ED3-ABCE-538FEAA65963}" destId="{46B7B4C1-E558-4DB6-94F9-F193A394257E}" srcOrd="0" destOrd="0" presId="urn:microsoft.com/office/officeart/2005/8/layout/hierarchy4"/>
-    <dgm:cxn modelId="{34774F81-4FF6-4FBA-B379-C3D342D75053}" type="presParOf" srcId="{7B583E6A-7C09-4ED3-ABCE-538FEAA65963}" destId="{E36C4A27-C961-44F9-9FE5-4AB46BF05FD9}" srcOrd="1" destOrd="0" presId="urn:microsoft.com/office/officeart/2005/8/layout/hierarchy4"/>
-    <dgm:cxn modelId="{B2D058D2-A3DA-47F2-838A-A598715F14CA}" type="presParOf" srcId="{7B583E6A-7C09-4ED3-ABCE-538FEAA65963}" destId="{067A5232-64CA-4496-AB8A-3FD670F3D98C}" srcOrd="2" destOrd="0" presId="urn:microsoft.com/office/officeart/2005/8/layout/hierarchy4"/>
-    <dgm:cxn modelId="{FB18019C-A8AF-4623-8349-02B1334E6D63}" type="presParOf" srcId="{067A5232-64CA-4496-AB8A-3FD670F3D98C}" destId="{3155C9F2-78AD-4D6B-AD76-9F8569D8BE1E}" srcOrd="0" destOrd="0" presId="urn:microsoft.com/office/officeart/2005/8/layout/hierarchy4"/>
-    <dgm:cxn modelId="{7E879658-4ED4-4C32-85EC-4FAAEE3BA15A}" type="presParOf" srcId="{3155C9F2-78AD-4D6B-AD76-9F8569D8BE1E}" destId="{E773BF7A-B27F-4404-BE50-6ED58783747C}" srcOrd="0" destOrd="0" presId="urn:microsoft.com/office/officeart/2005/8/layout/hierarchy4"/>
-    <dgm:cxn modelId="{C24A4F73-3C9E-485C-96DF-6814E9DD2045}" type="presParOf" srcId="{3155C9F2-78AD-4D6B-AD76-9F8569D8BE1E}" destId="{C9291AF8-DABC-4053-96BC-DA654B1634E2}" srcOrd="1" destOrd="0" presId="urn:microsoft.com/office/officeart/2005/8/layout/hierarchy4"/>
-    <dgm:cxn modelId="{E87ABD2D-09B8-4244-9C8D-8FEBF21FC483}" type="presParOf" srcId="{3155C9F2-78AD-4D6B-AD76-9F8569D8BE1E}" destId="{7D641C16-18B7-49A4-A56A-9E50EA0B2932}" srcOrd="2" destOrd="0" presId="urn:microsoft.com/office/officeart/2005/8/layout/hierarchy4"/>
-    <dgm:cxn modelId="{636DAF7F-0ECB-4803-9C84-09F84E8D2AFC}" type="presParOf" srcId="{7D641C16-18B7-49A4-A56A-9E50EA0B2932}" destId="{3FCE43E3-2473-4CDC-BBF3-1093D299B6ED}" srcOrd="0" destOrd="0" presId="urn:microsoft.com/office/officeart/2005/8/layout/hierarchy4"/>
-    <dgm:cxn modelId="{EEED9753-B162-4657-BC52-79FCA3765F5B}" type="presParOf" srcId="{3FCE43E3-2473-4CDC-BBF3-1093D299B6ED}" destId="{6B60D248-28E2-408F-9D50-F9D8B3F35865}" srcOrd="0" destOrd="0" presId="urn:microsoft.com/office/officeart/2005/8/layout/hierarchy4"/>
-    <dgm:cxn modelId="{9BA9804B-CEA5-47ED-9EE6-6165BD9B01CD}" type="presParOf" srcId="{3FCE43E3-2473-4CDC-BBF3-1093D299B6ED}" destId="{0AB67436-D180-4BF0-A4C3-9A465CFE8CA3}" srcOrd="1" destOrd="0" presId="urn:microsoft.com/office/officeart/2005/8/layout/hierarchy4"/>
-    <dgm:cxn modelId="{F6D5F295-A1BD-4FC5-84FE-D02B770ECA70}" type="presParOf" srcId="{3FCE43E3-2473-4CDC-BBF3-1093D299B6ED}" destId="{8084AF09-F2A7-4CDE-B790-E061B688F04D}" srcOrd="2" destOrd="0" presId="urn:microsoft.com/office/officeart/2005/8/layout/hierarchy4"/>
-    <dgm:cxn modelId="{2C962763-C65D-4C1D-BD21-A6014643E0DD}" type="presParOf" srcId="{8084AF09-F2A7-4CDE-B790-E061B688F04D}" destId="{6D57D8F8-56BD-48BB-BF60-A358D1907352}" srcOrd="0" destOrd="0" presId="urn:microsoft.com/office/officeart/2005/8/layout/hierarchy4"/>
-    <dgm:cxn modelId="{FCE2F8DA-B72B-49F3-A9CE-BD7A70AB729B}" type="presParOf" srcId="{6D57D8F8-56BD-48BB-BF60-A358D1907352}" destId="{13C833BC-6791-4E3A-8A54-643B3842E3DD}" srcOrd="0" destOrd="0" presId="urn:microsoft.com/office/officeart/2005/8/layout/hierarchy4"/>
-    <dgm:cxn modelId="{5B5D3544-4632-4A56-BA40-5E01F0E616C5}" type="presParOf" srcId="{6D57D8F8-56BD-48BB-BF60-A358D1907352}" destId="{D2D56FF6-4DC9-46C6-93DD-B2101C5DEE24}" srcOrd="1" destOrd="0" presId="urn:microsoft.com/office/officeart/2005/8/layout/hierarchy4"/>
-    <dgm:cxn modelId="{119E0E91-D043-4BEE-86B7-F93741067874}" type="presParOf" srcId="{6D57D8F8-56BD-48BB-BF60-A358D1907352}" destId="{C1C46F07-CEA9-4CDC-9A6D-DE70BC9D4BCD}" srcOrd="2" destOrd="0" presId="urn:microsoft.com/office/officeart/2005/8/layout/hierarchy4"/>
-    <dgm:cxn modelId="{F4870B1E-8B7B-48DC-9E59-89D38045D9A6}" type="presParOf" srcId="{C1C46F07-CEA9-4CDC-9A6D-DE70BC9D4BCD}" destId="{C81EB42E-B51B-44F6-9D43-944EFE114217}" srcOrd="0" destOrd="0" presId="urn:microsoft.com/office/officeart/2005/8/layout/hierarchy4"/>
-    <dgm:cxn modelId="{36C3C3A4-95C1-4CBC-B29D-C005CC08F8DD}" type="presParOf" srcId="{C81EB42E-B51B-44F6-9D43-944EFE114217}" destId="{D654B529-46DC-406E-AA14-BB73C7048668}" srcOrd="0" destOrd="0" presId="urn:microsoft.com/office/officeart/2005/8/layout/hierarchy4"/>
-    <dgm:cxn modelId="{9C601978-73FB-43FC-8BA6-22383A473239}" type="presParOf" srcId="{C81EB42E-B51B-44F6-9D43-944EFE114217}" destId="{02BB5FFA-263F-4D1A-A424-8572E21DDFC3}" srcOrd="1" destOrd="0" presId="urn:microsoft.com/office/officeart/2005/8/layout/hierarchy4"/>
-    <dgm:cxn modelId="{2FAEF6C5-27E3-44D9-8655-688EAB3F107F}" type="presParOf" srcId="{C81EB42E-B51B-44F6-9D43-944EFE114217}" destId="{86F3EB61-F279-4BA2-A536-A22A7BE89C1F}" srcOrd="2" destOrd="0" presId="urn:microsoft.com/office/officeart/2005/8/layout/hierarchy4"/>
-    <dgm:cxn modelId="{31E93333-694D-4838-B8F1-F889774FBA76}" type="presParOf" srcId="{86F3EB61-F279-4BA2-A536-A22A7BE89C1F}" destId="{F647FC8D-D2E0-4184-BA33-66B71820A32D}" srcOrd="0" destOrd="0" presId="urn:microsoft.com/office/officeart/2005/8/layout/hierarchy4"/>
-    <dgm:cxn modelId="{24FA8313-2FEC-4C07-83FC-E244948086F2}" type="presParOf" srcId="{F647FC8D-D2E0-4184-BA33-66B71820A32D}" destId="{2744BA1D-C254-4BD0-AE4B-5731F1061863}" srcOrd="0" destOrd="0" presId="urn:microsoft.com/office/officeart/2005/8/layout/hierarchy4"/>
-    <dgm:cxn modelId="{0F3C0836-54F3-4C80-AF0C-AB9699B04948}" type="presParOf" srcId="{F647FC8D-D2E0-4184-BA33-66B71820A32D}" destId="{DE41CCC3-604B-40C6-AC1F-B2003D605B27}" srcOrd="1" destOrd="0" presId="urn:microsoft.com/office/officeart/2005/8/layout/hierarchy4"/>
-    <dgm:cxn modelId="{C10B72B2-E971-445E-AF88-F31FFD416A79}" type="presParOf" srcId="{49F8804B-3AA5-4F3D-93E6-040994DFAD46}" destId="{FE4F7BC8-916F-439F-999A-5BB142611E18}" srcOrd="1" destOrd="0" presId="urn:microsoft.com/office/officeart/2005/8/layout/hierarchy4"/>
-    <dgm:cxn modelId="{8045CD07-5A47-46B3-9F82-C103BA50A0C3}" type="presParOf" srcId="{49F8804B-3AA5-4F3D-93E6-040994DFAD46}" destId="{2CE56EC3-B18A-4F97-A127-F2C7F4C19726}" srcOrd="2" destOrd="0" presId="urn:microsoft.com/office/officeart/2005/8/layout/hierarchy4"/>
-    <dgm:cxn modelId="{97BB1E27-B1D2-49AE-B4B7-3DAE3500150C}" type="presParOf" srcId="{2CE56EC3-B18A-4F97-A127-F2C7F4C19726}" destId="{B3DFDA44-2421-4A39-86D3-380C1A6CADF3}" srcOrd="0" destOrd="0" presId="urn:microsoft.com/office/officeart/2005/8/layout/hierarchy4"/>
-    <dgm:cxn modelId="{68B008EA-BA34-4781-842A-F5FAF04A33B4}" type="presParOf" srcId="{2CE56EC3-B18A-4F97-A127-F2C7F4C19726}" destId="{20D58240-A0FE-4A18-822F-5C086A839F7A}" srcOrd="1" destOrd="0" presId="urn:microsoft.com/office/officeart/2005/8/layout/hierarchy4"/>
-    <dgm:cxn modelId="{683AEA3A-6D5E-4DE6-B4CB-D10FB67BACD1}" type="presParOf" srcId="{2CE56EC3-B18A-4F97-A127-F2C7F4C19726}" destId="{2C0853DD-8960-401C-97D5-DB46B126DFEF}" srcOrd="2" destOrd="0" presId="urn:microsoft.com/office/officeart/2005/8/layout/hierarchy4"/>
-    <dgm:cxn modelId="{82FF3305-17FB-46DD-BE13-974DAFA3D02E}" type="presParOf" srcId="{2C0853DD-8960-401C-97D5-DB46B126DFEF}" destId="{2A20A4BA-5F8F-4682-AFFC-F09E582EBE16}" srcOrd="0" destOrd="0" presId="urn:microsoft.com/office/officeart/2005/8/layout/hierarchy4"/>
-    <dgm:cxn modelId="{481C4FA5-B21C-43C4-8D52-3262B229D3B9}" type="presParOf" srcId="{2A20A4BA-5F8F-4682-AFFC-F09E582EBE16}" destId="{8B856E65-DF81-462D-B59A-37F7FA5E82F1}" srcOrd="0" destOrd="0" presId="urn:microsoft.com/office/officeart/2005/8/layout/hierarchy4"/>
-    <dgm:cxn modelId="{1FF1E9F7-F640-481E-84DA-08C567E4AF5F}" type="presParOf" srcId="{2A20A4BA-5F8F-4682-AFFC-F09E582EBE16}" destId="{0A98C1F6-5408-4601-B0D2-256E1BE81162}" srcOrd="1" destOrd="0" presId="urn:microsoft.com/office/officeart/2005/8/layout/hierarchy4"/>
-    <dgm:cxn modelId="{D69038F0-4B96-44C3-841F-2F7E0E5A6968}" type="presParOf" srcId="{2A20A4BA-5F8F-4682-AFFC-F09E582EBE16}" destId="{34B5ABAA-550C-47A2-B00B-88F7EC222255}" srcOrd="2" destOrd="0" presId="urn:microsoft.com/office/officeart/2005/8/layout/hierarchy4"/>
-    <dgm:cxn modelId="{1267B1CE-C069-4EBE-B926-8AE098309079}" type="presParOf" srcId="{34B5ABAA-550C-47A2-B00B-88F7EC222255}" destId="{465E2E1A-11E1-4B44-BE29-28F83CB695AA}" srcOrd="0" destOrd="0" presId="urn:microsoft.com/office/officeart/2005/8/layout/hierarchy4"/>
-    <dgm:cxn modelId="{52E8E016-9DE2-4607-A598-2497A35E99D6}" type="presParOf" srcId="{465E2E1A-11E1-4B44-BE29-28F83CB695AA}" destId="{29C3E3D1-5460-4D8F-8654-3AEAA23C1D9B}" srcOrd="0" destOrd="0" presId="urn:microsoft.com/office/officeart/2005/8/layout/hierarchy4"/>
-    <dgm:cxn modelId="{23DC4A8D-D672-4728-9EC0-1F104C13BE2F}" type="presParOf" srcId="{465E2E1A-11E1-4B44-BE29-28F83CB695AA}" destId="{0D674995-1CF9-4102-B1E6-CBA947DC3A53}" srcOrd="1" destOrd="0" presId="urn:microsoft.com/office/officeart/2005/8/layout/hierarchy4"/>
-    <dgm:cxn modelId="{B037D073-9082-44F0-A549-EA5F5816E13F}" type="presParOf" srcId="{465E2E1A-11E1-4B44-BE29-28F83CB695AA}" destId="{2CC9DFC4-BF1B-460B-B022-B9D852F6FAB7}" srcOrd="2" destOrd="0" presId="urn:microsoft.com/office/officeart/2005/8/layout/hierarchy4"/>
-    <dgm:cxn modelId="{36D443DB-FE8B-44FC-B9D7-1BED409F1543}" type="presParOf" srcId="{2CC9DFC4-BF1B-460B-B022-B9D852F6FAB7}" destId="{1417C4EA-3569-46C6-A106-5C9F4F4F702C}" srcOrd="0" destOrd="0" presId="urn:microsoft.com/office/officeart/2005/8/layout/hierarchy4"/>
-    <dgm:cxn modelId="{EBDC8736-74AD-429B-AA5D-B1B47A51AE89}" type="presParOf" srcId="{1417C4EA-3569-46C6-A106-5C9F4F4F702C}" destId="{0AEF6763-F547-4D77-8C2E-F44A30E10B86}" srcOrd="0" destOrd="0" presId="urn:microsoft.com/office/officeart/2005/8/layout/hierarchy4"/>
-    <dgm:cxn modelId="{CFE2D56F-CF96-4614-BB6B-A7119C1EDD53}" type="presParOf" srcId="{1417C4EA-3569-46C6-A106-5C9F4F4F702C}" destId="{9F42D1E4-BBA7-4955-B1E2-C22C0E778DAB}" srcOrd="1" destOrd="0" presId="urn:microsoft.com/office/officeart/2005/8/layout/hierarchy4"/>
-    <dgm:cxn modelId="{E660F5F4-0936-4B6E-8255-3EC1279D0BFA}" type="presParOf" srcId="{1417C4EA-3569-46C6-A106-5C9F4F4F702C}" destId="{C3441196-FBC5-4AA4-8EF2-07A2E6A317EC}" srcOrd="2" destOrd="0" presId="urn:microsoft.com/office/officeart/2005/8/layout/hierarchy4"/>
-    <dgm:cxn modelId="{A069EA21-9292-4E22-8C3B-B45817453053}" type="presParOf" srcId="{C3441196-FBC5-4AA4-8EF2-07A2E6A317EC}" destId="{4407292F-1791-40A6-A3EA-CCEF42C59E73}" srcOrd="0" destOrd="0" presId="urn:microsoft.com/office/officeart/2005/8/layout/hierarchy4"/>
-    <dgm:cxn modelId="{1C62555A-7C94-48C0-84A9-44D8B5ED9CD8}" type="presParOf" srcId="{4407292F-1791-40A6-A3EA-CCEF42C59E73}" destId="{A7D9DB31-96BA-413A-8449-6BA30468EE1A}" srcOrd="0" destOrd="0" presId="urn:microsoft.com/office/officeart/2005/8/layout/hierarchy4"/>
-    <dgm:cxn modelId="{B31DC9BA-6E45-480F-8D0C-DFAE104C28AD}" type="presParOf" srcId="{4407292F-1791-40A6-A3EA-CCEF42C59E73}" destId="{5C1DB90D-3209-4F08-8112-83BD3736DC88}" srcOrd="1" destOrd="0" presId="urn:microsoft.com/office/officeart/2005/8/layout/hierarchy4"/>
-    <dgm:cxn modelId="{3D300DCF-D651-4F66-92DD-8694A4C351EC}" type="presParOf" srcId="{4407292F-1791-40A6-A3EA-CCEF42C59E73}" destId="{4803891A-7B7F-497A-B836-1BA7BB44E027}" srcOrd="2" destOrd="0" presId="urn:microsoft.com/office/officeart/2005/8/layout/hierarchy4"/>
-    <dgm:cxn modelId="{F54DD1AD-5F99-4BBA-A1B2-789D8B130DC4}" type="presParOf" srcId="{4803891A-7B7F-497A-B836-1BA7BB44E027}" destId="{5D09FA67-60BF-4705-8B73-AAA4BE60B2E8}" srcOrd="0" destOrd="0" presId="urn:microsoft.com/office/officeart/2005/8/layout/hierarchy4"/>
-    <dgm:cxn modelId="{DE323D7C-2336-4A9C-A3BC-3FC3C00FA3FE}" type="presParOf" srcId="{5D09FA67-60BF-4705-8B73-AAA4BE60B2E8}" destId="{AB0191D1-C35A-4AEB-9783-00047E5A0870}" srcOrd="0" destOrd="0" presId="urn:microsoft.com/office/officeart/2005/8/layout/hierarchy4"/>
-    <dgm:cxn modelId="{EBFAF93F-1AAC-4DC5-8CAA-2B86F2899836}" type="presParOf" srcId="{5D09FA67-60BF-4705-8B73-AAA4BE60B2E8}" destId="{B57B9D80-8614-4A95-AFC9-7ECA3F1AE3A3}" srcOrd="1" destOrd="0" presId="urn:microsoft.com/office/officeart/2005/8/layout/hierarchy4"/>
-    <dgm:cxn modelId="{DDCC2416-0BD7-441C-B288-D119C239A071}" type="presParOf" srcId="{49F8804B-3AA5-4F3D-93E6-040994DFAD46}" destId="{76457C28-FF24-4610-A23C-6D62E88CE5C2}" srcOrd="3" destOrd="0" presId="urn:microsoft.com/office/officeart/2005/8/layout/hierarchy4"/>
-    <dgm:cxn modelId="{34F60AEE-31E5-44B0-9468-A9401C25F16D}" type="presParOf" srcId="{49F8804B-3AA5-4F3D-93E6-040994DFAD46}" destId="{C1B3B516-E0C1-4D7D-9C48-4EE2C363E495}" srcOrd="4" destOrd="0" presId="urn:microsoft.com/office/officeart/2005/8/layout/hierarchy4"/>
-    <dgm:cxn modelId="{DFDCA037-7EAF-4009-AA8D-B913AA42D20A}" type="presParOf" srcId="{C1B3B516-E0C1-4D7D-9C48-4EE2C363E495}" destId="{1927C057-4BDF-4FFC-8490-B0DB29B2345D}" srcOrd="0" destOrd="0" presId="urn:microsoft.com/office/officeart/2005/8/layout/hierarchy4"/>
-    <dgm:cxn modelId="{38E7EEDD-6DD5-4914-8914-5C3015D4368B}" type="presParOf" srcId="{C1B3B516-E0C1-4D7D-9C48-4EE2C363E495}" destId="{E0960E5F-855D-473C-BD5E-4F38AD745426}" srcOrd="1" destOrd="0" presId="urn:microsoft.com/office/officeart/2005/8/layout/hierarchy4"/>
-    <dgm:cxn modelId="{F6DAE3A8-4CDB-4BC4-9B53-9179AA0CE0FE}" type="presParOf" srcId="{C1B3B516-E0C1-4D7D-9C48-4EE2C363E495}" destId="{70F0FCE0-CE2D-4420-A5A0-BB128FBCCC57}" srcOrd="2" destOrd="0" presId="urn:microsoft.com/office/officeart/2005/8/layout/hierarchy4"/>
-    <dgm:cxn modelId="{868CFB9E-532A-46EC-81E2-A6172D23C3B6}" type="presParOf" srcId="{70F0FCE0-CE2D-4420-A5A0-BB128FBCCC57}" destId="{39480C55-4C6C-469D-8FD4-E89576E8B6A1}" srcOrd="0" destOrd="0" presId="urn:microsoft.com/office/officeart/2005/8/layout/hierarchy4"/>
-    <dgm:cxn modelId="{4BF1C249-7294-4496-832A-FEA2BAAC4DA9}" type="presParOf" srcId="{39480C55-4C6C-469D-8FD4-E89576E8B6A1}" destId="{9B8056F4-04FA-4458-BC18-9B08A731BB18}" srcOrd="0" destOrd="0" presId="urn:microsoft.com/office/officeart/2005/8/layout/hierarchy4"/>
-    <dgm:cxn modelId="{C53F4251-4779-4E58-8DCE-C0A08182B23D}" type="presParOf" srcId="{39480C55-4C6C-469D-8FD4-E89576E8B6A1}" destId="{1C04E401-922C-41A4-A0C8-67656561C77A}" srcOrd="1" destOrd="0" presId="urn:microsoft.com/office/officeart/2005/8/layout/hierarchy4"/>
-    <dgm:cxn modelId="{45213576-B7B0-42BE-903A-7F6568E59EC2}" type="presParOf" srcId="{39480C55-4C6C-469D-8FD4-E89576E8B6A1}" destId="{E8C00B2A-8EAC-43C3-8F62-85639E3215BA}" srcOrd="2" destOrd="0" presId="urn:microsoft.com/office/officeart/2005/8/layout/hierarchy4"/>
-    <dgm:cxn modelId="{1EACF9FD-75BA-4E0E-A399-C9A0C10FFE08}" type="presParOf" srcId="{E8C00B2A-8EAC-43C3-8F62-85639E3215BA}" destId="{FEB6EEA0-9AF1-45C0-8247-71B4DC2590E9}" srcOrd="0" destOrd="0" presId="urn:microsoft.com/office/officeart/2005/8/layout/hierarchy4"/>
-    <dgm:cxn modelId="{D4E091E3-492D-4ACD-9315-F1C2141A9DF1}" type="presParOf" srcId="{FEB6EEA0-9AF1-45C0-8247-71B4DC2590E9}" destId="{63759AB5-4626-4C5C-A2C2-3BB8AF674098}" srcOrd="0" destOrd="0" presId="urn:microsoft.com/office/officeart/2005/8/layout/hierarchy4"/>
-    <dgm:cxn modelId="{343C8BCD-6BDF-43AD-81FA-2137ED6989C3}" type="presParOf" srcId="{FEB6EEA0-9AF1-45C0-8247-71B4DC2590E9}" destId="{04B4341E-650B-4345-BB52-A60EEC05CCE8}" srcOrd="1" destOrd="0" presId="urn:microsoft.com/office/officeart/2005/8/layout/hierarchy4"/>
-    <dgm:cxn modelId="{46A5DD33-99A2-43D7-88E4-196F8B57E1F6}" type="presParOf" srcId="{FEB6EEA0-9AF1-45C0-8247-71B4DC2590E9}" destId="{764B6223-2DB5-4FCB-8E00-818BDEDE8202}" srcOrd="2" destOrd="0" presId="urn:microsoft.com/office/officeart/2005/8/layout/hierarchy4"/>
-    <dgm:cxn modelId="{36D53ACE-5A66-4494-AA92-D63B0FE25481}" type="presParOf" srcId="{764B6223-2DB5-4FCB-8E00-818BDEDE8202}" destId="{57F79198-4440-4F9C-B53B-B418EABCF2BA}" srcOrd="0" destOrd="0" presId="urn:microsoft.com/office/officeart/2005/8/layout/hierarchy4"/>
-    <dgm:cxn modelId="{786559FC-1CE5-4607-924E-D74599ACEEF2}" type="presParOf" srcId="{57F79198-4440-4F9C-B53B-B418EABCF2BA}" destId="{3FD6816B-A9F6-4ADD-A3D3-A4EBA1A9D8A6}" srcOrd="0" destOrd="0" presId="urn:microsoft.com/office/officeart/2005/8/layout/hierarchy4"/>
-    <dgm:cxn modelId="{63C0E446-3A9E-4127-8F11-341D24DB445B}" type="presParOf" srcId="{57F79198-4440-4F9C-B53B-B418EABCF2BA}" destId="{D06C14B3-427C-4B1F-9FF2-1D8FF42D7E1E}" srcOrd="1" destOrd="0" presId="urn:microsoft.com/office/officeart/2005/8/layout/hierarchy4"/>
-    <dgm:cxn modelId="{B37F3C89-4048-4787-A97E-0DAC18152101}" type="presParOf" srcId="{57F79198-4440-4F9C-B53B-B418EABCF2BA}" destId="{8D350881-435F-44DF-9D64-184326EA3A35}" srcOrd="2" destOrd="0" presId="urn:microsoft.com/office/officeart/2005/8/layout/hierarchy4"/>
-    <dgm:cxn modelId="{BDD28E4B-46F2-44A8-9EAA-A03E3A0EA333}" type="presParOf" srcId="{8D350881-435F-44DF-9D64-184326EA3A35}" destId="{94786DC6-A724-4F9B-B97B-5F7067703F67}" srcOrd="0" destOrd="0" presId="urn:microsoft.com/office/officeart/2005/8/layout/hierarchy4"/>
-    <dgm:cxn modelId="{6007D424-896A-4D1B-97ED-732A7DD210E2}" type="presParOf" srcId="{94786DC6-A724-4F9B-B97B-5F7067703F67}" destId="{B88160A1-39C9-4117-B438-8E3A0B0E6ABB}" srcOrd="0" destOrd="0" presId="urn:microsoft.com/office/officeart/2005/8/layout/hierarchy4"/>
-    <dgm:cxn modelId="{115FE588-3C71-4154-9F6B-9B1D6070922B}" type="presParOf" srcId="{94786DC6-A724-4F9B-B97B-5F7067703F67}" destId="{99C4B06F-51E4-40B5-A873-1A9D53734666}" srcOrd="1" destOrd="0" presId="urn:microsoft.com/office/officeart/2005/8/layout/hierarchy4"/>
-    <dgm:cxn modelId="{E91EBEE2-2CEE-4C30-861C-F6DFBADD4020}" type="presParOf" srcId="{94786DC6-A724-4F9B-B97B-5F7067703F67}" destId="{0F2BB16D-CA6E-4B15-8E89-F1921D11B9A8}" srcOrd="2" destOrd="0" presId="urn:microsoft.com/office/officeart/2005/8/layout/hierarchy4"/>
-    <dgm:cxn modelId="{CAE9AE1B-E622-4E21-BA36-3E77EB43A54B}" type="presParOf" srcId="{0F2BB16D-CA6E-4B15-8E89-F1921D11B9A8}" destId="{B202845E-306D-4181-9160-09C9D833C25F}" srcOrd="0" destOrd="0" presId="urn:microsoft.com/office/officeart/2005/8/layout/hierarchy4"/>
-    <dgm:cxn modelId="{9EBA5A85-72C2-4B34-9440-E296D953DD6B}" type="presParOf" srcId="{B202845E-306D-4181-9160-09C9D833C25F}" destId="{86BF23C2-57E7-4B41-8151-BD259C190AFB}" srcOrd="0" destOrd="0" presId="urn:microsoft.com/office/officeart/2005/8/layout/hierarchy4"/>
-    <dgm:cxn modelId="{2A4798D6-3627-4BF1-B288-2EF667F2C6F1}" type="presParOf" srcId="{B202845E-306D-4181-9160-09C9D833C25F}" destId="{1B720702-3350-4EA0-8817-394C26378872}" srcOrd="1" destOrd="0" presId="urn:microsoft.com/office/officeart/2005/8/layout/hierarchy4"/>
-    <dgm:cxn modelId="{D1329199-53B6-4FBA-9D84-6D2289ACC34A}" type="presParOf" srcId="{49F8804B-3AA5-4F3D-93E6-040994DFAD46}" destId="{5E97E477-91E4-4F8C-B8BD-5D6DC6C13CC6}" srcOrd="5" destOrd="0" presId="urn:microsoft.com/office/officeart/2005/8/layout/hierarchy4"/>
-    <dgm:cxn modelId="{26C51C86-0907-42D9-8098-515052667F5E}" type="presParOf" srcId="{49F8804B-3AA5-4F3D-93E6-040994DFAD46}" destId="{0402AAD9-7C0B-4E39-B3E6-B903DC606A88}" srcOrd="6" destOrd="0" presId="urn:microsoft.com/office/officeart/2005/8/layout/hierarchy4"/>
-    <dgm:cxn modelId="{87C5D1E1-EAC0-4370-B615-A9E3582B8F24}" type="presParOf" srcId="{0402AAD9-7C0B-4E39-B3E6-B903DC606A88}" destId="{4083C545-84E2-41E1-9697-262303AF2914}" srcOrd="0" destOrd="0" presId="urn:microsoft.com/office/officeart/2005/8/layout/hierarchy4"/>
-    <dgm:cxn modelId="{DDBBD232-8185-4F25-92FA-8B8DE2B9A90D}" type="presParOf" srcId="{0402AAD9-7C0B-4E39-B3E6-B903DC606A88}" destId="{F5AB0F63-773A-408C-8E80-1AE771A9086B}" srcOrd="1" destOrd="0" presId="urn:microsoft.com/office/officeart/2005/8/layout/hierarchy4"/>
-    <dgm:cxn modelId="{1F5E7B05-21DF-434B-B976-B0130B601C59}" type="presParOf" srcId="{0402AAD9-7C0B-4E39-B3E6-B903DC606A88}" destId="{DD396836-46CE-4A28-8559-7C3AE084D0E4}" srcOrd="2" destOrd="0" presId="urn:microsoft.com/office/officeart/2005/8/layout/hierarchy4"/>
-    <dgm:cxn modelId="{364F8D7A-C456-4787-88FB-544BB12336A7}" type="presParOf" srcId="{DD396836-46CE-4A28-8559-7C3AE084D0E4}" destId="{08BFD73D-A2B1-49BA-9EAD-88041F9C8466}" srcOrd="0" destOrd="0" presId="urn:microsoft.com/office/officeart/2005/8/layout/hierarchy4"/>
-    <dgm:cxn modelId="{21DBB72E-03BA-48F6-A812-994D572E9BE5}" type="presParOf" srcId="{08BFD73D-A2B1-49BA-9EAD-88041F9C8466}" destId="{0BB4DB3E-2FED-42EF-9A37-638AC0E17E44}" srcOrd="0" destOrd="0" presId="urn:microsoft.com/office/officeart/2005/8/layout/hierarchy4"/>
-    <dgm:cxn modelId="{91E441F2-D17F-4D48-94AB-A5F7094C4801}" type="presParOf" srcId="{08BFD73D-A2B1-49BA-9EAD-88041F9C8466}" destId="{B0BB2A6A-7449-4429-919C-43FC2C7FA33E}" srcOrd="1" destOrd="0" presId="urn:microsoft.com/office/officeart/2005/8/layout/hierarchy4"/>
-    <dgm:cxn modelId="{FE36EF1C-E251-4D37-9040-3C5995B1414C}" type="presParOf" srcId="{08BFD73D-A2B1-49BA-9EAD-88041F9C8466}" destId="{9633C919-1C8A-4F85-8F05-C26AE2A2F354}" srcOrd="2" destOrd="0" presId="urn:microsoft.com/office/officeart/2005/8/layout/hierarchy4"/>
-    <dgm:cxn modelId="{A577AC6E-D028-4182-A0CC-0CE918A1EC98}" type="presParOf" srcId="{9633C919-1C8A-4F85-8F05-C26AE2A2F354}" destId="{49B72E7F-ECE2-4FAD-8A3E-08DF8CE7A6EA}" srcOrd="0" destOrd="0" presId="urn:microsoft.com/office/officeart/2005/8/layout/hierarchy4"/>
-    <dgm:cxn modelId="{FB2194E6-E681-446D-866A-A139799B5B8F}" type="presParOf" srcId="{49B72E7F-ECE2-4FAD-8A3E-08DF8CE7A6EA}" destId="{A16E967B-CB65-455E-A8CD-C330DB8F85A2}" srcOrd="0" destOrd="0" presId="urn:microsoft.com/office/officeart/2005/8/layout/hierarchy4"/>
-    <dgm:cxn modelId="{60FA11E0-244C-476F-A6CE-BDB26D631DB2}" type="presParOf" srcId="{49B72E7F-ECE2-4FAD-8A3E-08DF8CE7A6EA}" destId="{397BBF98-DEFE-48A6-A59F-3FB3D7429175}" srcOrd="1" destOrd="0" presId="urn:microsoft.com/office/officeart/2005/8/layout/hierarchy4"/>
-    <dgm:cxn modelId="{B4E3DBDE-DC4E-4E60-BE54-E41B798972C4}" type="presParOf" srcId="{49B72E7F-ECE2-4FAD-8A3E-08DF8CE7A6EA}" destId="{7086193B-9F36-4F1A-B46D-DB5D8054C2AC}" srcOrd="2" destOrd="0" presId="urn:microsoft.com/office/officeart/2005/8/layout/hierarchy4"/>
-    <dgm:cxn modelId="{A78DE58E-B86A-43C6-9C13-31F4F898D4B3}" type="presParOf" srcId="{7086193B-9F36-4F1A-B46D-DB5D8054C2AC}" destId="{B4369E47-6EF2-4E71-805D-5721254882BF}" srcOrd="0" destOrd="0" presId="urn:microsoft.com/office/officeart/2005/8/layout/hierarchy4"/>
-    <dgm:cxn modelId="{B7928D4E-8EDD-4A6B-9C04-DBE2902D45A9}" type="presParOf" srcId="{B4369E47-6EF2-4E71-805D-5721254882BF}" destId="{BEF7F6C7-3297-4A38-BCC6-594DC3927494}" srcOrd="0" destOrd="0" presId="urn:microsoft.com/office/officeart/2005/8/layout/hierarchy4"/>
-    <dgm:cxn modelId="{B9D94097-A151-4DBC-8332-598D438EEDA6}" type="presParOf" srcId="{B4369E47-6EF2-4E71-805D-5721254882BF}" destId="{0E07769F-8322-401B-8CC4-5D7FE081F1BF}" srcOrd="1" destOrd="0" presId="urn:microsoft.com/office/officeart/2005/8/layout/hierarchy4"/>
-    <dgm:cxn modelId="{D08F7E2C-BD48-4A7E-A209-64A49FD5BB64}" type="presParOf" srcId="{B4369E47-6EF2-4E71-805D-5721254882BF}" destId="{BCD05577-408E-43FB-AD70-B07D9768C732}" srcOrd="2" destOrd="0" presId="urn:microsoft.com/office/officeart/2005/8/layout/hierarchy4"/>
-    <dgm:cxn modelId="{858096A8-89E1-49EC-A031-D28B5B7CDCC6}" type="presParOf" srcId="{BCD05577-408E-43FB-AD70-B07D9768C732}" destId="{970DF457-36EE-45E6-B495-CF9ED80526A2}" srcOrd="0" destOrd="0" presId="urn:microsoft.com/office/officeart/2005/8/layout/hierarchy4"/>
-    <dgm:cxn modelId="{9DC22855-88E2-4BC6-B40A-31508B991BE5}" type="presParOf" srcId="{970DF457-36EE-45E6-B495-CF9ED80526A2}" destId="{CB9FBF90-1DE6-4220-A156-F21181D954DF}" srcOrd="0" destOrd="0" presId="urn:microsoft.com/office/officeart/2005/8/layout/hierarchy4"/>
-    <dgm:cxn modelId="{99DFDC24-1A6A-4AD5-8FAC-BA4478D52C4D}" type="presParOf" srcId="{970DF457-36EE-45E6-B495-CF9ED80526A2}" destId="{47034228-0111-4BDF-AC80-FD7BC5305167}" srcOrd="1" destOrd="0" presId="urn:microsoft.com/office/officeart/2005/8/layout/hierarchy4"/>
-    <dgm:cxn modelId="{9407515F-AD35-427C-9E61-681B106BAEE0}" type="presParOf" srcId="{970DF457-36EE-45E6-B495-CF9ED80526A2}" destId="{F3D634FF-978B-446E-AA6F-20360B1F7110}" srcOrd="2" destOrd="0" presId="urn:microsoft.com/office/officeart/2005/8/layout/hierarchy4"/>
-    <dgm:cxn modelId="{5B0F805B-E2D4-43CF-AF40-F70A5B37E9B1}" type="presParOf" srcId="{F3D634FF-978B-446E-AA6F-20360B1F7110}" destId="{09F5C740-D0A9-4954-822B-AC2059E08C35}" srcOrd="0" destOrd="0" presId="urn:microsoft.com/office/officeart/2005/8/layout/hierarchy4"/>
-    <dgm:cxn modelId="{4F6C2068-4740-48D7-9672-0961044A7699}" type="presParOf" srcId="{09F5C740-D0A9-4954-822B-AC2059E08C35}" destId="{C0E12ADF-C0C6-4363-B2A6-9E37B4ACD32B}" srcOrd="0" destOrd="0" presId="urn:microsoft.com/office/officeart/2005/8/layout/hierarchy4"/>
-    <dgm:cxn modelId="{0D9826E7-B3AD-47A8-A1D8-586DF352A039}" type="presParOf" srcId="{09F5C740-D0A9-4954-822B-AC2059E08C35}" destId="{EBC5AA0E-C82B-482B-8CAF-348DD6954607}" srcOrd="1" destOrd="0" presId="urn:microsoft.com/office/officeart/2005/8/layout/hierarchy4"/>
-    <dgm:cxn modelId="{853F87C0-2430-4FC1-8FF7-FE33510B4414}" type="presParOf" srcId="{49F8804B-3AA5-4F3D-93E6-040994DFAD46}" destId="{0A366540-D294-480A-959B-02C41F4B8461}" srcOrd="7" destOrd="0" presId="urn:microsoft.com/office/officeart/2005/8/layout/hierarchy4"/>
-    <dgm:cxn modelId="{C0C4F363-16C4-4C3C-9B51-F6093F28DBF2}" type="presParOf" srcId="{49F8804B-3AA5-4F3D-93E6-040994DFAD46}" destId="{007B5F8D-4EA0-4D2E-8C7B-E93D76CD668E}" srcOrd="8" destOrd="0" presId="urn:microsoft.com/office/officeart/2005/8/layout/hierarchy4"/>
-    <dgm:cxn modelId="{FB6953C7-3895-4C3A-8828-CFA33DC9C8B3}" type="presParOf" srcId="{007B5F8D-4EA0-4D2E-8C7B-E93D76CD668E}" destId="{AC1E6A61-9183-4503-8B0F-CCDF98C27E8E}" srcOrd="0" destOrd="0" presId="urn:microsoft.com/office/officeart/2005/8/layout/hierarchy4"/>
-    <dgm:cxn modelId="{A74D4501-48A2-4526-B9AA-821AE82A3913}" type="presParOf" srcId="{007B5F8D-4EA0-4D2E-8C7B-E93D76CD668E}" destId="{87452EFA-BF01-49FE-88C2-E4653B4A0E1A}" srcOrd="1" destOrd="0" presId="urn:microsoft.com/office/officeart/2005/8/layout/hierarchy4"/>
-    <dgm:cxn modelId="{C09F48B2-2662-423E-A867-54F86871FC22}" type="presParOf" srcId="{007B5F8D-4EA0-4D2E-8C7B-E93D76CD668E}" destId="{5909204B-254D-4ECF-87D8-2C4F30C4AC9E}" srcOrd="2" destOrd="0" presId="urn:microsoft.com/office/officeart/2005/8/layout/hierarchy4"/>
-    <dgm:cxn modelId="{CFF24B5B-692C-4714-84D6-380AA0D2CA30}" type="presParOf" srcId="{5909204B-254D-4ECF-87D8-2C4F30C4AC9E}" destId="{AB741A7B-775B-4A1F-A7CB-B494AA83BC53}" srcOrd="0" destOrd="0" presId="urn:microsoft.com/office/officeart/2005/8/layout/hierarchy4"/>
-    <dgm:cxn modelId="{B92D1484-D0A6-40BD-AF9D-7094D3DAA637}" type="presParOf" srcId="{AB741A7B-775B-4A1F-A7CB-B494AA83BC53}" destId="{76CCCA09-45C7-4D43-AA06-282642E6321A}" srcOrd="0" destOrd="0" presId="urn:microsoft.com/office/officeart/2005/8/layout/hierarchy4"/>
-    <dgm:cxn modelId="{92D7BDA2-F865-4C66-8280-3194969CED69}" type="presParOf" srcId="{AB741A7B-775B-4A1F-A7CB-B494AA83BC53}" destId="{6B123A56-B9B0-4C7C-8C38-73F883A61494}" srcOrd="1" destOrd="0" presId="urn:microsoft.com/office/officeart/2005/8/layout/hierarchy4"/>
-    <dgm:cxn modelId="{C71B85B8-B800-4C30-9AA4-DD0174CE3820}" type="presParOf" srcId="{AB741A7B-775B-4A1F-A7CB-B494AA83BC53}" destId="{EF0E2BD6-BA84-483E-BE02-700AEB2C8E65}" srcOrd="2" destOrd="0" presId="urn:microsoft.com/office/officeart/2005/8/layout/hierarchy4"/>
-    <dgm:cxn modelId="{EEE2BCFE-07E6-4B19-8414-4700A29193DF}" type="presParOf" srcId="{EF0E2BD6-BA84-483E-BE02-700AEB2C8E65}" destId="{88FD479B-1826-4F32-A376-820BD7FC4FE2}" srcOrd="0" destOrd="0" presId="urn:microsoft.com/office/officeart/2005/8/layout/hierarchy4"/>
-    <dgm:cxn modelId="{A1378552-8856-418E-B756-65447713F456}" type="presParOf" srcId="{88FD479B-1826-4F32-A376-820BD7FC4FE2}" destId="{F8C58C8F-DCA8-4E9E-95FE-097E7D09D214}" srcOrd="0" destOrd="0" presId="urn:microsoft.com/office/officeart/2005/8/layout/hierarchy4"/>
-    <dgm:cxn modelId="{CD02FE8B-32B5-4E59-998E-C360CAEEFF32}" type="presParOf" srcId="{88FD479B-1826-4F32-A376-820BD7FC4FE2}" destId="{ADB81251-BD88-4C7E-A0B9-97A53FA20987}" srcOrd="1" destOrd="0" presId="urn:microsoft.com/office/officeart/2005/8/layout/hierarchy4"/>
-    <dgm:cxn modelId="{22F2A7B9-1F3A-491C-ACAC-5A64CFEF9BE1}" type="presParOf" srcId="{88FD479B-1826-4F32-A376-820BD7FC4FE2}" destId="{2A52713C-A5A2-4456-9887-9D3B186FFC33}" srcOrd="2" destOrd="0" presId="urn:microsoft.com/office/officeart/2005/8/layout/hierarchy4"/>
-    <dgm:cxn modelId="{F9AF5FF1-263D-4371-B050-6E1FBD7245D8}" type="presParOf" srcId="{2A52713C-A5A2-4456-9887-9D3B186FFC33}" destId="{055B9A53-BEA9-406F-A4B9-68157452F6D9}" srcOrd="0" destOrd="0" presId="urn:microsoft.com/office/officeart/2005/8/layout/hierarchy4"/>
-    <dgm:cxn modelId="{7ACEC2E4-A547-45D1-93A6-EC04E49F21C5}" type="presParOf" srcId="{055B9A53-BEA9-406F-A4B9-68157452F6D9}" destId="{0E5A0C1A-9397-42CC-8A59-2B64221E1034}" srcOrd="0" destOrd="0" presId="urn:microsoft.com/office/officeart/2005/8/layout/hierarchy4"/>
-    <dgm:cxn modelId="{D3F77EF0-D06D-4CA1-AACB-AA9C18438B05}" type="presParOf" srcId="{055B9A53-BEA9-406F-A4B9-68157452F6D9}" destId="{EC13501F-262D-43B8-BA38-6F9EA17C9A62}" srcOrd="1" destOrd="0" presId="urn:microsoft.com/office/officeart/2005/8/layout/hierarchy4"/>
-    <dgm:cxn modelId="{F26D933A-2232-4C85-B230-CABADDF7439D}" type="presParOf" srcId="{055B9A53-BEA9-406F-A4B9-68157452F6D9}" destId="{0226763A-7C8C-4CB8-9675-7ECC50A235B4}" srcOrd="2" destOrd="0" presId="urn:microsoft.com/office/officeart/2005/8/layout/hierarchy4"/>
-    <dgm:cxn modelId="{766DB745-0B97-4F33-ADF0-256A7A01B950}" type="presParOf" srcId="{0226763A-7C8C-4CB8-9675-7ECC50A235B4}" destId="{5846E23E-9046-4079-8884-65A89DC325AB}" srcOrd="0" destOrd="0" presId="urn:microsoft.com/office/officeart/2005/8/layout/hierarchy4"/>
-    <dgm:cxn modelId="{FF952DE5-4C7B-42FA-B6DC-89FF04744989}" type="presParOf" srcId="{5846E23E-9046-4079-8884-65A89DC325AB}" destId="{009C68CF-0CBC-4436-AB02-37E9E04D9347}" srcOrd="0" destOrd="0" presId="urn:microsoft.com/office/officeart/2005/8/layout/hierarchy4"/>
-    <dgm:cxn modelId="{BFD1C028-E557-4F13-B051-863E6C00FE1D}" type="presParOf" srcId="{5846E23E-9046-4079-8884-65A89DC325AB}" destId="{4A25AAE8-3C96-48E6-8731-630D3ED39629}" srcOrd="1" destOrd="0" presId="urn:microsoft.com/office/officeart/2005/8/layout/hierarchy4"/>
-    <dgm:cxn modelId="{3932F340-4BD2-4321-BE21-02A3201DDA30}" type="presParOf" srcId="{5846E23E-9046-4079-8884-65A89DC325AB}" destId="{10A04FC6-4D68-4516-9BFB-25A6CC03BD4B}" srcOrd="2" destOrd="0" presId="urn:microsoft.com/office/officeart/2005/8/layout/hierarchy4"/>
-    <dgm:cxn modelId="{2EBD0F0D-4C44-4202-AF5F-7426E73060D0}" type="presParOf" srcId="{10A04FC6-4D68-4516-9BFB-25A6CC03BD4B}" destId="{ECC8CB53-5B55-4F8D-B7C0-86BB00E5781B}" srcOrd="0" destOrd="0" presId="urn:microsoft.com/office/officeart/2005/8/layout/hierarchy4"/>
-    <dgm:cxn modelId="{409E0D3B-DF90-4BC2-B792-E549AD86DF99}" type="presParOf" srcId="{ECC8CB53-5B55-4F8D-B7C0-86BB00E5781B}" destId="{2FA59269-0D33-4DB6-BEB2-35CCABA5F8A3}" srcOrd="0" destOrd="0" presId="urn:microsoft.com/office/officeart/2005/8/layout/hierarchy4"/>
-    <dgm:cxn modelId="{35F9C41B-CBB4-47D3-9C0C-B8BA19BAFA10}" type="presParOf" srcId="{ECC8CB53-5B55-4F8D-B7C0-86BB00E5781B}" destId="{088F76F3-A288-42D1-AA2F-28ED499C4273}" srcOrd="1" destOrd="0" presId="urn:microsoft.com/office/officeart/2005/8/layout/hierarchy4"/>
-  </dgm:cxnLst>
-  <dgm:bg/>
-  <dgm:whole/>
-  <dgm:extLst>
-    <a:ext uri="http://schemas.microsoft.com/office/drawing/2008/diagram">
-      <dsp:dataModelExt xmlns:dsp="http://schemas.microsoft.com/office/drawing/2008/diagram" relId="rId6" minVer="http://schemas.openxmlformats.org/drawingml/2006/diagram"/>
-    </a:ext>
-  </dgm:extLst>
-</dgm:dataModel>
-</file>
-
-<file path=ppt/diagrams/data2.xml><?xml version="1.0" encoding="utf-8"?>
 <dgm:dataModel xmlns:dgm="http://schemas.openxmlformats.org/drawingml/2006/diagram" xmlns:a="http://schemas.openxmlformats.org/drawingml/2006/main">
   <dgm:ptLst>
     <dgm:pt modelId="{36E29FA5-7CF1-4587-83EE-3FF1EC52DDDE}" type="doc">
@@ -7058,7 +5354,7 @@
 </dgm:dataModel>
 </file>
 
-<file path=ppt/diagrams/data3.xml><?xml version="1.0" encoding="utf-8"?>
+<file path=ppt/diagrams/data2.xml><?xml version="1.0" encoding="utf-8"?>
 <dgm:dataModel xmlns:dgm="http://schemas.openxmlformats.org/drawingml/2006/diagram" xmlns:a="http://schemas.openxmlformats.org/drawingml/2006/main">
   <dgm:ptLst>
     <dgm:pt modelId="{A7C6F53C-1458-4911-857E-85EF3CB4F158}" type="doc">
@@ -7616,7 +5912,7 @@
 </dgm:dataModel>
 </file>
 
-<file path=ppt/diagrams/data4.xml><?xml version="1.0" encoding="utf-8"?>
+<file path=ppt/diagrams/data3.xml><?xml version="1.0" encoding="utf-8"?>
 <dgm:dataModel xmlns:dgm="http://schemas.openxmlformats.org/drawingml/2006/diagram" xmlns:a="http://schemas.openxmlformats.org/drawingml/2006/main">
   <dgm:ptLst>
     <dgm:pt modelId="{F03C091B-E4A9-4048-BEA4-81CFCD9716A0}" type="doc">
@@ -8189,7 +6485,7 @@
 </dgm:dataModel>
 </file>
 
-<file path=ppt/diagrams/data5.xml><?xml version="1.0" encoding="utf-8"?>
+<file path=ppt/diagrams/data4.xml><?xml version="1.0" encoding="utf-8"?>
 <dgm:dataModel xmlns:dgm="http://schemas.openxmlformats.org/drawingml/2006/diagram" xmlns:a="http://schemas.openxmlformats.org/drawingml/2006/main">
   <dgm:ptLst>
     <dgm:pt modelId="{F03C091B-E4A9-4048-BEA4-81CFCD9716A0}" type="doc">
@@ -8754,2490 +7050,6 @@
 </file>
 
 <file path=ppt/diagrams/drawing1.xml><?xml version="1.0" encoding="utf-8"?>
-<dsp:drawing xmlns:dgm="http://schemas.openxmlformats.org/drawingml/2006/diagram" xmlns:dsp="http://schemas.microsoft.com/office/drawing/2008/diagram" xmlns:a="http://schemas.openxmlformats.org/drawingml/2006/main">
-  <dsp:spTree>
-    <dsp:nvGrpSpPr>
-      <dsp:cNvPr id="0" name=""/>
-      <dsp:cNvGrpSpPr/>
-    </dsp:nvGrpSpPr>
-    <dsp:grpSpPr/>
-    <dsp:sp modelId="{29989E57-F2D4-4CD0-95F2-FD4CD124835C}">
-      <dsp:nvSpPr>
-        <dsp:cNvPr id="0" name=""/>
-        <dsp:cNvSpPr/>
-      </dsp:nvSpPr>
-      <dsp:spPr>
-        <a:xfrm>
-          <a:off x="4893" y="868"/>
-          <a:ext cx="12182213" cy="902456"/>
-        </a:xfrm>
-        <a:prstGeom prst="roundRect">
-          <a:avLst>
-            <a:gd name="adj" fmla="val 10000"/>
-          </a:avLst>
-        </a:prstGeom>
-        <a:solidFill>
-          <a:schemeClr val="accent1">
-            <a:hueOff val="0"/>
-            <a:satOff val="0"/>
-            <a:lumOff val="0"/>
-            <a:alphaOff val="0"/>
-          </a:schemeClr>
-        </a:solidFill>
-        <a:ln w="19050" cap="rnd" cmpd="sng" algn="ctr">
-          <a:solidFill>
-            <a:schemeClr val="lt1">
-              <a:hueOff val="0"/>
-              <a:satOff val="0"/>
-              <a:lumOff val="0"/>
-              <a:alphaOff val="0"/>
-            </a:schemeClr>
-          </a:solidFill>
-          <a:prstDash val="solid"/>
-        </a:ln>
-        <a:effectLst/>
-      </dsp:spPr>
-      <dsp:style>
-        <a:lnRef idx="2">
-          <a:scrgbClr r="0" g="0" b="0"/>
-        </a:lnRef>
-        <a:fillRef idx="1">
-          <a:scrgbClr r="0" g="0" b="0"/>
-        </a:fillRef>
-        <a:effectRef idx="0">
-          <a:scrgbClr r="0" g="0" b="0"/>
-        </a:effectRef>
-        <a:fontRef idx="minor">
-          <a:schemeClr val="lt1"/>
-        </a:fontRef>
-      </dsp:style>
-      <dsp:txBody>
-        <a:bodyPr spcFirstLastPara="0" vert="horz" wrap="square" lIns="152400" tIns="152400" rIns="152400" bIns="152400" numCol="1" spcCol="1270" anchor="ctr" anchorCtr="0">
-          <a:noAutofit/>
-        </a:bodyPr>
-        <a:lstStyle/>
-        <a:p>
-          <a:pPr marL="0" lvl="0" indent="0" algn="ctr" defTabSz="1778000">
-            <a:lnSpc>
-              <a:spcPct val="90000"/>
-            </a:lnSpc>
-            <a:spcBef>
-              <a:spcPct val="0"/>
-            </a:spcBef>
-            <a:spcAft>
-              <a:spcPct val="35000"/>
-            </a:spcAft>
-            <a:buNone/>
-          </a:pPr>
-          <a:r>
-            <a:rPr lang="ru-RU" sz="4000" b="1" i="0" kern="1200" dirty="0"/>
-            <a:t>ФИНАНСОВОЕ ОБЕСПЕЧЕНИЕ</a:t>
-          </a:r>
-          <a:endParaRPr lang="ru-RU" sz="4000" kern="1200" dirty="0"/>
-        </a:p>
-      </dsp:txBody>
-      <dsp:txXfrm>
-        <a:off x="31325" y="27300"/>
-        <a:ext cx="12129349" cy="849592"/>
-      </dsp:txXfrm>
-    </dsp:sp>
-    <dsp:sp modelId="{46B7B4C1-E558-4DB6-94F9-F193A394257E}">
-      <dsp:nvSpPr>
-        <dsp:cNvPr id="0" name=""/>
-        <dsp:cNvSpPr/>
-      </dsp:nvSpPr>
-      <dsp:spPr>
-        <a:xfrm>
-          <a:off x="4893" y="993169"/>
-          <a:ext cx="2283023" cy="902456"/>
-        </a:xfrm>
-        <a:prstGeom prst="roundRect">
-          <a:avLst>
-            <a:gd name="adj" fmla="val 10000"/>
-          </a:avLst>
-        </a:prstGeom>
-        <a:solidFill>
-          <a:schemeClr val="accent1">
-            <a:hueOff val="0"/>
-            <a:satOff val="0"/>
-            <a:lumOff val="0"/>
-            <a:alphaOff val="0"/>
-          </a:schemeClr>
-        </a:solidFill>
-        <a:ln w="19050" cap="rnd" cmpd="sng" algn="ctr">
-          <a:solidFill>
-            <a:schemeClr val="lt1">
-              <a:hueOff val="0"/>
-              <a:satOff val="0"/>
-              <a:lumOff val="0"/>
-              <a:alphaOff val="0"/>
-            </a:schemeClr>
-          </a:solidFill>
-          <a:prstDash val="solid"/>
-        </a:ln>
-        <a:effectLst/>
-      </dsp:spPr>
-      <dsp:style>
-        <a:lnRef idx="2">
-          <a:scrgbClr r="0" g="0" b="0"/>
-        </a:lnRef>
-        <a:fillRef idx="1">
-          <a:scrgbClr r="0" g="0" b="0"/>
-        </a:fillRef>
-        <a:effectRef idx="0">
-          <a:scrgbClr r="0" g="0" b="0"/>
-        </a:effectRef>
-        <a:fontRef idx="minor">
-          <a:schemeClr val="lt1"/>
-        </a:fontRef>
-      </dsp:style>
-      <dsp:txBody>
-        <a:bodyPr spcFirstLastPara="0" vert="horz" wrap="square" lIns="152400" tIns="152400" rIns="152400" bIns="152400" numCol="1" spcCol="1270" anchor="ctr" anchorCtr="0">
-          <a:noAutofit/>
-        </a:bodyPr>
-        <a:lstStyle/>
-        <a:p>
-          <a:pPr marL="0" lvl="0" indent="0" algn="ctr" defTabSz="1778000">
-            <a:lnSpc>
-              <a:spcPct val="90000"/>
-            </a:lnSpc>
-            <a:spcBef>
-              <a:spcPct val="0"/>
-            </a:spcBef>
-            <a:spcAft>
-              <a:spcPct val="35000"/>
-            </a:spcAft>
-            <a:buNone/>
-          </a:pPr>
-          <a:r>
-            <a:rPr lang="ru-RU" sz="4000" kern="1200" dirty="0"/>
-            <a:t> </a:t>
-          </a:r>
-        </a:p>
-      </dsp:txBody>
-      <dsp:txXfrm>
-        <a:off x="31325" y="1019601"/>
-        <a:ext cx="2230159" cy="849592"/>
-      </dsp:txXfrm>
-    </dsp:sp>
-    <dsp:sp modelId="{E773BF7A-B27F-4404-BE50-6ED58783747C}">
-      <dsp:nvSpPr>
-        <dsp:cNvPr id="0" name=""/>
-        <dsp:cNvSpPr/>
-      </dsp:nvSpPr>
-      <dsp:spPr>
-        <a:xfrm>
-          <a:off x="4893" y="1985470"/>
-          <a:ext cx="2283023" cy="902456"/>
-        </a:xfrm>
-        <a:prstGeom prst="roundRect">
-          <a:avLst>
-            <a:gd name="adj" fmla="val 10000"/>
-          </a:avLst>
-        </a:prstGeom>
-        <a:solidFill>
-          <a:schemeClr val="accent1">
-            <a:hueOff val="0"/>
-            <a:satOff val="0"/>
-            <a:lumOff val="0"/>
-            <a:alphaOff val="0"/>
-          </a:schemeClr>
-        </a:solidFill>
-        <a:ln w="19050" cap="rnd" cmpd="sng" algn="ctr">
-          <a:solidFill>
-            <a:schemeClr val="lt1">
-              <a:hueOff val="0"/>
-              <a:satOff val="0"/>
-              <a:lumOff val="0"/>
-              <a:alphaOff val="0"/>
-            </a:schemeClr>
-          </a:solidFill>
-          <a:prstDash val="solid"/>
-        </a:ln>
-        <a:effectLst/>
-      </dsp:spPr>
-      <dsp:style>
-        <a:lnRef idx="2">
-          <a:scrgbClr r="0" g="0" b="0"/>
-        </a:lnRef>
-        <a:fillRef idx="1">
-          <a:scrgbClr r="0" g="0" b="0"/>
-        </a:fillRef>
-        <a:effectRef idx="0">
-          <a:scrgbClr r="0" g="0" b="0"/>
-        </a:effectRef>
-        <a:fontRef idx="minor">
-          <a:schemeClr val="lt1"/>
-        </a:fontRef>
-      </dsp:style>
-      <dsp:txBody>
-        <a:bodyPr spcFirstLastPara="0" vert="horz" wrap="square" lIns="68580" tIns="68580" rIns="68580" bIns="68580" numCol="1" spcCol="1270" anchor="ctr" anchorCtr="0">
-          <a:noAutofit/>
-        </a:bodyPr>
-        <a:lstStyle/>
-        <a:p>
-          <a:pPr marL="0" lvl="0" indent="0" algn="ctr" defTabSz="800100">
-            <a:lnSpc>
-              <a:spcPct val="90000"/>
-            </a:lnSpc>
-            <a:spcBef>
-              <a:spcPct val="0"/>
-            </a:spcBef>
-            <a:spcAft>
-              <a:spcPct val="35000"/>
-            </a:spcAft>
-            <a:buNone/>
-          </a:pPr>
-          <a:r>
-            <a:rPr lang="ru-RU" sz="1800" b="1" i="0" kern="1200" dirty="0"/>
-            <a:t>Государственная программа</a:t>
-          </a:r>
-          <a:endParaRPr lang="ru-RU" sz="1800" kern="1200" dirty="0"/>
-        </a:p>
-      </dsp:txBody>
-      <dsp:txXfrm>
-        <a:off x="31325" y="2011902"/>
-        <a:ext cx="2230159" cy="849592"/>
-      </dsp:txXfrm>
-    </dsp:sp>
-    <dsp:sp modelId="{6B60D248-28E2-408F-9D50-F9D8B3F35865}">
-      <dsp:nvSpPr>
-        <dsp:cNvPr id="0" name=""/>
-        <dsp:cNvSpPr/>
-      </dsp:nvSpPr>
-      <dsp:spPr>
-        <a:xfrm>
-          <a:off x="4893" y="2977771"/>
-          <a:ext cx="2283023" cy="902456"/>
-        </a:xfrm>
-        <a:prstGeom prst="roundRect">
-          <a:avLst>
-            <a:gd name="adj" fmla="val 10000"/>
-          </a:avLst>
-        </a:prstGeom>
-        <a:solidFill>
-          <a:schemeClr val="accent1">
-            <a:hueOff val="0"/>
-            <a:satOff val="0"/>
-            <a:lumOff val="0"/>
-            <a:alphaOff val="0"/>
-          </a:schemeClr>
-        </a:solidFill>
-        <a:ln w="19050" cap="rnd" cmpd="sng" algn="ctr">
-          <a:solidFill>
-            <a:schemeClr val="lt1">
-              <a:hueOff val="0"/>
-              <a:satOff val="0"/>
-              <a:lumOff val="0"/>
-              <a:alphaOff val="0"/>
-            </a:schemeClr>
-          </a:solidFill>
-          <a:prstDash val="solid"/>
-        </a:ln>
-        <a:effectLst/>
-      </dsp:spPr>
-      <dsp:style>
-        <a:lnRef idx="2">
-          <a:scrgbClr r="0" g="0" b="0"/>
-        </a:lnRef>
-        <a:fillRef idx="1">
-          <a:scrgbClr r="0" g="0" b="0"/>
-        </a:fillRef>
-        <a:effectRef idx="0">
-          <a:scrgbClr r="0" g="0" b="0"/>
-        </a:effectRef>
-        <a:fontRef idx="minor">
-          <a:schemeClr val="lt1"/>
-        </a:fontRef>
-      </dsp:style>
-      <dsp:txBody>
-        <a:bodyPr spcFirstLastPara="0" vert="horz" wrap="square" lIns="53340" tIns="53340" rIns="53340" bIns="53340" numCol="1" spcCol="1270" anchor="ctr" anchorCtr="0">
-          <a:noAutofit/>
-        </a:bodyPr>
-        <a:lstStyle/>
-        <a:p>
-          <a:pPr marL="0" lvl="0" indent="0" algn="ctr" defTabSz="622300">
-            <a:lnSpc>
-              <a:spcPct val="90000"/>
-            </a:lnSpc>
-            <a:spcBef>
-              <a:spcPct val="0"/>
-            </a:spcBef>
-            <a:spcAft>
-              <a:spcPct val="35000"/>
-            </a:spcAft>
-            <a:buNone/>
-          </a:pPr>
-          <a:r>
-            <a:rPr lang="ru-RU" sz="1400" b="1" i="0" kern="1200" dirty="0"/>
-            <a:t>Федеральный бюджет</a:t>
-          </a:r>
-          <a:endParaRPr lang="ru-RU" sz="1400" kern="1200" dirty="0"/>
-        </a:p>
-      </dsp:txBody>
-      <dsp:txXfrm>
-        <a:off x="31325" y="3004203"/>
-        <a:ext cx="2230159" cy="849592"/>
-      </dsp:txXfrm>
-    </dsp:sp>
-    <dsp:sp modelId="{13C833BC-6791-4E3A-8A54-643B3842E3DD}">
-      <dsp:nvSpPr>
-        <dsp:cNvPr id="0" name=""/>
-        <dsp:cNvSpPr/>
-      </dsp:nvSpPr>
-      <dsp:spPr>
-        <a:xfrm>
-          <a:off x="4893" y="3970072"/>
-          <a:ext cx="2283023" cy="902456"/>
-        </a:xfrm>
-        <a:prstGeom prst="roundRect">
-          <a:avLst>
-            <a:gd name="adj" fmla="val 10000"/>
-          </a:avLst>
-        </a:prstGeom>
-        <a:solidFill>
-          <a:schemeClr val="accent1">
-            <a:hueOff val="0"/>
-            <a:satOff val="0"/>
-            <a:lumOff val="0"/>
-            <a:alphaOff val="0"/>
-          </a:schemeClr>
-        </a:solidFill>
-        <a:ln w="19050" cap="rnd" cmpd="sng" algn="ctr">
-          <a:solidFill>
-            <a:schemeClr val="lt1">
-              <a:hueOff val="0"/>
-              <a:satOff val="0"/>
-              <a:lumOff val="0"/>
-              <a:alphaOff val="0"/>
-            </a:schemeClr>
-          </a:solidFill>
-          <a:prstDash val="solid"/>
-        </a:ln>
-        <a:effectLst/>
-      </dsp:spPr>
-      <dsp:style>
-        <a:lnRef idx="2">
-          <a:scrgbClr r="0" g="0" b="0"/>
-        </a:lnRef>
-        <a:fillRef idx="1">
-          <a:scrgbClr r="0" g="0" b="0"/>
-        </a:fillRef>
-        <a:effectRef idx="0">
-          <a:scrgbClr r="0" g="0" b="0"/>
-        </a:effectRef>
-        <a:fontRef idx="minor">
-          <a:schemeClr val="lt1"/>
-        </a:fontRef>
-      </dsp:style>
-      <dsp:txBody>
-        <a:bodyPr spcFirstLastPara="0" vert="horz" wrap="square" lIns="53340" tIns="53340" rIns="53340" bIns="53340" numCol="1" spcCol="1270" anchor="ctr" anchorCtr="0">
-          <a:noAutofit/>
-        </a:bodyPr>
-        <a:lstStyle/>
-        <a:p>
-          <a:pPr marL="0" lvl="0" indent="0" algn="ctr" defTabSz="622300">
-            <a:lnSpc>
-              <a:spcPct val="90000"/>
-            </a:lnSpc>
-            <a:spcBef>
-              <a:spcPct val="0"/>
-            </a:spcBef>
-            <a:spcAft>
-              <a:spcPct val="35000"/>
-            </a:spcAft>
-            <a:buNone/>
-          </a:pPr>
-          <a:r>
-            <a:rPr lang="ru-RU" sz="1400" b="0" i="0" kern="1200" dirty="0"/>
-            <a:t>в том числе: межбюджетные трансферты</a:t>
-          </a:r>
-          <a:endParaRPr lang="ru-RU" sz="1400" kern="1200" dirty="0"/>
-        </a:p>
-      </dsp:txBody>
-      <dsp:txXfrm>
-        <a:off x="31325" y="3996504"/>
-        <a:ext cx="2230159" cy="849592"/>
-      </dsp:txXfrm>
-    </dsp:sp>
-    <dsp:sp modelId="{D654B529-46DC-406E-AA14-BB73C7048668}">
-      <dsp:nvSpPr>
-        <dsp:cNvPr id="0" name=""/>
-        <dsp:cNvSpPr/>
-      </dsp:nvSpPr>
-      <dsp:spPr>
-        <a:xfrm>
-          <a:off x="4893" y="4962373"/>
-          <a:ext cx="2283023" cy="902456"/>
-        </a:xfrm>
-        <a:prstGeom prst="roundRect">
-          <a:avLst>
-            <a:gd name="adj" fmla="val 10000"/>
-          </a:avLst>
-        </a:prstGeom>
-        <a:solidFill>
-          <a:schemeClr val="accent1">
-            <a:hueOff val="0"/>
-            <a:satOff val="0"/>
-            <a:lumOff val="0"/>
-            <a:alphaOff val="0"/>
-          </a:schemeClr>
-        </a:solidFill>
-        <a:ln w="19050" cap="rnd" cmpd="sng" algn="ctr">
-          <a:solidFill>
-            <a:schemeClr val="lt1">
-              <a:hueOff val="0"/>
-              <a:satOff val="0"/>
-              <a:lumOff val="0"/>
-              <a:alphaOff val="0"/>
-            </a:schemeClr>
-          </a:solidFill>
-          <a:prstDash val="solid"/>
-        </a:ln>
-        <a:effectLst/>
-      </dsp:spPr>
-      <dsp:style>
-        <a:lnRef idx="2">
-          <a:scrgbClr r="0" g="0" b="0"/>
-        </a:lnRef>
-        <a:fillRef idx="1">
-          <a:scrgbClr r="0" g="0" b="0"/>
-        </a:fillRef>
-        <a:effectRef idx="0">
-          <a:scrgbClr r="0" g="0" b="0"/>
-        </a:effectRef>
-        <a:fontRef idx="minor">
-          <a:schemeClr val="lt1"/>
-        </a:fontRef>
-      </dsp:style>
-      <dsp:txBody>
-        <a:bodyPr spcFirstLastPara="0" vert="horz" wrap="square" lIns="53340" tIns="53340" rIns="53340" bIns="53340" numCol="1" spcCol="1270" anchor="ctr" anchorCtr="0">
-          <a:noAutofit/>
-        </a:bodyPr>
-        <a:lstStyle/>
-        <a:p>
-          <a:pPr marL="0" lvl="0" indent="0" algn="ctr" defTabSz="622300">
-            <a:lnSpc>
-              <a:spcPct val="90000"/>
-            </a:lnSpc>
-            <a:spcBef>
-              <a:spcPct val="0"/>
-            </a:spcBef>
-            <a:spcAft>
-              <a:spcPct val="35000"/>
-            </a:spcAft>
-            <a:buNone/>
-          </a:pPr>
-          <a:r>
-            <a:rPr lang="ru-RU" sz="1400" b="1" i="0" kern="1200"/>
-            <a:t>Консолидированные бюджеты субъектов</a:t>
-          </a:r>
-          <a:endParaRPr lang="ru-RU" sz="1400" kern="1200" dirty="0"/>
-        </a:p>
-      </dsp:txBody>
-      <dsp:txXfrm>
-        <a:off x="31325" y="4988805"/>
-        <a:ext cx="2230159" cy="849592"/>
-      </dsp:txXfrm>
-    </dsp:sp>
-    <dsp:sp modelId="{2744BA1D-C254-4BD0-AE4B-5731F1061863}">
-      <dsp:nvSpPr>
-        <dsp:cNvPr id="0" name=""/>
-        <dsp:cNvSpPr/>
-      </dsp:nvSpPr>
-      <dsp:spPr>
-        <a:xfrm>
-          <a:off x="4893" y="5954675"/>
-          <a:ext cx="2283023" cy="902456"/>
-        </a:xfrm>
-        <a:prstGeom prst="roundRect">
-          <a:avLst>
-            <a:gd name="adj" fmla="val 10000"/>
-          </a:avLst>
-        </a:prstGeom>
-        <a:solidFill>
-          <a:schemeClr val="accent1">
-            <a:hueOff val="0"/>
-            <a:satOff val="0"/>
-            <a:lumOff val="0"/>
-            <a:alphaOff val="0"/>
-          </a:schemeClr>
-        </a:solidFill>
-        <a:ln w="19050" cap="rnd" cmpd="sng" algn="ctr">
-          <a:solidFill>
-            <a:schemeClr val="lt1">
-              <a:hueOff val="0"/>
-              <a:satOff val="0"/>
-              <a:lumOff val="0"/>
-              <a:alphaOff val="0"/>
-            </a:schemeClr>
-          </a:solidFill>
-          <a:prstDash val="solid"/>
-        </a:ln>
-        <a:effectLst/>
-      </dsp:spPr>
-      <dsp:style>
-        <a:lnRef idx="2">
-          <a:scrgbClr r="0" g="0" b="0"/>
-        </a:lnRef>
-        <a:fillRef idx="1">
-          <a:scrgbClr r="0" g="0" b="0"/>
-        </a:fillRef>
-        <a:effectRef idx="0">
-          <a:scrgbClr r="0" g="0" b="0"/>
-        </a:effectRef>
-        <a:fontRef idx="minor">
-          <a:schemeClr val="lt1"/>
-        </a:fontRef>
-      </dsp:style>
-      <dsp:txBody>
-        <a:bodyPr spcFirstLastPara="0" vert="horz" wrap="square" lIns="53340" tIns="53340" rIns="53340" bIns="53340" numCol="1" spcCol="1270" anchor="ctr" anchorCtr="0">
-          <a:noAutofit/>
-        </a:bodyPr>
-        <a:lstStyle/>
-        <a:p>
-          <a:pPr marL="0" lvl="0" indent="0" algn="ctr" defTabSz="622300">
-            <a:lnSpc>
-              <a:spcPct val="90000"/>
-            </a:lnSpc>
-            <a:spcBef>
-              <a:spcPct val="0"/>
-            </a:spcBef>
-            <a:spcAft>
-              <a:spcPct val="35000"/>
-            </a:spcAft>
-            <a:buNone/>
-          </a:pPr>
-          <a:r>
-            <a:rPr lang="ru-RU" sz="1400" b="1" i="0" kern="1200"/>
-            <a:t>Бюджеты государственных внебюджетных фондов</a:t>
-          </a:r>
-          <a:endParaRPr lang="ru-RU" sz="1400" kern="1200" dirty="0"/>
-        </a:p>
-      </dsp:txBody>
-      <dsp:txXfrm>
-        <a:off x="31325" y="5981107"/>
-        <a:ext cx="2230159" cy="849592"/>
-      </dsp:txXfrm>
-    </dsp:sp>
-    <dsp:sp modelId="{B3DFDA44-2421-4A39-86D3-380C1A6CADF3}">
-      <dsp:nvSpPr>
-        <dsp:cNvPr id="0" name=""/>
-        <dsp:cNvSpPr/>
-      </dsp:nvSpPr>
-      <dsp:spPr>
-        <a:xfrm>
-          <a:off x="2431747" y="993169"/>
-          <a:ext cx="2283023" cy="902456"/>
-        </a:xfrm>
-        <a:prstGeom prst="roundRect">
-          <a:avLst>
-            <a:gd name="adj" fmla="val 10000"/>
-          </a:avLst>
-        </a:prstGeom>
-        <a:solidFill>
-          <a:schemeClr val="accent1">
-            <a:hueOff val="0"/>
-            <a:satOff val="0"/>
-            <a:lumOff val="0"/>
-            <a:alphaOff val="0"/>
-          </a:schemeClr>
-        </a:solidFill>
-        <a:ln w="19050" cap="rnd" cmpd="sng" algn="ctr">
-          <a:solidFill>
-            <a:schemeClr val="lt1">
-              <a:hueOff val="0"/>
-              <a:satOff val="0"/>
-              <a:lumOff val="0"/>
-              <a:alphaOff val="0"/>
-            </a:schemeClr>
-          </a:solidFill>
-          <a:prstDash val="solid"/>
-        </a:ln>
-        <a:effectLst/>
-      </dsp:spPr>
-      <dsp:style>
-        <a:lnRef idx="2">
-          <a:scrgbClr r="0" g="0" b="0"/>
-        </a:lnRef>
-        <a:fillRef idx="1">
-          <a:scrgbClr r="0" g="0" b="0"/>
-        </a:fillRef>
-        <a:effectRef idx="0">
-          <a:scrgbClr r="0" g="0" b="0"/>
-        </a:effectRef>
-        <a:fontRef idx="minor">
-          <a:schemeClr val="lt1"/>
-        </a:fontRef>
-      </dsp:style>
-      <dsp:txBody>
-        <a:bodyPr spcFirstLastPara="0" vert="horz" wrap="square" lIns="152400" tIns="152400" rIns="152400" bIns="152400" numCol="1" spcCol="1270" anchor="ctr" anchorCtr="0">
-          <a:noAutofit/>
-        </a:bodyPr>
-        <a:lstStyle/>
-        <a:p>
-          <a:pPr marL="0" lvl="0" indent="0" algn="ctr" defTabSz="1778000">
-            <a:lnSpc>
-              <a:spcPct val="90000"/>
-            </a:lnSpc>
-            <a:spcBef>
-              <a:spcPct val="0"/>
-            </a:spcBef>
-            <a:spcAft>
-              <a:spcPct val="35000"/>
-            </a:spcAft>
-            <a:buNone/>
-          </a:pPr>
-          <a:r>
-            <a:rPr lang="ru-RU" sz="4000" kern="1200" dirty="0"/>
-            <a:t>2022</a:t>
-          </a:r>
-        </a:p>
-      </dsp:txBody>
-      <dsp:txXfrm>
-        <a:off x="2458179" y="1019601"/>
-        <a:ext cx="2230159" cy="849592"/>
-      </dsp:txXfrm>
-    </dsp:sp>
-    <dsp:sp modelId="{8B856E65-DF81-462D-B59A-37F7FA5E82F1}">
-      <dsp:nvSpPr>
-        <dsp:cNvPr id="0" name=""/>
-        <dsp:cNvSpPr/>
-      </dsp:nvSpPr>
-      <dsp:spPr>
-        <a:xfrm>
-          <a:off x="2479690" y="1985470"/>
-          <a:ext cx="2283023" cy="902456"/>
-        </a:xfrm>
-        <a:prstGeom prst="roundRect">
-          <a:avLst>
-            <a:gd name="adj" fmla="val 10000"/>
-          </a:avLst>
-        </a:prstGeom>
-        <a:solidFill>
-          <a:schemeClr val="accent1">
-            <a:hueOff val="0"/>
-            <a:satOff val="0"/>
-            <a:lumOff val="0"/>
-            <a:alphaOff val="0"/>
-          </a:schemeClr>
-        </a:solidFill>
-        <a:ln w="19050" cap="rnd" cmpd="sng" algn="ctr">
-          <a:solidFill>
-            <a:schemeClr val="lt1">
-              <a:hueOff val="0"/>
-              <a:satOff val="0"/>
-              <a:lumOff val="0"/>
-              <a:alphaOff val="0"/>
-            </a:schemeClr>
-          </a:solidFill>
-          <a:prstDash val="solid"/>
-        </a:ln>
-        <a:effectLst/>
-      </dsp:spPr>
-      <dsp:style>
-        <a:lnRef idx="2">
-          <a:scrgbClr r="0" g="0" b="0"/>
-        </a:lnRef>
-        <a:fillRef idx="1">
-          <a:scrgbClr r="0" g="0" b="0"/>
-        </a:fillRef>
-        <a:effectRef idx="0">
-          <a:scrgbClr r="0" g="0" b="0"/>
-        </a:effectRef>
-        <a:fontRef idx="minor">
-          <a:schemeClr val="lt1"/>
-        </a:fontRef>
-      </dsp:style>
-      <dsp:txBody>
-        <a:bodyPr spcFirstLastPara="0" vert="horz" wrap="square" lIns="68580" tIns="68580" rIns="68580" bIns="68580" numCol="1" spcCol="1270" anchor="ctr" anchorCtr="0">
-          <a:noAutofit/>
-        </a:bodyPr>
-        <a:lstStyle/>
-        <a:p>
-          <a:pPr marL="0" lvl="0" indent="0" algn="ctr" defTabSz="800100">
-            <a:lnSpc>
-              <a:spcPct val="90000"/>
-            </a:lnSpc>
-            <a:spcBef>
-              <a:spcPct val="0"/>
-            </a:spcBef>
-            <a:spcAft>
-              <a:spcPct val="35000"/>
-            </a:spcAft>
-            <a:buNone/>
-          </a:pPr>
-          <a:r>
-            <a:rPr lang="ru-RU" sz="1800" b="0" i="0" kern="1200" dirty="0"/>
-            <a:t>584 467 270.60</a:t>
-          </a:r>
-          <a:endParaRPr lang="ru-RU" sz="1800" kern="1200" dirty="0"/>
-        </a:p>
-      </dsp:txBody>
-      <dsp:txXfrm>
-        <a:off x="2506122" y="2011902"/>
-        <a:ext cx="2230159" cy="849592"/>
-      </dsp:txXfrm>
-    </dsp:sp>
-    <dsp:sp modelId="{29C3E3D1-5460-4D8F-8654-3AEAA23C1D9B}">
-      <dsp:nvSpPr>
-        <dsp:cNvPr id="0" name=""/>
-        <dsp:cNvSpPr/>
-      </dsp:nvSpPr>
-      <dsp:spPr>
-        <a:xfrm>
-          <a:off x="2479690" y="2977771"/>
-          <a:ext cx="2283023" cy="902456"/>
-        </a:xfrm>
-        <a:prstGeom prst="roundRect">
-          <a:avLst>
-            <a:gd name="adj" fmla="val 10000"/>
-          </a:avLst>
-        </a:prstGeom>
-        <a:solidFill>
-          <a:schemeClr val="accent1">
-            <a:hueOff val="0"/>
-            <a:satOff val="0"/>
-            <a:lumOff val="0"/>
-            <a:alphaOff val="0"/>
-          </a:schemeClr>
-        </a:solidFill>
-        <a:ln w="19050" cap="rnd" cmpd="sng" algn="ctr">
-          <a:solidFill>
-            <a:schemeClr val="lt1">
-              <a:hueOff val="0"/>
-              <a:satOff val="0"/>
-              <a:lumOff val="0"/>
-              <a:alphaOff val="0"/>
-            </a:schemeClr>
-          </a:solidFill>
-          <a:prstDash val="solid"/>
-        </a:ln>
-        <a:effectLst/>
-      </dsp:spPr>
-      <dsp:style>
-        <a:lnRef idx="2">
-          <a:scrgbClr r="0" g="0" b="0"/>
-        </a:lnRef>
-        <a:fillRef idx="1">
-          <a:scrgbClr r="0" g="0" b="0"/>
-        </a:fillRef>
-        <a:effectRef idx="0">
-          <a:scrgbClr r="0" g="0" b="0"/>
-        </a:effectRef>
-        <a:fontRef idx="minor">
-          <a:schemeClr val="lt1"/>
-        </a:fontRef>
-      </dsp:style>
-      <dsp:txBody>
-        <a:bodyPr spcFirstLastPara="0" vert="horz" wrap="square" lIns="53340" tIns="53340" rIns="53340" bIns="53340" numCol="1" spcCol="1270" anchor="ctr" anchorCtr="0">
-          <a:noAutofit/>
-        </a:bodyPr>
-        <a:lstStyle/>
-        <a:p>
-          <a:pPr marL="0" lvl="0" indent="0" algn="ctr" defTabSz="622300">
-            <a:lnSpc>
-              <a:spcPct val="90000"/>
-            </a:lnSpc>
-            <a:spcBef>
-              <a:spcPct val="0"/>
-            </a:spcBef>
-            <a:spcAft>
-              <a:spcPct val="35000"/>
-            </a:spcAft>
-            <a:buNone/>
-          </a:pPr>
-          <a:r>
-            <a:rPr lang="ru-RU" sz="1400" b="0" i="0" kern="1200"/>
-            <a:t>394 012 960.20</a:t>
-          </a:r>
-          <a:endParaRPr lang="ru-RU" sz="1400" kern="1200" dirty="0"/>
-        </a:p>
-      </dsp:txBody>
-      <dsp:txXfrm>
-        <a:off x="2506122" y="3004203"/>
-        <a:ext cx="2230159" cy="849592"/>
-      </dsp:txXfrm>
-    </dsp:sp>
-    <dsp:sp modelId="{0AEF6763-F547-4D77-8C2E-F44A30E10B86}">
-      <dsp:nvSpPr>
-        <dsp:cNvPr id="0" name=""/>
-        <dsp:cNvSpPr/>
-      </dsp:nvSpPr>
-      <dsp:spPr>
-        <a:xfrm>
-          <a:off x="2479690" y="3970072"/>
-          <a:ext cx="2283023" cy="902456"/>
-        </a:xfrm>
-        <a:prstGeom prst="roundRect">
-          <a:avLst>
-            <a:gd name="adj" fmla="val 10000"/>
-          </a:avLst>
-        </a:prstGeom>
-        <a:solidFill>
-          <a:schemeClr val="accent1">
-            <a:hueOff val="0"/>
-            <a:satOff val="0"/>
-            <a:lumOff val="0"/>
-            <a:alphaOff val="0"/>
-          </a:schemeClr>
-        </a:solidFill>
-        <a:ln w="19050" cap="rnd" cmpd="sng" algn="ctr">
-          <a:solidFill>
-            <a:schemeClr val="lt1">
-              <a:hueOff val="0"/>
-              <a:satOff val="0"/>
-              <a:lumOff val="0"/>
-              <a:alphaOff val="0"/>
-            </a:schemeClr>
-          </a:solidFill>
-          <a:prstDash val="solid"/>
-        </a:ln>
-        <a:effectLst/>
-      </dsp:spPr>
-      <dsp:style>
-        <a:lnRef idx="2">
-          <a:scrgbClr r="0" g="0" b="0"/>
-        </a:lnRef>
-        <a:fillRef idx="1">
-          <a:scrgbClr r="0" g="0" b="0"/>
-        </a:fillRef>
-        <a:effectRef idx="0">
-          <a:scrgbClr r="0" g="0" b="0"/>
-        </a:effectRef>
-        <a:fontRef idx="minor">
-          <a:schemeClr val="lt1"/>
-        </a:fontRef>
-      </dsp:style>
-      <dsp:txBody>
-        <a:bodyPr spcFirstLastPara="0" vert="horz" wrap="square" lIns="53340" tIns="53340" rIns="53340" bIns="53340" numCol="1" spcCol="1270" anchor="ctr" anchorCtr="0">
-          <a:noAutofit/>
-        </a:bodyPr>
-        <a:lstStyle/>
-        <a:p>
-          <a:pPr marL="0" lvl="0" indent="0" algn="ctr" defTabSz="622300">
-            <a:lnSpc>
-              <a:spcPct val="90000"/>
-            </a:lnSpc>
-            <a:spcBef>
-              <a:spcPct val="0"/>
-            </a:spcBef>
-            <a:spcAft>
-              <a:spcPct val="35000"/>
-            </a:spcAft>
-            <a:buNone/>
-          </a:pPr>
-          <a:r>
-            <a:rPr lang="ru-RU" sz="1400" b="0" i="0" kern="1200"/>
-            <a:t>159 922 337.60</a:t>
-          </a:r>
-          <a:endParaRPr lang="ru-RU" sz="1400" kern="1200" dirty="0"/>
-        </a:p>
-      </dsp:txBody>
-      <dsp:txXfrm>
-        <a:off x="2506122" y="3996504"/>
-        <a:ext cx="2230159" cy="849592"/>
-      </dsp:txXfrm>
-    </dsp:sp>
-    <dsp:sp modelId="{A7D9DB31-96BA-413A-8449-6BA30468EE1A}">
-      <dsp:nvSpPr>
-        <dsp:cNvPr id="0" name=""/>
-        <dsp:cNvSpPr/>
-      </dsp:nvSpPr>
-      <dsp:spPr>
-        <a:xfrm>
-          <a:off x="2479690" y="4962373"/>
-          <a:ext cx="2283023" cy="902456"/>
-        </a:xfrm>
-        <a:prstGeom prst="roundRect">
-          <a:avLst>
-            <a:gd name="adj" fmla="val 10000"/>
-          </a:avLst>
-        </a:prstGeom>
-        <a:solidFill>
-          <a:schemeClr val="accent1">
-            <a:hueOff val="0"/>
-            <a:satOff val="0"/>
-            <a:lumOff val="0"/>
-            <a:alphaOff val="0"/>
-          </a:schemeClr>
-        </a:solidFill>
-        <a:ln w="19050" cap="rnd" cmpd="sng" algn="ctr">
-          <a:solidFill>
-            <a:schemeClr val="lt1">
-              <a:hueOff val="0"/>
-              <a:satOff val="0"/>
-              <a:lumOff val="0"/>
-              <a:alphaOff val="0"/>
-            </a:schemeClr>
-          </a:solidFill>
-          <a:prstDash val="solid"/>
-        </a:ln>
-        <a:effectLst/>
-      </dsp:spPr>
-      <dsp:style>
-        <a:lnRef idx="2">
-          <a:scrgbClr r="0" g="0" b="0"/>
-        </a:lnRef>
-        <a:fillRef idx="1">
-          <a:scrgbClr r="0" g="0" b="0"/>
-        </a:fillRef>
-        <a:effectRef idx="0">
-          <a:scrgbClr r="0" g="0" b="0"/>
-        </a:effectRef>
-        <a:fontRef idx="minor">
-          <a:schemeClr val="lt1"/>
-        </a:fontRef>
-      </dsp:style>
-      <dsp:txBody>
-        <a:bodyPr spcFirstLastPara="0" vert="horz" wrap="square" lIns="53340" tIns="53340" rIns="53340" bIns="53340" numCol="1" spcCol="1270" anchor="ctr" anchorCtr="0">
-          <a:noAutofit/>
-        </a:bodyPr>
-        <a:lstStyle/>
-        <a:p>
-          <a:pPr marL="0" lvl="0" indent="0" algn="ctr" defTabSz="622300">
-            <a:lnSpc>
-              <a:spcPct val="90000"/>
-            </a:lnSpc>
-            <a:spcBef>
-              <a:spcPct val="0"/>
-            </a:spcBef>
-            <a:spcAft>
-              <a:spcPct val="35000"/>
-            </a:spcAft>
-            <a:buNone/>
-          </a:pPr>
-          <a:r>
-            <a:rPr lang="ru-RU" sz="1400" b="0" i="0" kern="1200" dirty="0"/>
-            <a:t>159 922 337.60</a:t>
-          </a:r>
-          <a:endParaRPr lang="ru-RU" sz="1400" kern="1200" dirty="0"/>
-        </a:p>
-      </dsp:txBody>
-      <dsp:txXfrm>
-        <a:off x="2506122" y="4988805"/>
-        <a:ext cx="2230159" cy="849592"/>
-      </dsp:txXfrm>
-    </dsp:sp>
-    <dsp:sp modelId="{AB0191D1-C35A-4AEB-9783-00047E5A0870}">
-      <dsp:nvSpPr>
-        <dsp:cNvPr id="0" name=""/>
-        <dsp:cNvSpPr/>
-      </dsp:nvSpPr>
-      <dsp:spPr>
-        <a:xfrm>
-          <a:off x="2479690" y="5954675"/>
-          <a:ext cx="2283023" cy="902456"/>
-        </a:xfrm>
-        <a:prstGeom prst="roundRect">
-          <a:avLst>
-            <a:gd name="adj" fmla="val 10000"/>
-          </a:avLst>
-        </a:prstGeom>
-        <a:solidFill>
-          <a:schemeClr val="accent1">
-            <a:hueOff val="0"/>
-            <a:satOff val="0"/>
-            <a:lumOff val="0"/>
-            <a:alphaOff val="0"/>
-          </a:schemeClr>
-        </a:solidFill>
-        <a:ln w="19050" cap="rnd" cmpd="sng" algn="ctr">
-          <a:solidFill>
-            <a:schemeClr val="lt1">
-              <a:hueOff val="0"/>
-              <a:satOff val="0"/>
-              <a:lumOff val="0"/>
-              <a:alphaOff val="0"/>
-            </a:schemeClr>
-          </a:solidFill>
-          <a:prstDash val="solid"/>
-        </a:ln>
-        <a:effectLst/>
-      </dsp:spPr>
-      <dsp:style>
-        <a:lnRef idx="2">
-          <a:scrgbClr r="0" g="0" b="0"/>
-        </a:lnRef>
-        <a:fillRef idx="1">
-          <a:scrgbClr r="0" g="0" b="0"/>
-        </a:fillRef>
-        <a:effectRef idx="0">
-          <a:scrgbClr r="0" g="0" b="0"/>
-        </a:effectRef>
-        <a:fontRef idx="minor">
-          <a:schemeClr val="lt1"/>
-        </a:fontRef>
-      </dsp:style>
-      <dsp:txBody>
-        <a:bodyPr spcFirstLastPara="0" vert="horz" wrap="square" lIns="53340" tIns="53340" rIns="53340" bIns="53340" numCol="1" spcCol="1270" anchor="ctr" anchorCtr="0">
-          <a:noAutofit/>
-        </a:bodyPr>
-        <a:lstStyle/>
-        <a:p>
-          <a:pPr marL="0" lvl="0" indent="0" algn="ctr" defTabSz="622300">
-            <a:lnSpc>
-              <a:spcPct val="90000"/>
-            </a:lnSpc>
-            <a:spcBef>
-              <a:spcPct val="0"/>
-            </a:spcBef>
-            <a:spcAft>
-              <a:spcPct val="35000"/>
-            </a:spcAft>
-            <a:buNone/>
-          </a:pPr>
-          <a:r>
-            <a:rPr lang="ru-RU" sz="1400" kern="1200" dirty="0"/>
-            <a:t>0.00</a:t>
-          </a:r>
-        </a:p>
-      </dsp:txBody>
-      <dsp:txXfrm>
-        <a:off x="2506122" y="5981107"/>
-        <a:ext cx="2230159" cy="849592"/>
-      </dsp:txXfrm>
-    </dsp:sp>
-    <dsp:sp modelId="{1927C057-4BDF-4FFC-8490-B0DB29B2345D}">
-      <dsp:nvSpPr>
-        <dsp:cNvPr id="0" name=""/>
-        <dsp:cNvSpPr/>
-      </dsp:nvSpPr>
-      <dsp:spPr>
-        <a:xfrm>
-          <a:off x="4954488" y="993169"/>
-          <a:ext cx="2283023" cy="902456"/>
-        </a:xfrm>
-        <a:prstGeom prst="roundRect">
-          <a:avLst>
-            <a:gd name="adj" fmla="val 10000"/>
-          </a:avLst>
-        </a:prstGeom>
-        <a:solidFill>
-          <a:schemeClr val="accent1">
-            <a:hueOff val="0"/>
-            <a:satOff val="0"/>
-            <a:lumOff val="0"/>
-            <a:alphaOff val="0"/>
-          </a:schemeClr>
-        </a:solidFill>
-        <a:ln w="19050" cap="rnd" cmpd="sng" algn="ctr">
-          <a:solidFill>
-            <a:schemeClr val="lt1">
-              <a:hueOff val="0"/>
-              <a:satOff val="0"/>
-              <a:lumOff val="0"/>
-              <a:alphaOff val="0"/>
-            </a:schemeClr>
-          </a:solidFill>
-          <a:prstDash val="solid"/>
-        </a:ln>
-        <a:effectLst/>
-      </dsp:spPr>
-      <dsp:style>
-        <a:lnRef idx="2">
-          <a:scrgbClr r="0" g="0" b="0"/>
-        </a:lnRef>
-        <a:fillRef idx="1">
-          <a:scrgbClr r="0" g="0" b="0"/>
-        </a:fillRef>
-        <a:effectRef idx="0">
-          <a:scrgbClr r="0" g="0" b="0"/>
-        </a:effectRef>
-        <a:fontRef idx="minor">
-          <a:schemeClr val="lt1"/>
-        </a:fontRef>
-      </dsp:style>
-      <dsp:txBody>
-        <a:bodyPr spcFirstLastPara="0" vert="horz" wrap="square" lIns="152400" tIns="152400" rIns="152400" bIns="152400" numCol="1" spcCol="1270" anchor="ctr" anchorCtr="0">
-          <a:noAutofit/>
-        </a:bodyPr>
-        <a:lstStyle/>
-        <a:p>
-          <a:pPr marL="0" lvl="0" indent="0" algn="ctr" defTabSz="1778000">
-            <a:lnSpc>
-              <a:spcPct val="90000"/>
-            </a:lnSpc>
-            <a:spcBef>
-              <a:spcPct val="0"/>
-            </a:spcBef>
-            <a:spcAft>
-              <a:spcPct val="35000"/>
-            </a:spcAft>
-            <a:buNone/>
-          </a:pPr>
-          <a:r>
-            <a:rPr lang="ru-RU" sz="4000" kern="1200" dirty="0"/>
-            <a:t>2023</a:t>
-          </a:r>
-        </a:p>
-      </dsp:txBody>
-      <dsp:txXfrm>
-        <a:off x="4980920" y="1019601"/>
-        <a:ext cx="2230159" cy="849592"/>
-      </dsp:txXfrm>
-    </dsp:sp>
-    <dsp:sp modelId="{9B8056F4-04FA-4458-BC18-9B08A731BB18}">
-      <dsp:nvSpPr>
-        <dsp:cNvPr id="0" name=""/>
-        <dsp:cNvSpPr/>
-      </dsp:nvSpPr>
-      <dsp:spPr>
-        <a:xfrm>
-          <a:off x="4954488" y="1985470"/>
-          <a:ext cx="2283023" cy="902456"/>
-        </a:xfrm>
-        <a:prstGeom prst="roundRect">
-          <a:avLst>
-            <a:gd name="adj" fmla="val 10000"/>
-          </a:avLst>
-        </a:prstGeom>
-        <a:solidFill>
-          <a:schemeClr val="accent1">
-            <a:hueOff val="0"/>
-            <a:satOff val="0"/>
-            <a:lumOff val="0"/>
-            <a:alphaOff val="0"/>
-          </a:schemeClr>
-        </a:solidFill>
-        <a:ln w="19050" cap="rnd" cmpd="sng" algn="ctr">
-          <a:solidFill>
-            <a:schemeClr val="lt1">
-              <a:hueOff val="0"/>
-              <a:satOff val="0"/>
-              <a:lumOff val="0"/>
-              <a:alphaOff val="0"/>
-            </a:schemeClr>
-          </a:solidFill>
-          <a:prstDash val="solid"/>
-        </a:ln>
-        <a:effectLst/>
-      </dsp:spPr>
-      <dsp:style>
-        <a:lnRef idx="2">
-          <a:scrgbClr r="0" g="0" b="0"/>
-        </a:lnRef>
-        <a:fillRef idx="1">
-          <a:scrgbClr r="0" g="0" b="0"/>
-        </a:fillRef>
-        <a:effectRef idx="0">
-          <a:scrgbClr r="0" g="0" b="0"/>
-        </a:effectRef>
-        <a:fontRef idx="minor">
-          <a:schemeClr val="lt1"/>
-        </a:fontRef>
-      </dsp:style>
-      <dsp:txBody>
-        <a:bodyPr spcFirstLastPara="0" vert="horz" wrap="square" lIns="68580" tIns="68580" rIns="68580" bIns="68580" numCol="1" spcCol="1270" anchor="ctr" anchorCtr="0">
-          <a:noAutofit/>
-        </a:bodyPr>
-        <a:lstStyle/>
-        <a:p>
-          <a:pPr marL="0" lvl="0" indent="0" algn="ctr" defTabSz="800100">
-            <a:lnSpc>
-              <a:spcPct val="90000"/>
-            </a:lnSpc>
-            <a:spcBef>
-              <a:spcPct val="0"/>
-            </a:spcBef>
-            <a:spcAft>
-              <a:spcPct val="35000"/>
-            </a:spcAft>
-            <a:buNone/>
-          </a:pPr>
-          <a:r>
-            <a:rPr lang="ru-RU" sz="1800" b="0" i="0" kern="1200" dirty="0"/>
-            <a:t>622 127 658.70</a:t>
-          </a:r>
-          <a:endParaRPr lang="ru-RU" sz="1800" kern="1200" dirty="0"/>
-        </a:p>
-      </dsp:txBody>
-      <dsp:txXfrm>
-        <a:off x="4980920" y="2011902"/>
-        <a:ext cx="2230159" cy="849592"/>
-      </dsp:txXfrm>
-    </dsp:sp>
-    <dsp:sp modelId="{63759AB5-4626-4C5C-A2C2-3BB8AF674098}">
-      <dsp:nvSpPr>
-        <dsp:cNvPr id="0" name=""/>
-        <dsp:cNvSpPr/>
-      </dsp:nvSpPr>
-      <dsp:spPr>
-        <a:xfrm>
-          <a:off x="4954488" y="2977771"/>
-          <a:ext cx="2283023" cy="902456"/>
-        </a:xfrm>
-        <a:prstGeom prst="roundRect">
-          <a:avLst>
-            <a:gd name="adj" fmla="val 10000"/>
-          </a:avLst>
-        </a:prstGeom>
-        <a:solidFill>
-          <a:schemeClr val="accent1">
-            <a:hueOff val="0"/>
-            <a:satOff val="0"/>
-            <a:lumOff val="0"/>
-            <a:alphaOff val="0"/>
-          </a:schemeClr>
-        </a:solidFill>
-        <a:ln w="19050" cap="rnd" cmpd="sng" algn="ctr">
-          <a:solidFill>
-            <a:schemeClr val="lt1">
-              <a:hueOff val="0"/>
-              <a:satOff val="0"/>
-              <a:lumOff val="0"/>
-              <a:alphaOff val="0"/>
-            </a:schemeClr>
-          </a:solidFill>
-          <a:prstDash val="solid"/>
-        </a:ln>
-        <a:effectLst/>
-      </dsp:spPr>
-      <dsp:style>
-        <a:lnRef idx="2">
-          <a:scrgbClr r="0" g="0" b="0"/>
-        </a:lnRef>
-        <a:fillRef idx="1">
-          <a:scrgbClr r="0" g="0" b="0"/>
-        </a:fillRef>
-        <a:effectRef idx="0">
-          <a:scrgbClr r="0" g="0" b="0"/>
-        </a:effectRef>
-        <a:fontRef idx="minor">
-          <a:schemeClr val="lt1"/>
-        </a:fontRef>
-      </dsp:style>
-      <dsp:txBody>
-        <a:bodyPr spcFirstLastPara="0" vert="horz" wrap="square" lIns="53340" tIns="53340" rIns="53340" bIns="53340" numCol="1" spcCol="1270" anchor="ctr" anchorCtr="0">
-          <a:noAutofit/>
-        </a:bodyPr>
-        <a:lstStyle/>
-        <a:p>
-          <a:pPr marL="0" lvl="0" indent="0" algn="ctr" defTabSz="622300">
-            <a:lnSpc>
-              <a:spcPct val="90000"/>
-            </a:lnSpc>
-            <a:spcBef>
-              <a:spcPct val="0"/>
-            </a:spcBef>
-            <a:spcAft>
-              <a:spcPct val="35000"/>
-            </a:spcAft>
-            <a:buNone/>
-          </a:pPr>
-          <a:r>
-            <a:rPr lang="ru-RU" sz="1400" b="0" i="0" kern="1200" dirty="0"/>
-            <a:t>415 129 395.50</a:t>
-          </a:r>
-          <a:endParaRPr lang="ru-RU" sz="1400" kern="1200" dirty="0"/>
-        </a:p>
-      </dsp:txBody>
-      <dsp:txXfrm>
-        <a:off x="4980920" y="3004203"/>
-        <a:ext cx="2230159" cy="849592"/>
-      </dsp:txXfrm>
-    </dsp:sp>
-    <dsp:sp modelId="{3FD6816B-A9F6-4ADD-A3D3-A4EBA1A9D8A6}">
-      <dsp:nvSpPr>
-        <dsp:cNvPr id="0" name=""/>
-        <dsp:cNvSpPr/>
-      </dsp:nvSpPr>
-      <dsp:spPr>
-        <a:xfrm>
-          <a:off x="4954488" y="3970072"/>
-          <a:ext cx="2283023" cy="902456"/>
-        </a:xfrm>
-        <a:prstGeom prst="roundRect">
-          <a:avLst>
-            <a:gd name="adj" fmla="val 10000"/>
-          </a:avLst>
-        </a:prstGeom>
-        <a:solidFill>
-          <a:schemeClr val="accent1">
-            <a:hueOff val="0"/>
-            <a:satOff val="0"/>
-            <a:lumOff val="0"/>
-            <a:alphaOff val="0"/>
-          </a:schemeClr>
-        </a:solidFill>
-        <a:ln w="19050" cap="rnd" cmpd="sng" algn="ctr">
-          <a:solidFill>
-            <a:schemeClr val="lt1">
-              <a:hueOff val="0"/>
-              <a:satOff val="0"/>
-              <a:lumOff val="0"/>
-              <a:alphaOff val="0"/>
-            </a:schemeClr>
-          </a:solidFill>
-          <a:prstDash val="solid"/>
-        </a:ln>
-        <a:effectLst/>
-      </dsp:spPr>
-      <dsp:style>
-        <a:lnRef idx="2">
-          <a:scrgbClr r="0" g="0" b="0"/>
-        </a:lnRef>
-        <a:fillRef idx="1">
-          <a:scrgbClr r="0" g="0" b="0"/>
-        </a:fillRef>
-        <a:effectRef idx="0">
-          <a:scrgbClr r="0" g="0" b="0"/>
-        </a:effectRef>
-        <a:fontRef idx="minor">
-          <a:schemeClr val="lt1"/>
-        </a:fontRef>
-      </dsp:style>
-      <dsp:txBody>
-        <a:bodyPr spcFirstLastPara="0" vert="horz" wrap="square" lIns="53340" tIns="53340" rIns="53340" bIns="53340" numCol="1" spcCol="1270" anchor="ctr" anchorCtr="0">
-          <a:noAutofit/>
-        </a:bodyPr>
-        <a:lstStyle/>
-        <a:p>
-          <a:pPr marL="0" lvl="0" indent="0" algn="ctr" defTabSz="622300">
-            <a:lnSpc>
-              <a:spcPct val="90000"/>
-            </a:lnSpc>
-            <a:spcBef>
-              <a:spcPct val="0"/>
-            </a:spcBef>
-            <a:spcAft>
-              <a:spcPct val="35000"/>
-            </a:spcAft>
-            <a:buNone/>
-          </a:pPr>
-          <a:r>
-            <a:rPr lang="ru-RU" sz="1400" b="0" i="0" kern="1200" dirty="0"/>
-            <a:t>170 698 034.10</a:t>
-          </a:r>
-          <a:endParaRPr lang="ru-RU" sz="1400" kern="1200" dirty="0"/>
-        </a:p>
-      </dsp:txBody>
-      <dsp:txXfrm>
-        <a:off x="4980920" y="3996504"/>
-        <a:ext cx="2230159" cy="849592"/>
-      </dsp:txXfrm>
-    </dsp:sp>
-    <dsp:sp modelId="{B88160A1-39C9-4117-B438-8E3A0B0E6ABB}">
-      <dsp:nvSpPr>
-        <dsp:cNvPr id="0" name=""/>
-        <dsp:cNvSpPr/>
-      </dsp:nvSpPr>
-      <dsp:spPr>
-        <a:xfrm>
-          <a:off x="4954488" y="4962373"/>
-          <a:ext cx="2283023" cy="902456"/>
-        </a:xfrm>
-        <a:prstGeom prst="roundRect">
-          <a:avLst>
-            <a:gd name="adj" fmla="val 10000"/>
-          </a:avLst>
-        </a:prstGeom>
-        <a:solidFill>
-          <a:schemeClr val="accent1">
-            <a:hueOff val="0"/>
-            <a:satOff val="0"/>
-            <a:lumOff val="0"/>
-            <a:alphaOff val="0"/>
-          </a:schemeClr>
-        </a:solidFill>
-        <a:ln w="19050" cap="rnd" cmpd="sng" algn="ctr">
-          <a:solidFill>
-            <a:schemeClr val="lt1">
-              <a:hueOff val="0"/>
-              <a:satOff val="0"/>
-              <a:lumOff val="0"/>
-              <a:alphaOff val="0"/>
-            </a:schemeClr>
-          </a:solidFill>
-          <a:prstDash val="solid"/>
-        </a:ln>
-        <a:effectLst/>
-      </dsp:spPr>
-      <dsp:style>
-        <a:lnRef idx="2">
-          <a:scrgbClr r="0" g="0" b="0"/>
-        </a:lnRef>
-        <a:fillRef idx="1">
-          <a:scrgbClr r="0" g="0" b="0"/>
-        </a:fillRef>
-        <a:effectRef idx="0">
-          <a:scrgbClr r="0" g="0" b="0"/>
-        </a:effectRef>
-        <a:fontRef idx="minor">
-          <a:schemeClr val="lt1"/>
-        </a:fontRef>
-      </dsp:style>
-      <dsp:txBody>
-        <a:bodyPr spcFirstLastPara="0" vert="horz" wrap="square" lIns="53340" tIns="53340" rIns="53340" bIns="53340" numCol="1" spcCol="1270" anchor="ctr" anchorCtr="0">
-          <a:noAutofit/>
-        </a:bodyPr>
-        <a:lstStyle/>
-        <a:p>
-          <a:pPr marL="0" lvl="0" indent="0" algn="ctr" defTabSz="622300">
-            <a:lnSpc>
-              <a:spcPct val="90000"/>
-            </a:lnSpc>
-            <a:spcBef>
-              <a:spcPct val="0"/>
-            </a:spcBef>
-            <a:spcAft>
-              <a:spcPct val="35000"/>
-            </a:spcAft>
-            <a:buNone/>
-          </a:pPr>
-          <a:r>
-            <a:rPr lang="ru-RU" sz="1400" b="0" i="0" kern="1200" dirty="0"/>
-            <a:t>320 883 882.20</a:t>
-          </a:r>
-          <a:endParaRPr lang="ru-RU" sz="1400" kern="1200" dirty="0"/>
-        </a:p>
-      </dsp:txBody>
-      <dsp:txXfrm>
-        <a:off x="4980920" y="4988805"/>
-        <a:ext cx="2230159" cy="849592"/>
-      </dsp:txXfrm>
-    </dsp:sp>
-    <dsp:sp modelId="{86BF23C2-57E7-4B41-8151-BD259C190AFB}">
-      <dsp:nvSpPr>
-        <dsp:cNvPr id="0" name=""/>
-        <dsp:cNvSpPr/>
-      </dsp:nvSpPr>
-      <dsp:spPr>
-        <a:xfrm>
-          <a:off x="4954488" y="5954675"/>
-          <a:ext cx="2283023" cy="902456"/>
-        </a:xfrm>
-        <a:prstGeom prst="roundRect">
-          <a:avLst>
-            <a:gd name="adj" fmla="val 10000"/>
-          </a:avLst>
-        </a:prstGeom>
-        <a:solidFill>
-          <a:schemeClr val="accent1">
-            <a:hueOff val="0"/>
-            <a:satOff val="0"/>
-            <a:lumOff val="0"/>
-            <a:alphaOff val="0"/>
-          </a:schemeClr>
-        </a:solidFill>
-        <a:ln w="19050" cap="rnd" cmpd="sng" algn="ctr">
-          <a:solidFill>
-            <a:schemeClr val="lt1">
-              <a:hueOff val="0"/>
-              <a:satOff val="0"/>
-              <a:lumOff val="0"/>
-              <a:alphaOff val="0"/>
-            </a:schemeClr>
-          </a:solidFill>
-          <a:prstDash val="solid"/>
-        </a:ln>
-        <a:effectLst/>
-      </dsp:spPr>
-      <dsp:style>
-        <a:lnRef idx="2">
-          <a:scrgbClr r="0" g="0" b="0"/>
-        </a:lnRef>
-        <a:fillRef idx="1">
-          <a:scrgbClr r="0" g="0" b="0"/>
-        </a:fillRef>
-        <a:effectRef idx="0">
-          <a:scrgbClr r="0" g="0" b="0"/>
-        </a:effectRef>
-        <a:fontRef idx="minor">
-          <a:schemeClr val="lt1"/>
-        </a:fontRef>
-      </dsp:style>
-      <dsp:txBody>
-        <a:bodyPr spcFirstLastPara="0" vert="horz" wrap="square" lIns="53340" tIns="53340" rIns="53340" bIns="53340" numCol="1" spcCol="1270" anchor="ctr" anchorCtr="0">
-          <a:noAutofit/>
-        </a:bodyPr>
-        <a:lstStyle/>
-        <a:p>
-          <a:pPr marL="0" lvl="0" indent="0" algn="ctr" defTabSz="622300">
-            <a:lnSpc>
-              <a:spcPct val="90000"/>
-            </a:lnSpc>
-            <a:spcBef>
-              <a:spcPct val="0"/>
-            </a:spcBef>
-            <a:spcAft>
-              <a:spcPct val="35000"/>
-            </a:spcAft>
-            <a:buNone/>
-          </a:pPr>
-          <a:r>
-            <a:rPr lang="ru-RU" sz="1400" b="0" i="0" kern="1200" dirty="0"/>
-            <a:t>0.00</a:t>
-          </a:r>
-          <a:endParaRPr lang="ru-RU" sz="1400" kern="1200" dirty="0"/>
-        </a:p>
-      </dsp:txBody>
-      <dsp:txXfrm>
-        <a:off x="4980920" y="5981107"/>
-        <a:ext cx="2230159" cy="849592"/>
-      </dsp:txXfrm>
-    </dsp:sp>
-    <dsp:sp modelId="{4083C545-84E2-41E1-9697-262303AF2914}">
-      <dsp:nvSpPr>
-        <dsp:cNvPr id="0" name=""/>
-        <dsp:cNvSpPr/>
-      </dsp:nvSpPr>
-      <dsp:spPr>
-        <a:xfrm>
-          <a:off x="7429285" y="993169"/>
-          <a:ext cx="2283023" cy="902456"/>
-        </a:xfrm>
-        <a:prstGeom prst="roundRect">
-          <a:avLst>
-            <a:gd name="adj" fmla="val 10000"/>
-          </a:avLst>
-        </a:prstGeom>
-        <a:solidFill>
-          <a:schemeClr val="accent1">
-            <a:hueOff val="0"/>
-            <a:satOff val="0"/>
-            <a:lumOff val="0"/>
-            <a:alphaOff val="0"/>
-          </a:schemeClr>
-        </a:solidFill>
-        <a:ln w="19050" cap="rnd" cmpd="sng" algn="ctr">
-          <a:solidFill>
-            <a:schemeClr val="lt1">
-              <a:hueOff val="0"/>
-              <a:satOff val="0"/>
-              <a:lumOff val="0"/>
-              <a:alphaOff val="0"/>
-            </a:schemeClr>
-          </a:solidFill>
-          <a:prstDash val="solid"/>
-        </a:ln>
-        <a:effectLst/>
-      </dsp:spPr>
-      <dsp:style>
-        <a:lnRef idx="2">
-          <a:scrgbClr r="0" g="0" b="0"/>
-        </a:lnRef>
-        <a:fillRef idx="1">
-          <a:scrgbClr r="0" g="0" b="0"/>
-        </a:fillRef>
-        <a:effectRef idx="0">
-          <a:scrgbClr r="0" g="0" b="0"/>
-        </a:effectRef>
-        <a:fontRef idx="minor">
-          <a:schemeClr val="lt1"/>
-        </a:fontRef>
-      </dsp:style>
-      <dsp:txBody>
-        <a:bodyPr spcFirstLastPara="0" vert="horz" wrap="square" lIns="152400" tIns="152400" rIns="152400" bIns="152400" numCol="1" spcCol="1270" anchor="ctr" anchorCtr="0">
-          <a:noAutofit/>
-        </a:bodyPr>
-        <a:lstStyle/>
-        <a:p>
-          <a:pPr marL="0" lvl="0" indent="0" algn="ctr" defTabSz="1778000">
-            <a:lnSpc>
-              <a:spcPct val="90000"/>
-            </a:lnSpc>
-            <a:spcBef>
-              <a:spcPct val="0"/>
-            </a:spcBef>
-            <a:spcAft>
-              <a:spcPct val="35000"/>
-            </a:spcAft>
-            <a:buNone/>
-          </a:pPr>
-          <a:r>
-            <a:rPr lang="ru-RU" sz="4000" kern="1200" dirty="0"/>
-            <a:t>2024</a:t>
-          </a:r>
-        </a:p>
-      </dsp:txBody>
-      <dsp:txXfrm>
-        <a:off x="7455717" y="1019601"/>
-        <a:ext cx="2230159" cy="849592"/>
-      </dsp:txXfrm>
-    </dsp:sp>
-    <dsp:sp modelId="{0BB4DB3E-2FED-42EF-9A37-638AC0E17E44}">
-      <dsp:nvSpPr>
-        <dsp:cNvPr id="0" name=""/>
-        <dsp:cNvSpPr/>
-      </dsp:nvSpPr>
-      <dsp:spPr>
-        <a:xfrm>
-          <a:off x="7429285" y="1985470"/>
-          <a:ext cx="2283023" cy="902456"/>
-        </a:xfrm>
-        <a:prstGeom prst="roundRect">
-          <a:avLst>
-            <a:gd name="adj" fmla="val 10000"/>
-          </a:avLst>
-        </a:prstGeom>
-        <a:solidFill>
-          <a:schemeClr val="accent1">
-            <a:hueOff val="0"/>
-            <a:satOff val="0"/>
-            <a:lumOff val="0"/>
-            <a:alphaOff val="0"/>
-          </a:schemeClr>
-        </a:solidFill>
-        <a:ln w="19050" cap="rnd" cmpd="sng" algn="ctr">
-          <a:solidFill>
-            <a:schemeClr val="lt1">
-              <a:hueOff val="0"/>
-              <a:satOff val="0"/>
-              <a:lumOff val="0"/>
-              <a:alphaOff val="0"/>
-            </a:schemeClr>
-          </a:solidFill>
-          <a:prstDash val="solid"/>
-        </a:ln>
-        <a:effectLst/>
-      </dsp:spPr>
-      <dsp:style>
-        <a:lnRef idx="2">
-          <a:scrgbClr r="0" g="0" b="0"/>
-        </a:lnRef>
-        <a:fillRef idx="1">
-          <a:scrgbClr r="0" g="0" b="0"/>
-        </a:fillRef>
-        <a:effectRef idx="0">
-          <a:scrgbClr r="0" g="0" b="0"/>
-        </a:effectRef>
-        <a:fontRef idx="minor">
-          <a:schemeClr val="lt1"/>
-        </a:fontRef>
-      </dsp:style>
-      <dsp:txBody>
-        <a:bodyPr spcFirstLastPara="0" vert="horz" wrap="square" lIns="68580" tIns="68580" rIns="68580" bIns="68580" numCol="1" spcCol="1270" anchor="ctr" anchorCtr="0">
-          <a:noAutofit/>
-        </a:bodyPr>
-        <a:lstStyle/>
-        <a:p>
-          <a:pPr marL="0" lvl="0" indent="0" algn="ctr" defTabSz="800100">
-            <a:lnSpc>
-              <a:spcPct val="90000"/>
-            </a:lnSpc>
-            <a:spcBef>
-              <a:spcPct val="0"/>
-            </a:spcBef>
-            <a:spcAft>
-              <a:spcPct val="35000"/>
-            </a:spcAft>
-            <a:buNone/>
-          </a:pPr>
-          <a:r>
-            <a:rPr lang="ru-RU" sz="1800" kern="1200" dirty="0"/>
-            <a:t>492 444 042.30</a:t>
-          </a:r>
-        </a:p>
-      </dsp:txBody>
-      <dsp:txXfrm>
-        <a:off x="7455717" y="2011902"/>
-        <a:ext cx="2230159" cy="849592"/>
-      </dsp:txXfrm>
-    </dsp:sp>
-    <dsp:sp modelId="{A16E967B-CB65-455E-A8CD-C330DB8F85A2}">
-      <dsp:nvSpPr>
-        <dsp:cNvPr id="0" name=""/>
-        <dsp:cNvSpPr/>
-      </dsp:nvSpPr>
-      <dsp:spPr>
-        <a:xfrm>
-          <a:off x="7429285" y="2977771"/>
-          <a:ext cx="2283023" cy="902456"/>
-        </a:xfrm>
-        <a:prstGeom prst="roundRect">
-          <a:avLst>
-            <a:gd name="adj" fmla="val 10000"/>
-          </a:avLst>
-        </a:prstGeom>
-        <a:solidFill>
-          <a:schemeClr val="accent1">
-            <a:hueOff val="0"/>
-            <a:satOff val="0"/>
-            <a:lumOff val="0"/>
-            <a:alphaOff val="0"/>
-          </a:schemeClr>
-        </a:solidFill>
-        <a:ln w="19050" cap="rnd" cmpd="sng" algn="ctr">
-          <a:solidFill>
-            <a:schemeClr val="lt1">
-              <a:hueOff val="0"/>
-              <a:satOff val="0"/>
-              <a:lumOff val="0"/>
-              <a:alphaOff val="0"/>
-            </a:schemeClr>
-          </a:solidFill>
-          <a:prstDash val="solid"/>
-        </a:ln>
-        <a:effectLst/>
-      </dsp:spPr>
-      <dsp:style>
-        <a:lnRef idx="2">
-          <a:scrgbClr r="0" g="0" b="0"/>
-        </a:lnRef>
-        <a:fillRef idx="1">
-          <a:scrgbClr r="0" g="0" b="0"/>
-        </a:fillRef>
-        <a:effectRef idx="0">
-          <a:scrgbClr r="0" g="0" b="0"/>
-        </a:effectRef>
-        <a:fontRef idx="minor">
-          <a:schemeClr val="lt1"/>
-        </a:fontRef>
-      </dsp:style>
-      <dsp:txBody>
-        <a:bodyPr spcFirstLastPara="0" vert="horz" wrap="square" lIns="53340" tIns="53340" rIns="53340" bIns="53340" numCol="1" spcCol="1270" anchor="ctr" anchorCtr="0">
-          <a:noAutofit/>
-        </a:bodyPr>
-        <a:lstStyle/>
-        <a:p>
-          <a:pPr marL="0" lvl="0" indent="0" algn="ctr" defTabSz="622300">
-            <a:lnSpc>
-              <a:spcPct val="90000"/>
-            </a:lnSpc>
-            <a:spcBef>
-              <a:spcPct val="0"/>
-            </a:spcBef>
-            <a:spcAft>
-              <a:spcPct val="35000"/>
-            </a:spcAft>
-            <a:buNone/>
-          </a:pPr>
-          <a:r>
-            <a:rPr lang="ru-RU" sz="1400" b="0" i="0" kern="1200" dirty="0"/>
-            <a:t>347 834 614.00</a:t>
-          </a:r>
-          <a:endParaRPr lang="ru-RU" sz="1400" kern="1200" dirty="0"/>
-        </a:p>
-      </dsp:txBody>
-      <dsp:txXfrm>
-        <a:off x="7455717" y="3004203"/>
-        <a:ext cx="2230159" cy="849592"/>
-      </dsp:txXfrm>
-    </dsp:sp>
-    <dsp:sp modelId="{BEF7F6C7-3297-4A38-BCC6-594DC3927494}">
-      <dsp:nvSpPr>
-        <dsp:cNvPr id="0" name=""/>
-        <dsp:cNvSpPr/>
-      </dsp:nvSpPr>
-      <dsp:spPr>
-        <a:xfrm>
-          <a:off x="7429285" y="3970072"/>
-          <a:ext cx="2283023" cy="902456"/>
-        </a:xfrm>
-        <a:prstGeom prst="roundRect">
-          <a:avLst>
-            <a:gd name="adj" fmla="val 10000"/>
-          </a:avLst>
-        </a:prstGeom>
-        <a:solidFill>
-          <a:schemeClr val="accent1">
-            <a:hueOff val="0"/>
-            <a:satOff val="0"/>
-            <a:lumOff val="0"/>
-            <a:alphaOff val="0"/>
-          </a:schemeClr>
-        </a:solidFill>
-        <a:ln w="19050" cap="rnd" cmpd="sng" algn="ctr">
-          <a:solidFill>
-            <a:schemeClr val="lt1">
-              <a:hueOff val="0"/>
-              <a:satOff val="0"/>
-              <a:lumOff val="0"/>
-              <a:alphaOff val="0"/>
-            </a:schemeClr>
-          </a:solidFill>
-          <a:prstDash val="solid"/>
-        </a:ln>
-        <a:effectLst/>
-      </dsp:spPr>
-      <dsp:style>
-        <a:lnRef idx="2">
-          <a:scrgbClr r="0" g="0" b="0"/>
-        </a:lnRef>
-        <a:fillRef idx="1">
-          <a:scrgbClr r="0" g="0" b="0"/>
-        </a:fillRef>
-        <a:effectRef idx="0">
-          <a:scrgbClr r="0" g="0" b="0"/>
-        </a:effectRef>
-        <a:fontRef idx="minor">
-          <a:schemeClr val="lt1"/>
-        </a:fontRef>
-      </dsp:style>
-      <dsp:txBody>
-        <a:bodyPr spcFirstLastPara="0" vert="horz" wrap="square" lIns="53340" tIns="53340" rIns="53340" bIns="53340" numCol="1" spcCol="1270" anchor="ctr" anchorCtr="0">
-          <a:noAutofit/>
-        </a:bodyPr>
-        <a:lstStyle/>
-        <a:p>
-          <a:pPr marL="0" lvl="0" indent="0" algn="ctr" defTabSz="622300">
-            <a:lnSpc>
-              <a:spcPct val="90000"/>
-            </a:lnSpc>
-            <a:spcBef>
-              <a:spcPct val="0"/>
-            </a:spcBef>
-            <a:spcAft>
-              <a:spcPct val="35000"/>
-            </a:spcAft>
-            <a:buNone/>
-          </a:pPr>
-          <a:r>
-            <a:rPr lang="ru-RU" sz="1400" b="0" i="0" kern="1200" dirty="0"/>
-            <a:t>167 695 028.40</a:t>
-          </a:r>
-          <a:endParaRPr lang="ru-RU" sz="1400" kern="1200" dirty="0"/>
-        </a:p>
-      </dsp:txBody>
-      <dsp:txXfrm>
-        <a:off x="7455717" y="3996504"/>
-        <a:ext cx="2230159" cy="849592"/>
-      </dsp:txXfrm>
-    </dsp:sp>
-    <dsp:sp modelId="{CB9FBF90-1DE6-4220-A156-F21181D954DF}">
-      <dsp:nvSpPr>
-        <dsp:cNvPr id="0" name=""/>
-        <dsp:cNvSpPr/>
-      </dsp:nvSpPr>
-      <dsp:spPr>
-        <a:xfrm>
-          <a:off x="7429285" y="4962373"/>
-          <a:ext cx="2283023" cy="902456"/>
-        </a:xfrm>
-        <a:prstGeom prst="roundRect">
-          <a:avLst>
-            <a:gd name="adj" fmla="val 10000"/>
-          </a:avLst>
-        </a:prstGeom>
-        <a:solidFill>
-          <a:schemeClr val="accent1">
-            <a:hueOff val="0"/>
-            <a:satOff val="0"/>
-            <a:lumOff val="0"/>
-            <a:alphaOff val="0"/>
-          </a:schemeClr>
-        </a:solidFill>
-        <a:ln w="19050" cap="rnd" cmpd="sng" algn="ctr">
-          <a:solidFill>
-            <a:schemeClr val="lt1">
-              <a:hueOff val="0"/>
-              <a:satOff val="0"/>
-              <a:lumOff val="0"/>
-              <a:alphaOff val="0"/>
-            </a:schemeClr>
-          </a:solidFill>
-          <a:prstDash val="solid"/>
-        </a:ln>
-        <a:effectLst/>
-      </dsp:spPr>
-      <dsp:style>
-        <a:lnRef idx="2">
-          <a:scrgbClr r="0" g="0" b="0"/>
-        </a:lnRef>
-        <a:fillRef idx="1">
-          <a:scrgbClr r="0" g="0" b="0"/>
-        </a:fillRef>
-        <a:effectRef idx="0">
-          <a:scrgbClr r="0" g="0" b="0"/>
-        </a:effectRef>
-        <a:fontRef idx="minor">
-          <a:schemeClr val="lt1"/>
-        </a:fontRef>
-      </dsp:style>
-      <dsp:txBody>
-        <a:bodyPr spcFirstLastPara="0" vert="horz" wrap="square" lIns="53340" tIns="53340" rIns="53340" bIns="53340" numCol="1" spcCol="1270" anchor="ctr" anchorCtr="0">
-          <a:noAutofit/>
-        </a:bodyPr>
-        <a:lstStyle/>
-        <a:p>
-          <a:pPr marL="0" lvl="0" indent="0" algn="ctr" defTabSz="622300">
-            <a:lnSpc>
-              <a:spcPct val="90000"/>
-            </a:lnSpc>
-            <a:spcBef>
-              <a:spcPct val="0"/>
-            </a:spcBef>
-            <a:spcAft>
-              <a:spcPct val="35000"/>
-            </a:spcAft>
-            <a:buNone/>
-          </a:pPr>
-          <a:r>
-            <a:rPr lang="ru-RU" sz="1400" b="0" i="0" kern="1200" dirty="0"/>
-            <a:t>261 876 731.80</a:t>
-          </a:r>
-          <a:endParaRPr lang="ru-RU" sz="1400" kern="1200" dirty="0"/>
-        </a:p>
-      </dsp:txBody>
-      <dsp:txXfrm>
-        <a:off x="7455717" y="4988805"/>
-        <a:ext cx="2230159" cy="849592"/>
-      </dsp:txXfrm>
-    </dsp:sp>
-    <dsp:sp modelId="{C0E12ADF-C0C6-4363-B2A6-9E37B4ACD32B}">
-      <dsp:nvSpPr>
-        <dsp:cNvPr id="0" name=""/>
-        <dsp:cNvSpPr/>
-      </dsp:nvSpPr>
-      <dsp:spPr>
-        <a:xfrm>
-          <a:off x="7429285" y="5954675"/>
-          <a:ext cx="2283023" cy="902456"/>
-        </a:xfrm>
-        <a:prstGeom prst="roundRect">
-          <a:avLst>
-            <a:gd name="adj" fmla="val 10000"/>
-          </a:avLst>
-        </a:prstGeom>
-        <a:solidFill>
-          <a:schemeClr val="accent1">
-            <a:hueOff val="0"/>
-            <a:satOff val="0"/>
-            <a:lumOff val="0"/>
-            <a:alphaOff val="0"/>
-          </a:schemeClr>
-        </a:solidFill>
-        <a:ln w="19050" cap="rnd" cmpd="sng" algn="ctr">
-          <a:solidFill>
-            <a:schemeClr val="lt1">
-              <a:hueOff val="0"/>
-              <a:satOff val="0"/>
-              <a:lumOff val="0"/>
-              <a:alphaOff val="0"/>
-            </a:schemeClr>
-          </a:solidFill>
-          <a:prstDash val="solid"/>
-        </a:ln>
-        <a:effectLst/>
-      </dsp:spPr>
-      <dsp:style>
-        <a:lnRef idx="2">
-          <a:scrgbClr r="0" g="0" b="0"/>
-        </a:lnRef>
-        <a:fillRef idx="1">
-          <a:scrgbClr r="0" g="0" b="0"/>
-        </a:fillRef>
-        <a:effectRef idx="0">
-          <a:scrgbClr r="0" g="0" b="0"/>
-        </a:effectRef>
-        <a:fontRef idx="minor">
-          <a:schemeClr val="lt1"/>
-        </a:fontRef>
-      </dsp:style>
-      <dsp:txBody>
-        <a:bodyPr spcFirstLastPara="0" vert="horz" wrap="square" lIns="53340" tIns="53340" rIns="53340" bIns="53340" numCol="1" spcCol="1270" anchor="ctr" anchorCtr="0">
-          <a:noAutofit/>
-        </a:bodyPr>
-        <a:lstStyle/>
-        <a:p>
-          <a:pPr marL="0" lvl="0" indent="0" algn="ctr" defTabSz="622300">
-            <a:lnSpc>
-              <a:spcPct val="90000"/>
-            </a:lnSpc>
-            <a:spcBef>
-              <a:spcPct val="0"/>
-            </a:spcBef>
-            <a:spcAft>
-              <a:spcPct val="35000"/>
-            </a:spcAft>
-            <a:buNone/>
-          </a:pPr>
-          <a:r>
-            <a:rPr lang="ru-RU" sz="1400" b="0" i="0" kern="1200" dirty="0"/>
-            <a:t>0.00</a:t>
-          </a:r>
-          <a:endParaRPr lang="ru-RU" sz="1400" kern="1200" dirty="0"/>
-        </a:p>
-      </dsp:txBody>
-      <dsp:txXfrm>
-        <a:off x="7455717" y="5981107"/>
-        <a:ext cx="2230159" cy="849592"/>
-      </dsp:txXfrm>
-    </dsp:sp>
-    <dsp:sp modelId="{AC1E6A61-9183-4503-8B0F-CCDF98C27E8E}">
-      <dsp:nvSpPr>
-        <dsp:cNvPr id="0" name=""/>
-        <dsp:cNvSpPr/>
-      </dsp:nvSpPr>
-      <dsp:spPr>
-        <a:xfrm>
-          <a:off x="9904083" y="993169"/>
-          <a:ext cx="2283023" cy="902456"/>
-        </a:xfrm>
-        <a:prstGeom prst="roundRect">
-          <a:avLst>
-            <a:gd name="adj" fmla="val 10000"/>
-          </a:avLst>
-        </a:prstGeom>
-        <a:solidFill>
-          <a:schemeClr val="accent1">
-            <a:hueOff val="0"/>
-            <a:satOff val="0"/>
-            <a:lumOff val="0"/>
-            <a:alphaOff val="0"/>
-          </a:schemeClr>
-        </a:solidFill>
-        <a:ln w="19050" cap="rnd" cmpd="sng" algn="ctr">
-          <a:solidFill>
-            <a:schemeClr val="lt1">
-              <a:hueOff val="0"/>
-              <a:satOff val="0"/>
-              <a:lumOff val="0"/>
-              <a:alphaOff val="0"/>
-            </a:schemeClr>
-          </a:solidFill>
-          <a:prstDash val="solid"/>
-        </a:ln>
-        <a:effectLst/>
-      </dsp:spPr>
-      <dsp:style>
-        <a:lnRef idx="2">
-          <a:scrgbClr r="0" g="0" b="0"/>
-        </a:lnRef>
-        <a:fillRef idx="1">
-          <a:scrgbClr r="0" g="0" b="0"/>
-        </a:fillRef>
-        <a:effectRef idx="0">
-          <a:scrgbClr r="0" g="0" b="0"/>
-        </a:effectRef>
-        <a:fontRef idx="minor">
-          <a:schemeClr val="lt1"/>
-        </a:fontRef>
-      </dsp:style>
-      <dsp:txBody>
-        <a:bodyPr spcFirstLastPara="0" vert="horz" wrap="square" lIns="152400" tIns="152400" rIns="152400" bIns="152400" numCol="1" spcCol="1270" anchor="ctr" anchorCtr="0">
-          <a:noAutofit/>
-        </a:bodyPr>
-        <a:lstStyle/>
-        <a:p>
-          <a:pPr marL="0" lvl="0" indent="0" algn="ctr" defTabSz="1778000">
-            <a:lnSpc>
-              <a:spcPct val="90000"/>
-            </a:lnSpc>
-            <a:spcBef>
-              <a:spcPct val="0"/>
-            </a:spcBef>
-            <a:spcAft>
-              <a:spcPct val="35000"/>
-            </a:spcAft>
-            <a:buNone/>
-          </a:pPr>
-          <a:r>
-            <a:rPr lang="ru-RU" sz="4000" kern="1200" dirty="0"/>
-            <a:t>Итого</a:t>
-          </a:r>
-        </a:p>
-      </dsp:txBody>
-      <dsp:txXfrm>
-        <a:off x="9930515" y="1019601"/>
-        <a:ext cx="2230159" cy="849592"/>
-      </dsp:txXfrm>
-    </dsp:sp>
-    <dsp:sp modelId="{76CCCA09-45C7-4D43-AA06-282642E6321A}">
-      <dsp:nvSpPr>
-        <dsp:cNvPr id="0" name=""/>
-        <dsp:cNvSpPr/>
-      </dsp:nvSpPr>
-      <dsp:spPr>
-        <a:xfrm>
-          <a:off x="9904083" y="1985470"/>
-          <a:ext cx="2283023" cy="902456"/>
-        </a:xfrm>
-        <a:prstGeom prst="roundRect">
-          <a:avLst>
-            <a:gd name="adj" fmla="val 10000"/>
-          </a:avLst>
-        </a:prstGeom>
-        <a:solidFill>
-          <a:schemeClr val="accent1">
-            <a:hueOff val="0"/>
-            <a:satOff val="0"/>
-            <a:lumOff val="0"/>
-            <a:alphaOff val="0"/>
-          </a:schemeClr>
-        </a:solidFill>
-        <a:ln w="19050" cap="rnd" cmpd="sng" algn="ctr">
-          <a:solidFill>
-            <a:schemeClr val="lt1">
-              <a:hueOff val="0"/>
-              <a:satOff val="0"/>
-              <a:lumOff val="0"/>
-              <a:alphaOff val="0"/>
-            </a:schemeClr>
-          </a:solidFill>
-          <a:prstDash val="solid"/>
-        </a:ln>
-        <a:effectLst/>
-      </dsp:spPr>
-      <dsp:style>
-        <a:lnRef idx="2">
-          <a:scrgbClr r="0" g="0" b="0"/>
-        </a:lnRef>
-        <a:fillRef idx="1">
-          <a:scrgbClr r="0" g="0" b="0"/>
-        </a:fillRef>
-        <a:effectRef idx="0">
-          <a:scrgbClr r="0" g="0" b="0"/>
-        </a:effectRef>
-        <a:fontRef idx="minor">
-          <a:schemeClr val="lt1"/>
-        </a:fontRef>
-      </dsp:style>
-      <dsp:txBody>
-        <a:bodyPr spcFirstLastPara="0" vert="horz" wrap="square" lIns="68580" tIns="68580" rIns="68580" bIns="68580" numCol="1" spcCol="1270" anchor="ctr" anchorCtr="0">
-          <a:noAutofit/>
-        </a:bodyPr>
-        <a:lstStyle/>
-        <a:p>
-          <a:pPr marL="0" lvl="0" indent="0" algn="ctr" defTabSz="800100">
-            <a:lnSpc>
-              <a:spcPct val="90000"/>
-            </a:lnSpc>
-            <a:spcBef>
-              <a:spcPct val="0"/>
-            </a:spcBef>
-            <a:spcAft>
-              <a:spcPct val="35000"/>
-            </a:spcAft>
-            <a:buNone/>
-          </a:pPr>
-          <a:r>
-            <a:rPr lang="ru-RU" sz="1800" b="0" i="0" kern="1200" dirty="0"/>
-            <a:t>1 699 038 971.60</a:t>
-          </a:r>
-          <a:endParaRPr lang="ru-RU" sz="1800" kern="1200" dirty="0"/>
-        </a:p>
-      </dsp:txBody>
-      <dsp:txXfrm>
-        <a:off x="9930515" y="2011902"/>
-        <a:ext cx="2230159" cy="849592"/>
-      </dsp:txXfrm>
-    </dsp:sp>
-    <dsp:sp modelId="{F8C58C8F-DCA8-4E9E-95FE-097E7D09D214}">
-      <dsp:nvSpPr>
-        <dsp:cNvPr id="0" name=""/>
-        <dsp:cNvSpPr/>
-      </dsp:nvSpPr>
-      <dsp:spPr>
-        <a:xfrm>
-          <a:off x="9904083" y="2977771"/>
-          <a:ext cx="2283023" cy="902456"/>
-        </a:xfrm>
-        <a:prstGeom prst="roundRect">
-          <a:avLst>
-            <a:gd name="adj" fmla="val 10000"/>
-          </a:avLst>
-        </a:prstGeom>
-        <a:solidFill>
-          <a:schemeClr val="accent1">
-            <a:hueOff val="0"/>
-            <a:satOff val="0"/>
-            <a:lumOff val="0"/>
-            <a:alphaOff val="0"/>
-          </a:schemeClr>
-        </a:solidFill>
-        <a:ln w="19050" cap="rnd" cmpd="sng" algn="ctr">
-          <a:solidFill>
-            <a:schemeClr val="lt1">
-              <a:hueOff val="0"/>
-              <a:satOff val="0"/>
-              <a:lumOff val="0"/>
-              <a:alphaOff val="0"/>
-            </a:schemeClr>
-          </a:solidFill>
-          <a:prstDash val="solid"/>
-        </a:ln>
-        <a:effectLst/>
-      </dsp:spPr>
-      <dsp:style>
-        <a:lnRef idx="2">
-          <a:scrgbClr r="0" g="0" b="0"/>
-        </a:lnRef>
-        <a:fillRef idx="1">
-          <a:scrgbClr r="0" g="0" b="0"/>
-        </a:fillRef>
-        <a:effectRef idx="0">
-          <a:scrgbClr r="0" g="0" b="0"/>
-        </a:effectRef>
-        <a:fontRef idx="minor">
-          <a:schemeClr val="lt1"/>
-        </a:fontRef>
-      </dsp:style>
-      <dsp:txBody>
-        <a:bodyPr spcFirstLastPara="0" vert="horz" wrap="square" lIns="53340" tIns="53340" rIns="53340" bIns="53340" numCol="1" spcCol="1270" anchor="ctr" anchorCtr="0">
-          <a:noAutofit/>
-        </a:bodyPr>
-        <a:lstStyle/>
-        <a:p>
-          <a:pPr marL="0" lvl="0" indent="0" algn="ctr" defTabSz="622300">
-            <a:lnSpc>
-              <a:spcPct val="90000"/>
-            </a:lnSpc>
-            <a:spcBef>
-              <a:spcPct val="0"/>
-            </a:spcBef>
-            <a:spcAft>
-              <a:spcPct val="35000"/>
-            </a:spcAft>
-            <a:buNone/>
-          </a:pPr>
-          <a:r>
-            <a:rPr lang="ru-RU" sz="1400" b="0" i="0" kern="1200" dirty="0"/>
-            <a:t>1 156 976 969.70</a:t>
-          </a:r>
-          <a:endParaRPr lang="ru-RU" sz="1400" kern="1200" dirty="0"/>
-        </a:p>
-      </dsp:txBody>
-      <dsp:txXfrm>
-        <a:off x="9930515" y="3004203"/>
-        <a:ext cx="2230159" cy="849592"/>
-      </dsp:txXfrm>
-    </dsp:sp>
-    <dsp:sp modelId="{0E5A0C1A-9397-42CC-8A59-2B64221E1034}">
-      <dsp:nvSpPr>
-        <dsp:cNvPr id="0" name=""/>
-        <dsp:cNvSpPr/>
-      </dsp:nvSpPr>
-      <dsp:spPr>
-        <a:xfrm>
-          <a:off x="9904083" y="3970072"/>
-          <a:ext cx="2283023" cy="902456"/>
-        </a:xfrm>
-        <a:prstGeom prst="roundRect">
-          <a:avLst>
-            <a:gd name="adj" fmla="val 10000"/>
-          </a:avLst>
-        </a:prstGeom>
-        <a:solidFill>
-          <a:schemeClr val="accent1">
-            <a:hueOff val="0"/>
-            <a:satOff val="0"/>
-            <a:lumOff val="0"/>
-            <a:alphaOff val="0"/>
-          </a:schemeClr>
-        </a:solidFill>
-        <a:ln w="19050" cap="rnd" cmpd="sng" algn="ctr">
-          <a:solidFill>
-            <a:schemeClr val="lt1">
-              <a:hueOff val="0"/>
-              <a:satOff val="0"/>
-              <a:lumOff val="0"/>
-              <a:alphaOff val="0"/>
-            </a:schemeClr>
-          </a:solidFill>
-          <a:prstDash val="solid"/>
-        </a:ln>
-        <a:effectLst/>
-      </dsp:spPr>
-      <dsp:style>
-        <a:lnRef idx="2">
-          <a:scrgbClr r="0" g="0" b="0"/>
-        </a:lnRef>
-        <a:fillRef idx="1">
-          <a:scrgbClr r="0" g="0" b="0"/>
-        </a:fillRef>
-        <a:effectRef idx="0">
-          <a:scrgbClr r="0" g="0" b="0"/>
-        </a:effectRef>
-        <a:fontRef idx="minor">
-          <a:schemeClr val="lt1"/>
-        </a:fontRef>
-      </dsp:style>
-      <dsp:txBody>
-        <a:bodyPr spcFirstLastPara="0" vert="horz" wrap="square" lIns="53340" tIns="53340" rIns="53340" bIns="53340" numCol="1" spcCol="1270" anchor="ctr" anchorCtr="0">
-          <a:noAutofit/>
-        </a:bodyPr>
-        <a:lstStyle/>
-        <a:p>
-          <a:pPr marL="0" lvl="0" indent="0" algn="ctr" defTabSz="622300">
-            <a:lnSpc>
-              <a:spcPct val="90000"/>
-            </a:lnSpc>
-            <a:spcBef>
-              <a:spcPct val="0"/>
-            </a:spcBef>
-            <a:spcAft>
-              <a:spcPct val="35000"/>
-            </a:spcAft>
-            <a:buNone/>
-          </a:pPr>
-          <a:r>
-            <a:rPr lang="ru-RU" sz="1400" kern="1200" dirty="0"/>
-            <a:t>498 315 400.10</a:t>
-          </a:r>
-        </a:p>
-      </dsp:txBody>
-      <dsp:txXfrm>
-        <a:off x="9930515" y="3996504"/>
-        <a:ext cx="2230159" cy="849592"/>
-      </dsp:txXfrm>
-    </dsp:sp>
-    <dsp:sp modelId="{009C68CF-0CBC-4436-AB02-37E9E04D9347}">
-      <dsp:nvSpPr>
-        <dsp:cNvPr id="0" name=""/>
-        <dsp:cNvSpPr/>
-      </dsp:nvSpPr>
-      <dsp:spPr>
-        <a:xfrm>
-          <a:off x="9904083" y="4962373"/>
-          <a:ext cx="2283023" cy="902456"/>
-        </a:xfrm>
-        <a:prstGeom prst="roundRect">
-          <a:avLst>
-            <a:gd name="adj" fmla="val 10000"/>
-          </a:avLst>
-        </a:prstGeom>
-        <a:solidFill>
-          <a:schemeClr val="accent1">
-            <a:hueOff val="0"/>
-            <a:satOff val="0"/>
-            <a:lumOff val="0"/>
-            <a:alphaOff val="0"/>
-          </a:schemeClr>
-        </a:solidFill>
-        <a:ln w="19050" cap="rnd" cmpd="sng" algn="ctr">
-          <a:solidFill>
-            <a:schemeClr val="lt1">
-              <a:hueOff val="0"/>
-              <a:satOff val="0"/>
-              <a:lumOff val="0"/>
-              <a:alphaOff val="0"/>
-            </a:schemeClr>
-          </a:solidFill>
-          <a:prstDash val="solid"/>
-        </a:ln>
-        <a:effectLst/>
-      </dsp:spPr>
-      <dsp:style>
-        <a:lnRef idx="2">
-          <a:scrgbClr r="0" g="0" b="0"/>
-        </a:lnRef>
-        <a:fillRef idx="1">
-          <a:scrgbClr r="0" g="0" b="0"/>
-        </a:fillRef>
-        <a:effectRef idx="0">
-          <a:scrgbClr r="0" g="0" b="0"/>
-        </a:effectRef>
-        <a:fontRef idx="minor">
-          <a:schemeClr val="lt1"/>
-        </a:fontRef>
-      </dsp:style>
-      <dsp:txBody>
-        <a:bodyPr spcFirstLastPara="0" vert="horz" wrap="square" lIns="53340" tIns="53340" rIns="53340" bIns="53340" numCol="1" spcCol="1270" anchor="ctr" anchorCtr="0">
-          <a:noAutofit/>
-        </a:bodyPr>
-        <a:lstStyle/>
-        <a:p>
-          <a:pPr marL="0" lvl="0" indent="0" algn="ctr" defTabSz="622300">
-            <a:lnSpc>
-              <a:spcPct val="90000"/>
-            </a:lnSpc>
-            <a:spcBef>
-              <a:spcPct val="0"/>
-            </a:spcBef>
-            <a:spcAft>
-              <a:spcPct val="35000"/>
-            </a:spcAft>
-            <a:buNone/>
-          </a:pPr>
-          <a:r>
-            <a:rPr lang="ru-RU" sz="1400" b="0" i="0" kern="1200" dirty="0"/>
-            <a:t>881 325 641.50</a:t>
-          </a:r>
-          <a:endParaRPr lang="ru-RU" sz="1400" b="1" kern="1200" dirty="0"/>
-        </a:p>
-      </dsp:txBody>
-      <dsp:txXfrm>
-        <a:off x="9930515" y="4988805"/>
-        <a:ext cx="2230159" cy="849592"/>
-      </dsp:txXfrm>
-    </dsp:sp>
-    <dsp:sp modelId="{2FA59269-0D33-4DB6-BEB2-35CCABA5F8A3}">
-      <dsp:nvSpPr>
-        <dsp:cNvPr id="0" name=""/>
-        <dsp:cNvSpPr/>
-      </dsp:nvSpPr>
-      <dsp:spPr>
-        <a:xfrm>
-          <a:off x="9904083" y="5954675"/>
-          <a:ext cx="2283023" cy="902456"/>
-        </a:xfrm>
-        <a:prstGeom prst="roundRect">
-          <a:avLst>
-            <a:gd name="adj" fmla="val 10000"/>
-          </a:avLst>
-        </a:prstGeom>
-        <a:solidFill>
-          <a:schemeClr val="accent1">
-            <a:hueOff val="0"/>
-            <a:satOff val="0"/>
-            <a:lumOff val="0"/>
-            <a:alphaOff val="0"/>
-          </a:schemeClr>
-        </a:solidFill>
-        <a:ln w="19050" cap="rnd" cmpd="sng" algn="ctr">
-          <a:solidFill>
-            <a:schemeClr val="lt1">
-              <a:hueOff val="0"/>
-              <a:satOff val="0"/>
-              <a:lumOff val="0"/>
-              <a:alphaOff val="0"/>
-            </a:schemeClr>
-          </a:solidFill>
-          <a:prstDash val="solid"/>
-        </a:ln>
-        <a:effectLst/>
-      </dsp:spPr>
-      <dsp:style>
-        <a:lnRef idx="2">
-          <a:scrgbClr r="0" g="0" b="0"/>
-        </a:lnRef>
-        <a:fillRef idx="1">
-          <a:scrgbClr r="0" g="0" b="0"/>
-        </a:fillRef>
-        <a:effectRef idx="0">
-          <a:scrgbClr r="0" g="0" b="0"/>
-        </a:effectRef>
-        <a:fontRef idx="minor">
-          <a:schemeClr val="lt1"/>
-        </a:fontRef>
-      </dsp:style>
-      <dsp:txBody>
-        <a:bodyPr spcFirstLastPara="0" vert="horz" wrap="square" lIns="53340" tIns="53340" rIns="53340" bIns="53340" numCol="1" spcCol="1270" anchor="ctr" anchorCtr="0">
-          <a:noAutofit/>
-        </a:bodyPr>
-        <a:lstStyle/>
-        <a:p>
-          <a:pPr marL="0" lvl="0" indent="0" algn="ctr" defTabSz="622300">
-            <a:lnSpc>
-              <a:spcPct val="90000"/>
-            </a:lnSpc>
-            <a:spcBef>
-              <a:spcPct val="0"/>
-            </a:spcBef>
-            <a:spcAft>
-              <a:spcPct val="35000"/>
-            </a:spcAft>
-            <a:buNone/>
-          </a:pPr>
-          <a:r>
-            <a:rPr lang="ru-RU" sz="1400" b="0" i="0" kern="1200" dirty="0"/>
-            <a:t>0.00</a:t>
-          </a:r>
-          <a:endParaRPr lang="ru-RU" sz="1400" kern="1200" dirty="0"/>
-        </a:p>
-      </dsp:txBody>
-      <dsp:txXfrm>
-        <a:off x="9930515" y="5981107"/>
-        <a:ext cx="2230159" cy="849592"/>
-      </dsp:txXfrm>
-    </dsp:sp>
-  </dsp:spTree>
-</dsp:drawing>
-</file>
-
-<file path=ppt/diagrams/drawing2.xml><?xml version="1.0" encoding="utf-8"?>
 <dsp:drawing xmlns:dgm="http://schemas.openxmlformats.org/drawingml/2006/diagram" xmlns:dsp="http://schemas.microsoft.com/office/drawing/2008/diagram" xmlns:a="http://schemas.openxmlformats.org/drawingml/2006/main">
   <dsp:spTree>
     <dsp:nvGrpSpPr>
@@ -12941,7 +8753,7 @@
 </dsp:drawing>
 </file>
 
-<file path=ppt/diagrams/drawing3.xml><?xml version="1.0" encoding="utf-8"?>
+<file path=ppt/diagrams/drawing2.xml><?xml version="1.0" encoding="utf-8"?>
 <dsp:drawing xmlns:dgm="http://schemas.openxmlformats.org/drawingml/2006/diagram" xmlns:dsp="http://schemas.microsoft.com/office/drawing/2008/diagram" xmlns:a="http://schemas.openxmlformats.org/drawingml/2006/main">
   <dsp:spTree>
     <dsp:nvGrpSpPr>
@@ -13733,7 +9545,7 @@
 </dsp:drawing>
 </file>
 
-<file path=ppt/diagrams/drawing4.xml><?xml version="1.0" encoding="utf-8"?>
+<file path=ppt/diagrams/drawing3.xml><?xml version="1.0" encoding="utf-8"?>
 <dsp:drawing xmlns:dgm="http://schemas.openxmlformats.org/drawingml/2006/diagram" xmlns:dsp="http://schemas.microsoft.com/office/drawing/2008/diagram" xmlns:a="http://schemas.openxmlformats.org/drawingml/2006/main">
   <dsp:spTree>
     <dsp:nvGrpSpPr>
@@ -14535,7 +10347,7 @@
 </dsp:drawing>
 </file>
 
-<file path=ppt/diagrams/drawing5.xml><?xml version="1.0" encoding="utf-8"?>
+<file path=ppt/diagrams/drawing4.xml><?xml version="1.0" encoding="utf-8"?>
 <dsp:drawing xmlns:dgm="http://schemas.openxmlformats.org/drawingml/2006/diagram" xmlns:dsp="http://schemas.microsoft.com/office/drawing/2008/diagram" xmlns:a="http://schemas.openxmlformats.org/drawingml/2006/main">
   <dsp:spTree>
     <dsp:nvGrpSpPr>
@@ -15329,528 +11141,6 @@
 </file>
 
 <file path=ppt/diagrams/layout1.xml><?xml version="1.0" encoding="utf-8"?>
-<dgm:layoutDef xmlns:dgm="http://schemas.openxmlformats.org/drawingml/2006/diagram" xmlns:a="http://schemas.openxmlformats.org/drawingml/2006/main" uniqueId="urn:microsoft.com/office/officeart/2005/8/layout/hierarchy4">
-  <dgm:title val=""/>
-  <dgm:desc val=""/>
-  <dgm:catLst>
-    <dgm:cat type="hierarchy" pri="4000"/>
-    <dgm:cat type="list" pri="24000"/>
-    <dgm:cat type="relationship" pri="10000"/>
-  </dgm:catLst>
-  <dgm:sampData>
-    <dgm:dataModel>
-      <dgm:ptLst>
-        <dgm:pt modelId="0" type="doc"/>
-        <dgm:pt modelId="1">
-          <dgm:prSet phldr="1"/>
-        </dgm:pt>
-        <dgm:pt modelId="2">
-          <dgm:prSet phldr="1"/>
-        </dgm:pt>
-        <dgm:pt modelId="21">
-          <dgm:prSet phldr="1"/>
-        </dgm:pt>
-        <dgm:pt modelId="22">
-          <dgm:prSet phldr="1"/>
-        </dgm:pt>
-        <dgm:pt modelId="3">
-          <dgm:prSet phldr="1"/>
-        </dgm:pt>
-        <dgm:pt modelId="31">
-          <dgm:prSet phldr="1"/>
-        </dgm:pt>
-      </dgm:ptLst>
-      <dgm:cxnLst>
-        <dgm:cxn modelId="4" srcId="0" destId="1" srcOrd="0" destOrd="0"/>
-        <dgm:cxn modelId="5" srcId="1" destId="2" srcOrd="0" destOrd="0"/>
-        <dgm:cxn modelId="6" srcId="1" destId="3" srcOrd="1" destOrd="0"/>
-        <dgm:cxn modelId="23" srcId="2" destId="21" srcOrd="0" destOrd="0"/>
-        <dgm:cxn modelId="24" srcId="2" destId="22" srcOrd="1" destOrd="0"/>
-        <dgm:cxn modelId="33" srcId="3" destId="31" srcOrd="0" destOrd="0"/>
-      </dgm:cxnLst>
-      <dgm:bg/>
-      <dgm:whole/>
-    </dgm:dataModel>
-  </dgm:sampData>
-  <dgm:styleData>
-    <dgm:dataModel>
-      <dgm:ptLst>
-        <dgm:pt modelId="0" type="doc"/>
-        <dgm:pt modelId="1"/>
-        <dgm:pt modelId="11"/>
-        <dgm:pt modelId="12"/>
-      </dgm:ptLst>
-      <dgm:cxnLst>
-        <dgm:cxn modelId="2" srcId="0" destId="1" srcOrd="0" destOrd="0"/>
-        <dgm:cxn modelId="13" srcId="1" destId="11" srcOrd="0" destOrd="0"/>
-        <dgm:cxn modelId="14" srcId="1" destId="12" srcOrd="1" destOrd="0"/>
-      </dgm:cxnLst>
-      <dgm:bg/>
-      <dgm:whole/>
-    </dgm:dataModel>
-  </dgm:styleData>
-  <dgm:clrData>
-    <dgm:dataModel>
-      <dgm:ptLst>
-        <dgm:pt modelId="0" type="doc"/>
-        <dgm:pt modelId="1"/>
-        <dgm:pt modelId="2"/>
-        <dgm:pt modelId="21"/>
-        <dgm:pt modelId="211"/>
-        <dgm:pt modelId="3"/>
-        <dgm:pt modelId="31"/>
-        <dgm:pt modelId="311"/>
-      </dgm:ptLst>
-      <dgm:cxnLst>
-        <dgm:cxn modelId="4" srcId="0" destId="1" srcOrd="0" destOrd="0"/>
-        <dgm:cxn modelId="5" srcId="1" destId="2" srcOrd="0" destOrd="0"/>
-        <dgm:cxn modelId="6" srcId="1" destId="3" srcOrd="1" destOrd="0"/>
-        <dgm:cxn modelId="23" srcId="2" destId="21" srcOrd="0" destOrd="0"/>
-        <dgm:cxn modelId="24" srcId="21" destId="211" srcOrd="0" destOrd="0"/>
-        <dgm:cxn modelId="33" srcId="3" destId="31" srcOrd="0" destOrd="0"/>
-        <dgm:cxn modelId="34" srcId="31" destId="311" srcOrd="0" destOrd="0"/>
-      </dgm:cxnLst>
-      <dgm:bg/>
-      <dgm:whole/>
-    </dgm:dataModel>
-  </dgm:clrData>
-  <dgm:layoutNode name="Name0">
-    <dgm:varLst>
-      <dgm:chPref val="1"/>
-      <dgm:dir/>
-      <dgm:animOne val="branch"/>
-      <dgm:animLvl val="lvl"/>
-      <dgm:resizeHandles/>
-    </dgm:varLst>
-    <dgm:choose name="Name1">
-      <dgm:if name="Name2" func="var" arg="dir" op="equ" val="norm">
-        <dgm:alg type="lin">
-          <dgm:param type="linDir" val="fromL"/>
-          <dgm:param type="nodeVertAlign" val="t"/>
-        </dgm:alg>
-      </dgm:if>
-      <dgm:else name="Name3">
-        <dgm:alg type="lin">
-          <dgm:param type="linDir" val="fromR"/>
-          <dgm:param type="nodeVertAlign" val="t"/>
-        </dgm:alg>
-      </dgm:else>
-    </dgm:choose>
-    <dgm:shape xmlns:r="http://schemas.openxmlformats.org/officeDocument/2006/relationships" r:blip="">
-      <dgm:adjLst/>
-    </dgm:shape>
-    <dgm:presOf/>
-    <dgm:constrLst>
-      <dgm:constr type="w" for="ch" forName="vertOne" refType="w"/>
-      <dgm:constr type="w" for="des" forName="horzOne" refType="w"/>
-      <dgm:constr type="w" for="des" forName="txOne" refType="w"/>
-      <dgm:constr type="w" for="des" forName="vertTwo" refType="w"/>
-      <dgm:constr type="w" for="des" forName="horzTwo" refType="w"/>
-      <dgm:constr type="w" for="des" forName="txTwo" refType="w"/>
-      <dgm:constr type="w" for="des" forName="vertThree" refType="w"/>
-      <dgm:constr type="w" for="des" forName="horzThree" refType="w"/>
-      <dgm:constr type="w" for="des" forName="txThree" refType="w"/>
-      <dgm:constr type="w" for="des" forName="vertFour" refType="w"/>
-      <dgm:constr type="w" for="des" forName="horzFour" refType="w"/>
-      <dgm:constr type="w" for="des" forName="txFour" refType="w"/>
-      <dgm:constr type="h" for="des" ptType="node" op="equ"/>
-      <dgm:constr type="h" for="des" forName="txOne" refType="h"/>
-      <dgm:constr type="userH" for="des" ptType="node" refType="h" refFor="des" refForName="txOne"/>
-      <dgm:constr type="primFontSz" for="des" forName="txOne" val="65"/>
-      <dgm:constr type="primFontSz" for="des" forName="txTwo" val="65"/>
-      <dgm:constr type="primFontSz" for="des" forName="txTwo" refType="primFontSz" refFor="des" refForName="txOne" op="lte"/>
-      <dgm:constr type="primFontSz" for="des" forName="txThree" val="65"/>
-      <dgm:constr type="primFontSz" for="des" forName="txThree" refType="primFontSz" refFor="des" refForName="txOne" op="lte"/>
-      <dgm:constr type="primFontSz" for="des" forName="txThree" refType="primFontSz" refFor="des" refForName="txTwo" op="lte"/>
-      <dgm:constr type="primFontSz" for="des" forName="txFour" val="65"/>
-      <dgm:constr type="primFontSz" for="des" forName="txFour" refType="primFontSz" refFor="des" refForName="txOne" op="lte"/>
-      <dgm:constr type="primFontSz" for="des" forName="txFour" refType="primFontSz" refFor="des" refForName="txTwo" op="lte"/>
-      <dgm:constr type="primFontSz" for="des" forName="txFour" refType="primFontSz" refFor="des" refForName="txThree" op="lte"/>
-      <dgm:constr type="w" for="des" forName="sibSpaceOne" refType="w" fact="0.168"/>
-      <dgm:constr type="w" for="des" forName="sibSpaceTwo" refType="w" refFor="des" refForName="sibSpaceOne" op="equ" fact="0.5"/>
-      <dgm:constr type="w" for="des" forName="sibSpaceThree" refType="w" refFor="des" refForName="sibSpaceTwo" op="equ" fact="0.5"/>
-      <dgm:constr type="w" for="des" forName="sibSpaceFour" refType="w" refFor="des" refForName="sibSpaceThree" op="equ" fact="0.5"/>
-      <dgm:constr type="h" for="des" forName="parTransOne" refType="w" fact="0.056"/>
-      <dgm:constr type="h" for="des" forName="parTransTwo" refType="h" refFor="des" refForName="parTransOne" op="equ"/>
-      <dgm:constr type="h" for="des" forName="parTransThree" refType="h" refFor="des" refForName="parTransTwo" op="equ"/>
-      <dgm:constr type="h" for="des" forName="parTransFour" refType="h" refFor="des" refForName="parTransThree" op="equ"/>
-    </dgm:constrLst>
-    <dgm:ruleLst/>
-    <dgm:forEach name="Name4" axis="ch" ptType="node">
-      <dgm:layoutNode name="vertOne">
-        <dgm:alg type="lin">
-          <dgm:param type="linDir" val="fromT"/>
-        </dgm:alg>
-        <dgm:shape xmlns:r="http://schemas.openxmlformats.org/officeDocument/2006/relationships" r:blip="">
-          <dgm:adjLst/>
-        </dgm:shape>
-        <dgm:presOf/>
-        <dgm:constrLst>
-          <dgm:constr type="w" for="ch" forName="txOne" refType="w" refFor="ch" refForName="horzOne" op="gte"/>
-        </dgm:constrLst>
-        <dgm:ruleLst/>
-        <dgm:layoutNode name="txOne" styleLbl="node0">
-          <dgm:varLst>
-            <dgm:chPref val="3"/>
-          </dgm:varLst>
-          <dgm:alg type="tx"/>
-          <dgm:shape xmlns:r="http://schemas.openxmlformats.org/officeDocument/2006/relationships" type="roundRect" r:blip="">
-            <dgm:adjLst>
-              <dgm:adj idx="1" val="0.1"/>
-            </dgm:adjLst>
-          </dgm:shape>
-          <dgm:presOf axis="self"/>
-          <dgm:constrLst>
-            <dgm:constr type="tMarg" refType="primFontSz" fact="0.3"/>
-            <dgm:constr type="bMarg" refType="primFontSz" fact="0.3"/>
-            <dgm:constr type="lMarg" refType="primFontSz" fact="0.3"/>
-            <dgm:constr type="rMarg" refType="primFontSz" fact="0.3"/>
-          </dgm:constrLst>
-          <dgm:ruleLst>
-            <dgm:rule type="primFontSz" val="5" fact="NaN" max="NaN"/>
-          </dgm:ruleLst>
-        </dgm:layoutNode>
-        <dgm:choose name="Name5">
-          <dgm:if name="Name6" axis="des" ptType="node" func="cnt" op="gt" val="0">
-            <dgm:layoutNode name="parTransOne">
-              <dgm:alg type="sp"/>
-              <dgm:shape xmlns:r="http://schemas.openxmlformats.org/officeDocument/2006/relationships" r:blip="">
-                <dgm:adjLst/>
-              </dgm:shape>
-              <dgm:presOf/>
-              <dgm:constrLst/>
-              <dgm:ruleLst/>
-            </dgm:layoutNode>
-          </dgm:if>
-          <dgm:else name="Name7"/>
-        </dgm:choose>
-        <dgm:layoutNode name="horzOne">
-          <dgm:choose name="Name8">
-            <dgm:if name="Name9" func="var" arg="dir" op="equ" val="norm">
-              <dgm:alg type="lin">
-                <dgm:param type="linDir" val="fromL"/>
-                <dgm:param type="nodeVertAlign" val="t"/>
-              </dgm:alg>
-            </dgm:if>
-            <dgm:else name="Name10">
-              <dgm:alg type="lin">
-                <dgm:param type="linDir" val="fromR"/>
-                <dgm:param type="nodeVertAlign" val="t"/>
-              </dgm:alg>
-            </dgm:else>
-          </dgm:choose>
-          <dgm:shape xmlns:r="http://schemas.openxmlformats.org/officeDocument/2006/relationships" r:blip="">
-            <dgm:adjLst/>
-          </dgm:shape>
-          <dgm:presOf/>
-          <dgm:constrLst/>
-          <dgm:ruleLst>
-            <dgm:rule type="w" val="INF" fact="NaN" max="NaN"/>
-          </dgm:ruleLst>
-          <dgm:forEach name="Name11" axis="ch" ptType="node">
-            <dgm:layoutNode name="vertTwo">
-              <dgm:alg type="lin">
-                <dgm:param type="linDir" val="fromT"/>
-              </dgm:alg>
-              <dgm:shape xmlns:r="http://schemas.openxmlformats.org/officeDocument/2006/relationships" r:blip="">
-                <dgm:adjLst/>
-              </dgm:shape>
-              <dgm:presOf/>
-              <dgm:constrLst>
-                <dgm:constr type="w" for="ch" forName="txTwo" refType="w" refFor="ch" refForName="horzTwo" op="gte"/>
-              </dgm:constrLst>
-              <dgm:ruleLst/>
-              <dgm:layoutNode name="txTwo">
-                <dgm:varLst>
-                  <dgm:chPref val="3"/>
-                </dgm:varLst>
-                <dgm:alg type="tx"/>
-                <dgm:shape xmlns:r="http://schemas.openxmlformats.org/officeDocument/2006/relationships" type="roundRect" r:blip="">
-                  <dgm:adjLst>
-                    <dgm:adj idx="1" val="0.1"/>
-                  </dgm:adjLst>
-                </dgm:shape>
-                <dgm:presOf axis="self"/>
-                <dgm:constrLst>
-                  <dgm:constr type="userH"/>
-                  <dgm:constr type="h" refType="userH"/>
-                  <dgm:constr type="tMarg" refType="primFontSz" fact="0.3"/>
-                  <dgm:constr type="bMarg" refType="primFontSz" fact="0.3"/>
-                  <dgm:constr type="lMarg" refType="primFontSz" fact="0.3"/>
-                  <dgm:constr type="rMarg" refType="primFontSz" fact="0.3"/>
-                </dgm:constrLst>
-                <dgm:ruleLst>
-                  <dgm:rule type="primFontSz" val="5" fact="NaN" max="NaN"/>
-                </dgm:ruleLst>
-              </dgm:layoutNode>
-              <dgm:choose name="Name12">
-                <dgm:if name="Name13" axis="des" ptType="node" func="cnt" op="gt" val="0">
-                  <dgm:layoutNode name="parTransTwo">
-                    <dgm:alg type="sp"/>
-                    <dgm:shape xmlns:r="http://schemas.openxmlformats.org/officeDocument/2006/relationships" r:blip="">
-                      <dgm:adjLst/>
-                    </dgm:shape>
-                    <dgm:presOf/>
-                    <dgm:constrLst/>
-                    <dgm:ruleLst/>
-                  </dgm:layoutNode>
-                </dgm:if>
-                <dgm:else name="Name14"/>
-              </dgm:choose>
-              <dgm:layoutNode name="horzTwo">
-                <dgm:choose name="Name15">
-                  <dgm:if name="Name16" func="var" arg="dir" op="equ" val="norm">
-                    <dgm:alg type="lin">
-                      <dgm:param type="linDir" val="fromL"/>
-                      <dgm:param type="nodeVertAlign" val="t"/>
-                    </dgm:alg>
-                  </dgm:if>
-                  <dgm:else name="Name17">
-                    <dgm:alg type="lin">
-                      <dgm:param type="linDir" val="fromR"/>
-                      <dgm:param type="nodeVertAlign" val="t"/>
-                    </dgm:alg>
-                  </dgm:else>
-                </dgm:choose>
-                <dgm:shape xmlns:r="http://schemas.openxmlformats.org/officeDocument/2006/relationships" r:blip="">
-                  <dgm:adjLst/>
-                </dgm:shape>
-                <dgm:presOf/>
-                <dgm:constrLst/>
-                <dgm:ruleLst>
-                  <dgm:rule type="w" val="INF" fact="NaN" max="NaN"/>
-                </dgm:ruleLst>
-                <dgm:forEach name="Name18" axis="ch" ptType="node">
-                  <dgm:layoutNode name="vertThree">
-                    <dgm:alg type="lin">
-                      <dgm:param type="linDir" val="fromT"/>
-                    </dgm:alg>
-                    <dgm:shape xmlns:r="http://schemas.openxmlformats.org/officeDocument/2006/relationships" r:blip="">
-                      <dgm:adjLst/>
-                    </dgm:shape>
-                    <dgm:presOf/>
-                    <dgm:constrLst>
-                      <dgm:constr type="w" for="ch" forName="txThree" refType="w" refFor="ch" refForName="horzThree" op="gte"/>
-                    </dgm:constrLst>
-                    <dgm:ruleLst/>
-                    <dgm:layoutNode name="txThree">
-                      <dgm:varLst>
-                        <dgm:chPref val="3"/>
-                      </dgm:varLst>
-                      <dgm:alg type="tx"/>
-                      <dgm:shape xmlns:r="http://schemas.openxmlformats.org/officeDocument/2006/relationships" type="roundRect" r:blip="">
-                        <dgm:adjLst>
-                          <dgm:adj idx="1" val="0.1"/>
-                        </dgm:adjLst>
-                      </dgm:shape>
-                      <dgm:presOf axis="self"/>
-                      <dgm:constrLst>
-                        <dgm:constr type="userH"/>
-                        <dgm:constr type="h" refType="userH"/>
-                        <dgm:constr type="tMarg" refType="primFontSz" fact="0.3"/>
-                        <dgm:constr type="bMarg" refType="primFontSz" fact="0.3"/>
-                        <dgm:constr type="lMarg" refType="primFontSz" fact="0.3"/>
-                        <dgm:constr type="rMarg" refType="primFontSz" fact="0.3"/>
-                      </dgm:constrLst>
-                      <dgm:ruleLst>
-                        <dgm:rule type="primFontSz" val="5" fact="NaN" max="NaN"/>
-                      </dgm:ruleLst>
-                    </dgm:layoutNode>
-                    <dgm:choose name="Name19">
-                      <dgm:if name="Name20" axis="des" ptType="node" func="cnt" op="gt" val="0">
-                        <dgm:layoutNode name="parTransThree">
-                          <dgm:alg type="sp"/>
-                          <dgm:shape xmlns:r="http://schemas.openxmlformats.org/officeDocument/2006/relationships" r:blip="">
-                            <dgm:adjLst/>
-                          </dgm:shape>
-                          <dgm:presOf/>
-                          <dgm:constrLst/>
-                          <dgm:ruleLst/>
-                        </dgm:layoutNode>
-                      </dgm:if>
-                      <dgm:else name="Name21"/>
-                    </dgm:choose>
-                    <dgm:layoutNode name="horzThree">
-                      <dgm:choose name="Name22">
-                        <dgm:if name="Name23" func="var" arg="dir" op="equ" val="norm">
-                          <dgm:alg type="lin">
-                            <dgm:param type="linDir" val="fromL"/>
-                            <dgm:param type="nodeVertAlign" val="t"/>
-                          </dgm:alg>
-                        </dgm:if>
-                        <dgm:else name="Name24">
-                          <dgm:alg type="lin">
-                            <dgm:param type="linDir" val="fromR"/>
-                            <dgm:param type="nodeVertAlign" val="t"/>
-                          </dgm:alg>
-                        </dgm:else>
-                      </dgm:choose>
-                      <dgm:shape xmlns:r="http://schemas.openxmlformats.org/officeDocument/2006/relationships" r:blip="">
-                        <dgm:adjLst/>
-                      </dgm:shape>
-                      <dgm:presOf/>
-                      <dgm:constrLst/>
-                      <dgm:ruleLst>
-                        <dgm:rule type="w" val="INF" fact="NaN" max="NaN"/>
-                      </dgm:ruleLst>
-                      <dgm:forEach name="repeat" axis="ch" ptType="node">
-                        <dgm:layoutNode name="vertFour">
-                          <dgm:varLst>
-                            <dgm:chPref val="3"/>
-                          </dgm:varLst>
-                          <dgm:alg type="lin">
-                            <dgm:param type="linDir" val="fromT"/>
-                          </dgm:alg>
-                          <dgm:shape xmlns:r="http://schemas.openxmlformats.org/officeDocument/2006/relationships" r:blip="">
-                            <dgm:adjLst/>
-                          </dgm:shape>
-                          <dgm:presOf/>
-                          <dgm:constrLst>
-                            <dgm:constr type="w" for="ch" forName="txFour" refType="w" refFor="ch" refForName="horzFour" op="gte"/>
-                          </dgm:constrLst>
-                          <dgm:ruleLst/>
-                          <dgm:layoutNode name="txFour">
-                            <dgm:varLst>
-                              <dgm:chPref val="3"/>
-                            </dgm:varLst>
-                            <dgm:alg type="tx"/>
-                            <dgm:shape xmlns:r="http://schemas.openxmlformats.org/officeDocument/2006/relationships" type="roundRect" r:blip="">
-                              <dgm:adjLst>
-                                <dgm:adj idx="1" val="0.1"/>
-                              </dgm:adjLst>
-                            </dgm:shape>
-                            <dgm:presOf axis="self"/>
-                            <dgm:constrLst>
-                              <dgm:constr type="userH"/>
-                              <dgm:constr type="h" refType="userH"/>
-                              <dgm:constr type="tMarg" refType="primFontSz" fact="0.3"/>
-                              <dgm:constr type="bMarg" refType="primFontSz" fact="0.3"/>
-                              <dgm:constr type="lMarg" refType="primFontSz" fact="0.3"/>
-                              <dgm:constr type="rMarg" refType="primFontSz" fact="0.3"/>
-                            </dgm:constrLst>
-                            <dgm:ruleLst>
-                              <dgm:rule type="primFontSz" val="5" fact="NaN" max="NaN"/>
-                            </dgm:ruleLst>
-                          </dgm:layoutNode>
-                          <dgm:choose name="Name25">
-                            <dgm:if name="Name26" axis="des" ptType="node" func="cnt" op="gt" val="0">
-                              <dgm:layoutNode name="parTransFour">
-                                <dgm:alg type="sp"/>
-                                <dgm:shape xmlns:r="http://schemas.openxmlformats.org/officeDocument/2006/relationships" r:blip="">
-                                  <dgm:adjLst/>
-                                </dgm:shape>
-                                <dgm:presOf/>
-                                <dgm:constrLst/>
-                                <dgm:ruleLst/>
-                              </dgm:layoutNode>
-                            </dgm:if>
-                            <dgm:else name="Name27"/>
-                          </dgm:choose>
-                          <dgm:layoutNode name="horzFour">
-                            <dgm:choose name="Name28">
-                              <dgm:if name="Name29" func="var" arg="dir" op="equ" val="norm">
-                                <dgm:alg type="lin">
-                                  <dgm:param type="linDir" val="fromL"/>
-                                  <dgm:param type="nodeVertAlign" val="t"/>
-                                </dgm:alg>
-                              </dgm:if>
-                              <dgm:else name="Name30">
-                                <dgm:alg type="lin">
-                                  <dgm:param type="linDir" val="fromR"/>
-                                  <dgm:param type="nodeVertAlign" val="t"/>
-                                </dgm:alg>
-                              </dgm:else>
-                            </dgm:choose>
-                            <dgm:shape xmlns:r="http://schemas.openxmlformats.org/officeDocument/2006/relationships" r:blip="">
-                              <dgm:adjLst/>
-                            </dgm:shape>
-                            <dgm:presOf/>
-                            <dgm:constrLst/>
-                            <dgm:ruleLst>
-                              <dgm:rule type="w" val="INF" fact="NaN" max="NaN"/>
-                            </dgm:ruleLst>
-                            <dgm:forEach name="Name31" ref="repeat"/>
-                          </dgm:layoutNode>
-                        </dgm:layoutNode>
-                        <dgm:choose name="Name32">
-                          <dgm:if name="Name33" axis="self" ptType="node" func="revPos" op="gte" val="2">
-                            <dgm:forEach name="Name34" axis="followSib" ptType="sibTrans" cnt="1">
-                              <dgm:layoutNode name="sibSpaceFour">
-                                <dgm:alg type="sp"/>
-                                <dgm:shape xmlns:r="http://schemas.openxmlformats.org/officeDocument/2006/relationships" r:blip="">
-                                  <dgm:adjLst/>
-                                </dgm:shape>
-                                <dgm:presOf/>
-                                <dgm:constrLst/>
-                                <dgm:ruleLst/>
-                              </dgm:layoutNode>
-                            </dgm:forEach>
-                          </dgm:if>
-                          <dgm:else name="Name35"/>
-                        </dgm:choose>
-                      </dgm:forEach>
-                    </dgm:layoutNode>
-                  </dgm:layoutNode>
-                  <dgm:choose name="Name36">
-                    <dgm:if name="Name37" axis="self" ptType="node" func="revPos" op="gte" val="2">
-                      <dgm:forEach name="Name38" axis="followSib" ptType="sibTrans" cnt="1">
-                        <dgm:layoutNode name="sibSpaceThree">
-                          <dgm:alg type="sp"/>
-                          <dgm:shape xmlns:r="http://schemas.openxmlformats.org/officeDocument/2006/relationships" r:blip="">
-                            <dgm:adjLst/>
-                          </dgm:shape>
-                          <dgm:presOf/>
-                          <dgm:constrLst/>
-                          <dgm:ruleLst/>
-                        </dgm:layoutNode>
-                      </dgm:forEach>
-                    </dgm:if>
-                    <dgm:else name="Name39"/>
-                  </dgm:choose>
-                </dgm:forEach>
-              </dgm:layoutNode>
-            </dgm:layoutNode>
-            <dgm:choose name="Name40">
-              <dgm:if name="Name41" axis="self" ptType="node" func="revPos" op="gte" val="2">
-                <dgm:forEach name="Name42" axis="followSib" ptType="sibTrans" cnt="1">
-                  <dgm:layoutNode name="sibSpaceTwo">
-                    <dgm:alg type="sp"/>
-                    <dgm:shape xmlns:r="http://schemas.openxmlformats.org/officeDocument/2006/relationships" r:blip="">
-                      <dgm:adjLst/>
-                    </dgm:shape>
-                    <dgm:presOf/>
-                    <dgm:constrLst/>
-                    <dgm:ruleLst/>
-                  </dgm:layoutNode>
-                </dgm:forEach>
-              </dgm:if>
-              <dgm:else name="Name43"/>
-            </dgm:choose>
-          </dgm:forEach>
-        </dgm:layoutNode>
-      </dgm:layoutNode>
-      <dgm:choose name="Name44">
-        <dgm:if name="Name45" axis="self" ptType="node" func="revPos" op="gte" val="2">
-          <dgm:forEach name="Name46" axis="followSib" ptType="sibTrans" cnt="1">
-            <dgm:layoutNode name="sibSpaceOne">
-              <dgm:alg type="sp"/>
-              <dgm:shape xmlns:r="http://schemas.openxmlformats.org/officeDocument/2006/relationships" r:blip="">
-                <dgm:adjLst/>
-              </dgm:shape>
-              <dgm:presOf/>
-              <dgm:constrLst/>
-              <dgm:ruleLst/>
-            </dgm:layoutNode>
-          </dgm:forEach>
-        </dgm:if>
-        <dgm:else name="Name47"/>
-      </dgm:choose>
-    </dgm:forEach>
-  </dgm:layoutNode>
-</dgm:layoutDef>
-</file>
-
-<file path=ppt/diagrams/layout2.xml><?xml version="1.0" encoding="utf-8"?>
 <dgm:layoutDef xmlns:dgm="http://schemas.openxmlformats.org/drawingml/2006/diagram" xmlns:a="http://schemas.openxmlformats.org/drawingml/2006/main" uniqueId="urn:microsoft.com/office/officeart/2008/layout/LinedList">
   <dgm:title val=""/>
   <dgm:desc val=""/>
@@ -16316,7 +11606,7 @@
 </dgm:layoutDef>
 </file>
 
-<file path=ppt/diagrams/layout3.xml><?xml version="1.0" encoding="utf-8"?>
+<file path=ppt/diagrams/layout2.xml><?xml version="1.0" encoding="utf-8"?>
 <dgm:layoutDef xmlns:dgm="http://schemas.openxmlformats.org/drawingml/2006/diagram" xmlns:a="http://schemas.openxmlformats.org/drawingml/2006/main" uniqueId="urn:microsoft.com/office/officeart/2005/8/layout/vList5">
   <dgm:title val=""/>
   <dgm:desc val=""/>
@@ -16549,7 +11839,7 @@
 </dgm:layoutDef>
 </file>
 
-<file path=ppt/diagrams/layout4.xml><?xml version="1.0" encoding="utf-8"?>
+<file path=ppt/diagrams/layout3.xml><?xml version="1.0" encoding="utf-8"?>
 <dgm:layoutDef xmlns:dgm="http://schemas.openxmlformats.org/drawingml/2006/diagram" xmlns:a="http://schemas.openxmlformats.org/drawingml/2006/main" uniqueId="urn:microsoft.com/office/officeart/2005/8/layout/hList1">
   <dgm:title val=""/>
   <dgm:desc val=""/>
@@ -16766,7 +12056,7 @@
 </dgm:layoutDef>
 </file>
 
-<file path=ppt/diagrams/layout5.xml><?xml version="1.0" encoding="utf-8"?>
+<file path=ppt/diagrams/layout4.xml><?xml version="1.0" encoding="utf-8"?>
 <dgm:layoutDef xmlns:dgm="http://schemas.openxmlformats.org/drawingml/2006/diagram" xmlns:a="http://schemas.openxmlformats.org/drawingml/2006/main" uniqueId="urn:microsoft.com/office/officeart/2005/8/layout/hList1">
   <dgm:title val=""/>
   <dgm:desc val=""/>
@@ -21119,1040 +16409,6 @@
 </dgm:styleDef>
 </file>
 
-<file path=ppt/diagrams/quickStyle5.xml><?xml version="1.0" encoding="utf-8"?>
-<dgm:styleDef xmlns:dgm="http://schemas.openxmlformats.org/drawingml/2006/diagram" xmlns:a="http://schemas.openxmlformats.org/drawingml/2006/main" uniqueId="urn:microsoft.com/office/officeart/2005/8/quickstyle/simple1">
-  <dgm:title val=""/>
-  <dgm:desc val=""/>
-  <dgm:catLst>
-    <dgm:cat type="simple" pri="10100"/>
-  </dgm:catLst>
-  <dgm:scene3d>
-    <a:camera prst="orthographicFront"/>
-    <a:lightRig rig="threePt" dir="t"/>
-  </dgm:scene3d>
-  <dgm:styleLbl name="node0">
-    <dgm:scene3d>
-      <a:camera prst="orthographicFront"/>
-      <a:lightRig rig="threePt" dir="t"/>
-    </dgm:scene3d>
-    <dgm:sp3d/>
-    <dgm:txPr/>
-    <dgm:style>
-      <a:lnRef idx="2">
-        <a:scrgbClr r="0" g="0" b="0"/>
-      </a:lnRef>
-      <a:fillRef idx="1">
-        <a:scrgbClr r="0" g="0" b="0"/>
-      </a:fillRef>
-      <a:effectRef idx="0">
-        <a:scrgbClr r="0" g="0" b="0"/>
-      </a:effectRef>
-      <a:fontRef idx="minor">
-        <a:schemeClr val="lt1"/>
-      </a:fontRef>
-    </dgm:style>
-  </dgm:styleLbl>
-  <dgm:styleLbl name="lnNode1">
-    <dgm:scene3d>
-      <a:camera prst="orthographicFront"/>
-      <a:lightRig rig="threePt" dir="t"/>
-    </dgm:scene3d>
-    <dgm:sp3d/>
-    <dgm:txPr/>
-    <dgm:style>
-      <a:lnRef idx="2">
-        <a:scrgbClr r="0" g="0" b="0"/>
-      </a:lnRef>
-      <a:fillRef idx="1">
-        <a:scrgbClr r="0" g="0" b="0"/>
-      </a:fillRef>
-      <a:effectRef idx="0">
-        <a:scrgbClr r="0" g="0" b="0"/>
-      </a:effectRef>
-      <a:fontRef idx="minor">
-        <a:schemeClr val="lt1"/>
-      </a:fontRef>
-    </dgm:style>
-  </dgm:styleLbl>
-  <dgm:styleLbl name="vennNode1">
-    <dgm:scene3d>
-      <a:camera prst="orthographicFront"/>
-      <a:lightRig rig="threePt" dir="t"/>
-    </dgm:scene3d>
-    <dgm:sp3d/>
-    <dgm:txPr/>
-    <dgm:style>
-      <a:lnRef idx="2">
-        <a:scrgbClr r="0" g="0" b="0"/>
-      </a:lnRef>
-      <a:fillRef idx="1">
-        <a:scrgbClr r="0" g="0" b="0"/>
-      </a:fillRef>
-      <a:effectRef idx="0">
-        <a:scrgbClr r="0" g="0" b="0"/>
-      </a:effectRef>
-      <a:fontRef idx="minor">
-        <a:schemeClr val="tx1"/>
-      </a:fontRef>
-    </dgm:style>
-  </dgm:styleLbl>
-  <dgm:styleLbl name="alignNode1">
-    <dgm:scene3d>
-      <a:camera prst="orthographicFront"/>
-      <a:lightRig rig="threePt" dir="t"/>
-    </dgm:scene3d>
-    <dgm:sp3d/>
-    <dgm:txPr/>
-    <dgm:style>
-      <a:lnRef idx="2">
-        <a:scrgbClr r="0" g="0" b="0"/>
-      </a:lnRef>
-      <a:fillRef idx="1">
-        <a:scrgbClr r="0" g="0" b="0"/>
-      </a:fillRef>
-      <a:effectRef idx="0">
-        <a:scrgbClr r="0" g="0" b="0"/>
-      </a:effectRef>
-      <a:fontRef idx="minor">
-        <a:schemeClr val="lt1"/>
-      </a:fontRef>
-    </dgm:style>
-  </dgm:styleLbl>
-  <dgm:styleLbl name="node1">
-    <dgm:scene3d>
-      <a:camera prst="orthographicFront"/>
-      <a:lightRig rig="threePt" dir="t"/>
-    </dgm:scene3d>
-    <dgm:sp3d/>
-    <dgm:txPr/>
-    <dgm:style>
-      <a:lnRef idx="2">
-        <a:scrgbClr r="0" g="0" b="0"/>
-      </a:lnRef>
-      <a:fillRef idx="1">
-        <a:scrgbClr r="0" g="0" b="0"/>
-      </a:fillRef>
-      <a:effectRef idx="0">
-        <a:scrgbClr r="0" g="0" b="0"/>
-      </a:effectRef>
-      <a:fontRef idx="minor">
-        <a:schemeClr val="lt1"/>
-      </a:fontRef>
-    </dgm:style>
-  </dgm:styleLbl>
-  <dgm:styleLbl name="node2">
-    <dgm:scene3d>
-      <a:camera prst="orthographicFront"/>
-      <a:lightRig rig="threePt" dir="t"/>
-    </dgm:scene3d>
-    <dgm:sp3d/>
-    <dgm:txPr/>
-    <dgm:style>
-      <a:lnRef idx="2">
-        <a:scrgbClr r="0" g="0" b="0"/>
-      </a:lnRef>
-      <a:fillRef idx="1">
-        <a:scrgbClr r="0" g="0" b="0"/>
-      </a:fillRef>
-      <a:effectRef idx="0">
-        <a:scrgbClr r="0" g="0" b="0"/>
-      </a:effectRef>
-      <a:fontRef idx="minor">
-        <a:schemeClr val="lt1"/>
-      </a:fontRef>
-    </dgm:style>
-  </dgm:styleLbl>
-  <dgm:styleLbl name="node3">
-    <dgm:scene3d>
-      <a:camera prst="orthographicFront"/>
-      <a:lightRig rig="threePt" dir="t"/>
-    </dgm:scene3d>
-    <dgm:sp3d/>
-    <dgm:txPr/>
-    <dgm:style>
-      <a:lnRef idx="2">
-        <a:scrgbClr r="0" g="0" b="0"/>
-      </a:lnRef>
-      <a:fillRef idx="1">
-        <a:scrgbClr r="0" g="0" b="0"/>
-      </a:fillRef>
-      <a:effectRef idx="0">
-        <a:scrgbClr r="0" g="0" b="0"/>
-      </a:effectRef>
-      <a:fontRef idx="minor">
-        <a:schemeClr val="lt1"/>
-      </a:fontRef>
-    </dgm:style>
-  </dgm:styleLbl>
-  <dgm:styleLbl name="node4">
-    <dgm:scene3d>
-      <a:camera prst="orthographicFront"/>
-      <a:lightRig rig="threePt" dir="t"/>
-    </dgm:scene3d>
-    <dgm:sp3d/>
-    <dgm:txPr/>
-    <dgm:style>
-      <a:lnRef idx="2">
-        <a:scrgbClr r="0" g="0" b="0"/>
-      </a:lnRef>
-      <a:fillRef idx="1">
-        <a:scrgbClr r="0" g="0" b="0"/>
-      </a:fillRef>
-      <a:effectRef idx="0">
-        <a:scrgbClr r="0" g="0" b="0"/>
-      </a:effectRef>
-      <a:fontRef idx="minor">
-        <a:schemeClr val="lt1"/>
-      </a:fontRef>
-    </dgm:style>
-  </dgm:styleLbl>
-  <dgm:styleLbl name="fgImgPlace1">
-    <dgm:scene3d>
-      <a:camera prst="orthographicFront"/>
-      <a:lightRig rig="threePt" dir="t"/>
-    </dgm:scene3d>
-    <dgm:sp3d/>
-    <dgm:txPr/>
-    <dgm:style>
-      <a:lnRef idx="2">
-        <a:scrgbClr r="0" g="0" b="0"/>
-      </a:lnRef>
-      <a:fillRef idx="1">
-        <a:scrgbClr r="0" g="0" b="0"/>
-      </a:fillRef>
-      <a:effectRef idx="0">
-        <a:scrgbClr r="0" g="0" b="0"/>
-      </a:effectRef>
-      <a:fontRef idx="minor"/>
-    </dgm:style>
-  </dgm:styleLbl>
-  <dgm:styleLbl name="alignImgPlace1">
-    <dgm:scene3d>
-      <a:camera prst="orthographicFront"/>
-      <a:lightRig rig="threePt" dir="t"/>
-    </dgm:scene3d>
-    <dgm:sp3d/>
-    <dgm:txPr/>
-    <dgm:style>
-      <a:lnRef idx="2">
-        <a:scrgbClr r="0" g="0" b="0"/>
-      </a:lnRef>
-      <a:fillRef idx="1">
-        <a:scrgbClr r="0" g="0" b="0"/>
-      </a:fillRef>
-      <a:effectRef idx="0">
-        <a:scrgbClr r="0" g="0" b="0"/>
-      </a:effectRef>
-      <a:fontRef idx="minor"/>
-    </dgm:style>
-  </dgm:styleLbl>
-  <dgm:styleLbl name="bgImgPlace1">
-    <dgm:scene3d>
-      <a:camera prst="orthographicFront"/>
-      <a:lightRig rig="threePt" dir="t"/>
-    </dgm:scene3d>
-    <dgm:sp3d/>
-    <dgm:txPr/>
-    <dgm:style>
-      <a:lnRef idx="2">
-        <a:scrgbClr r="0" g="0" b="0"/>
-      </a:lnRef>
-      <a:fillRef idx="1">
-        <a:scrgbClr r="0" g="0" b="0"/>
-      </a:fillRef>
-      <a:effectRef idx="0">
-        <a:scrgbClr r="0" g="0" b="0"/>
-      </a:effectRef>
-      <a:fontRef idx="minor"/>
-    </dgm:style>
-  </dgm:styleLbl>
-  <dgm:styleLbl name="sibTrans2D1">
-    <dgm:scene3d>
-      <a:camera prst="orthographicFront"/>
-      <a:lightRig rig="threePt" dir="t"/>
-    </dgm:scene3d>
-    <dgm:sp3d/>
-    <dgm:txPr/>
-    <dgm:style>
-      <a:lnRef idx="0">
-        <a:scrgbClr r="0" g="0" b="0"/>
-      </a:lnRef>
-      <a:fillRef idx="1">
-        <a:scrgbClr r="0" g="0" b="0"/>
-      </a:fillRef>
-      <a:effectRef idx="0">
-        <a:scrgbClr r="0" g="0" b="0"/>
-      </a:effectRef>
-      <a:fontRef idx="minor">
-        <a:schemeClr val="lt1"/>
-      </a:fontRef>
-    </dgm:style>
-  </dgm:styleLbl>
-  <dgm:styleLbl name="fgSibTrans2D1">
-    <dgm:scene3d>
-      <a:camera prst="orthographicFront"/>
-      <a:lightRig rig="threePt" dir="t"/>
-    </dgm:scene3d>
-    <dgm:sp3d/>
-    <dgm:txPr/>
-    <dgm:style>
-      <a:lnRef idx="0">
-        <a:scrgbClr r="0" g="0" b="0"/>
-      </a:lnRef>
-      <a:fillRef idx="1">
-        <a:scrgbClr r="0" g="0" b="0"/>
-      </a:fillRef>
-      <a:effectRef idx="0">
-        <a:scrgbClr r="0" g="0" b="0"/>
-      </a:effectRef>
-      <a:fontRef idx="minor">
-        <a:schemeClr val="lt1"/>
-      </a:fontRef>
-    </dgm:style>
-  </dgm:styleLbl>
-  <dgm:styleLbl name="bgSibTrans2D1">
-    <dgm:scene3d>
-      <a:camera prst="orthographicFront"/>
-      <a:lightRig rig="threePt" dir="t"/>
-    </dgm:scene3d>
-    <dgm:sp3d/>
-    <dgm:txPr/>
-    <dgm:style>
-      <a:lnRef idx="0">
-        <a:scrgbClr r="0" g="0" b="0"/>
-      </a:lnRef>
-      <a:fillRef idx="1">
-        <a:scrgbClr r="0" g="0" b="0"/>
-      </a:fillRef>
-      <a:effectRef idx="0">
-        <a:scrgbClr r="0" g="0" b="0"/>
-      </a:effectRef>
-      <a:fontRef idx="minor">
-        <a:schemeClr val="lt1"/>
-      </a:fontRef>
-    </dgm:style>
-  </dgm:styleLbl>
-  <dgm:styleLbl name="sibTrans1D1">
-    <dgm:scene3d>
-      <a:camera prst="orthographicFront"/>
-      <a:lightRig rig="threePt" dir="t"/>
-    </dgm:scene3d>
-    <dgm:sp3d/>
-    <dgm:txPr/>
-    <dgm:style>
-      <a:lnRef idx="1">
-        <a:scrgbClr r="0" g="0" b="0"/>
-      </a:lnRef>
-      <a:fillRef idx="0">
-        <a:scrgbClr r="0" g="0" b="0"/>
-      </a:fillRef>
-      <a:effectRef idx="0">
-        <a:scrgbClr r="0" g="0" b="0"/>
-      </a:effectRef>
-      <a:fontRef idx="minor"/>
-    </dgm:style>
-  </dgm:styleLbl>
-  <dgm:styleLbl name="callout">
-    <dgm:scene3d>
-      <a:camera prst="orthographicFront"/>
-      <a:lightRig rig="threePt" dir="t"/>
-    </dgm:scene3d>
-    <dgm:sp3d/>
-    <dgm:txPr/>
-    <dgm:style>
-      <a:lnRef idx="2">
-        <a:scrgbClr r="0" g="0" b="0"/>
-      </a:lnRef>
-      <a:fillRef idx="1">
-        <a:scrgbClr r="0" g="0" b="0"/>
-      </a:fillRef>
-      <a:effectRef idx="0">
-        <a:scrgbClr r="0" g="0" b="0"/>
-      </a:effectRef>
-      <a:fontRef idx="minor"/>
-    </dgm:style>
-  </dgm:styleLbl>
-  <dgm:styleLbl name="asst0">
-    <dgm:scene3d>
-      <a:camera prst="orthographicFront"/>
-      <a:lightRig rig="threePt" dir="t"/>
-    </dgm:scene3d>
-    <dgm:sp3d/>
-    <dgm:txPr/>
-    <dgm:style>
-      <a:lnRef idx="2">
-        <a:scrgbClr r="0" g="0" b="0"/>
-      </a:lnRef>
-      <a:fillRef idx="1">
-        <a:scrgbClr r="0" g="0" b="0"/>
-      </a:fillRef>
-      <a:effectRef idx="0">
-        <a:scrgbClr r="0" g="0" b="0"/>
-      </a:effectRef>
-      <a:fontRef idx="minor">
-        <a:schemeClr val="lt1"/>
-      </a:fontRef>
-    </dgm:style>
-  </dgm:styleLbl>
-  <dgm:styleLbl name="asst1">
-    <dgm:scene3d>
-      <a:camera prst="orthographicFront"/>
-      <a:lightRig rig="threePt" dir="t"/>
-    </dgm:scene3d>
-    <dgm:sp3d/>
-    <dgm:txPr/>
-    <dgm:style>
-      <a:lnRef idx="2">
-        <a:scrgbClr r="0" g="0" b="0"/>
-      </a:lnRef>
-      <a:fillRef idx="1">
-        <a:scrgbClr r="0" g="0" b="0"/>
-      </a:fillRef>
-      <a:effectRef idx="0">
-        <a:scrgbClr r="0" g="0" b="0"/>
-      </a:effectRef>
-      <a:fontRef idx="minor">
-        <a:schemeClr val="lt1"/>
-      </a:fontRef>
-    </dgm:style>
-  </dgm:styleLbl>
-  <dgm:styleLbl name="asst2">
-    <dgm:scene3d>
-      <a:camera prst="orthographicFront"/>
-      <a:lightRig rig="threePt" dir="t"/>
-    </dgm:scene3d>
-    <dgm:sp3d/>
-    <dgm:txPr/>
-    <dgm:style>
-      <a:lnRef idx="2">
-        <a:scrgbClr r="0" g="0" b="0"/>
-      </a:lnRef>
-      <a:fillRef idx="1">
-        <a:scrgbClr r="0" g="0" b="0"/>
-      </a:fillRef>
-      <a:effectRef idx="0">
-        <a:scrgbClr r="0" g="0" b="0"/>
-      </a:effectRef>
-      <a:fontRef idx="minor">
-        <a:schemeClr val="lt1"/>
-      </a:fontRef>
-    </dgm:style>
-  </dgm:styleLbl>
-  <dgm:styleLbl name="asst3">
-    <dgm:scene3d>
-      <a:camera prst="orthographicFront"/>
-      <a:lightRig rig="threePt" dir="t"/>
-    </dgm:scene3d>
-    <dgm:sp3d/>
-    <dgm:txPr/>
-    <dgm:style>
-      <a:lnRef idx="2">
-        <a:scrgbClr r="0" g="0" b="0"/>
-      </a:lnRef>
-      <a:fillRef idx="1">
-        <a:scrgbClr r="0" g="0" b="0"/>
-      </a:fillRef>
-      <a:effectRef idx="0">
-        <a:scrgbClr r="0" g="0" b="0"/>
-      </a:effectRef>
-      <a:fontRef idx="minor">
-        <a:schemeClr val="lt1"/>
-      </a:fontRef>
-    </dgm:style>
-  </dgm:styleLbl>
-  <dgm:styleLbl name="asst4">
-    <dgm:scene3d>
-      <a:camera prst="orthographicFront"/>
-      <a:lightRig rig="threePt" dir="t"/>
-    </dgm:scene3d>
-    <dgm:sp3d/>
-    <dgm:txPr/>
-    <dgm:style>
-      <a:lnRef idx="2">
-        <a:scrgbClr r="0" g="0" b="0"/>
-      </a:lnRef>
-      <a:fillRef idx="1">
-        <a:scrgbClr r="0" g="0" b="0"/>
-      </a:fillRef>
-      <a:effectRef idx="0">
-        <a:scrgbClr r="0" g="0" b="0"/>
-      </a:effectRef>
-      <a:fontRef idx="minor">
-        <a:schemeClr val="lt1"/>
-      </a:fontRef>
-    </dgm:style>
-  </dgm:styleLbl>
-  <dgm:styleLbl name="parChTrans2D1">
-    <dgm:scene3d>
-      <a:camera prst="orthographicFront"/>
-      <a:lightRig rig="threePt" dir="t"/>
-    </dgm:scene3d>
-    <dgm:sp3d/>
-    <dgm:txPr/>
-    <dgm:style>
-      <a:lnRef idx="2">
-        <a:scrgbClr r="0" g="0" b="0"/>
-      </a:lnRef>
-      <a:fillRef idx="1">
-        <a:scrgbClr r="0" g="0" b="0"/>
-      </a:fillRef>
-      <a:effectRef idx="0">
-        <a:scrgbClr r="0" g="0" b="0"/>
-      </a:effectRef>
-      <a:fontRef idx="minor">
-        <a:schemeClr val="lt1"/>
-      </a:fontRef>
-    </dgm:style>
-  </dgm:styleLbl>
-  <dgm:styleLbl name="parChTrans2D2">
-    <dgm:scene3d>
-      <a:camera prst="orthographicFront"/>
-      <a:lightRig rig="threePt" dir="t"/>
-    </dgm:scene3d>
-    <dgm:sp3d/>
-    <dgm:txPr/>
-    <dgm:style>
-      <a:lnRef idx="2">
-        <a:scrgbClr r="0" g="0" b="0"/>
-      </a:lnRef>
-      <a:fillRef idx="1">
-        <a:scrgbClr r="0" g="0" b="0"/>
-      </a:fillRef>
-      <a:effectRef idx="0">
-        <a:scrgbClr r="0" g="0" b="0"/>
-      </a:effectRef>
-      <a:fontRef idx="minor">
-        <a:schemeClr val="lt1"/>
-      </a:fontRef>
-    </dgm:style>
-  </dgm:styleLbl>
-  <dgm:styleLbl name="parChTrans2D3">
-    <dgm:scene3d>
-      <a:camera prst="orthographicFront"/>
-      <a:lightRig rig="threePt" dir="t"/>
-    </dgm:scene3d>
-    <dgm:sp3d/>
-    <dgm:txPr/>
-    <dgm:style>
-      <a:lnRef idx="2">
-        <a:scrgbClr r="0" g="0" b="0"/>
-      </a:lnRef>
-      <a:fillRef idx="1">
-        <a:scrgbClr r="0" g="0" b="0"/>
-      </a:fillRef>
-      <a:effectRef idx="0">
-        <a:scrgbClr r="0" g="0" b="0"/>
-      </a:effectRef>
-      <a:fontRef idx="minor">
-        <a:schemeClr val="lt1"/>
-      </a:fontRef>
-    </dgm:style>
-  </dgm:styleLbl>
-  <dgm:styleLbl name="parChTrans2D4">
-    <dgm:scene3d>
-      <a:camera prst="orthographicFront"/>
-      <a:lightRig rig="threePt" dir="t"/>
-    </dgm:scene3d>
-    <dgm:sp3d/>
-    <dgm:txPr/>
-    <dgm:style>
-      <a:lnRef idx="2">
-        <a:scrgbClr r="0" g="0" b="0"/>
-      </a:lnRef>
-      <a:fillRef idx="1">
-        <a:scrgbClr r="0" g="0" b="0"/>
-      </a:fillRef>
-      <a:effectRef idx="0">
-        <a:scrgbClr r="0" g="0" b="0"/>
-      </a:effectRef>
-      <a:fontRef idx="minor">
-        <a:schemeClr val="lt1"/>
-      </a:fontRef>
-    </dgm:style>
-  </dgm:styleLbl>
-  <dgm:styleLbl name="parChTrans1D1">
-    <dgm:scene3d>
-      <a:camera prst="orthographicFront"/>
-      <a:lightRig rig="threePt" dir="t"/>
-    </dgm:scene3d>
-    <dgm:sp3d/>
-    <dgm:txPr/>
-    <dgm:style>
-      <a:lnRef idx="2">
-        <a:scrgbClr r="0" g="0" b="0"/>
-      </a:lnRef>
-      <a:fillRef idx="0">
-        <a:scrgbClr r="0" g="0" b="0"/>
-      </a:fillRef>
-      <a:effectRef idx="0">
-        <a:scrgbClr r="0" g="0" b="0"/>
-      </a:effectRef>
-      <a:fontRef idx="minor"/>
-    </dgm:style>
-  </dgm:styleLbl>
-  <dgm:styleLbl name="parChTrans1D2">
-    <dgm:scene3d>
-      <a:camera prst="orthographicFront"/>
-      <a:lightRig rig="threePt" dir="t"/>
-    </dgm:scene3d>
-    <dgm:sp3d/>
-    <dgm:txPr/>
-    <dgm:style>
-      <a:lnRef idx="2">
-        <a:scrgbClr r="0" g="0" b="0"/>
-      </a:lnRef>
-      <a:fillRef idx="0">
-        <a:scrgbClr r="0" g="0" b="0"/>
-      </a:fillRef>
-      <a:effectRef idx="0">
-        <a:scrgbClr r="0" g="0" b="0"/>
-      </a:effectRef>
-      <a:fontRef idx="minor"/>
-    </dgm:style>
-  </dgm:styleLbl>
-  <dgm:styleLbl name="parChTrans1D3">
-    <dgm:scene3d>
-      <a:camera prst="orthographicFront"/>
-      <a:lightRig rig="threePt" dir="t"/>
-    </dgm:scene3d>
-    <dgm:sp3d/>
-    <dgm:txPr/>
-    <dgm:style>
-      <a:lnRef idx="2">
-        <a:scrgbClr r="0" g="0" b="0"/>
-      </a:lnRef>
-      <a:fillRef idx="0">
-        <a:scrgbClr r="0" g="0" b="0"/>
-      </a:fillRef>
-      <a:effectRef idx="0">
-        <a:scrgbClr r="0" g="0" b="0"/>
-      </a:effectRef>
-      <a:fontRef idx="minor"/>
-    </dgm:style>
-  </dgm:styleLbl>
-  <dgm:styleLbl name="parChTrans1D4">
-    <dgm:scene3d>
-      <a:camera prst="orthographicFront"/>
-      <a:lightRig rig="threePt" dir="t"/>
-    </dgm:scene3d>
-    <dgm:sp3d/>
-    <dgm:txPr/>
-    <dgm:style>
-      <a:lnRef idx="2">
-        <a:scrgbClr r="0" g="0" b="0"/>
-      </a:lnRef>
-      <a:fillRef idx="0">
-        <a:scrgbClr r="0" g="0" b="0"/>
-      </a:fillRef>
-      <a:effectRef idx="0">
-        <a:scrgbClr r="0" g="0" b="0"/>
-      </a:effectRef>
-      <a:fontRef idx="minor"/>
-    </dgm:style>
-  </dgm:styleLbl>
-  <dgm:styleLbl name="fgAcc1">
-    <dgm:scene3d>
-      <a:camera prst="orthographicFront"/>
-      <a:lightRig rig="threePt" dir="t"/>
-    </dgm:scene3d>
-    <dgm:sp3d/>
-    <dgm:txPr/>
-    <dgm:style>
-      <a:lnRef idx="2">
-        <a:scrgbClr r="0" g="0" b="0"/>
-      </a:lnRef>
-      <a:fillRef idx="1">
-        <a:scrgbClr r="0" g="0" b="0"/>
-      </a:fillRef>
-      <a:effectRef idx="0">
-        <a:scrgbClr r="0" g="0" b="0"/>
-      </a:effectRef>
-      <a:fontRef idx="minor"/>
-    </dgm:style>
-  </dgm:styleLbl>
-  <dgm:styleLbl name="conFgAcc1">
-    <dgm:scene3d>
-      <a:camera prst="orthographicFront"/>
-      <a:lightRig rig="threePt" dir="t"/>
-    </dgm:scene3d>
-    <dgm:sp3d/>
-    <dgm:txPr/>
-    <dgm:style>
-      <a:lnRef idx="2">
-        <a:scrgbClr r="0" g="0" b="0"/>
-      </a:lnRef>
-      <a:fillRef idx="1">
-        <a:scrgbClr r="0" g="0" b="0"/>
-      </a:fillRef>
-      <a:effectRef idx="0">
-        <a:scrgbClr r="0" g="0" b="0"/>
-      </a:effectRef>
-      <a:fontRef idx="minor"/>
-    </dgm:style>
-  </dgm:styleLbl>
-  <dgm:styleLbl name="alignAcc1">
-    <dgm:scene3d>
-      <a:camera prst="orthographicFront"/>
-      <a:lightRig rig="threePt" dir="t"/>
-    </dgm:scene3d>
-    <dgm:sp3d/>
-    <dgm:txPr/>
-    <dgm:style>
-      <a:lnRef idx="2">
-        <a:scrgbClr r="0" g="0" b="0"/>
-      </a:lnRef>
-      <a:fillRef idx="1">
-        <a:scrgbClr r="0" g="0" b="0"/>
-      </a:fillRef>
-      <a:effectRef idx="0">
-        <a:scrgbClr r="0" g="0" b="0"/>
-      </a:effectRef>
-      <a:fontRef idx="minor"/>
-    </dgm:style>
-  </dgm:styleLbl>
-  <dgm:styleLbl name="trAlignAcc1">
-    <dgm:scene3d>
-      <a:camera prst="orthographicFront"/>
-      <a:lightRig rig="threePt" dir="t"/>
-    </dgm:scene3d>
-    <dgm:sp3d/>
-    <dgm:txPr/>
-    <dgm:style>
-      <a:lnRef idx="1">
-        <a:scrgbClr r="0" g="0" b="0"/>
-      </a:lnRef>
-      <a:fillRef idx="1">
-        <a:scrgbClr r="0" g="0" b="0"/>
-      </a:fillRef>
-      <a:effectRef idx="0">
-        <a:scrgbClr r="0" g="0" b="0"/>
-      </a:effectRef>
-      <a:fontRef idx="minor"/>
-    </dgm:style>
-  </dgm:styleLbl>
-  <dgm:styleLbl name="bgAcc1">
-    <dgm:scene3d>
-      <a:camera prst="orthographicFront"/>
-      <a:lightRig rig="threePt" dir="t"/>
-    </dgm:scene3d>
-    <dgm:sp3d/>
-    <dgm:txPr/>
-    <dgm:style>
-      <a:lnRef idx="2">
-        <a:scrgbClr r="0" g="0" b="0"/>
-      </a:lnRef>
-      <a:fillRef idx="1">
-        <a:scrgbClr r="0" g="0" b="0"/>
-      </a:fillRef>
-      <a:effectRef idx="0">
-        <a:scrgbClr r="0" g="0" b="0"/>
-      </a:effectRef>
-      <a:fontRef idx="minor"/>
-    </dgm:style>
-  </dgm:styleLbl>
-  <dgm:styleLbl name="solidFgAcc1">
-    <dgm:scene3d>
-      <a:camera prst="orthographicFront"/>
-      <a:lightRig rig="threePt" dir="t"/>
-    </dgm:scene3d>
-    <dgm:sp3d/>
-    <dgm:txPr/>
-    <dgm:style>
-      <a:lnRef idx="2">
-        <a:scrgbClr r="0" g="0" b="0"/>
-      </a:lnRef>
-      <a:fillRef idx="1">
-        <a:scrgbClr r="0" g="0" b="0"/>
-      </a:fillRef>
-      <a:effectRef idx="0">
-        <a:scrgbClr r="0" g="0" b="0"/>
-      </a:effectRef>
-      <a:fontRef idx="minor"/>
-    </dgm:style>
-  </dgm:styleLbl>
-  <dgm:styleLbl name="solidAlignAcc1">
-    <dgm:scene3d>
-      <a:camera prst="orthographicFront"/>
-      <a:lightRig rig="threePt" dir="t"/>
-    </dgm:scene3d>
-    <dgm:sp3d/>
-    <dgm:txPr/>
-    <dgm:style>
-      <a:lnRef idx="2">
-        <a:scrgbClr r="0" g="0" b="0"/>
-      </a:lnRef>
-      <a:fillRef idx="1">
-        <a:scrgbClr r="0" g="0" b="0"/>
-      </a:fillRef>
-      <a:effectRef idx="0">
-        <a:scrgbClr r="0" g="0" b="0"/>
-      </a:effectRef>
-      <a:fontRef idx="minor"/>
-    </dgm:style>
-  </dgm:styleLbl>
-  <dgm:styleLbl name="solidBgAcc1">
-    <dgm:scene3d>
-      <a:camera prst="orthographicFront"/>
-      <a:lightRig rig="threePt" dir="t"/>
-    </dgm:scene3d>
-    <dgm:sp3d/>
-    <dgm:txPr/>
-    <dgm:style>
-      <a:lnRef idx="2">
-        <a:scrgbClr r="0" g="0" b="0"/>
-      </a:lnRef>
-      <a:fillRef idx="1">
-        <a:scrgbClr r="0" g="0" b="0"/>
-      </a:fillRef>
-      <a:effectRef idx="0">
-        <a:scrgbClr r="0" g="0" b="0"/>
-      </a:effectRef>
-      <a:fontRef idx="minor"/>
-    </dgm:style>
-  </dgm:styleLbl>
-  <dgm:styleLbl name="fgAccFollowNode1">
-    <dgm:scene3d>
-      <a:camera prst="orthographicFront"/>
-      <a:lightRig rig="threePt" dir="t"/>
-    </dgm:scene3d>
-    <dgm:sp3d/>
-    <dgm:txPr/>
-    <dgm:style>
-      <a:lnRef idx="2">
-        <a:scrgbClr r="0" g="0" b="0"/>
-      </a:lnRef>
-      <a:fillRef idx="1">
-        <a:scrgbClr r="0" g="0" b="0"/>
-      </a:fillRef>
-      <a:effectRef idx="0">
-        <a:scrgbClr r="0" g="0" b="0"/>
-      </a:effectRef>
-      <a:fontRef idx="minor"/>
-    </dgm:style>
-  </dgm:styleLbl>
-  <dgm:styleLbl name="alignAccFollowNode1">
-    <dgm:scene3d>
-      <a:camera prst="orthographicFront"/>
-      <a:lightRig rig="threePt" dir="t"/>
-    </dgm:scene3d>
-    <dgm:sp3d/>
-    <dgm:txPr/>
-    <dgm:style>
-      <a:lnRef idx="2">
-        <a:scrgbClr r="0" g="0" b="0"/>
-      </a:lnRef>
-      <a:fillRef idx="1">
-        <a:scrgbClr r="0" g="0" b="0"/>
-      </a:fillRef>
-      <a:effectRef idx="0">
-        <a:scrgbClr r="0" g="0" b="0"/>
-      </a:effectRef>
-      <a:fontRef idx="minor"/>
-    </dgm:style>
-  </dgm:styleLbl>
-  <dgm:styleLbl name="bgAccFollowNode1">
-    <dgm:scene3d>
-      <a:camera prst="orthographicFront"/>
-      <a:lightRig rig="threePt" dir="t"/>
-    </dgm:scene3d>
-    <dgm:sp3d/>
-    <dgm:txPr/>
-    <dgm:style>
-      <a:lnRef idx="2">
-        <a:scrgbClr r="0" g="0" b="0"/>
-      </a:lnRef>
-      <a:fillRef idx="1">
-        <a:scrgbClr r="0" g="0" b="0"/>
-      </a:fillRef>
-      <a:effectRef idx="0">
-        <a:scrgbClr r="0" g="0" b="0"/>
-      </a:effectRef>
-      <a:fontRef idx="minor"/>
-    </dgm:style>
-  </dgm:styleLbl>
-  <dgm:styleLbl name="fgAcc0">
-    <dgm:scene3d>
-      <a:camera prst="orthographicFront"/>
-      <a:lightRig rig="threePt" dir="t"/>
-    </dgm:scene3d>
-    <dgm:sp3d/>
-    <dgm:txPr/>
-    <dgm:style>
-      <a:lnRef idx="2">
-        <a:scrgbClr r="0" g="0" b="0"/>
-      </a:lnRef>
-      <a:fillRef idx="1">
-        <a:scrgbClr r="0" g="0" b="0"/>
-      </a:fillRef>
-      <a:effectRef idx="0">
-        <a:scrgbClr r="0" g="0" b="0"/>
-      </a:effectRef>
-      <a:fontRef idx="minor"/>
-    </dgm:style>
-  </dgm:styleLbl>
-  <dgm:styleLbl name="fgAcc2">
-    <dgm:scene3d>
-      <a:camera prst="orthographicFront"/>
-      <a:lightRig rig="threePt" dir="t"/>
-    </dgm:scene3d>
-    <dgm:sp3d/>
-    <dgm:txPr/>
-    <dgm:style>
-      <a:lnRef idx="2">
-        <a:scrgbClr r="0" g="0" b="0"/>
-      </a:lnRef>
-      <a:fillRef idx="1">
-        <a:scrgbClr r="0" g="0" b="0"/>
-      </a:fillRef>
-      <a:effectRef idx="0">
-        <a:scrgbClr r="0" g="0" b="0"/>
-      </a:effectRef>
-      <a:fontRef idx="minor"/>
-    </dgm:style>
-  </dgm:styleLbl>
-  <dgm:styleLbl name="fgAcc3">
-    <dgm:scene3d>
-      <a:camera prst="orthographicFront"/>
-      <a:lightRig rig="threePt" dir="t"/>
-    </dgm:scene3d>
-    <dgm:sp3d/>
-    <dgm:txPr/>
-    <dgm:style>
-      <a:lnRef idx="2">
-        <a:scrgbClr r="0" g="0" b="0"/>
-      </a:lnRef>
-      <a:fillRef idx="1">
-        <a:scrgbClr r="0" g="0" b="0"/>
-      </a:fillRef>
-      <a:effectRef idx="0">
-        <a:scrgbClr r="0" g="0" b="0"/>
-      </a:effectRef>
-      <a:fontRef idx="minor"/>
-    </dgm:style>
-  </dgm:styleLbl>
-  <dgm:styleLbl name="fgAcc4">
-    <dgm:scene3d>
-      <a:camera prst="orthographicFront"/>
-      <a:lightRig rig="threePt" dir="t"/>
-    </dgm:scene3d>
-    <dgm:sp3d/>
-    <dgm:txPr/>
-    <dgm:style>
-      <a:lnRef idx="2">
-        <a:scrgbClr r="0" g="0" b="0"/>
-      </a:lnRef>
-      <a:fillRef idx="1">
-        <a:scrgbClr r="0" g="0" b="0"/>
-      </a:fillRef>
-      <a:effectRef idx="0">
-        <a:scrgbClr r="0" g="0" b="0"/>
-      </a:effectRef>
-      <a:fontRef idx="minor"/>
-    </dgm:style>
-  </dgm:styleLbl>
-  <dgm:styleLbl name="bgShp">
-    <dgm:scene3d>
-      <a:camera prst="orthographicFront"/>
-      <a:lightRig rig="threePt" dir="t"/>
-    </dgm:scene3d>
-    <dgm:sp3d/>
-    <dgm:txPr/>
-    <dgm:style>
-      <a:lnRef idx="0">
-        <a:scrgbClr r="0" g="0" b="0"/>
-      </a:lnRef>
-      <a:fillRef idx="1">
-        <a:scrgbClr r="0" g="0" b="0"/>
-      </a:fillRef>
-      <a:effectRef idx="0">
-        <a:scrgbClr r="0" g="0" b="0"/>
-      </a:effectRef>
-      <a:fontRef idx="minor"/>
-    </dgm:style>
-  </dgm:styleLbl>
-  <dgm:styleLbl name="dkBgShp">
-    <dgm:scene3d>
-      <a:camera prst="orthographicFront"/>
-      <a:lightRig rig="threePt" dir="t"/>
-    </dgm:scene3d>
-    <dgm:sp3d/>
-    <dgm:txPr/>
-    <dgm:style>
-      <a:lnRef idx="0">
-        <a:scrgbClr r="0" g="0" b="0"/>
-      </a:lnRef>
-      <a:fillRef idx="1">
-        <a:scrgbClr r="0" g="0" b="0"/>
-      </a:fillRef>
-      <a:effectRef idx="0">
-        <a:scrgbClr r="0" g="0" b="0"/>
-      </a:effectRef>
-      <a:fontRef idx="minor"/>
-    </dgm:style>
-  </dgm:styleLbl>
-  <dgm:styleLbl name="trBgShp">
-    <dgm:scene3d>
-      <a:camera prst="orthographicFront"/>
-      <a:lightRig rig="threePt" dir="t"/>
-    </dgm:scene3d>
-    <dgm:sp3d/>
-    <dgm:txPr/>
-    <dgm:style>
-      <a:lnRef idx="0">
-        <a:scrgbClr r="0" g="0" b="0"/>
-      </a:lnRef>
-      <a:fillRef idx="1">
-        <a:scrgbClr r="0" g="0" b="0"/>
-      </a:fillRef>
-      <a:effectRef idx="0">
-        <a:scrgbClr r="0" g="0" b="0"/>
-      </a:effectRef>
-      <a:fontRef idx="minor"/>
-    </dgm:style>
-  </dgm:styleLbl>
-  <dgm:styleLbl name="fgShp">
-    <dgm:scene3d>
-      <a:camera prst="orthographicFront"/>
-      <a:lightRig rig="threePt" dir="t"/>
-    </dgm:scene3d>
-    <dgm:sp3d/>
-    <dgm:txPr/>
-    <dgm:style>
-      <a:lnRef idx="2">
-        <a:scrgbClr r="0" g="0" b="0"/>
-      </a:lnRef>
-      <a:fillRef idx="1">
-        <a:scrgbClr r="0" g="0" b="0"/>
-      </a:fillRef>
-      <a:effectRef idx="0">
-        <a:scrgbClr r="0" g="0" b="0"/>
-      </a:effectRef>
-      <a:fontRef idx="minor"/>
-    </dgm:style>
-  </dgm:styleLbl>
-  <dgm:styleLbl name="revTx">
-    <dgm:scene3d>
-      <a:camera prst="orthographicFront"/>
-      <a:lightRig rig="threePt" dir="t"/>
-    </dgm:scene3d>
-    <dgm:sp3d/>
-    <dgm:txPr/>
-    <dgm:style>
-      <a:lnRef idx="0">
-        <a:scrgbClr r="0" g="0" b="0"/>
-      </a:lnRef>
-      <a:fillRef idx="0">
-        <a:scrgbClr r="0" g="0" b="0"/>
-      </a:fillRef>
-      <a:effectRef idx="0">
-        <a:scrgbClr r="0" g="0" b="0"/>
-      </a:effectRef>
-      <a:fontRef idx="minor"/>
-    </dgm:style>
-  </dgm:styleLbl>
-</dgm:styleDef>
-</file>
-
 <file path=ppt/notesMasters/notesMaster1.xml><?xml version="1.0" encoding="utf-8"?>
 <p:notesMaster xmlns:a="http://schemas.openxmlformats.org/drawingml/2006/main" xmlns:r="http://schemas.openxmlformats.org/officeDocument/2006/relationships" xmlns:p="http://schemas.openxmlformats.org/presentationml/2006/main">
   <p:cSld>
@@ -22235,7 +16491,7 @@
           <a:p>
             <a:fld id="{6A97EE88-1032-4708-BFC6-D9F0AB1A7B14}" type="datetimeFigureOut">
               <a:rPr lang="ru-RU" smtClean="0"/>
-              <a:t>21.10.2022</a:t>
+              <a:t>27.10.2022</a:t>
             </a:fld>
             <a:endParaRPr lang="ru-RU"/>
           </a:p>
@@ -23308,7 +17564,7 @@
           <a:p>
             <a:fld id="{BC86CDFC-D9D2-448B-BE32-9C4844ACA2E7}" type="datetimeFigureOut">
               <a:rPr lang="ru-RU" smtClean="0"/>
-              <a:t>21.10.2022</a:t>
+              <a:t>27.10.2022</a:t>
             </a:fld>
             <a:endParaRPr lang="ru-RU"/>
           </a:p>
@@ -23559,7 +17815,7 @@
           <a:p>
             <a:fld id="{BC86CDFC-D9D2-448B-BE32-9C4844ACA2E7}" type="datetimeFigureOut">
               <a:rPr lang="ru-RU" smtClean="0"/>
-              <a:t>21.10.2022</a:t>
+              <a:t>27.10.2022</a:t>
             </a:fld>
             <a:endParaRPr lang="ru-RU"/>
           </a:p>
@@ -23873,7 +18129,7 @@
           <a:p>
             <a:fld id="{BC86CDFC-D9D2-448B-BE32-9C4844ACA2E7}" type="datetimeFigureOut">
               <a:rPr lang="ru-RU" smtClean="0"/>
-              <a:t>21.10.2022</a:t>
+              <a:t>27.10.2022</a:t>
             </a:fld>
             <a:endParaRPr lang="ru-RU"/>
           </a:p>
@@ -24214,7 +18470,7 @@
           <a:p>
             <a:fld id="{BC86CDFC-D9D2-448B-BE32-9C4844ACA2E7}" type="datetimeFigureOut">
               <a:rPr lang="ru-RU" smtClean="0"/>
-              <a:t>21.10.2022</a:t>
+              <a:t>27.10.2022</a:t>
             </a:fld>
             <a:endParaRPr lang="ru-RU"/>
           </a:p>
@@ -24528,7 +18784,7 @@
           <a:p>
             <a:fld id="{BC86CDFC-D9D2-448B-BE32-9C4844ACA2E7}" type="datetimeFigureOut">
               <a:rPr lang="ru-RU" smtClean="0"/>
-              <a:t>21.10.2022</a:t>
+              <a:t>27.10.2022</a:t>
             </a:fld>
             <a:endParaRPr lang="ru-RU"/>
           </a:p>
@@ -24921,7 +19177,7 @@
           <a:p>
             <a:fld id="{BC86CDFC-D9D2-448B-BE32-9C4844ACA2E7}" type="datetimeFigureOut">
               <a:rPr lang="ru-RU" smtClean="0"/>
-              <a:t>21.10.2022</a:t>
+              <a:t>27.10.2022</a:t>
             </a:fld>
             <a:endParaRPr lang="ru-RU"/>
           </a:p>
@@ -25091,7 +19347,7 @@
           <a:p>
             <a:fld id="{BC86CDFC-D9D2-448B-BE32-9C4844ACA2E7}" type="datetimeFigureOut">
               <a:rPr lang="ru-RU" smtClean="0"/>
-              <a:t>21.10.2022</a:t>
+              <a:t>27.10.2022</a:t>
             </a:fld>
             <a:endParaRPr lang="ru-RU"/>
           </a:p>
@@ -25271,7 +19527,7 @@
           <a:p>
             <a:fld id="{BC86CDFC-D9D2-448B-BE32-9C4844ACA2E7}" type="datetimeFigureOut">
               <a:rPr lang="ru-RU" smtClean="0"/>
-              <a:t>21.10.2022</a:t>
+              <a:t>27.10.2022</a:t>
             </a:fld>
             <a:endParaRPr lang="ru-RU"/>
           </a:p>
@@ -25447,7 +19703,7 @@
           <a:p>
             <a:fld id="{BC86CDFC-D9D2-448B-BE32-9C4844ACA2E7}" type="datetimeFigureOut">
               <a:rPr lang="ru-RU" smtClean="0"/>
-              <a:t>21.10.2022</a:t>
+              <a:t>27.10.2022</a:t>
             </a:fld>
             <a:endParaRPr lang="ru-RU"/>
           </a:p>
@@ -25694,7 +19950,7 @@
           <a:p>
             <a:fld id="{BC86CDFC-D9D2-448B-BE32-9C4844ACA2E7}" type="datetimeFigureOut">
               <a:rPr lang="ru-RU" smtClean="0"/>
-              <a:t>21.10.2022</a:t>
+              <a:t>27.10.2022</a:t>
             </a:fld>
             <a:endParaRPr lang="ru-RU"/>
           </a:p>
@@ -25926,7 +20182,7 @@
           <a:p>
             <a:fld id="{BC86CDFC-D9D2-448B-BE32-9C4844ACA2E7}" type="datetimeFigureOut">
               <a:rPr lang="ru-RU" smtClean="0"/>
-              <a:t>21.10.2022</a:t>
+              <a:t>27.10.2022</a:t>
             </a:fld>
             <a:endParaRPr lang="ru-RU"/>
           </a:p>
@@ -26300,7 +20556,7 @@
           <a:p>
             <a:fld id="{BC86CDFC-D9D2-448B-BE32-9C4844ACA2E7}" type="datetimeFigureOut">
               <a:rPr lang="ru-RU" smtClean="0"/>
-              <a:t>21.10.2022</a:t>
+              <a:t>27.10.2022</a:t>
             </a:fld>
             <a:endParaRPr lang="ru-RU"/>
           </a:p>
@@ -26423,7 +20679,7 @@
           <a:p>
             <a:fld id="{BC86CDFC-D9D2-448B-BE32-9C4844ACA2E7}" type="datetimeFigureOut">
               <a:rPr lang="ru-RU" smtClean="0"/>
-              <a:t>21.10.2022</a:t>
+              <a:t>27.10.2022</a:t>
             </a:fld>
             <a:endParaRPr lang="ru-RU"/>
           </a:p>
@@ -26518,7 +20774,7 @@
           <a:p>
             <a:fld id="{BC86CDFC-D9D2-448B-BE32-9C4844ACA2E7}" type="datetimeFigureOut">
               <a:rPr lang="ru-RU" smtClean="0"/>
-              <a:t>21.10.2022</a:t>
+              <a:t>27.10.2022</a:t>
             </a:fld>
             <a:endParaRPr lang="ru-RU"/>
           </a:p>
@@ -26773,7 +21029,7 @@
           <a:p>
             <a:fld id="{BC86CDFC-D9D2-448B-BE32-9C4844ACA2E7}" type="datetimeFigureOut">
               <a:rPr lang="ru-RU" smtClean="0"/>
-              <a:t>21.10.2022</a:t>
+              <a:t>27.10.2022</a:t>
             </a:fld>
             <a:endParaRPr lang="ru-RU"/>
           </a:p>
@@ -27036,7 +21292,7 @@
           <a:p>
             <a:fld id="{BC86CDFC-D9D2-448B-BE32-9C4844ACA2E7}" type="datetimeFigureOut">
               <a:rPr lang="ru-RU" smtClean="0"/>
-              <a:t>21.10.2022</a:t>
+              <a:t>27.10.2022</a:t>
             </a:fld>
             <a:endParaRPr lang="ru-RU"/>
           </a:p>
@@ -27779,7 +22035,7 @@
           <a:p>
             <a:fld id="{BC86CDFC-D9D2-448B-BE32-9C4844ACA2E7}" type="datetimeFigureOut">
               <a:rPr lang="ru-RU" smtClean="0"/>
-              <a:t>21.10.2022</a:t>
+              <a:t>27.10.2022</a:t>
             </a:fld>
             <a:endParaRPr lang="ru-RU"/>
           </a:p>
@@ -29192,16 +23448,8 @@
 </file>
 
 <file path=ppt/slides/slide4.xml><?xml version="1.0" encoding="utf-8"?>
-<p:sld xmlns:a="http://schemas.openxmlformats.org/drawingml/2006/main" xmlns:r="http://schemas.openxmlformats.org/officeDocument/2006/relationships" xmlns:p="http://schemas.openxmlformats.org/presentationml/2006/main" showMasterSp="0">
+<p:sld xmlns:a="http://schemas.openxmlformats.org/drawingml/2006/main" xmlns:r="http://schemas.openxmlformats.org/officeDocument/2006/relationships" xmlns:p="http://schemas.openxmlformats.org/presentationml/2006/main">
   <p:cSld>
-    <p:bg>
-      <p:bgPr>
-        <a:solidFill>
-          <a:schemeClr val="bg1"/>
-        </a:solidFill>
-        <a:effectLst/>
-      </p:bgPr>
-    </p:bg>
     <p:spTree>
       <p:nvGrpSpPr>
         <p:cNvPr id="1" name=""/>
@@ -29221,7 +23469,7 @@
           <p:cNvPr id="2" name="Заголовок 1">
             <a:extLst>
               <a:ext uri="{FF2B5EF4-FFF2-40B4-BE49-F238E27FC236}">
-                <a16:creationId xmlns:a16="http://schemas.microsoft.com/office/drawing/2014/main" id="{D330075E-F027-117A-8826-6885E128E5DD}"/>
+                <a16:creationId xmlns:a16="http://schemas.microsoft.com/office/drawing/2014/main" id="{12F9580F-F988-FB77-9C85-6AE76A4C8853}"/>
               </a:ext>
             </a:extLst>
           </p:cNvPr>
@@ -29246,7 +23494,7 @@
           <p:cNvPr id="6" name="Объект 5">
             <a:extLst>
               <a:ext uri="{FF2B5EF4-FFF2-40B4-BE49-F238E27FC236}">
-                <a16:creationId xmlns:a16="http://schemas.microsoft.com/office/drawing/2014/main" id="{43ADF326-436C-1EA5-7D10-A0976B652AB8}"/>
+                <a16:creationId xmlns:a16="http://schemas.microsoft.com/office/drawing/2014/main" id="{619DF67D-1B09-43B9-EFA9-96C21C33937E}"/>
               </a:ext>
             </a:extLst>
           </p:cNvPr>
@@ -29257,25 +23505,25 @@
             <p:ph idx="1"/>
             <p:extLst>
               <p:ext uri="{D42A27DB-BD31-4B8C-83A1-F6EECF244321}">
-                <p14:modId xmlns:p14="http://schemas.microsoft.com/office/powerpoint/2010/main" val="3318478327"/>
+                <p14:modId xmlns:p14="http://schemas.microsoft.com/office/powerpoint/2010/main" val="1440177362"/>
               </p:ext>
             </p:extLst>
           </p:nvPr>
         </p:nvGraphicFramePr>
         <p:xfrm>
-          <a:off x="0" y="0"/>
-          <a:ext cx="12192000" cy="6858000"/>
+          <a:off x="-1" y="0"/>
+          <a:ext cx="9988063" cy="6858000"/>
         </p:xfrm>
         <a:graphic>
-          <a:graphicData uri="http://schemas.openxmlformats.org/drawingml/2006/diagram">
-            <dgm:relIds xmlns:dgm="http://schemas.openxmlformats.org/drawingml/2006/diagram" xmlns:r="http://schemas.openxmlformats.org/officeDocument/2006/relationships" r:dm="rId2" r:lo="rId3" r:qs="rId4" r:cs="rId5"/>
+          <a:graphicData uri="http://schemas.openxmlformats.org/drawingml/2006/chart">
+            <c:chart xmlns:c="http://schemas.openxmlformats.org/drawingml/2006/chart" xmlns:r="http://schemas.openxmlformats.org/officeDocument/2006/relationships" r:id="rId2"/>
           </a:graphicData>
         </a:graphic>
       </p:graphicFrame>
     </p:spTree>
     <p:extLst>
       <p:ext uri="{BB962C8B-B14F-4D97-AF65-F5344CB8AC3E}">
-        <p14:creationId xmlns:p14="http://schemas.microsoft.com/office/powerpoint/2010/main" val="3497739382"/>
+        <p14:creationId xmlns:p14="http://schemas.microsoft.com/office/powerpoint/2010/main" val="2814640580"/>
       </p:ext>
     </p:extLst>
   </p:cSld>
@@ -29754,27 +24002,34 @@
           <a:p>
             <a:r>
               <a:rPr lang="ru-RU" dirty="0"/>
-              <a:t>Максимальное устранение </a:t>
-            </a:r>
-            <a:r>
-              <a:rPr lang="ru-RU" dirty="0" err="1"/>
-              <a:t>человеского</a:t>
-            </a:r>
-            <a:r>
-              <a:rPr lang="ru-RU" dirty="0"/>
-              <a:t> фактора на всех стадиях ведения строительства.</a:t>
+              <a:t>Максимальное устранение человеческого фактора на всех стадиях ведения строительства.</a:t>
             </a:r>
           </a:p>
           <a:p>
             <a:r>
               <a:rPr lang="ru-RU" dirty="0"/>
-              <a:t>Цифровизация все документационной деятельности для упрощения процедуры проверки ее на законность </a:t>
+              <a:t>Цифровизация всей документационной деятельности для упрощения процедуры проверки ее на законность и подлинность.</a:t>
+            </a:r>
+          </a:p>
+          <a:p>
+            <a:r>
+              <a:rPr lang="ru-RU" dirty="0"/>
+              <a:t>Составление лицензионной комиссии из лиц</a:t>
             </a:r>
             <a:r>
-              <a:rPr lang="ru-RU"/>
-              <a:t>и подлинность</a:t>
+              <a:rPr lang="en-US" dirty="0"/>
+              <a:t>,</a:t>
             </a:r>
-            <a:endParaRPr lang="ru-RU" dirty="0"/>
+            <a:r>
+              <a:rPr lang="ru-RU" dirty="0"/>
+              <a:t> никак не причастных друг к другу.</a:t>
+            </a:r>
+          </a:p>
+          <a:p>
+            <a:r>
+              <a:rPr lang="ru-RU" dirty="0"/>
+              <a:t>Проведение тестирования для кандидатов в условиях изоляции. </a:t>
+            </a:r>
           </a:p>
         </p:txBody>
       </p:sp>
